--- a/Test Driven Development/materials/pptx/3. TDD-Code-Coverage.pptx
+++ b/Test Driven Development/materials/pptx/3. TDD-Code-Coverage.pptx
@@ -7,50 +7,49 @@
     <p:sldMasterId id="2147483694" r:id="rId3"/>
   </p:sldMasterIdLst>
   <p:notesMasterIdLst>
-    <p:notesMasterId r:id="rId45"/>
+    <p:notesMasterId r:id="rId44"/>
   </p:notesMasterIdLst>
   <p:sldIdLst>
     <p:sldId id="355" r:id="rId4"/>
-    <p:sldId id="257" r:id="rId5"/>
-    <p:sldId id="375" r:id="rId6"/>
-    <p:sldId id="376" r:id="rId7"/>
-    <p:sldId id="377" r:id="rId8"/>
-    <p:sldId id="378" r:id="rId9"/>
-    <p:sldId id="379" r:id="rId10"/>
-    <p:sldId id="380" r:id="rId11"/>
-    <p:sldId id="381" r:id="rId12"/>
-    <p:sldId id="382" r:id="rId13"/>
-    <p:sldId id="383" r:id="rId14"/>
-    <p:sldId id="384" r:id="rId15"/>
-    <p:sldId id="385" r:id="rId16"/>
-    <p:sldId id="386" r:id="rId17"/>
-    <p:sldId id="387" r:id="rId18"/>
-    <p:sldId id="388" r:id="rId19"/>
-    <p:sldId id="389" r:id="rId20"/>
-    <p:sldId id="390" r:id="rId21"/>
-    <p:sldId id="391" r:id="rId22"/>
-    <p:sldId id="392" r:id="rId23"/>
-    <p:sldId id="393" r:id="rId24"/>
-    <p:sldId id="394" r:id="rId25"/>
-    <p:sldId id="395" r:id="rId26"/>
-    <p:sldId id="396" r:id="rId27"/>
-    <p:sldId id="397" r:id="rId28"/>
-    <p:sldId id="398" r:id="rId29"/>
-    <p:sldId id="399" r:id="rId30"/>
-    <p:sldId id="400" r:id="rId31"/>
-    <p:sldId id="401" r:id="rId32"/>
-    <p:sldId id="402" r:id="rId33"/>
-    <p:sldId id="403" r:id="rId34"/>
-    <p:sldId id="404" r:id="rId35"/>
-    <p:sldId id="405" r:id="rId36"/>
-    <p:sldId id="406" r:id="rId37"/>
-    <p:sldId id="407" r:id="rId38"/>
-    <p:sldId id="408" r:id="rId39"/>
-    <p:sldId id="409" r:id="rId40"/>
-    <p:sldId id="410" r:id="rId41"/>
-    <p:sldId id="411" r:id="rId42"/>
-    <p:sldId id="357" r:id="rId43"/>
-    <p:sldId id="356" r:id="rId44"/>
+    <p:sldId id="375" r:id="rId5"/>
+    <p:sldId id="376" r:id="rId6"/>
+    <p:sldId id="377" r:id="rId7"/>
+    <p:sldId id="378" r:id="rId8"/>
+    <p:sldId id="379" r:id="rId9"/>
+    <p:sldId id="380" r:id="rId10"/>
+    <p:sldId id="381" r:id="rId11"/>
+    <p:sldId id="382" r:id="rId12"/>
+    <p:sldId id="383" r:id="rId13"/>
+    <p:sldId id="384" r:id="rId14"/>
+    <p:sldId id="385" r:id="rId15"/>
+    <p:sldId id="386" r:id="rId16"/>
+    <p:sldId id="387" r:id="rId17"/>
+    <p:sldId id="388" r:id="rId18"/>
+    <p:sldId id="389" r:id="rId19"/>
+    <p:sldId id="390" r:id="rId20"/>
+    <p:sldId id="391" r:id="rId21"/>
+    <p:sldId id="392" r:id="rId22"/>
+    <p:sldId id="393" r:id="rId23"/>
+    <p:sldId id="394" r:id="rId24"/>
+    <p:sldId id="395" r:id="rId25"/>
+    <p:sldId id="396" r:id="rId26"/>
+    <p:sldId id="397" r:id="rId27"/>
+    <p:sldId id="398" r:id="rId28"/>
+    <p:sldId id="399" r:id="rId29"/>
+    <p:sldId id="400" r:id="rId30"/>
+    <p:sldId id="401" r:id="rId31"/>
+    <p:sldId id="402" r:id="rId32"/>
+    <p:sldId id="403" r:id="rId33"/>
+    <p:sldId id="404" r:id="rId34"/>
+    <p:sldId id="405" r:id="rId35"/>
+    <p:sldId id="406" r:id="rId36"/>
+    <p:sldId id="407" r:id="rId37"/>
+    <p:sldId id="408" r:id="rId38"/>
+    <p:sldId id="409" r:id="rId39"/>
+    <p:sldId id="410" r:id="rId40"/>
+    <p:sldId id="411" r:id="rId41"/>
+    <p:sldId id="357" r:id="rId42"/>
+    <p:sldId id="356" r:id="rId43"/>
   </p:sldIdLst>
   <p:sldSz cx="9144000" cy="6858000" type="screen4x3"/>
   <p:notesSz cx="6858000" cy="9144000"/>
@@ -234,7 +233,7 @@
           <a:p>
             <a:fld id="{B946ECE3-FD69-FE4C-B5B3-E9526994F809}" type="datetimeFigureOut">
               <a:rPr lang="en-US" smtClean="0"/>
-              <a:t>11/1/12</a:t>
+              <a:t>12/7/2012</a:t>
             </a:fld>
             <a:endParaRPr lang="en-US"/>
           </a:p>
@@ -584,7 +583,7 @@
           <a:p>
             <a:fld id="{3A3568CC-110C-4346-A0AE-B1FBECAA9176}" type="slidenum">
               <a:rPr lang="en-US" smtClean="0"/>
-              <a:t>3</a:t>
+              <a:t>2</a:t>
             </a:fld>
             <a:endParaRPr lang="en-US" dirty="0"/>
           </a:p>
@@ -668,7 +667,7 @@
           <a:p>
             <a:fld id="{3A3568CC-110C-4346-A0AE-B1FBECAA9176}" type="slidenum">
               <a:rPr lang="en-US" smtClean="0"/>
-              <a:t>12</a:t>
+              <a:t>11</a:t>
             </a:fld>
             <a:endParaRPr lang="en-US"/>
           </a:p>
@@ -752,7 +751,7 @@
           <a:p>
             <a:fld id="{3A3568CC-110C-4346-A0AE-B1FBECAA9176}" type="slidenum">
               <a:rPr lang="en-US" smtClean="0"/>
-              <a:t>13</a:t>
+              <a:t>12</a:t>
             </a:fld>
             <a:endParaRPr lang="en-US"/>
           </a:p>
@@ -836,7 +835,7 @@
           <a:p>
             <a:fld id="{3A3568CC-110C-4346-A0AE-B1FBECAA9176}" type="slidenum">
               <a:rPr lang="en-US" smtClean="0"/>
-              <a:t>14</a:t>
+              <a:t>13</a:t>
             </a:fld>
             <a:endParaRPr lang="en-US"/>
           </a:p>
@@ -920,7 +919,7 @@
           <a:p>
             <a:fld id="{3A3568CC-110C-4346-A0AE-B1FBECAA9176}" type="slidenum">
               <a:rPr lang="en-US" smtClean="0"/>
-              <a:t>15</a:t>
+              <a:t>14</a:t>
             </a:fld>
             <a:endParaRPr lang="en-US"/>
           </a:p>
@@ -1004,7 +1003,7 @@
           <a:p>
             <a:fld id="{3A3568CC-110C-4346-A0AE-B1FBECAA9176}" type="slidenum">
               <a:rPr lang="en-US" smtClean="0"/>
-              <a:t>16</a:t>
+              <a:t>15</a:t>
             </a:fld>
             <a:endParaRPr lang="en-US"/>
           </a:p>
@@ -1088,7 +1087,7 @@
           <a:p>
             <a:fld id="{3A3568CC-110C-4346-A0AE-B1FBECAA9176}" type="slidenum">
               <a:rPr lang="en-US" smtClean="0"/>
-              <a:t>17</a:t>
+              <a:t>16</a:t>
             </a:fld>
             <a:endParaRPr lang="en-US"/>
           </a:p>
@@ -1172,7 +1171,7 @@
           <a:p>
             <a:fld id="{3A3568CC-110C-4346-A0AE-B1FBECAA9176}" type="slidenum">
               <a:rPr lang="en-US" smtClean="0"/>
-              <a:t>18</a:t>
+              <a:t>17</a:t>
             </a:fld>
             <a:endParaRPr lang="en-US"/>
           </a:p>
@@ -1256,7 +1255,7 @@
           <a:p>
             <a:fld id="{3A3568CC-110C-4346-A0AE-B1FBECAA9176}" type="slidenum">
               <a:rPr lang="en-US" smtClean="0"/>
-              <a:t>19</a:t>
+              <a:t>18</a:t>
             </a:fld>
             <a:endParaRPr lang="en-US"/>
           </a:p>
@@ -1340,7 +1339,7 @@
           <a:p>
             <a:fld id="{3A3568CC-110C-4346-A0AE-B1FBECAA9176}" type="slidenum">
               <a:rPr lang="en-US" smtClean="0"/>
-              <a:t>20</a:t>
+              <a:t>19</a:t>
             </a:fld>
             <a:endParaRPr lang="en-US"/>
           </a:p>
@@ -1424,7 +1423,7 @@
           <a:p>
             <a:fld id="{3A3568CC-110C-4346-A0AE-B1FBECAA9176}" type="slidenum">
               <a:rPr lang="en-US" smtClean="0"/>
-              <a:t>21</a:t>
+              <a:t>20</a:t>
             </a:fld>
             <a:endParaRPr lang="en-US"/>
           </a:p>
@@ -1508,7 +1507,7 @@
           <a:p>
             <a:fld id="{3A3568CC-110C-4346-A0AE-B1FBECAA9176}" type="slidenum">
               <a:rPr lang="en-US" smtClean="0"/>
-              <a:t>4</a:t>
+              <a:t>3</a:t>
             </a:fld>
             <a:endParaRPr lang="en-US"/>
           </a:p>
@@ -1592,7 +1591,7 @@
           <a:p>
             <a:fld id="{3A3568CC-110C-4346-A0AE-B1FBECAA9176}" type="slidenum">
               <a:rPr lang="en-US" smtClean="0"/>
-              <a:t>22</a:t>
+              <a:t>21</a:t>
             </a:fld>
             <a:endParaRPr lang="en-US"/>
           </a:p>
@@ -1676,7 +1675,7 @@
           <a:p>
             <a:fld id="{3A3568CC-110C-4346-A0AE-B1FBECAA9176}" type="slidenum">
               <a:rPr lang="en-US" smtClean="0"/>
-              <a:t>23</a:t>
+              <a:t>22</a:t>
             </a:fld>
             <a:endParaRPr lang="en-US"/>
           </a:p>
@@ -1760,7 +1759,7 @@
           <a:p>
             <a:fld id="{3A3568CC-110C-4346-A0AE-B1FBECAA9176}" type="slidenum">
               <a:rPr lang="en-US" smtClean="0"/>
-              <a:t>24</a:t>
+              <a:t>23</a:t>
             </a:fld>
             <a:endParaRPr lang="en-US"/>
           </a:p>
@@ -1844,7 +1843,7 @@
           <a:p>
             <a:fld id="{3A3568CC-110C-4346-A0AE-B1FBECAA9176}" type="slidenum">
               <a:rPr lang="en-US" smtClean="0"/>
-              <a:t>25</a:t>
+              <a:t>24</a:t>
             </a:fld>
             <a:endParaRPr lang="en-US"/>
           </a:p>
@@ -1928,7 +1927,7 @@
           <a:p>
             <a:fld id="{3A3568CC-110C-4346-A0AE-B1FBECAA9176}" type="slidenum">
               <a:rPr lang="en-US" smtClean="0"/>
-              <a:t>26</a:t>
+              <a:t>25</a:t>
             </a:fld>
             <a:endParaRPr lang="en-US"/>
           </a:p>
@@ -2012,7 +2011,7 @@
           <a:p>
             <a:fld id="{3A3568CC-110C-4346-A0AE-B1FBECAA9176}" type="slidenum">
               <a:rPr lang="en-US" smtClean="0"/>
-              <a:t>27</a:t>
+              <a:t>26</a:t>
             </a:fld>
             <a:endParaRPr lang="en-US"/>
           </a:p>
@@ -2096,7 +2095,7 @@
           <a:p>
             <a:fld id="{3A3568CC-110C-4346-A0AE-B1FBECAA9176}" type="slidenum">
               <a:rPr lang="en-US" smtClean="0"/>
-              <a:t>28</a:t>
+              <a:t>27</a:t>
             </a:fld>
             <a:endParaRPr lang="en-US"/>
           </a:p>
@@ -2180,7 +2179,7 @@
           <a:p>
             <a:fld id="{3A3568CC-110C-4346-A0AE-B1FBECAA9176}" type="slidenum">
               <a:rPr lang="en-US" smtClean="0"/>
-              <a:t>29</a:t>
+              <a:t>28</a:t>
             </a:fld>
             <a:endParaRPr lang="en-US"/>
           </a:p>
@@ -2264,7 +2263,7 @@
           <a:p>
             <a:fld id="{3A3568CC-110C-4346-A0AE-B1FBECAA9176}" type="slidenum">
               <a:rPr lang="en-US" smtClean="0"/>
-              <a:t>30</a:t>
+              <a:t>29</a:t>
             </a:fld>
             <a:endParaRPr lang="en-US"/>
           </a:p>
@@ -2348,7 +2347,7 @@
           <a:p>
             <a:fld id="{3A3568CC-110C-4346-A0AE-B1FBECAA9176}" type="slidenum">
               <a:rPr lang="en-US" smtClean="0"/>
-              <a:t>31</a:t>
+              <a:t>30</a:t>
             </a:fld>
             <a:endParaRPr lang="en-US"/>
           </a:p>
@@ -2432,7 +2431,7 @@
           <a:p>
             <a:fld id="{3A3568CC-110C-4346-A0AE-B1FBECAA9176}" type="slidenum">
               <a:rPr lang="en-US" smtClean="0"/>
-              <a:t>5</a:t>
+              <a:t>4</a:t>
             </a:fld>
             <a:endParaRPr lang="en-US"/>
           </a:p>
@@ -2516,7 +2515,7 @@
           <a:p>
             <a:fld id="{3A3568CC-110C-4346-A0AE-B1FBECAA9176}" type="slidenum">
               <a:rPr lang="en-US" smtClean="0"/>
-              <a:t>32</a:t>
+              <a:t>31</a:t>
             </a:fld>
             <a:endParaRPr lang="en-US"/>
           </a:p>
@@ -2600,7 +2599,7 @@
           <a:p>
             <a:fld id="{3A3568CC-110C-4346-A0AE-B1FBECAA9176}" type="slidenum">
               <a:rPr lang="en-US" smtClean="0"/>
-              <a:t>33</a:t>
+              <a:t>32</a:t>
             </a:fld>
             <a:endParaRPr lang="en-US"/>
           </a:p>
@@ -2684,7 +2683,7 @@
           <a:p>
             <a:fld id="{3A3568CC-110C-4346-A0AE-B1FBECAA9176}" type="slidenum">
               <a:rPr lang="en-US" smtClean="0"/>
-              <a:t>34</a:t>
+              <a:t>33</a:t>
             </a:fld>
             <a:endParaRPr lang="en-US"/>
           </a:p>
@@ -2768,7 +2767,7 @@
           <a:p>
             <a:fld id="{3A3568CC-110C-4346-A0AE-B1FBECAA9176}" type="slidenum">
               <a:rPr lang="en-US" smtClean="0"/>
-              <a:t>35</a:t>
+              <a:t>34</a:t>
             </a:fld>
             <a:endParaRPr lang="en-US"/>
           </a:p>
@@ -2852,7 +2851,7 @@
           <a:p>
             <a:fld id="{3A3568CC-110C-4346-A0AE-B1FBECAA9176}" type="slidenum">
               <a:rPr lang="en-US" smtClean="0"/>
-              <a:t>36</a:t>
+              <a:t>35</a:t>
             </a:fld>
             <a:endParaRPr lang="en-US"/>
           </a:p>
@@ -2936,7 +2935,7 @@
           <a:p>
             <a:fld id="{3A3568CC-110C-4346-A0AE-B1FBECAA9176}" type="slidenum">
               <a:rPr lang="en-US" smtClean="0"/>
-              <a:t>37</a:t>
+              <a:t>36</a:t>
             </a:fld>
             <a:endParaRPr lang="en-US"/>
           </a:p>
@@ -3020,7 +3019,7 @@
           <a:p>
             <a:fld id="{3A3568CC-110C-4346-A0AE-B1FBECAA9176}" type="slidenum">
               <a:rPr lang="en-US" smtClean="0"/>
-              <a:t>38</a:t>
+              <a:t>37</a:t>
             </a:fld>
             <a:endParaRPr lang="en-US"/>
           </a:p>
@@ -3104,7 +3103,7 @@
           <a:p>
             <a:fld id="{3A3568CC-110C-4346-A0AE-B1FBECAA9176}" type="slidenum">
               <a:rPr lang="en-US" smtClean="0"/>
-              <a:t>39</a:t>
+              <a:t>38</a:t>
             </a:fld>
             <a:endParaRPr lang="en-US"/>
           </a:p>
@@ -3188,7 +3187,7 @@
           <a:p>
             <a:fld id="{3A3568CC-110C-4346-A0AE-B1FBECAA9176}" type="slidenum">
               <a:rPr lang="en-US" smtClean="0"/>
-              <a:t>6</a:t>
+              <a:t>5</a:t>
             </a:fld>
             <a:endParaRPr lang="en-US"/>
           </a:p>
@@ -3272,7 +3271,7 @@
           <a:p>
             <a:fld id="{3A3568CC-110C-4346-A0AE-B1FBECAA9176}" type="slidenum">
               <a:rPr lang="en-US" smtClean="0"/>
-              <a:t>7</a:t>
+              <a:t>6</a:t>
             </a:fld>
             <a:endParaRPr lang="en-US"/>
           </a:p>
@@ -3356,7 +3355,7 @@
           <a:p>
             <a:fld id="{3A3568CC-110C-4346-A0AE-B1FBECAA9176}" type="slidenum">
               <a:rPr lang="en-US" smtClean="0"/>
-              <a:t>8</a:t>
+              <a:t>7</a:t>
             </a:fld>
             <a:endParaRPr lang="en-US"/>
           </a:p>
@@ -3440,7 +3439,7 @@
           <a:p>
             <a:fld id="{3A3568CC-110C-4346-A0AE-B1FBECAA9176}" type="slidenum">
               <a:rPr lang="en-US" smtClean="0"/>
-              <a:t>9</a:t>
+              <a:t>8</a:t>
             </a:fld>
             <a:endParaRPr lang="en-US"/>
           </a:p>
@@ -3524,7 +3523,7 @@
           <a:p>
             <a:fld id="{3A3568CC-110C-4346-A0AE-B1FBECAA9176}" type="slidenum">
               <a:rPr lang="en-US" smtClean="0"/>
-              <a:t>10</a:t>
+              <a:t>9</a:t>
             </a:fld>
             <a:endParaRPr lang="en-US"/>
           </a:p>
@@ -3608,7 +3607,7 @@
           <a:p>
             <a:fld id="{3A3568CC-110C-4346-A0AE-B1FBECAA9176}" type="slidenum">
               <a:rPr lang="en-US" smtClean="0"/>
-              <a:t>11</a:t>
+              <a:t>10</a:t>
             </a:fld>
             <a:endParaRPr lang="en-US"/>
           </a:p>
@@ -3808,7 +3807,7 @@
           <a:p>
             <a:fld id="{7793EDCB-5B64-3143-AFED-AA1357A092FA}" type="datetimeFigureOut">
               <a:rPr lang="en-US" smtClean="0"/>
-              <a:t>11/1/12</a:t>
+              <a:t>12/7/2012</a:t>
             </a:fld>
             <a:endParaRPr lang="en-US"/>
           </a:p>
@@ -3978,7 +3977,7 @@
           <a:p>
             <a:fld id="{7793EDCB-5B64-3143-AFED-AA1357A092FA}" type="datetimeFigureOut">
               <a:rPr lang="en-US" smtClean="0"/>
-              <a:t>11/1/12</a:t>
+              <a:t>12/7/2012</a:t>
             </a:fld>
             <a:endParaRPr lang="en-US"/>
           </a:p>
@@ -4158,7 +4157,7 @@
           <a:p>
             <a:fld id="{7793EDCB-5B64-3143-AFED-AA1357A092FA}" type="datetimeFigureOut">
               <a:rPr lang="en-US" smtClean="0"/>
-              <a:t>11/1/12</a:t>
+              <a:t>12/7/2012</a:t>
             </a:fld>
             <a:endParaRPr lang="en-US"/>
           </a:p>
@@ -4270,14 +4269,14 @@
             <a:noFill/>
           </a:ln>
           <a:extLst>
-            <a:ext uri="{909E8E84-426E-40dd-AFC4-6F175D3DCCD1}">
+            <a:ext uri="{909E8E84-426E-40DD-AFC4-6F175D3DCCD1}">
               <a14:hiddenFill xmlns:a14="http://schemas.microsoft.com/office/drawing/2010/main">
                 <a:solidFill>
                   <a:srgbClr val="FFFFFF"/>
                 </a:solidFill>
               </a14:hiddenFill>
             </a:ext>
-            <a:ext uri="{91240B29-F687-4f45-9708-019B960494DF}">
+            <a:ext uri="{91240B29-F687-4F45-9708-019B960494DF}">
               <a14:hiddenLine xmlns:a14="http://schemas.microsoft.com/office/drawing/2010/main" w="9525">
                 <a:solidFill>
                   <a:srgbClr val="000000"/>
@@ -4324,14 +4323,14 @@
             <a:noFill/>
           </a:ln>
           <a:extLst>
-            <a:ext uri="{909E8E84-426E-40dd-AFC4-6F175D3DCCD1}">
+            <a:ext uri="{909E8E84-426E-40DD-AFC4-6F175D3DCCD1}">
               <a14:hiddenFill xmlns:a14="http://schemas.microsoft.com/office/drawing/2010/main">
                 <a:solidFill>
                   <a:srgbClr val="FFFFFF"/>
                 </a:solidFill>
               </a14:hiddenFill>
             </a:ext>
-            <a:ext uri="{91240B29-F687-4f45-9708-019B960494DF}">
+            <a:ext uri="{91240B29-F687-4F45-9708-019B960494DF}">
               <a14:hiddenLine xmlns:a14="http://schemas.microsoft.com/office/drawing/2010/main" w="9525">
                 <a:solidFill>
                   <a:srgbClr val="000000"/>
@@ -4426,7 +4425,7 @@
   <p:clrMapOvr>
     <a:masterClrMapping/>
   </p:clrMapOvr>
-  <p:transition xmlns:p14="http://schemas.microsoft.com/office/powerpoint/2010/main" spd="slow">
+  <p:transition spd="slow">
     <p:fade/>
   </p:transition>
 </p:sldLayout>
@@ -4655,7 +4654,7 @@
   <p:clrMapOvr>
     <a:masterClrMapping/>
   </p:clrMapOvr>
-  <p:transition xmlns:p14="http://schemas.microsoft.com/office/powerpoint/2010/main" spd="slow">
+  <p:transition spd="slow">
     <p:fade/>
   </p:transition>
 </p:sldLayout>
@@ -4897,7 +4896,7 @@
   <p:clrMapOvr>
     <a:masterClrMapping/>
   </p:clrMapOvr>
-  <p:transition xmlns:p14="http://schemas.microsoft.com/office/powerpoint/2010/main" spd="slow">
+  <p:transition spd="slow">
     <p:fade/>
   </p:transition>
 </p:sldLayout>
@@ -5311,7 +5310,7 @@
   <p:clrMapOvr>
     <a:masterClrMapping/>
   </p:clrMapOvr>
-  <p:transition xmlns:p14="http://schemas.microsoft.com/office/powerpoint/2010/main" spd="slow">
+  <p:transition spd="slow">
     <p:fade/>
   </p:transition>
 </p:sldLayout>
@@ -5681,7 +5680,7 @@
   <p:clrMapOvr>
     <a:masterClrMapping/>
   </p:clrMapOvr>
-  <p:transition xmlns:p14="http://schemas.microsoft.com/office/powerpoint/2010/main" spd="slow">
+  <p:transition spd="slow">
     <p:fade/>
   </p:transition>
 </p:sldLayout>
@@ -6351,7 +6350,7 @@
   <p:clrMapOvr>
     <a:masterClrMapping/>
   </p:clrMapOvr>
-  <p:transition xmlns:p14="http://schemas.microsoft.com/office/powerpoint/2010/main" spd="slow">
+  <p:transition spd="slow">
     <p:fade/>
   </p:transition>
 </p:sldLayout>
@@ -6676,7 +6675,7 @@
   <p:clrMapOvr>
     <a:masterClrMapping/>
   </p:clrMapOvr>
-  <p:transition xmlns:p14="http://schemas.microsoft.com/office/powerpoint/2010/main" spd="slow">
+  <p:transition spd="slow">
     <p:fade/>
   </p:transition>
 </p:sldLayout>
@@ -7086,7 +7085,7 @@
   <p:clrMapOvr>
     <a:masterClrMapping/>
   </p:clrMapOvr>
-  <p:transition xmlns:p14="http://schemas.microsoft.com/office/powerpoint/2010/main" spd="slow">
+  <p:transition spd="slow">
     <p:fade/>
   </p:transition>
 </p:sldLayout>
@@ -7201,7 +7200,7 @@
           <a:p>
             <a:fld id="{7793EDCB-5B64-3143-AFED-AA1357A092FA}" type="datetimeFigureOut">
               <a:rPr lang="en-US" smtClean="0"/>
-              <a:t>11/1/12</a:t>
+              <a:t>12/7/2012</a:t>
             </a:fld>
             <a:endParaRPr lang="en-US"/>
           </a:p>
@@ -7581,7 +7580,7 @@
   <p:clrMapOvr>
     <a:masterClrMapping/>
   </p:clrMapOvr>
-  <p:transition xmlns:p14="http://schemas.microsoft.com/office/powerpoint/2010/main" spd="slow">
+  <p:transition spd="slow">
     <p:fade/>
   </p:transition>
 </p:sldLayout>
@@ -7991,7 +7990,7 @@
   <p:clrMapOvr>
     <a:masterClrMapping/>
   </p:clrMapOvr>
-  <p:transition xmlns:p14="http://schemas.microsoft.com/office/powerpoint/2010/main" spd="slow">
+  <p:transition spd="slow">
     <p:fade/>
   </p:transition>
 </p:sldLayout>
@@ -8316,7 +8315,7 @@
   <p:clrMapOvr>
     <a:masterClrMapping/>
   </p:clrMapOvr>
-  <p:transition xmlns:p14="http://schemas.microsoft.com/office/powerpoint/2010/main" spd="slow">
+  <p:transition spd="slow">
     <p:fade/>
   </p:transition>
 </p:sldLayout>
@@ -8641,7 +8640,7 @@
   <p:clrMapOvr>
     <a:masterClrMapping/>
   </p:clrMapOvr>
-  <p:transition xmlns:p14="http://schemas.microsoft.com/office/powerpoint/2010/main" spd="slow">
+  <p:transition spd="slow">
     <p:fade/>
   </p:transition>
 </p:sldLayout>
@@ -9051,7 +9050,7 @@
   <p:clrMapOvr>
     <a:masterClrMapping/>
   </p:clrMapOvr>
-  <p:transition xmlns:p14="http://schemas.microsoft.com/office/powerpoint/2010/main" spd="slow">
+  <p:transition spd="slow">
     <p:fade/>
   </p:transition>
 </p:sldLayout>
@@ -9461,7 +9460,7 @@
   <p:clrMapOvr>
     <a:masterClrMapping/>
   </p:clrMapOvr>
-  <p:transition xmlns:p14="http://schemas.microsoft.com/office/powerpoint/2010/main" spd="slow">
+  <p:transition spd="slow">
     <p:fade/>
   </p:transition>
 </p:sldLayout>
@@ -9653,7 +9652,7 @@
   <p:clrMapOvr>
     <a:masterClrMapping/>
   </p:clrMapOvr>
-  <p:transition xmlns:p14="http://schemas.microsoft.com/office/powerpoint/2010/main" spd="slow">
+  <p:transition spd="slow">
     <p:fade/>
   </p:transition>
 </p:sldLayout>
@@ -9739,7 +9738,7 @@
   <p:clrMapOvr>
     <a:masterClrMapping/>
   </p:clrMapOvr>
-  <p:transition xmlns:p14="http://schemas.microsoft.com/office/powerpoint/2010/main" spd="slow">
+  <p:transition spd="slow">
     <p:fade/>
   </p:transition>
 </p:sldLayout>
@@ -9893,7 +9892,7 @@
                   <a:spcPct val="0"/>
                 </a:spcAft>
               </a:pPr>
-              <a:t>11/1/12</a:t>
+              <a:t>07.12.2012</a:t>
             </a:fld>
             <a:endParaRPr lang="ru-RU">
               <a:solidFill>
@@ -10063,7 +10062,7 @@
   <p:clrMapOvr>
     <a:masterClrMapping/>
   </p:clrMapOvr>
-  <p:transition xmlns:p14="http://schemas.microsoft.com/office/powerpoint/2010/main" spd="slow">
+  <p:transition spd="slow">
     <p:fade/>
   </p:transition>
 </p:sldLayout>
@@ -10254,7 +10253,7 @@
           <a:p>
             <a:fld id="{7793EDCB-5B64-3143-AFED-AA1357A092FA}" type="datetimeFigureOut">
               <a:rPr lang="en-US" smtClean="0"/>
-              <a:t>11/1/12</a:t>
+              <a:t>12/7/2012</a:t>
             </a:fld>
             <a:endParaRPr lang="en-US"/>
           </a:p>
@@ -10497,14 +10496,14 @@
             <a:noFill/>
           </a:ln>
           <a:extLst>
-            <a:ext uri="{909E8E84-426E-40dd-AFC4-6F175D3DCCD1}">
+            <a:ext uri="{909E8E84-426E-40DD-AFC4-6F175D3DCCD1}">
               <a14:hiddenFill xmlns:a14="http://schemas.microsoft.com/office/drawing/2010/main">
                 <a:solidFill>
                   <a:srgbClr val="FFFFFF"/>
                 </a:solidFill>
               </a14:hiddenFill>
             </a:ext>
-            <a:ext uri="{91240B29-F687-4f45-9708-019B960494DF}">
+            <a:ext uri="{91240B29-F687-4F45-9708-019B960494DF}">
               <a14:hiddenLine xmlns:a14="http://schemas.microsoft.com/office/drawing/2010/main" w="9525">
                 <a:solidFill>
                   <a:srgbClr val="000000"/>
@@ -10640,14 +10639,14 @@
             <a:noFill/>
           </a:ln>
           <a:extLst>
-            <a:ext uri="{909E8E84-426E-40dd-AFC4-6F175D3DCCD1}">
+            <a:ext uri="{909E8E84-426E-40DD-AFC4-6F175D3DCCD1}">
               <a14:hiddenFill xmlns:a14="http://schemas.microsoft.com/office/drawing/2010/main">
                 <a:solidFill>
                   <a:srgbClr val="FFFFFF"/>
                 </a:solidFill>
               </a14:hiddenFill>
             </a:ext>
-            <a:ext uri="{91240B29-F687-4f45-9708-019B960494DF}">
+            <a:ext uri="{91240B29-F687-4F45-9708-019B960494DF}">
               <a14:hiddenLine xmlns:a14="http://schemas.microsoft.com/office/drawing/2010/main" w="9525">
                 <a:solidFill>
                   <a:srgbClr val="000000"/>
@@ -10694,14 +10693,14 @@
             <a:noFill/>
           </a:ln>
           <a:extLst>
-            <a:ext uri="{909E8E84-426E-40dd-AFC4-6F175D3DCCD1}">
+            <a:ext uri="{909E8E84-426E-40DD-AFC4-6F175D3DCCD1}">
               <a14:hiddenFill xmlns:a14="http://schemas.microsoft.com/office/drawing/2010/main">
                 <a:solidFill>
                   <a:srgbClr val="FFFFFF"/>
                 </a:solidFill>
               </a14:hiddenFill>
             </a:ext>
-            <a:ext uri="{91240B29-F687-4f45-9708-019B960494DF}">
+            <a:ext uri="{91240B29-F687-4F45-9708-019B960494DF}">
               <a14:hiddenLine xmlns:a14="http://schemas.microsoft.com/office/drawing/2010/main" w="9525">
                 <a:solidFill>
                   <a:srgbClr val="000000"/>
@@ -10970,7 +10969,7 @@
   <p:clrMapOvr>
     <a:masterClrMapping/>
   </p:clrMapOvr>
-  <p:transition xmlns:p14="http://schemas.microsoft.com/office/powerpoint/2010/main">
+  <p:transition>
     <p:zoom/>
   </p:transition>
 </p:sldLayout>
@@ -11199,7 +11198,7 @@
   <p:clrMapOvr>
     <a:masterClrMapping/>
   </p:clrMapOvr>
-  <p:transition xmlns:p14="http://schemas.microsoft.com/office/powerpoint/2010/main" spd="slow">
+  <p:transition spd="slow">
     <p:fade/>
   </p:transition>
 </p:sldLayout>
@@ -11256,14 +11255,14 @@
             <a:noFill/>
           </a:ln>
           <a:extLst>
-            <a:ext uri="{909E8E84-426E-40dd-AFC4-6F175D3DCCD1}">
+            <a:ext uri="{909E8E84-426E-40DD-AFC4-6F175D3DCCD1}">
               <a14:hiddenFill xmlns:a14="http://schemas.microsoft.com/office/drawing/2010/main">
                 <a:solidFill>
                   <a:srgbClr val="FFFFFF"/>
                 </a:solidFill>
               </a14:hiddenFill>
             </a:ext>
-            <a:ext uri="{91240B29-F687-4f45-9708-019B960494DF}">
+            <a:ext uri="{91240B29-F687-4F45-9708-019B960494DF}">
               <a14:hiddenLine xmlns:a14="http://schemas.microsoft.com/office/drawing/2010/main" w="9525">
                 <a:solidFill>
                   <a:srgbClr val="000000"/>
@@ -11399,14 +11398,14 @@
             <a:noFill/>
           </a:ln>
           <a:extLst>
-            <a:ext uri="{909E8E84-426E-40dd-AFC4-6F175D3DCCD1}">
+            <a:ext uri="{909E8E84-426E-40DD-AFC4-6F175D3DCCD1}">
               <a14:hiddenFill xmlns:a14="http://schemas.microsoft.com/office/drawing/2010/main">
                 <a:solidFill>
                   <a:srgbClr val="FFFFFF"/>
                 </a:solidFill>
               </a14:hiddenFill>
             </a:ext>
-            <a:ext uri="{91240B29-F687-4f45-9708-019B960494DF}">
+            <a:ext uri="{91240B29-F687-4F45-9708-019B960494DF}">
               <a14:hiddenLine xmlns:a14="http://schemas.microsoft.com/office/drawing/2010/main" w="9525">
                 <a:solidFill>
                   <a:srgbClr val="000000"/>
@@ -11453,14 +11452,14 @@
             <a:noFill/>
           </a:ln>
           <a:extLst>
-            <a:ext uri="{909E8E84-426E-40dd-AFC4-6F175D3DCCD1}">
+            <a:ext uri="{909E8E84-426E-40DD-AFC4-6F175D3DCCD1}">
               <a14:hiddenFill xmlns:a14="http://schemas.microsoft.com/office/drawing/2010/main">
                 <a:solidFill>
                   <a:srgbClr val="FFFFFF"/>
                 </a:solidFill>
               </a14:hiddenFill>
             </a:ext>
-            <a:ext uri="{91240B29-F687-4f45-9708-019B960494DF}">
+            <a:ext uri="{91240B29-F687-4F45-9708-019B960494DF}">
               <a14:hiddenLine xmlns:a14="http://schemas.microsoft.com/office/drawing/2010/main" w="9525">
                 <a:solidFill>
                   <a:srgbClr val="000000"/>
@@ -11729,7 +11728,7 @@
   <p:clrMapOvr>
     <a:masterClrMapping/>
   </p:clrMapOvr>
-  <p:transition xmlns:p14="http://schemas.microsoft.com/office/powerpoint/2010/main">
+  <p:transition>
     <p:zoom/>
   </p:transition>
 </p:sldLayout>
@@ -11786,14 +11785,14 @@
             <a:noFill/>
           </a:ln>
           <a:extLst>
-            <a:ext uri="{909E8E84-426E-40dd-AFC4-6F175D3DCCD1}">
+            <a:ext uri="{909E8E84-426E-40DD-AFC4-6F175D3DCCD1}">
               <a14:hiddenFill xmlns:a14="http://schemas.microsoft.com/office/drawing/2010/main">
                 <a:solidFill>
                   <a:srgbClr val="FFFFFF"/>
                 </a:solidFill>
               </a14:hiddenFill>
             </a:ext>
-            <a:ext uri="{91240B29-F687-4f45-9708-019B960494DF}">
+            <a:ext uri="{91240B29-F687-4F45-9708-019B960494DF}">
               <a14:hiddenLine xmlns:a14="http://schemas.microsoft.com/office/drawing/2010/main" w="9525">
                 <a:solidFill>
                   <a:srgbClr val="000000"/>
@@ -11929,14 +11928,14 @@
             <a:noFill/>
           </a:ln>
           <a:extLst>
-            <a:ext uri="{909E8E84-426E-40dd-AFC4-6F175D3DCCD1}">
+            <a:ext uri="{909E8E84-426E-40DD-AFC4-6F175D3DCCD1}">
               <a14:hiddenFill xmlns:a14="http://schemas.microsoft.com/office/drawing/2010/main">
                 <a:solidFill>
                   <a:srgbClr val="FFFFFF"/>
                 </a:solidFill>
               </a14:hiddenFill>
             </a:ext>
-            <a:ext uri="{91240B29-F687-4f45-9708-019B960494DF}">
+            <a:ext uri="{91240B29-F687-4F45-9708-019B960494DF}">
               <a14:hiddenLine xmlns:a14="http://schemas.microsoft.com/office/drawing/2010/main" w="9525">
                 <a:solidFill>
                   <a:srgbClr val="000000"/>
@@ -11983,14 +11982,14 @@
             <a:noFill/>
           </a:ln>
           <a:extLst>
-            <a:ext uri="{909E8E84-426E-40dd-AFC4-6F175D3DCCD1}">
+            <a:ext uri="{909E8E84-426E-40DD-AFC4-6F175D3DCCD1}">
               <a14:hiddenFill xmlns:a14="http://schemas.microsoft.com/office/drawing/2010/main">
                 <a:solidFill>
                   <a:srgbClr val="FFFFFF"/>
                 </a:solidFill>
               </a14:hiddenFill>
             </a:ext>
-            <a:ext uri="{91240B29-F687-4f45-9708-019B960494DF}">
+            <a:ext uri="{91240B29-F687-4F45-9708-019B960494DF}">
               <a14:hiddenLine xmlns:a14="http://schemas.microsoft.com/office/drawing/2010/main" w="9525">
                 <a:solidFill>
                   <a:srgbClr val="000000"/>
@@ -12259,7 +12258,7 @@
   <p:clrMapOvr>
     <a:masterClrMapping/>
   </p:clrMapOvr>
-  <p:transition xmlns:p14="http://schemas.microsoft.com/office/powerpoint/2010/main">
+  <p:transition>
     <p:zoom/>
   </p:transition>
   <p:hf hdr="0" ftr="0" dt="0"/>
@@ -12371,14 +12370,14 @@
             <a:noFill/>
           </a:ln>
           <a:extLst>
-            <a:ext uri="{909E8E84-426E-40dd-AFC4-6F175D3DCCD1}">
+            <a:ext uri="{909E8E84-426E-40DD-AFC4-6F175D3DCCD1}">
               <a14:hiddenFill xmlns:a14="http://schemas.microsoft.com/office/drawing/2010/main">
                 <a:solidFill>
                   <a:srgbClr val="FFFFFF"/>
                 </a:solidFill>
               </a14:hiddenFill>
             </a:ext>
-            <a:ext uri="{91240B29-F687-4f45-9708-019B960494DF}">
+            <a:ext uri="{91240B29-F687-4F45-9708-019B960494DF}">
               <a14:hiddenLine xmlns:a14="http://schemas.microsoft.com/office/drawing/2010/main" w="9525">
                 <a:solidFill>
                   <a:srgbClr val="000000"/>
@@ -12425,14 +12424,14 @@
             <a:noFill/>
           </a:ln>
           <a:extLst>
-            <a:ext uri="{909E8E84-426E-40dd-AFC4-6F175D3DCCD1}">
+            <a:ext uri="{909E8E84-426E-40DD-AFC4-6F175D3DCCD1}">
               <a14:hiddenFill xmlns:a14="http://schemas.microsoft.com/office/drawing/2010/main">
                 <a:solidFill>
                   <a:srgbClr val="FFFFFF"/>
                 </a:solidFill>
               </a14:hiddenFill>
             </a:ext>
-            <a:ext uri="{91240B29-F687-4f45-9708-019B960494DF}">
+            <a:ext uri="{91240B29-F687-4F45-9708-019B960494DF}">
               <a14:hiddenLine xmlns:a14="http://schemas.microsoft.com/office/drawing/2010/main" w="9525">
                 <a:solidFill>
                   <a:srgbClr val="000000"/>
@@ -12536,14 +12535,14 @@
             <a:noFill/>
           </a:ln>
           <a:extLst>
-            <a:ext uri="{909E8E84-426E-40dd-AFC4-6F175D3DCCD1}">
+            <a:ext uri="{909E8E84-426E-40DD-AFC4-6F175D3DCCD1}">
               <a14:hiddenFill xmlns:a14="http://schemas.microsoft.com/office/drawing/2010/main">
                 <a:solidFill>
                   <a:srgbClr val="FFFFFF"/>
                 </a:solidFill>
               </a14:hiddenFill>
             </a:ext>
-            <a:ext uri="{91240B29-F687-4f45-9708-019B960494DF}">
+            <a:ext uri="{91240B29-F687-4F45-9708-019B960494DF}">
               <a14:hiddenLine xmlns:a14="http://schemas.microsoft.com/office/drawing/2010/main" w="9525">
                 <a:solidFill>
                   <a:srgbClr val="000000"/>
@@ -12655,7 +12654,7 @@
   <p:clrMapOvr>
     <a:masterClrMapping/>
   </p:clrMapOvr>
-  <p:transition xmlns:p14="http://schemas.microsoft.com/office/powerpoint/2010/main">
+  <p:transition>
     <p:zoom/>
   </p:transition>
   <p:hf hdr="0" ftr="0" dt="0"/>
@@ -12769,7 +12768,7 @@
   <p:clrMapOvr>
     <a:masterClrMapping/>
   </p:clrMapOvr>
-  <p:transition xmlns:p14="http://schemas.microsoft.com/office/powerpoint/2010/main">
+  <p:transition>
     <p:zoom/>
   </p:transition>
   <p:hf hdr="0" ftr="0" dt="0"/>
@@ -14046,7 +14045,7 @@
   <p:clrMapOvr>
     <a:masterClrMapping/>
   </p:clrMapOvr>
-  <p:transition xmlns:p14="http://schemas.microsoft.com/office/powerpoint/2010/main">
+  <p:transition>
     <p:zoom/>
   </p:transition>
   <p:hf hdr="0" ftr="0" dt="0"/>
@@ -14847,7 +14846,7 @@
   <p:clrMapOvr>
     <a:masterClrMapping/>
   </p:clrMapOvr>
-  <p:transition xmlns:p14="http://schemas.microsoft.com/office/powerpoint/2010/main">
+  <p:transition>
     <p:zoom/>
   </p:transition>
   <p:hf hdr="0" ftr="0" dt="0"/>
@@ -14990,7 +14989,7 @@
   <p:clrMapOvr>
     <a:masterClrMapping/>
   </p:clrMapOvr>
-  <p:transition xmlns:p14="http://schemas.microsoft.com/office/powerpoint/2010/main">
+  <p:transition>
     <p:zoom/>
   </p:transition>
   <p:hf hdr="0" ftr="0" dt="0"/>
@@ -15224,7 +15223,7 @@
           <a:p>
             <a:fld id="{7793EDCB-5B64-3143-AFED-AA1357A092FA}" type="datetimeFigureOut">
               <a:rPr lang="en-US" smtClean="0"/>
-              <a:t>11/1/12</a:t>
+              <a:t>12/7/2012</a:t>
             </a:fld>
             <a:endParaRPr lang="en-US"/>
           </a:p>
@@ -15431,7 +15430,7 @@
   <p:clrMapOvr>
     <a:masterClrMapping/>
   </p:clrMapOvr>
-  <p:transition xmlns:p14="http://schemas.microsoft.com/office/powerpoint/2010/main">
+  <p:transition>
     <p:zoom/>
   </p:transition>
   <p:hf hdr="0" ftr="0" dt="0"/>
@@ -15582,7 +15581,7 @@
   <p:clrMapOvr>
     <a:masterClrMapping/>
   </p:clrMapOvr>
-  <p:transition xmlns:p14="http://schemas.microsoft.com/office/powerpoint/2010/main">
+  <p:transition>
     <p:zoom/>
   </p:transition>
   <p:hf hdr="0" ftr="0" dt="0"/>
@@ -15640,14 +15639,14 @@
             <a:noFill/>
           </a:ln>
           <a:extLst>
-            <a:ext uri="{909E8E84-426E-40dd-AFC4-6F175D3DCCD1}">
+            <a:ext uri="{909E8E84-426E-40DD-AFC4-6F175D3DCCD1}">
               <a14:hiddenFill xmlns:a14="http://schemas.microsoft.com/office/drawing/2010/main">
                 <a:solidFill>
                   <a:srgbClr val="FFFFFF"/>
                 </a:solidFill>
               </a14:hiddenFill>
             </a:ext>
-            <a:ext uri="{91240B29-F687-4f45-9708-019B960494DF}">
+            <a:ext uri="{91240B29-F687-4F45-9708-019B960494DF}">
               <a14:hiddenLine xmlns:a14="http://schemas.microsoft.com/office/drawing/2010/main" w="9525">
                 <a:solidFill>
                   <a:srgbClr val="000000"/>
@@ -15750,14 +15749,14 @@
             <a:noFill/>
           </a:ln>
           <a:extLst>
-            <a:ext uri="{909E8E84-426E-40dd-AFC4-6F175D3DCCD1}">
+            <a:ext uri="{909E8E84-426E-40DD-AFC4-6F175D3DCCD1}">
               <a14:hiddenFill xmlns:a14="http://schemas.microsoft.com/office/drawing/2010/main">
                 <a:solidFill>
                   <a:srgbClr val="FFFFFF"/>
                 </a:solidFill>
               </a14:hiddenFill>
             </a:ext>
-            <a:ext uri="{91240B29-F687-4f45-9708-019B960494DF}">
+            <a:ext uri="{91240B29-F687-4F45-9708-019B960494DF}">
               <a14:hiddenLine xmlns:a14="http://schemas.microsoft.com/office/drawing/2010/main" w="9525">
                 <a:solidFill>
                   <a:srgbClr val="000000"/>
@@ -15804,14 +15803,14 @@
             <a:noFill/>
           </a:ln>
           <a:extLst>
-            <a:ext uri="{909E8E84-426E-40dd-AFC4-6F175D3DCCD1}">
+            <a:ext uri="{909E8E84-426E-40DD-AFC4-6F175D3DCCD1}">
               <a14:hiddenFill xmlns:a14="http://schemas.microsoft.com/office/drawing/2010/main">
                 <a:solidFill>
                   <a:srgbClr val="FFFFFF"/>
                 </a:solidFill>
               </a14:hiddenFill>
             </a:ext>
-            <a:ext uri="{91240B29-F687-4f45-9708-019B960494DF}">
+            <a:ext uri="{91240B29-F687-4F45-9708-019B960494DF}">
               <a14:hiddenLine xmlns:a14="http://schemas.microsoft.com/office/drawing/2010/main" w="9525">
                 <a:solidFill>
                   <a:srgbClr val="000000"/>
@@ -16114,7 +16113,7 @@
   <p:clrMapOvr>
     <a:masterClrMapping/>
   </p:clrMapOvr>
-  <p:transition xmlns:p14="http://schemas.microsoft.com/office/powerpoint/2010/main">
+  <p:transition>
     <p:zoom/>
   </p:transition>
   <p:hf hdr="0" ftr="0" dt="0"/>
@@ -16344,7 +16343,7 @@
   <p:clrMapOvr>
     <a:masterClrMapping/>
   </p:clrMapOvr>
-  <p:transition xmlns:p14="http://schemas.microsoft.com/office/powerpoint/2010/main" spd="slow">
+  <p:transition spd="slow">
     <p:fade/>
   </p:transition>
 </p:sldLayout>
@@ -16842,7 +16841,7 @@
           <a:p>
             <a:fld id="{7793EDCB-5B64-3143-AFED-AA1357A092FA}" type="datetimeFigureOut">
               <a:rPr lang="en-US" smtClean="0"/>
-              <a:t>11/1/12</a:t>
+              <a:t>12/7/2012</a:t>
             </a:fld>
             <a:endParaRPr lang="en-US"/>
           </a:p>
@@ -16960,7 +16959,7 @@
           <a:p>
             <a:fld id="{7793EDCB-5B64-3143-AFED-AA1357A092FA}" type="datetimeFigureOut">
               <a:rPr lang="en-US" smtClean="0"/>
-              <a:t>11/1/12</a:t>
+              <a:t>12/7/2012</a:t>
             </a:fld>
             <a:endParaRPr lang="en-US"/>
           </a:p>
@@ -17055,7 +17054,7 @@
           <a:p>
             <a:fld id="{7793EDCB-5B64-3143-AFED-AA1357A092FA}" type="datetimeFigureOut">
               <a:rPr lang="en-US" smtClean="0"/>
-              <a:t>11/1/12</a:t>
+              <a:t>12/7/2012</a:t>
             </a:fld>
             <a:endParaRPr lang="en-US"/>
           </a:p>
@@ -17332,7 +17331,7 @@
           <a:p>
             <a:fld id="{7793EDCB-5B64-3143-AFED-AA1357A092FA}" type="datetimeFigureOut">
               <a:rPr lang="en-US" smtClean="0"/>
-              <a:t>11/1/12</a:t>
+              <a:t>12/7/2012</a:t>
             </a:fld>
             <a:endParaRPr lang="en-US"/>
           </a:p>
@@ -17585,7 +17584,7 @@
           <a:p>
             <a:fld id="{7793EDCB-5B64-3143-AFED-AA1357A092FA}" type="datetimeFigureOut">
               <a:rPr lang="en-US" smtClean="0"/>
-              <a:t>11/1/12</a:t>
+              <a:t>12/7/2012</a:t>
             </a:fld>
             <a:endParaRPr lang="en-US"/>
           </a:p>
@@ -17798,7 +17797,7 @@
           <a:p>
             <a:fld id="{7793EDCB-5B64-3143-AFED-AA1357A092FA}" type="datetimeFigureOut">
               <a:rPr lang="en-US" smtClean="0"/>
-              <a:t>11/1/12</a:t>
+              <a:t>12/7/2012</a:t>
             </a:fld>
             <a:endParaRPr lang="en-US"/>
           </a:p>
@@ -18215,14 +18214,14 @@
             <a:noFill/>
           </a:ln>
           <a:extLst>
-            <a:ext uri="{909E8E84-426E-40dd-AFC4-6F175D3DCCD1}">
+            <a:ext uri="{909E8E84-426E-40DD-AFC4-6F175D3DCCD1}">
               <a14:hiddenFill xmlns:a14="http://schemas.microsoft.com/office/drawing/2010/main">
                 <a:solidFill>
                   <a:srgbClr val="FFFFFF"/>
                 </a:solidFill>
               </a14:hiddenFill>
             </a:ext>
-            <a:ext uri="{91240B29-F687-4f45-9708-019B960494DF}">
+            <a:ext uri="{91240B29-F687-4F45-9708-019B960494DF}">
               <a14:hiddenLine xmlns:a14="http://schemas.microsoft.com/office/drawing/2010/main" w="9525">
                 <a:solidFill>
                   <a:srgbClr val="000000"/>
@@ -18258,14 +18257,14 @@
             <a:noFill/>
           </a:ln>
           <a:extLst>
-            <a:ext uri="{909E8E84-426E-40dd-AFC4-6F175D3DCCD1}">
+            <a:ext uri="{909E8E84-426E-40DD-AFC4-6F175D3DCCD1}">
               <a14:hiddenFill xmlns:a14="http://schemas.microsoft.com/office/drawing/2010/main">
                 <a:solidFill>
                   <a:srgbClr val="FFFFFF"/>
                 </a:solidFill>
               </a14:hiddenFill>
             </a:ext>
-            <a:ext uri="{91240B29-F687-4f45-9708-019B960494DF}">
+            <a:ext uri="{91240B29-F687-4F45-9708-019B960494DF}">
               <a14:hiddenLine xmlns:a14="http://schemas.microsoft.com/office/drawing/2010/main" w="9525">
                 <a:solidFill>
                   <a:srgbClr val="000000"/>
@@ -18276,7 +18275,7 @@
               </a14:hiddenLine>
             </a:ext>
             <a:ext uri="{FAA26D3D-D897-4be2-8F04-BA451C77F1D7}">
-              <ma14:placeholderFlag xmlns:ma14="http://schemas.microsoft.com/office/mac/drawingml/2011/main" val="1"/>
+              <ma14:placeholderFlag xmlns:ma14="http://schemas.microsoft.com/office/mac/drawingml/2011/main" xmlns="" val="1"/>
             </a:ext>
           </a:extLst>
         </p:spPr>
@@ -18319,14 +18318,14 @@
             <a:noFill/>
           </a:ln>
           <a:extLst>
-            <a:ext uri="{909E8E84-426E-40dd-AFC4-6F175D3DCCD1}">
+            <a:ext uri="{909E8E84-426E-40DD-AFC4-6F175D3DCCD1}">
               <a14:hiddenFill xmlns:a14="http://schemas.microsoft.com/office/drawing/2010/main">
                 <a:solidFill>
                   <a:srgbClr val="FFFFFF"/>
                 </a:solidFill>
               </a14:hiddenFill>
             </a:ext>
-            <a:ext uri="{91240B29-F687-4f45-9708-019B960494DF}">
+            <a:ext uri="{91240B29-F687-4F45-9708-019B960494DF}">
               <a14:hiddenLine xmlns:a14="http://schemas.microsoft.com/office/drawing/2010/main" w="9525">
                 <a:solidFill>
                   <a:srgbClr val="000000"/>
@@ -18337,7 +18336,7 @@
               </a14:hiddenLine>
             </a:ext>
             <a:ext uri="{FAA26D3D-D897-4be2-8F04-BA451C77F1D7}">
-              <ma14:placeholderFlag xmlns:ma14="http://schemas.microsoft.com/office/mac/drawingml/2011/main" val="1"/>
+              <ma14:placeholderFlag xmlns:ma14="http://schemas.microsoft.com/office/mac/drawingml/2011/main" xmlns="" val="1"/>
             </a:ext>
           </a:extLst>
         </p:spPr>
@@ -18419,14 +18418,14 @@
             <a:noFill/>
           </a:ln>
           <a:extLst>
-            <a:ext uri="{909E8E84-426E-40dd-AFC4-6F175D3DCCD1}">
+            <a:ext uri="{909E8E84-426E-40DD-AFC4-6F175D3DCCD1}">
               <a14:hiddenFill xmlns:a14="http://schemas.microsoft.com/office/drawing/2010/main">
                 <a:solidFill>
                   <a:srgbClr val="FFFFFF"/>
                 </a:solidFill>
               </a14:hiddenFill>
             </a:ext>
-            <a:ext uri="{91240B29-F687-4f45-9708-019B960494DF}">
+            <a:ext uri="{91240B29-F687-4F45-9708-019B960494DF}">
               <a14:hiddenLine xmlns:a14="http://schemas.microsoft.com/office/drawing/2010/main" w="9525">
                 <a:solidFill>
                   <a:srgbClr val="000000"/>
@@ -18652,14 +18651,14 @@
             <a:noFill/>
           </a:ln>
           <a:extLst>
-            <a:ext uri="{909E8E84-426E-40dd-AFC4-6F175D3DCCD1}">
+            <a:ext uri="{909E8E84-426E-40DD-AFC4-6F175D3DCCD1}">
               <a14:hiddenFill xmlns:a14="http://schemas.microsoft.com/office/drawing/2010/main">
                 <a:solidFill>
                   <a:srgbClr val="FFFFFF"/>
                 </a:solidFill>
               </a14:hiddenFill>
             </a:ext>
-            <a:ext uri="{91240B29-F687-4f45-9708-019B960494DF}">
+            <a:ext uri="{91240B29-F687-4F45-9708-019B960494DF}">
               <a14:hiddenLine xmlns:a14="http://schemas.microsoft.com/office/drawing/2010/main" w="9525">
                 <a:solidFill>
                   <a:srgbClr val="000000"/>
@@ -18703,7 +18702,7 @@
     <p:sldLayoutId id="2147483681" r:id="rId20"/>
     <p:sldLayoutId id="2147483693" r:id="rId21"/>
   </p:sldLayoutIdLst>
-  <p:transition xmlns:p14="http://schemas.microsoft.com/office/powerpoint/2010/main" spd="slow">
+  <p:transition spd="slow">
     <p:fade/>
   </p:transition>
   <p:hf hdr="0" ftr="0" dt="0"/>
@@ -19245,14 +19244,14 @@
             <a:noFill/>
           </a:ln>
           <a:extLst>
-            <a:ext uri="{909E8E84-426E-40dd-AFC4-6F175D3DCCD1}">
+            <a:ext uri="{909E8E84-426E-40DD-AFC4-6F175D3DCCD1}">
               <a14:hiddenFill xmlns:a14="http://schemas.microsoft.com/office/drawing/2010/main">
                 <a:solidFill>
                   <a:srgbClr val="FFFFFF"/>
                 </a:solidFill>
               </a14:hiddenFill>
             </a:ext>
-            <a:ext uri="{91240B29-F687-4f45-9708-019B960494DF}">
+            <a:ext uri="{91240B29-F687-4F45-9708-019B960494DF}">
               <a14:hiddenLine xmlns:a14="http://schemas.microsoft.com/office/drawing/2010/main" w="9525">
                 <a:solidFill>
                   <a:srgbClr val="000000"/>
@@ -19263,7 +19262,7 @@
               </a14:hiddenLine>
             </a:ext>
             <a:ext uri="{FAA26D3D-D897-4be2-8F04-BA451C77F1D7}">
-              <ma14:placeholderFlag xmlns:ma14="http://schemas.microsoft.com/office/mac/drawingml/2011/main" val="1"/>
+              <ma14:placeholderFlag xmlns:ma14="http://schemas.microsoft.com/office/mac/drawingml/2011/main" xmlns="" val="1"/>
             </a:ext>
           </a:extLst>
         </p:spPr>
@@ -19484,14 +19483,14 @@
             <a:noFill/>
           </a:ln>
           <a:extLst>
-            <a:ext uri="{909E8E84-426E-40dd-AFC4-6F175D3DCCD1}">
+            <a:ext uri="{909E8E84-426E-40DD-AFC4-6F175D3DCCD1}">
               <a14:hiddenFill xmlns:a14="http://schemas.microsoft.com/office/drawing/2010/main">
                 <a:solidFill>
                   <a:srgbClr val="FFFFFF"/>
                 </a:solidFill>
               </a14:hiddenFill>
             </a:ext>
-            <a:ext uri="{91240B29-F687-4f45-9708-019B960494DF}">
+            <a:ext uri="{91240B29-F687-4F45-9708-019B960494DF}">
               <a14:hiddenLine xmlns:a14="http://schemas.microsoft.com/office/drawing/2010/main" w="9525">
                 <a:solidFill>
                   <a:srgbClr val="000000"/>
@@ -19653,14 +19652,14 @@
             <a:noFill/>
           </a:ln>
           <a:extLst>
-            <a:ext uri="{909E8E84-426E-40dd-AFC4-6F175D3DCCD1}">
+            <a:ext uri="{909E8E84-426E-40DD-AFC4-6F175D3DCCD1}">
               <a14:hiddenFill xmlns:a14="http://schemas.microsoft.com/office/drawing/2010/main">
                 <a:solidFill>
                   <a:srgbClr val="FFFFFF"/>
                 </a:solidFill>
               </a14:hiddenFill>
             </a:ext>
-            <a:ext uri="{91240B29-F687-4f45-9708-019B960494DF}">
+            <a:ext uri="{91240B29-F687-4F45-9708-019B960494DF}">
               <a14:hiddenLine xmlns:a14="http://schemas.microsoft.com/office/drawing/2010/main" w="9525">
                 <a:solidFill>
                   <a:srgbClr val="000000"/>
@@ -19671,7 +19670,7 @@
               </a14:hiddenLine>
             </a:ext>
             <a:ext uri="{FAA26D3D-D897-4be2-8F04-BA451C77F1D7}">
-              <ma14:placeholderFlag xmlns:ma14="http://schemas.microsoft.com/office/mac/drawingml/2011/main" val="1"/>
+              <ma14:placeholderFlag xmlns:ma14="http://schemas.microsoft.com/office/mac/drawingml/2011/main" xmlns="" val="1"/>
             </a:ext>
           </a:extLst>
         </p:spPr>
@@ -19905,14 +19904,14 @@
             <a:noFill/>
           </a:ln>
           <a:extLst>
-            <a:ext uri="{909E8E84-426E-40dd-AFC4-6F175D3DCCD1}">
+            <a:ext uri="{909E8E84-426E-40DD-AFC4-6F175D3DCCD1}">
               <a14:hiddenFill xmlns:a14="http://schemas.microsoft.com/office/drawing/2010/main">
                 <a:solidFill>
                   <a:srgbClr val="FFFFFF"/>
                 </a:solidFill>
               </a14:hiddenFill>
             </a:ext>
-            <a:ext uri="{91240B29-F687-4f45-9708-019B960494DF}">
+            <a:ext uri="{91240B29-F687-4F45-9708-019B960494DF}">
               <a14:hiddenLine xmlns:a14="http://schemas.microsoft.com/office/drawing/2010/main" w="9525">
                 <a:solidFill>
                   <a:srgbClr val="000000"/>
@@ -19942,13 +19941,13 @@
     <p:sldLayoutId id="2147483705" r:id="rId11"/>
     <p:sldLayoutId id="2147483706" r:id="rId12"/>
   </p:sldLayoutIdLst>
-  <p:transition xmlns:p14="http://schemas.microsoft.com/office/powerpoint/2010/main" spd="slow">
+  <p:transition spd="slow">
     <p:fade/>
   </p:transition>
   <p:timing>
     <p:tnLst>
       <p:par>
-        <p:cTn xmlns:p14="http://schemas.microsoft.com/office/powerpoint/2010/main" id="1" dur="indefinite" restart="never" nodeType="tmRoot"/>
+        <p:cTn id="1" dur="indefinite" restart="never" nodeType="tmRoot"/>
       </p:par>
     </p:tnLst>
   </p:timing>
@@ -20376,7 +20375,6 @@
               <a:rPr lang="en-US" dirty="0"/>
               <a:t>3</a:t>
             </a:r>
-            <a:endParaRPr lang="en-US" dirty="0"/>
           </a:p>
         </p:txBody>
       </p:sp>
@@ -20450,13 +20448,13 @@
   <p:clrMapOvr>
     <a:masterClrMapping/>
   </p:clrMapOvr>
-  <p:transition xmlns:p14="http://schemas.microsoft.com/office/powerpoint/2010/main">
+  <p:transition>
     <p:zoom/>
   </p:transition>
   <p:timing>
     <p:tnLst>
       <p:par>
-        <p:cTn xmlns:p14="http://schemas.microsoft.com/office/powerpoint/2010/main" id="1" dur="indefinite" restart="never" nodeType="tmRoot"/>
+        <p:cTn id="1" dur="indefinite" restart="never" nodeType="tmRoot"/>
       </p:par>
     </p:tnLst>
   </p:timing>
@@ -20518,7 +20516,7 @@
         <p:spPr bwMode="auto">
           <a:xfrm>
             <a:off x="2000878" y="1785700"/>
-            <a:ext cx="5023841" cy="3286601"/>
+            <a:ext cx="5023841" cy="516612"/>
           </a:xfrm>
           <a:prstGeom prst="rect">
             <a:avLst/>
@@ -20546,66 +20544,25 @@
               <a:buChar char="§"/>
             </a:pPr>
             <a:r>
-              <a:rPr lang="ru-RU" dirty="0">
+              <a:rPr lang="en-US" dirty="0" smtClean="0">
                 <a:solidFill>
                   <a:schemeClr val="accent4"/>
                 </a:solidFill>
               </a:rPr>
-              <a:t>Для обеспечения полного покрытия программного кода на уровне операторов необходимо, чтобы в результате выполнения тестов каждый оператор был выполнен хотя бы один </a:t>
-            </a:r>
-            <a:r>
-              <a:rPr lang="ru-RU" dirty="0" smtClean="0">
-                <a:solidFill>
-                  <a:schemeClr val="accent4"/>
-                </a:solidFill>
-              </a:rPr>
-              <a:t>раз</a:t>
-            </a:r>
-            <a:endParaRPr lang="en-US" dirty="0" smtClean="0">
-              <a:solidFill>
-                <a:schemeClr val="accent4"/>
-              </a:solidFill>
-            </a:endParaRPr>
-          </a:p>
-          <a:p>
-            <a:pPr marL="287338" indent="-287338" defTabSz="803275">
-              <a:buClr>
-                <a:srgbClr val="FF6600"/>
-              </a:buClr>
-              <a:buSzPct val="125000"/>
-              <a:buFont typeface="Wingdings" charset="0"/>
-              <a:buChar char="§"/>
-            </a:pPr>
+              <a:t>Code</a:t>
+            </a:r>
             <a:endParaRPr lang="ru-RU" dirty="0">
               <a:solidFill>
                 <a:schemeClr val="accent4"/>
               </a:solidFill>
             </a:endParaRPr>
           </a:p>
-          <a:p>
-            <a:pPr marL="287338" indent="-287338" defTabSz="803275">
-              <a:buClr>
-                <a:srgbClr val="FF6600"/>
-              </a:buClr>
-              <a:buSzPct val="125000"/>
-              <a:buFont typeface="Wingdings" charset="0"/>
-              <a:buChar char="§"/>
-            </a:pPr>
-            <a:r>
-              <a:rPr lang="ru-RU" dirty="0">
-                <a:solidFill>
-                  <a:schemeClr val="accent4"/>
-                </a:solidFill>
-              </a:rPr>
-              <a:t>Перед началом тестирования необходимо выделить переменные, от которых зависит выполнение различных ветвей условий и циклов в коде – управляющие входные переменные</a:t>
-            </a:r>
-          </a:p>
         </p:txBody>
       </p:sp>
     </p:spTree>
     <p:extLst>
       <p:ext uri="{BB962C8B-B14F-4D97-AF65-F5344CB8AC3E}">
-        <p14:creationId xmlns:p14="http://schemas.microsoft.com/office/powerpoint/2010/main" val="4186064061"/>
+        <p14:creationId xmlns:p14="http://schemas.microsoft.com/office/powerpoint/2010/main" val="2210919244"/>
       </p:ext>
     </p:extLst>
   </p:cSld>
@@ -20615,7 +20572,7 @@
   <p:timing>
     <p:tnLst>
       <p:par>
-        <p:cTn xmlns:p14="http://schemas.microsoft.com/office/powerpoint/2010/main" id="1" dur="indefinite" restart="never" nodeType="tmRoot"/>
+        <p:cTn id="1" dur="indefinite" restart="never" nodeType="tmRoot"/>
       </p:par>
     </p:tnLst>
   </p:timing>
@@ -20676,8 +20633,8 @@
         </p:nvSpPr>
         <p:spPr bwMode="auto">
           <a:xfrm>
-            <a:off x="2000878" y="1785700"/>
-            <a:ext cx="5023841" cy="516612"/>
+            <a:off x="2000878" y="1924199"/>
+            <a:ext cx="5023841" cy="3009602"/>
           </a:xfrm>
           <a:prstGeom prst="rect">
             <a:avLst/>
@@ -20705,25 +20662,162 @@
               <a:buChar char="§"/>
             </a:pPr>
             <a:r>
-              <a:rPr lang="en-US" dirty="0" smtClean="0">
+              <a:rPr lang="ru-RU" dirty="0">
                 <a:solidFill>
                   <a:schemeClr val="accent4"/>
                 </a:solidFill>
               </a:rPr>
-              <a:t>Code</a:t>
-            </a:r>
+              <a:t>Для полного покрытия по операторам, достаточно двух тестов</a:t>
+            </a:r>
+            <a:r>
+              <a:rPr lang="ru-RU" dirty="0" smtClean="0">
+                <a:solidFill>
+                  <a:schemeClr val="accent4"/>
+                </a:solidFill>
+              </a:rPr>
+              <a:t>:</a:t>
+            </a:r>
+            <a:endParaRPr lang="en-US" dirty="0" smtClean="0">
+              <a:solidFill>
+                <a:schemeClr val="accent4"/>
+              </a:solidFill>
+            </a:endParaRPr>
+          </a:p>
+          <a:p>
+            <a:pPr marL="287338" indent="-287338" defTabSz="803275">
+              <a:buClr>
+                <a:srgbClr val="FF6600"/>
+              </a:buClr>
+              <a:buSzPct val="125000"/>
+              <a:buFont typeface="Wingdings" charset="0"/>
+              <a:buChar char="§"/>
+            </a:pPr>
             <a:endParaRPr lang="ru-RU" dirty="0">
               <a:solidFill>
                 <a:schemeClr val="accent4"/>
               </a:solidFill>
             </a:endParaRPr>
           </a:p>
+          <a:p>
+            <a:pPr marL="744538" lvl="1" indent="-287338" defTabSz="803275">
+              <a:buClr>
+                <a:srgbClr val="FF6600"/>
+              </a:buClr>
+              <a:buSzPct val="125000"/>
+              <a:buFont typeface="Wingdings" charset="0"/>
+              <a:buChar char="§"/>
+            </a:pPr>
+            <a:r>
+              <a:rPr lang="ru-RU" dirty="0">
+                <a:solidFill>
+                  <a:schemeClr val="accent4"/>
+                </a:solidFill>
+              </a:rPr>
+              <a:t>i = 0, showMessage = true</a:t>
+            </a:r>
+          </a:p>
+          <a:p>
+            <a:pPr marL="744538" lvl="1" indent="-287338" defTabSz="803275">
+              <a:buClr>
+                <a:srgbClr val="FF6600"/>
+              </a:buClr>
+              <a:buSzPct val="125000"/>
+              <a:buFont typeface="Wingdings" charset="0"/>
+              <a:buChar char="§"/>
+            </a:pPr>
+            <a:r>
+              <a:rPr lang="ru-RU" dirty="0">
+                <a:solidFill>
+                  <a:schemeClr val="accent4"/>
+                </a:solidFill>
+              </a:rPr>
+              <a:t>i = 0, showMessage = </a:t>
+            </a:r>
+            <a:r>
+              <a:rPr lang="ru-RU" dirty="0" smtClean="0">
+                <a:solidFill>
+                  <a:schemeClr val="accent4"/>
+                </a:solidFill>
+              </a:rPr>
+              <a:t>false</a:t>
+            </a:r>
+            <a:endParaRPr lang="en-US" dirty="0" smtClean="0">
+              <a:solidFill>
+                <a:schemeClr val="accent4"/>
+              </a:solidFill>
+            </a:endParaRPr>
+          </a:p>
+          <a:p>
+            <a:pPr marL="744538" lvl="1" indent="-287338" defTabSz="803275">
+              <a:buClr>
+                <a:srgbClr val="FF6600"/>
+              </a:buClr>
+              <a:buSzPct val="125000"/>
+              <a:buFont typeface="Wingdings" charset="0"/>
+              <a:buChar char="§"/>
+            </a:pPr>
+            <a:endParaRPr lang="ru-RU" dirty="0">
+              <a:solidFill>
+                <a:schemeClr val="accent4"/>
+              </a:solidFill>
+            </a:endParaRPr>
+          </a:p>
+          <a:p>
+            <a:pPr marL="287338" indent="-287338" defTabSz="803275">
+              <a:buClr>
+                <a:srgbClr val="FF6600"/>
+              </a:buClr>
+              <a:buSzPct val="125000"/>
+              <a:buFont typeface="Wingdings" charset="0"/>
+              <a:buChar char="§"/>
+            </a:pPr>
+            <a:r>
+              <a:rPr lang="ru-RU" dirty="0">
+                <a:solidFill>
+                  <a:schemeClr val="accent4"/>
+                </a:solidFill>
+              </a:rPr>
+              <a:t>Легко заметить, что при этом, тесты не покрывают всей функциональности (не протестировано поведение системы </a:t>
+            </a:r>
+            <a:r>
+              <a:rPr lang="ru-RU" dirty="0" smtClean="0">
+                <a:solidFill>
+                  <a:schemeClr val="accent4"/>
+                </a:solidFill>
+              </a:rPr>
+              <a:t>при</a:t>
+            </a:r>
+            <a:r>
+              <a:rPr lang="en-US" dirty="0" smtClean="0">
+                <a:solidFill>
+                  <a:schemeClr val="accent4"/>
+                </a:solidFill>
+              </a:rPr>
+              <a:t> </a:t>
+            </a:r>
+            <a:r>
+              <a:rPr lang="ru-RU" dirty="0" smtClean="0">
+                <a:solidFill>
+                  <a:schemeClr val="accent4"/>
+                </a:solidFill>
+              </a:rPr>
+              <a:t>i </a:t>
+            </a:r>
+            <a:r>
+              <a:rPr lang="ru-RU" dirty="0">
+                <a:solidFill>
+                  <a:schemeClr val="accent4"/>
+                </a:solidFill>
+              </a:rPr>
+              <a:t>= 101)</a:t>
+            </a:r>
+          </a:p>
         </p:txBody>
       </p:sp>
     </p:spTree>
     <p:extLst>
       <p:ext uri="{BB962C8B-B14F-4D97-AF65-F5344CB8AC3E}">
-        <p14:creationId xmlns:p14="http://schemas.microsoft.com/office/powerpoint/2010/main" val="2210919244"/>
+        <p14:creationId xmlns:p14="http://schemas.microsoft.com/office/powerpoint/2010/main" val="3058412143"/>
       </p:ext>
     </p:extLst>
   </p:cSld>
@@ -20733,7 +20827,7 @@
   <p:timing>
     <p:tnLst>
       <p:par>
-        <p:cTn xmlns:p14="http://schemas.microsoft.com/office/powerpoint/2010/main" id="1" dur="indefinite" restart="never" nodeType="tmRoot"/>
+        <p:cTn id="1" dur="indefinite" restart="never" nodeType="tmRoot"/>
       </p:par>
     </p:tnLst>
   </p:timing>
@@ -20795,7 +20889,7 @@
         <p:spPr bwMode="auto">
           <a:xfrm>
             <a:off x="2000878" y="1924199"/>
-            <a:ext cx="5023841" cy="3009602"/>
+            <a:ext cx="5023841" cy="2732604"/>
           </a:xfrm>
           <a:prstGeom prst="rect">
             <a:avLst/>
@@ -20828,7 +20922,7 @@
                   <a:schemeClr val="accent4"/>
                 </a:solidFill>
               </a:rPr>
-              <a:t>Для полного покрытия по операторам, достаточно двух тестов</a:t>
+              <a:t>Также проблемы этого метода покрытия можно увидеть и на примерах других управляющих </a:t>
             </a:r>
             <a:r>
               <a:rPr lang="ru-RU" dirty="0" smtClean="0">
@@ -20836,7 +20930,7 @@
                   <a:schemeClr val="accent4"/>
                 </a:solidFill>
               </a:rPr>
-              <a:t>:</a:t>
+              <a:t>структур</a:t>
             </a:r>
             <a:endParaRPr lang="en-US" dirty="0" smtClean="0">
               <a:solidFill>
@@ -20860,70 +20954,6 @@
             </a:endParaRPr>
           </a:p>
           <a:p>
-            <a:pPr marL="744538" lvl="1" indent="-287338" defTabSz="803275">
-              <a:buClr>
-                <a:srgbClr val="FF6600"/>
-              </a:buClr>
-              <a:buSzPct val="125000"/>
-              <a:buFont typeface="Wingdings" charset="0"/>
-              <a:buChar char="§"/>
-            </a:pPr>
-            <a:r>
-              <a:rPr lang="ru-RU" dirty="0">
-                <a:solidFill>
-                  <a:schemeClr val="accent4"/>
-                </a:solidFill>
-              </a:rPr>
-              <a:t>i = 0, showMessage = true</a:t>
-            </a:r>
-          </a:p>
-          <a:p>
-            <a:pPr marL="744538" lvl="1" indent="-287338" defTabSz="803275">
-              <a:buClr>
-                <a:srgbClr val="FF6600"/>
-              </a:buClr>
-              <a:buSzPct val="125000"/>
-              <a:buFont typeface="Wingdings" charset="0"/>
-              <a:buChar char="§"/>
-            </a:pPr>
-            <a:r>
-              <a:rPr lang="ru-RU" dirty="0">
-                <a:solidFill>
-                  <a:schemeClr val="accent4"/>
-                </a:solidFill>
-              </a:rPr>
-              <a:t>i = 0, showMessage = </a:t>
-            </a:r>
-            <a:r>
-              <a:rPr lang="ru-RU" dirty="0" smtClean="0">
-                <a:solidFill>
-                  <a:schemeClr val="accent4"/>
-                </a:solidFill>
-              </a:rPr>
-              <a:t>false</a:t>
-            </a:r>
-            <a:endParaRPr lang="en-US" dirty="0" smtClean="0">
-              <a:solidFill>
-                <a:schemeClr val="accent4"/>
-              </a:solidFill>
-            </a:endParaRPr>
-          </a:p>
-          <a:p>
-            <a:pPr marL="744538" lvl="1" indent="-287338" defTabSz="803275">
-              <a:buClr>
-                <a:srgbClr val="FF6600"/>
-              </a:buClr>
-              <a:buSzPct val="125000"/>
-              <a:buFont typeface="Wingdings" charset="0"/>
-              <a:buChar char="§"/>
-            </a:pPr>
-            <a:endParaRPr lang="ru-RU" dirty="0">
-              <a:solidFill>
-                <a:schemeClr val="accent4"/>
-              </a:solidFill>
-            </a:endParaRPr>
-          </a:p>
-          <a:p>
             <a:pPr marL="287338" indent="-287338" defTabSz="803275">
               <a:buClr>
                 <a:srgbClr val="FF6600"/>
@@ -20938,39 +20968,7 @@
                   <a:schemeClr val="accent4"/>
                 </a:solidFill>
               </a:rPr>
-              <a:t>Легко заметить, что при этом, тесты не покрывают всей функциональности (не протестировано поведение системы </a:t>
-            </a:r>
-            <a:r>
-              <a:rPr lang="ru-RU" dirty="0" smtClean="0">
-                <a:solidFill>
-                  <a:schemeClr val="accent4"/>
-                </a:solidFill>
-              </a:rPr>
-              <a:t>при</a:t>
-            </a:r>
-            <a:r>
-              <a:rPr lang="en-US" dirty="0" smtClean="0">
-                <a:solidFill>
-                  <a:schemeClr val="accent4"/>
-                </a:solidFill>
-              </a:rPr>
-              <a:t> </a:t>
-            </a:r>
-            <a:r>
-              <a:rPr lang="ru-RU" dirty="0" smtClean="0">
-                <a:solidFill>
-                  <a:schemeClr val="accent4"/>
-                </a:solidFill>
-              </a:rPr>
-              <a:t>i </a:t>
-            </a:r>
-            <a:r>
-              <a:rPr lang="ru-RU" dirty="0">
-                <a:solidFill>
-                  <a:schemeClr val="accent4"/>
-                </a:solidFill>
-              </a:rPr>
-              <a:t>= 101)</a:t>
+              <a:t>Например, при проверке циклов do … while – при данном уровне покрытия достаточно выполнение цикла только один раз, при этом метод совершенно нечувствителен к логическим операторам || и &amp;&amp;</a:t>
             </a:r>
           </a:p>
         </p:txBody>
@@ -20978,7 +20976,7 @@
     </p:spTree>
     <p:extLst>
       <p:ext uri="{BB962C8B-B14F-4D97-AF65-F5344CB8AC3E}">
-        <p14:creationId xmlns:p14="http://schemas.microsoft.com/office/powerpoint/2010/main" val="3058412143"/>
+        <p14:creationId xmlns:p14="http://schemas.microsoft.com/office/powerpoint/2010/main" val="1172848020"/>
       </p:ext>
     </p:extLst>
   </p:cSld>
@@ -20988,7 +20986,7 @@
   <p:timing>
     <p:tnLst>
       <p:par>
-        <p:cTn xmlns:p14="http://schemas.microsoft.com/office/powerpoint/2010/main" id="1" dur="indefinite" restart="never" nodeType="tmRoot"/>
+        <p:cTn id="1" dur="indefinite" restart="never" nodeType="tmRoot"/>
       </p:par>
     </p:tnLst>
   </p:timing>
@@ -21050,7 +21048,7 @@
         <p:spPr bwMode="auto">
           <a:xfrm>
             <a:off x="2000878" y="1924199"/>
-            <a:ext cx="5023841" cy="2732604"/>
+            <a:ext cx="5023841" cy="1624608"/>
           </a:xfrm>
           <a:prstGeom prst="rect">
             <a:avLst/>
@@ -21083,7 +21081,7 @@
                   <a:schemeClr val="accent4"/>
                 </a:solidFill>
               </a:rPr>
-              <a:t>Также проблемы этого метода покрытия можно увидеть и на примерах других управляющих </a:t>
+              <a:t>Другой особенностью данного метода является зависимость уровня покрытия от структуры программного </a:t>
             </a:r>
             <a:r>
               <a:rPr lang="ru-RU" dirty="0" smtClean="0">
@@ -21091,7 +21089,7 @@
                   <a:schemeClr val="accent4"/>
                 </a:solidFill>
               </a:rPr>
-              <a:t>структур</a:t>
+              <a:t>кода</a:t>
             </a:r>
             <a:endParaRPr lang="en-US" dirty="0" smtClean="0">
               <a:solidFill>
@@ -21129,7 +21127,7 @@
                   <a:schemeClr val="accent4"/>
                 </a:solidFill>
               </a:rPr>
-              <a:t>Например, при проверке циклов do … while – при данном уровне покрытия достаточно выполнение цикла только один раз, при этом метод совершенно нечувствителен к логическим операторам || и &amp;&amp;</a:t>
+              <a:t>Рассмотрим простейший пример:</a:t>
             </a:r>
           </a:p>
         </p:txBody>
@@ -21137,7 +21135,7 @@
     </p:spTree>
     <p:extLst>
       <p:ext uri="{BB962C8B-B14F-4D97-AF65-F5344CB8AC3E}">
-        <p14:creationId xmlns:p14="http://schemas.microsoft.com/office/powerpoint/2010/main" val="1172848020"/>
+        <p14:creationId xmlns:p14="http://schemas.microsoft.com/office/powerpoint/2010/main" val="3779626502"/>
       </p:ext>
     </p:extLst>
   </p:cSld>
@@ -21147,7 +21145,7 @@
   <p:timing>
     <p:tnLst>
       <p:par>
-        <p:cTn xmlns:p14="http://schemas.microsoft.com/office/powerpoint/2010/main" id="1" dur="indefinite" restart="never" nodeType="tmRoot"/>
+        <p:cTn id="1" dur="indefinite" restart="never" nodeType="tmRoot"/>
       </p:par>
     </p:tnLst>
   </p:timing>
@@ -21208,8 +21206,8 @@
         </p:nvSpPr>
         <p:spPr bwMode="auto">
           <a:xfrm>
-            <a:off x="2000878" y="1924199"/>
-            <a:ext cx="5023841" cy="1624608"/>
+            <a:off x="2000878" y="2062698"/>
+            <a:ext cx="5023841" cy="2732604"/>
           </a:xfrm>
           <a:prstGeom prst="rect">
             <a:avLst/>
@@ -21242,7 +21240,7 @@
                   <a:schemeClr val="accent4"/>
                 </a:solidFill>
               </a:rPr>
-              <a:t>Другой особенностью данного метода является зависимость уровня покрытия от структуры программного </a:t>
+              <a:t>Если MethodA() содержит 99 операторов, а MethodB() — один оператор, то единственного теста, устанавливающего condition в true, будет достаточно для достижения 99%-го уровня </a:t>
             </a:r>
             <a:r>
               <a:rPr lang="ru-RU" dirty="0" smtClean="0">
@@ -21250,7 +21248,7 @@
                   <a:schemeClr val="accent4"/>
                 </a:solidFill>
               </a:rPr>
-              <a:t>кода</a:t>
+              <a:t>покрытия</a:t>
             </a:r>
             <a:endParaRPr lang="en-US" dirty="0" smtClean="0">
               <a:solidFill>
@@ -21288,7 +21286,7 @@
                   <a:schemeClr val="accent4"/>
                 </a:solidFill>
               </a:rPr>
-              <a:t>Рассмотрим простейший пример:</a:t>
+              <a:t>При этом аналогичный тестовый пример, устанавливающий значение condition в false, даст слишком низкий уровень покрытия (1%)</a:t>
             </a:r>
           </a:p>
         </p:txBody>
@@ -21296,7 +21294,7 @@
     </p:spTree>
     <p:extLst>
       <p:ext uri="{BB962C8B-B14F-4D97-AF65-F5344CB8AC3E}">
-        <p14:creationId xmlns:p14="http://schemas.microsoft.com/office/powerpoint/2010/main" val="3779626502"/>
+        <p14:creationId xmlns:p14="http://schemas.microsoft.com/office/powerpoint/2010/main" val="1415031629"/>
       </p:ext>
     </p:extLst>
   </p:cSld>
@@ -21306,7 +21304,7 @@
   <p:timing>
     <p:tnLst>
       <p:par>
-        <p:cTn xmlns:p14="http://schemas.microsoft.com/office/powerpoint/2010/main" id="1" dur="indefinite" restart="never" nodeType="tmRoot"/>
+        <p:cTn id="1" dur="indefinite" restart="never" nodeType="tmRoot"/>
       </p:par>
     </p:tnLst>
   </p:timing>
@@ -21347,7 +21345,7 @@
           <a:p>
             <a:r>
               <a:rPr lang="ru-RU" dirty="0"/>
-              <a:t>Покрытие операторов</a:t>
+              <a:t>Покрытие условий</a:t>
             </a:r>
             <a:endParaRPr lang="en-US" dirty="0"/>
           </a:p>
@@ -21367,8 +21365,8 @@
         </p:nvSpPr>
         <p:spPr bwMode="auto">
           <a:xfrm>
-            <a:off x="2000878" y="2062698"/>
-            <a:ext cx="5023841" cy="2732604"/>
+            <a:off x="2000878" y="1370201"/>
+            <a:ext cx="5023841" cy="4117598"/>
           </a:xfrm>
           <a:prstGeom prst="rect">
             <a:avLst/>
@@ -21401,7 +21399,7 @@
                   <a:schemeClr val="accent4"/>
                 </a:solidFill>
               </a:rPr>
-              <a:t>Если MethodA() содержит 99 операторов, а MethodB() — один оператор, то единственного теста, устанавливающего condition в true, будет достаточно для достижения 99%-го уровня </a:t>
+              <a:t>Для обеспечения полного покрытия условий необходимо</a:t>
             </a:r>
             <a:r>
               <a:rPr lang="ru-RU" dirty="0" smtClean="0">
@@ -21409,7 +21407,7 @@
                   <a:schemeClr val="accent4"/>
                 </a:solidFill>
               </a:rPr>
-              <a:t>покрытия</a:t>
+              <a:t>:</a:t>
             </a:r>
             <a:endParaRPr lang="en-US" dirty="0" smtClean="0">
               <a:solidFill>
@@ -21433,6 +21431,98 @@
             </a:endParaRPr>
           </a:p>
           <a:p>
+            <a:pPr marL="744538" lvl="1" indent="-287338" defTabSz="803275">
+              <a:buClr>
+                <a:srgbClr val="FF6600"/>
+              </a:buClr>
+              <a:buSzPct val="125000"/>
+              <a:buFont typeface="Wingdings" charset="0"/>
+              <a:buChar char="§"/>
+            </a:pPr>
+            <a:r>
+              <a:rPr lang="ru-RU" dirty="0">
+                <a:solidFill>
+                  <a:schemeClr val="accent4"/>
+                </a:solidFill>
+              </a:rPr>
+              <a:t>каждая точка входа и выхода в программе и во всех ее функциях должна быть выполнена по крайней мере один </a:t>
+            </a:r>
+            <a:r>
+              <a:rPr lang="ru-RU" dirty="0" smtClean="0">
+                <a:solidFill>
+                  <a:schemeClr val="accent4"/>
+                </a:solidFill>
+              </a:rPr>
+              <a:t>раз</a:t>
+            </a:r>
+            <a:endParaRPr lang="en-US" dirty="0" smtClean="0">
+              <a:solidFill>
+                <a:schemeClr val="accent4"/>
+              </a:solidFill>
+            </a:endParaRPr>
+          </a:p>
+          <a:p>
+            <a:pPr marL="744538" lvl="1" indent="-287338" defTabSz="803275">
+              <a:buClr>
+                <a:srgbClr val="FF6600"/>
+              </a:buClr>
+              <a:buSzPct val="125000"/>
+              <a:buFont typeface="Wingdings" charset="0"/>
+              <a:buChar char="§"/>
+            </a:pPr>
+            <a:endParaRPr lang="ru-RU" dirty="0">
+              <a:solidFill>
+                <a:schemeClr val="accent4"/>
+              </a:solidFill>
+            </a:endParaRPr>
+          </a:p>
+          <a:p>
+            <a:pPr marL="744538" lvl="1" indent="-287338" defTabSz="803275">
+              <a:buClr>
+                <a:srgbClr val="FF6600"/>
+              </a:buClr>
+              <a:buSzPct val="125000"/>
+              <a:buFont typeface="Wingdings" charset="0"/>
+              <a:buChar char="§"/>
+            </a:pPr>
+            <a:r>
+              <a:rPr lang="ru-RU" dirty="0">
+                <a:solidFill>
+                  <a:schemeClr val="accent4"/>
+                </a:solidFill>
+              </a:rPr>
+              <a:t>все логические выражения в программе должны принять каждое из возможных значений хотя бы один </a:t>
+            </a:r>
+            <a:r>
+              <a:rPr lang="ru-RU" dirty="0" smtClean="0">
+                <a:solidFill>
+                  <a:schemeClr val="accent4"/>
+                </a:solidFill>
+              </a:rPr>
+              <a:t>раз</a:t>
+            </a:r>
+            <a:endParaRPr lang="en-US" dirty="0" smtClean="0">
+              <a:solidFill>
+                <a:schemeClr val="accent4"/>
+              </a:solidFill>
+            </a:endParaRPr>
+          </a:p>
+          <a:p>
+            <a:pPr marL="744538" lvl="1" indent="-287338" defTabSz="803275">
+              <a:buClr>
+                <a:srgbClr val="FF6600"/>
+              </a:buClr>
+              <a:buSzPct val="125000"/>
+              <a:buFont typeface="Wingdings" charset="0"/>
+              <a:buChar char="§"/>
+            </a:pPr>
+            <a:endParaRPr lang="ru-RU" dirty="0">
+              <a:solidFill>
+                <a:schemeClr val="accent4"/>
+              </a:solidFill>
+            </a:endParaRPr>
+          </a:p>
+          <a:p>
             <a:pPr marL="287338" indent="-287338" defTabSz="803275">
               <a:buClr>
                 <a:srgbClr val="FF6600"/>
@@ -21447,7 +21537,7 @@
                   <a:schemeClr val="accent4"/>
                 </a:solidFill>
               </a:rPr>
-              <a:t>При этом аналогичный тестовый пример, устанавливающий значение condition в false, даст слишком низкий уровень покрытия (1%)</a:t>
+              <a:t>Таким образом, для покрытия по веткам требуется как минимум два теста</a:t>
             </a:r>
           </a:p>
         </p:txBody>
@@ -21455,7 +21545,7 @@
     </p:spTree>
     <p:extLst>
       <p:ext uri="{BB962C8B-B14F-4D97-AF65-F5344CB8AC3E}">
-        <p14:creationId xmlns:p14="http://schemas.microsoft.com/office/powerpoint/2010/main" val="1415031629"/>
+        <p14:creationId xmlns:p14="http://schemas.microsoft.com/office/powerpoint/2010/main" val="3203756418"/>
       </p:ext>
     </p:extLst>
   </p:cSld>
@@ -21465,7 +21555,7 @@
   <p:timing>
     <p:tnLst>
       <p:par>
-        <p:cTn xmlns:p14="http://schemas.microsoft.com/office/powerpoint/2010/main" id="1" dur="indefinite" restart="never" nodeType="tmRoot"/>
+        <p:cTn id="1" dur="indefinite" restart="never" nodeType="tmRoot"/>
       </p:par>
     </p:tnLst>
   </p:timing>
@@ -21527,7 +21617,7 @@
         <p:spPr bwMode="auto">
           <a:xfrm>
             <a:off x="2000878" y="1370201"/>
-            <a:ext cx="5023841" cy="4117598"/>
+            <a:ext cx="5023841" cy="516612"/>
           </a:xfrm>
           <a:prstGeom prst="rect">
             <a:avLst/>
@@ -21555,158 +21645,25 @@
               <a:buChar char="§"/>
             </a:pPr>
             <a:r>
-              <a:rPr lang="ru-RU" dirty="0">
+              <a:rPr lang="en-US" dirty="0" smtClean="0">
                 <a:solidFill>
                   <a:schemeClr val="accent4"/>
                 </a:solidFill>
               </a:rPr>
-              <a:t>Для обеспечения полного покрытия условий необходимо</a:t>
-            </a:r>
-            <a:r>
-              <a:rPr lang="ru-RU" dirty="0" smtClean="0">
-                <a:solidFill>
-                  <a:schemeClr val="accent4"/>
-                </a:solidFill>
-              </a:rPr>
-              <a:t>:</a:t>
-            </a:r>
-            <a:endParaRPr lang="en-US" dirty="0" smtClean="0">
-              <a:solidFill>
-                <a:schemeClr val="accent4"/>
-              </a:solidFill>
-            </a:endParaRPr>
-          </a:p>
-          <a:p>
-            <a:pPr marL="287338" indent="-287338" defTabSz="803275">
-              <a:buClr>
-                <a:srgbClr val="FF6600"/>
-              </a:buClr>
-              <a:buSzPct val="125000"/>
-              <a:buFont typeface="Wingdings" charset="0"/>
-              <a:buChar char="§"/>
-            </a:pPr>
+              <a:t>Code</a:t>
+            </a:r>
             <a:endParaRPr lang="ru-RU" dirty="0">
               <a:solidFill>
                 <a:schemeClr val="accent4"/>
               </a:solidFill>
             </a:endParaRPr>
           </a:p>
-          <a:p>
-            <a:pPr marL="744538" lvl="1" indent="-287338" defTabSz="803275">
-              <a:buClr>
-                <a:srgbClr val="FF6600"/>
-              </a:buClr>
-              <a:buSzPct val="125000"/>
-              <a:buFont typeface="Wingdings" charset="0"/>
-              <a:buChar char="§"/>
-            </a:pPr>
-            <a:r>
-              <a:rPr lang="ru-RU" dirty="0">
-                <a:solidFill>
-                  <a:schemeClr val="accent4"/>
-                </a:solidFill>
-              </a:rPr>
-              <a:t>каждая точка входа и выхода в программе и во всех ее функциях должна быть выполнена по крайней мере один </a:t>
-            </a:r>
-            <a:r>
-              <a:rPr lang="ru-RU" dirty="0" smtClean="0">
-                <a:solidFill>
-                  <a:schemeClr val="accent4"/>
-                </a:solidFill>
-              </a:rPr>
-              <a:t>раз</a:t>
-            </a:r>
-            <a:endParaRPr lang="en-US" dirty="0" smtClean="0">
-              <a:solidFill>
-                <a:schemeClr val="accent4"/>
-              </a:solidFill>
-            </a:endParaRPr>
-          </a:p>
-          <a:p>
-            <a:pPr marL="744538" lvl="1" indent="-287338" defTabSz="803275">
-              <a:buClr>
-                <a:srgbClr val="FF6600"/>
-              </a:buClr>
-              <a:buSzPct val="125000"/>
-              <a:buFont typeface="Wingdings" charset="0"/>
-              <a:buChar char="§"/>
-            </a:pPr>
-            <a:endParaRPr lang="ru-RU" dirty="0">
-              <a:solidFill>
-                <a:schemeClr val="accent4"/>
-              </a:solidFill>
-            </a:endParaRPr>
-          </a:p>
-          <a:p>
-            <a:pPr marL="744538" lvl="1" indent="-287338" defTabSz="803275">
-              <a:buClr>
-                <a:srgbClr val="FF6600"/>
-              </a:buClr>
-              <a:buSzPct val="125000"/>
-              <a:buFont typeface="Wingdings" charset="0"/>
-              <a:buChar char="§"/>
-            </a:pPr>
-            <a:r>
-              <a:rPr lang="ru-RU" dirty="0">
-                <a:solidFill>
-                  <a:schemeClr val="accent4"/>
-                </a:solidFill>
-              </a:rPr>
-              <a:t>все логические выражения в программе должны принять каждое из возможных значений хотя бы один </a:t>
-            </a:r>
-            <a:r>
-              <a:rPr lang="ru-RU" dirty="0" smtClean="0">
-                <a:solidFill>
-                  <a:schemeClr val="accent4"/>
-                </a:solidFill>
-              </a:rPr>
-              <a:t>раз</a:t>
-            </a:r>
-            <a:endParaRPr lang="en-US" dirty="0" smtClean="0">
-              <a:solidFill>
-                <a:schemeClr val="accent4"/>
-              </a:solidFill>
-            </a:endParaRPr>
-          </a:p>
-          <a:p>
-            <a:pPr marL="744538" lvl="1" indent="-287338" defTabSz="803275">
-              <a:buClr>
-                <a:srgbClr val="FF6600"/>
-              </a:buClr>
-              <a:buSzPct val="125000"/>
-              <a:buFont typeface="Wingdings" charset="0"/>
-              <a:buChar char="§"/>
-            </a:pPr>
-            <a:endParaRPr lang="ru-RU" dirty="0">
-              <a:solidFill>
-                <a:schemeClr val="accent4"/>
-              </a:solidFill>
-            </a:endParaRPr>
-          </a:p>
-          <a:p>
-            <a:pPr marL="287338" indent="-287338" defTabSz="803275">
-              <a:buClr>
-                <a:srgbClr val="FF6600"/>
-              </a:buClr>
-              <a:buSzPct val="125000"/>
-              <a:buFont typeface="Wingdings" charset="0"/>
-              <a:buChar char="§"/>
-            </a:pPr>
-            <a:r>
-              <a:rPr lang="ru-RU" dirty="0">
-                <a:solidFill>
-                  <a:schemeClr val="accent4"/>
-                </a:solidFill>
-              </a:rPr>
-              <a:t>Таким образом, для покрытия по веткам требуется как минимум два теста</a:t>
-            </a:r>
-          </a:p>
         </p:txBody>
       </p:sp>
     </p:spTree>
     <p:extLst>
       <p:ext uri="{BB962C8B-B14F-4D97-AF65-F5344CB8AC3E}">
-        <p14:creationId xmlns:p14="http://schemas.microsoft.com/office/powerpoint/2010/main" val="3203756418"/>
+        <p14:creationId xmlns:p14="http://schemas.microsoft.com/office/powerpoint/2010/main" val="1718967264"/>
       </p:ext>
     </p:extLst>
   </p:cSld>
@@ -21716,7 +21673,7 @@
   <p:timing>
     <p:tnLst>
       <p:par>
-        <p:cTn xmlns:p14="http://schemas.microsoft.com/office/powerpoint/2010/main" id="1" dur="indefinite" restart="never" nodeType="tmRoot"/>
+        <p:cTn id="1" dur="indefinite" restart="never" nodeType="tmRoot"/>
       </p:par>
     </p:tnLst>
   </p:timing>
@@ -21777,8 +21734,8 @@
         </p:nvSpPr>
         <p:spPr bwMode="auto">
           <a:xfrm>
-            <a:off x="2000878" y="1370201"/>
-            <a:ext cx="5023841" cy="516612"/>
+            <a:off x="2000878" y="2062698"/>
+            <a:ext cx="5023841" cy="2732604"/>
           </a:xfrm>
           <a:prstGeom prst="rect">
             <a:avLst/>
@@ -21806,25 +21763,112 @@
               <a:buChar char="§"/>
             </a:pPr>
             <a:r>
-              <a:rPr lang="en-US" dirty="0" smtClean="0">
+              <a:rPr lang="ru-RU" dirty="0">
                 <a:solidFill>
                   <a:schemeClr val="accent4"/>
                 </a:solidFill>
               </a:rPr>
-              <a:t>Code</a:t>
-            </a:r>
+              <a:t>Для покрытия предыдущего примера кода по ветвям потребуется уже три </a:t>
+            </a:r>
+            <a:r>
+              <a:rPr lang="ru-RU" dirty="0" smtClean="0">
+                <a:solidFill>
+                  <a:schemeClr val="accent4"/>
+                </a:solidFill>
+              </a:rPr>
+              <a:t>теста</a:t>
+            </a:r>
+            <a:endParaRPr lang="en-US" dirty="0" smtClean="0">
+              <a:solidFill>
+                <a:schemeClr val="accent4"/>
+              </a:solidFill>
+            </a:endParaRPr>
+          </a:p>
+          <a:p>
+            <a:pPr marL="287338" indent="-287338" defTabSz="803275">
+              <a:buClr>
+                <a:srgbClr val="FF6600"/>
+              </a:buClr>
+              <a:buSzPct val="125000"/>
+              <a:buFont typeface="Wingdings" charset="0"/>
+              <a:buChar char="§"/>
+            </a:pPr>
             <a:endParaRPr lang="ru-RU" dirty="0">
               <a:solidFill>
                 <a:schemeClr val="accent4"/>
               </a:solidFill>
             </a:endParaRPr>
           </a:p>
+          <a:p>
+            <a:pPr marL="287338" indent="-287338" defTabSz="803275">
+              <a:buClr>
+                <a:srgbClr val="FF6600"/>
+              </a:buClr>
+              <a:buSzPct val="125000"/>
+              <a:buFont typeface="Wingdings" charset="0"/>
+              <a:buChar char="§"/>
+            </a:pPr>
+            <a:r>
+              <a:rPr lang="ru-RU" dirty="0">
+                <a:solidFill>
+                  <a:schemeClr val="accent4"/>
+                </a:solidFill>
+              </a:rPr>
+              <a:t>Это связано с тем, что первый условный оператор if имеет неявную ветвь – пустую ветвь </a:t>
+            </a:r>
+            <a:r>
+              <a:rPr lang="ru-RU" dirty="0" smtClean="0">
+                <a:solidFill>
+                  <a:schemeClr val="accent4"/>
+                </a:solidFill>
+              </a:rPr>
+              <a:t>else</a:t>
+            </a:r>
+            <a:endParaRPr lang="en-US" dirty="0" smtClean="0">
+              <a:solidFill>
+                <a:schemeClr val="accent4"/>
+              </a:solidFill>
+            </a:endParaRPr>
+          </a:p>
+          <a:p>
+            <a:pPr marL="287338" indent="-287338" defTabSz="803275">
+              <a:buClr>
+                <a:srgbClr val="FF6600"/>
+              </a:buClr>
+              <a:buSzPct val="125000"/>
+              <a:buFont typeface="Wingdings" charset="0"/>
+              <a:buChar char="§"/>
+            </a:pPr>
+            <a:endParaRPr lang="ru-RU" dirty="0">
+              <a:solidFill>
+                <a:schemeClr val="accent4"/>
+              </a:solidFill>
+            </a:endParaRPr>
+          </a:p>
+          <a:p>
+            <a:pPr marL="287338" indent="-287338" defTabSz="803275">
+              <a:buClr>
+                <a:srgbClr val="FF6600"/>
+              </a:buClr>
+              <a:buSzPct val="125000"/>
+              <a:buFont typeface="Wingdings" charset="0"/>
+              <a:buChar char="§"/>
+            </a:pPr>
+            <a:r>
+              <a:rPr lang="ru-RU" dirty="0">
+                <a:solidFill>
+                  <a:schemeClr val="accent4"/>
+                </a:solidFill>
+              </a:rPr>
+              <a:t>Для обеспечения покрытия по ветвям необходимо покрывать и пустые ветви</a:t>
+            </a:r>
+          </a:p>
         </p:txBody>
       </p:sp>
     </p:spTree>
     <p:extLst>
       <p:ext uri="{BB962C8B-B14F-4D97-AF65-F5344CB8AC3E}">
-        <p14:creationId xmlns:p14="http://schemas.microsoft.com/office/powerpoint/2010/main" val="1718967264"/>
+        <p14:creationId xmlns:p14="http://schemas.microsoft.com/office/powerpoint/2010/main" val="2663878283"/>
       </p:ext>
     </p:extLst>
   </p:cSld>
@@ -21834,7 +21878,7 @@
   <p:timing>
     <p:tnLst>
       <p:par>
-        <p:cTn xmlns:p14="http://schemas.microsoft.com/office/powerpoint/2010/main" id="1" dur="indefinite" restart="never" nodeType="tmRoot"/>
+        <p:cTn id="1" dur="indefinite" restart="never" nodeType="tmRoot"/>
       </p:par>
     </p:tnLst>
   </p:timing>
@@ -21896,7 +21940,7 @@
         <p:spPr bwMode="auto">
           <a:xfrm>
             <a:off x="2000878" y="2062698"/>
-            <a:ext cx="5023841" cy="2732604"/>
+            <a:ext cx="5023841" cy="2178606"/>
           </a:xfrm>
           <a:prstGeom prst="rect">
             <a:avLst/>
@@ -21929,7 +21973,7 @@
                   <a:schemeClr val="accent4"/>
                 </a:solidFill>
               </a:rPr>
-              <a:t>Для покрытия предыдущего примера кода по ветвям потребуется уже три </a:t>
+              <a:t>Особенность данного уровня покрытия заключается в том, что на нем могут не учитываться логические выражения, значения которых получаются вызовом </a:t>
             </a:r>
             <a:r>
               <a:rPr lang="ru-RU" dirty="0" smtClean="0">
@@ -21937,7 +21981,7 @@
                   <a:schemeClr val="accent4"/>
                 </a:solidFill>
               </a:rPr>
-              <a:t>теста</a:t>
+              <a:t>методов</a:t>
             </a:r>
             <a:endParaRPr lang="en-US" dirty="0" smtClean="0">
               <a:solidFill>
@@ -21975,53 +22019,7 @@
                   <a:schemeClr val="accent4"/>
                 </a:solidFill>
               </a:rPr>
-              <a:t>Это связано с тем, что первый условный оператор if имеет неявную ветвь – пустую ветвь </a:t>
-            </a:r>
-            <a:r>
-              <a:rPr lang="ru-RU" dirty="0" smtClean="0">
-                <a:solidFill>
-                  <a:schemeClr val="accent4"/>
-                </a:solidFill>
-              </a:rPr>
-              <a:t>else</a:t>
-            </a:r>
-            <a:endParaRPr lang="en-US" dirty="0" smtClean="0">
-              <a:solidFill>
-                <a:schemeClr val="accent4"/>
-              </a:solidFill>
-            </a:endParaRPr>
-          </a:p>
-          <a:p>
-            <a:pPr marL="287338" indent="-287338" defTabSz="803275">
-              <a:buClr>
-                <a:srgbClr val="FF6600"/>
-              </a:buClr>
-              <a:buSzPct val="125000"/>
-              <a:buFont typeface="Wingdings" charset="0"/>
-              <a:buChar char="§"/>
-            </a:pPr>
-            <a:endParaRPr lang="ru-RU" dirty="0">
-              <a:solidFill>
-                <a:schemeClr val="accent4"/>
-              </a:solidFill>
-            </a:endParaRPr>
-          </a:p>
-          <a:p>
-            <a:pPr marL="287338" indent="-287338" defTabSz="803275">
-              <a:buClr>
-                <a:srgbClr val="FF6600"/>
-              </a:buClr>
-              <a:buSzPct val="125000"/>
-              <a:buFont typeface="Wingdings" charset="0"/>
-              <a:buChar char="§"/>
-            </a:pPr>
-            <a:r>
-              <a:rPr lang="ru-RU" dirty="0">
-                <a:solidFill>
-                  <a:schemeClr val="accent4"/>
-                </a:solidFill>
-              </a:rPr>
-              <a:t>Для обеспечения покрытия по ветвям необходимо покрывать и пустые ветви</a:t>
+              <a:t>Рассмотрим пример кода:</a:t>
             </a:r>
           </a:p>
         </p:txBody>
@@ -22029,7 +22027,7 @@
     </p:spTree>
     <p:extLst>
       <p:ext uri="{BB962C8B-B14F-4D97-AF65-F5344CB8AC3E}">
-        <p14:creationId xmlns:p14="http://schemas.microsoft.com/office/powerpoint/2010/main" val="2663878283"/>
+        <p14:creationId xmlns:p14="http://schemas.microsoft.com/office/powerpoint/2010/main" val="1156282511"/>
       </p:ext>
     </p:extLst>
   </p:cSld>
@@ -22039,7 +22037,7 @@
   <p:timing>
     <p:tnLst>
       <p:par>
-        <p:cTn xmlns:p14="http://schemas.microsoft.com/office/powerpoint/2010/main" id="1" dur="indefinite" restart="never" nodeType="tmRoot"/>
+        <p:cTn id="1" dur="indefinite" restart="never" nodeType="tmRoot"/>
       </p:par>
     </p:tnLst>
   </p:timing>
@@ -22100,1186 +22098,6 @@
         </p:nvSpPr>
         <p:spPr bwMode="auto">
           <a:xfrm>
-            <a:off x="2000878" y="2062698"/>
-            <a:ext cx="5023841" cy="2178606"/>
-          </a:xfrm>
-          <a:prstGeom prst="rect">
-            <a:avLst/>
-          </a:prstGeom>
-          <a:noFill/>
-          <a:ln w="19050">
-            <a:noFill/>
-            <a:miter lim="800000"/>
-            <a:headEnd/>
-            <a:tailEnd/>
-          </a:ln>
-        </p:spPr>
-        <p:txBody>
-          <a:bodyPr wrap="square" lIns="93296" tIns="144000" rIns="93296" bIns="93296">
-            <a:spAutoFit/>
-          </a:bodyPr>
-          <a:lstStyle/>
-          <a:p>
-            <a:pPr marL="287338" indent="-287338" defTabSz="803275">
-              <a:buClr>
-                <a:srgbClr val="FF6600"/>
-              </a:buClr>
-              <a:buSzPct val="125000"/>
-              <a:buFont typeface="Wingdings" charset="0"/>
-              <a:buChar char="§"/>
-            </a:pPr>
-            <a:r>
-              <a:rPr lang="ru-RU" dirty="0">
-                <a:solidFill>
-                  <a:schemeClr val="accent4"/>
-                </a:solidFill>
-              </a:rPr>
-              <a:t>Особенность данного уровня покрытия заключается в том, что на нем могут не учитываться логические выражения, значения которых получаются вызовом </a:t>
-            </a:r>
-            <a:r>
-              <a:rPr lang="ru-RU" dirty="0" smtClean="0">
-                <a:solidFill>
-                  <a:schemeClr val="accent4"/>
-                </a:solidFill>
-              </a:rPr>
-              <a:t>методов</a:t>
-            </a:r>
-            <a:endParaRPr lang="en-US" dirty="0" smtClean="0">
-              <a:solidFill>
-                <a:schemeClr val="accent4"/>
-              </a:solidFill>
-            </a:endParaRPr>
-          </a:p>
-          <a:p>
-            <a:pPr marL="287338" indent="-287338" defTabSz="803275">
-              <a:buClr>
-                <a:srgbClr val="FF6600"/>
-              </a:buClr>
-              <a:buSzPct val="125000"/>
-              <a:buFont typeface="Wingdings" charset="0"/>
-              <a:buChar char="§"/>
-            </a:pPr>
-            <a:endParaRPr lang="ru-RU" dirty="0">
-              <a:solidFill>
-                <a:schemeClr val="accent4"/>
-              </a:solidFill>
-            </a:endParaRPr>
-          </a:p>
-          <a:p>
-            <a:pPr marL="287338" indent="-287338" defTabSz="803275">
-              <a:buClr>
-                <a:srgbClr val="FF6600"/>
-              </a:buClr>
-              <a:buSzPct val="125000"/>
-              <a:buFont typeface="Wingdings" charset="0"/>
-              <a:buChar char="§"/>
-            </a:pPr>
-            <a:r>
-              <a:rPr lang="ru-RU" dirty="0">
-                <a:solidFill>
-                  <a:schemeClr val="accent4"/>
-                </a:solidFill>
-              </a:rPr>
-              <a:t>Рассмотрим пример кода:</a:t>
-            </a:r>
-          </a:p>
-        </p:txBody>
-      </p:sp>
-    </p:spTree>
-    <p:extLst>
-      <p:ext uri="{BB962C8B-B14F-4D97-AF65-F5344CB8AC3E}">
-        <p14:creationId xmlns:p14="http://schemas.microsoft.com/office/powerpoint/2010/main" val="1156282511"/>
-      </p:ext>
-    </p:extLst>
-  </p:cSld>
-  <p:clrMapOvr>
-    <a:masterClrMapping/>
-  </p:clrMapOvr>
-  <p:timing>
-    <p:tnLst>
-      <p:par>
-        <p:cTn xmlns:p14="http://schemas.microsoft.com/office/powerpoint/2010/main" id="1" dur="indefinite" restart="never" nodeType="tmRoot"/>
-      </p:par>
-    </p:tnLst>
-  </p:timing>
-</p:sld>
-</file>
-
-<file path=ppt/slides/slide2.xml><?xml version="1.0" encoding="utf-8"?>
-<p:sld xmlns:a="http://schemas.openxmlformats.org/drawingml/2006/main" xmlns:r="http://schemas.openxmlformats.org/officeDocument/2006/relationships" xmlns:p="http://schemas.openxmlformats.org/presentationml/2006/main">
-  <p:cSld>
-    <p:spTree>
-      <p:nvGrpSpPr>
-        <p:cNvPr id="1" name=""/>
-        <p:cNvGrpSpPr/>
-        <p:nvPr/>
-      </p:nvGrpSpPr>
-      <p:grpSpPr>
-        <a:xfrm>
-          <a:off x="0" y="0"/>
-          <a:ext cx="0" cy="0"/>
-          <a:chOff x="0" y="0"/>
-          <a:chExt cx="0" cy="0"/>
-        </a:xfrm>
-      </p:grpSpPr>
-      <p:sp>
-        <p:nvSpPr>
-          <p:cNvPr id="9221" name="Title 1"/>
-          <p:cNvSpPr>
-            <a:spLocks noGrp="1"/>
-          </p:cNvSpPr>
-          <p:nvPr>
-            <p:ph type="title"/>
-          </p:nvPr>
-        </p:nvSpPr>
-        <p:spPr/>
-        <p:txBody>
-          <a:bodyPr/>
-          <a:lstStyle/>
-          <a:p>
-            <a:r>
-              <a:rPr lang="ru-RU" dirty="0" smtClean="0">
-                <a:solidFill>
-                  <a:srgbClr val="161645"/>
-                </a:solidFill>
-                <a:latin typeface="Arial" charset="0"/>
-              </a:rPr>
-              <a:t>Для кого этот тренинг?</a:t>
-            </a:r>
-            <a:endParaRPr lang="ru-RU" dirty="0">
-              <a:solidFill>
-                <a:srgbClr val="161645"/>
-              </a:solidFill>
-              <a:latin typeface="Arial" charset="0"/>
-            </a:endParaRPr>
-          </a:p>
-        </p:txBody>
-      </p:sp>
-      <p:grpSp>
-        <p:nvGrpSpPr>
-          <p:cNvPr id="3" name="Group 2"/>
-          <p:cNvGrpSpPr/>
-          <p:nvPr/>
-        </p:nvGrpSpPr>
-        <p:grpSpPr>
-          <a:xfrm>
-            <a:off x="1362075" y="1988656"/>
-            <a:ext cx="6419850" cy="3229939"/>
-            <a:chOff x="1352550" y="2035583"/>
-            <a:chExt cx="6419850" cy="3229939"/>
-          </a:xfrm>
-        </p:grpSpPr>
-        <p:sp>
-          <p:nvSpPr>
-            <p:cNvPr id="15" name="Rectangle 14"/>
-            <p:cNvSpPr/>
-            <p:nvPr/>
-          </p:nvSpPr>
-          <p:spPr>
-            <a:xfrm>
-              <a:off x="2219325" y="4337787"/>
-              <a:ext cx="5553075" cy="895350"/>
-            </a:xfrm>
-            <a:prstGeom prst="rect">
-              <a:avLst/>
-            </a:prstGeom>
-            <a:solidFill>
-              <a:schemeClr val="accent2"/>
-            </a:solidFill>
-            <a:ln>
-              <a:noFill/>
-            </a:ln>
-          </p:spPr>
-          <p:style>
-            <a:lnRef idx="2">
-              <a:schemeClr val="accent1">
-                <a:shade val="50000"/>
-              </a:schemeClr>
-            </a:lnRef>
-            <a:fillRef idx="1">
-              <a:schemeClr val="accent1"/>
-            </a:fillRef>
-            <a:effectRef idx="0">
-              <a:schemeClr val="accent1"/>
-            </a:effectRef>
-            <a:fontRef idx="minor">
-              <a:schemeClr val="lt1"/>
-            </a:fontRef>
-          </p:style>
-          <p:txBody>
-            <a:bodyPr anchor="ctr"/>
-            <a:lstStyle/>
-            <a:p>
-              <a:pPr algn="ctr">
-                <a:defRPr/>
-              </a:pPr>
-              <a:endParaRPr lang="ru-RU" dirty="0"/>
-            </a:p>
-          </p:txBody>
-        </p:sp>
-        <p:sp>
-          <p:nvSpPr>
-            <p:cNvPr id="14" name="Rectangle 13"/>
-            <p:cNvSpPr/>
-            <p:nvPr/>
-          </p:nvSpPr>
-          <p:spPr>
-            <a:xfrm>
-              <a:off x="2219325" y="3199867"/>
-              <a:ext cx="5553075" cy="895350"/>
-            </a:xfrm>
-            <a:prstGeom prst="rect">
-              <a:avLst/>
-            </a:prstGeom>
-            <a:solidFill>
-              <a:schemeClr val="accent2"/>
-            </a:solidFill>
-            <a:ln>
-              <a:noFill/>
-            </a:ln>
-          </p:spPr>
-          <p:style>
-            <a:lnRef idx="2">
-              <a:schemeClr val="accent1">
-                <a:shade val="50000"/>
-              </a:schemeClr>
-            </a:lnRef>
-            <a:fillRef idx="1">
-              <a:schemeClr val="accent1"/>
-            </a:fillRef>
-            <a:effectRef idx="0">
-              <a:schemeClr val="accent1"/>
-            </a:effectRef>
-            <a:fontRef idx="minor">
-              <a:schemeClr val="lt1"/>
-            </a:fontRef>
-          </p:style>
-          <p:txBody>
-            <a:bodyPr anchor="ctr"/>
-            <a:lstStyle/>
-            <a:p>
-              <a:pPr algn="ctr">
-                <a:defRPr/>
-              </a:pPr>
-              <a:endParaRPr lang="ru-RU" dirty="0"/>
-            </a:p>
-          </p:txBody>
-        </p:sp>
-        <p:sp>
-          <p:nvSpPr>
-            <p:cNvPr id="13" name="Rectangle 12"/>
-            <p:cNvSpPr/>
-            <p:nvPr/>
-          </p:nvSpPr>
-          <p:spPr>
-            <a:xfrm>
-              <a:off x="2219325" y="2035583"/>
-              <a:ext cx="5553075" cy="960120"/>
-            </a:xfrm>
-            <a:prstGeom prst="rect">
-              <a:avLst/>
-            </a:prstGeom>
-            <a:solidFill>
-              <a:schemeClr val="accent2"/>
-            </a:solidFill>
-            <a:ln>
-              <a:noFill/>
-            </a:ln>
-          </p:spPr>
-          <p:style>
-            <a:lnRef idx="2">
-              <a:schemeClr val="accent1">
-                <a:shade val="50000"/>
-              </a:schemeClr>
-            </a:lnRef>
-            <a:fillRef idx="1">
-              <a:schemeClr val="accent1"/>
-            </a:fillRef>
-            <a:effectRef idx="0">
-              <a:schemeClr val="accent1"/>
-            </a:effectRef>
-            <a:fontRef idx="minor">
-              <a:schemeClr val="lt1"/>
-            </a:fontRef>
-          </p:style>
-          <p:txBody>
-            <a:bodyPr anchor="ctr"/>
-            <a:lstStyle/>
-            <a:p>
-              <a:pPr algn="ctr">
-                <a:defRPr/>
-              </a:pPr>
-              <a:endParaRPr lang="ru-RU" dirty="0"/>
-            </a:p>
-          </p:txBody>
-        </p:sp>
-        <p:sp>
-          <p:nvSpPr>
-            <p:cNvPr id="4" name="TextBox 3"/>
-            <p:cNvSpPr txBox="1"/>
-            <p:nvPr/>
-          </p:nvSpPr>
-          <p:spPr>
-            <a:xfrm>
-              <a:off x="2219325" y="3167482"/>
-              <a:ext cx="5553075" cy="960120"/>
-            </a:xfrm>
-            <a:prstGeom prst="rect">
-              <a:avLst/>
-            </a:prstGeom>
-            <a:solidFill>
-              <a:schemeClr val="accent2"/>
-            </a:solidFill>
-          </p:spPr>
-          <p:txBody>
-            <a:bodyPr wrap="square" lIns="108000" tIns="108000" rIns="108000" bIns="108000">
-              <a:spAutoFit/>
-            </a:bodyPr>
-            <a:lstStyle>
-              <a:lvl1pPr eaLnBrk="0" hangingPunct="0">
-                <a:defRPr>
-                  <a:solidFill>
-                    <a:schemeClr val="tx1"/>
-                  </a:solidFill>
-                  <a:latin typeface="Arial" charset="0"/>
-                  <a:ea typeface="ＭＳ Ｐゴシック" charset="0"/>
-                  <a:cs typeface="Arial" charset="0"/>
-                </a:defRPr>
-              </a:lvl1pPr>
-              <a:lvl2pPr marL="742950" indent="-285750" eaLnBrk="0" hangingPunct="0">
-                <a:defRPr>
-                  <a:solidFill>
-                    <a:schemeClr val="tx1"/>
-                  </a:solidFill>
-                  <a:latin typeface="Arial" charset="0"/>
-                  <a:ea typeface="Arial" charset="0"/>
-                  <a:cs typeface="Arial" charset="0"/>
-                </a:defRPr>
-              </a:lvl2pPr>
-              <a:lvl3pPr marL="1143000" indent="-228600" eaLnBrk="0" hangingPunct="0">
-                <a:defRPr>
-                  <a:solidFill>
-                    <a:schemeClr val="tx1"/>
-                  </a:solidFill>
-                  <a:latin typeface="Arial" charset="0"/>
-                  <a:ea typeface="Arial" charset="0"/>
-                  <a:cs typeface="Arial" charset="0"/>
-                </a:defRPr>
-              </a:lvl3pPr>
-              <a:lvl4pPr marL="1600200" indent="-228600" eaLnBrk="0" hangingPunct="0">
-                <a:defRPr>
-                  <a:solidFill>
-                    <a:schemeClr val="tx1"/>
-                  </a:solidFill>
-                  <a:latin typeface="Arial" charset="0"/>
-                  <a:ea typeface="Arial" charset="0"/>
-                  <a:cs typeface="Arial" charset="0"/>
-                </a:defRPr>
-              </a:lvl4pPr>
-              <a:lvl5pPr marL="2057400" indent="-228600" eaLnBrk="0" hangingPunct="0">
-                <a:defRPr>
-                  <a:solidFill>
-                    <a:schemeClr val="tx1"/>
-                  </a:solidFill>
-                  <a:latin typeface="Arial" charset="0"/>
-                  <a:ea typeface="Arial" charset="0"/>
-                  <a:cs typeface="Arial" charset="0"/>
-                </a:defRPr>
-              </a:lvl5pPr>
-              <a:lvl6pPr marL="2514600" indent="-228600" eaLnBrk="0" fontAlgn="base" hangingPunct="0">
-                <a:spcBef>
-                  <a:spcPct val="0"/>
-                </a:spcBef>
-                <a:spcAft>
-                  <a:spcPct val="0"/>
-                </a:spcAft>
-                <a:defRPr>
-                  <a:solidFill>
-                    <a:schemeClr val="tx1"/>
-                  </a:solidFill>
-                  <a:latin typeface="Arial" charset="0"/>
-                  <a:ea typeface="Arial" charset="0"/>
-                  <a:cs typeface="Arial" charset="0"/>
-                </a:defRPr>
-              </a:lvl6pPr>
-              <a:lvl7pPr marL="2971800" indent="-228600" eaLnBrk="0" fontAlgn="base" hangingPunct="0">
-                <a:spcBef>
-                  <a:spcPct val="0"/>
-                </a:spcBef>
-                <a:spcAft>
-                  <a:spcPct val="0"/>
-                </a:spcAft>
-                <a:defRPr>
-                  <a:solidFill>
-                    <a:schemeClr val="tx1"/>
-                  </a:solidFill>
-                  <a:latin typeface="Arial" charset="0"/>
-                  <a:ea typeface="Arial" charset="0"/>
-                  <a:cs typeface="Arial" charset="0"/>
-                </a:defRPr>
-              </a:lvl7pPr>
-              <a:lvl8pPr marL="3429000" indent="-228600" eaLnBrk="0" fontAlgn="base" hangingPunct="0">
-                <a:spcBef>
-                  <a:spcPct val="0"/>
-                </a:spcBef>
-                <a:spcAft>
-                  <a:spcPct val="0"/>
-                </a:spcAft>
-                <a:defRPr>
-                  <a:solidFill>
-                    <a:schemeClr val="tx1"/>
-                  </a:solidFill>
-                  <a:latin typeface="Arial" charset="0"/>
-                  <a:ea typeface="Arial" charset="0"/>
-                  <a:cs typeface="Arial" charset="0"/>
-                </a:defRPr>
-              </a:lvl8pPr>
-              <a:lvl9pPr marL="3886200" indent="-228600" eaLnBrk="0" fontAlgn="base" hangingPunct="0">
-                <a:spcBef>
-                  <a:spcPct val="0"/>
-                </a:spcBef>
-                <a:spcAft>
-                  <a:spcPct val="0"/>
-                </a:spcAft>
-                <a:defRPr>
-                  <a:solidFill>
-                    <a:schemeClr val="tx1"/>
-                  </a:solidFill>
-                  <a:latin typeface="Arial" charset="0"/>
-                  <a:ea typeface="Arial" charset="0"/>
-                  <a:cs typeface="Arial" charset="0"/>
-                </a:defRPr>
-              </a:lvl9pPr>
-            </a:lstStyle>
-            <a:p>
-              <a:pPr eaLnBrk="1" hangingPunct="1">
-                <a:buClr>
-                  <a:srgbClr val="FF6600"/>
-                </a:buClr>
-                <a:buSzPct val="125000"/>
-              </a:pPr>
-              <a:r>
-                <a:rPr lang="en-US" b="1" dirty="0" smtClean="0">
-                  <a:solidFill>
-                    <a:srgbClr val="004080"/>
-                  </a:solidFill>
-                </a:rPr>
-                <a:t>Intermediate</a:t>
-              </a:r>
-              <a:endParaRPr lang="en-US" dirty="0" smtClean="0">
-                <a:solidFill>
-                  <a:srgbClr val="004080"/>
-                </a:solidFill>
-              </a:endParaRPr>
-            </a:p>
-            <a:p>
-              <a:pPr eaLnBrk="1" hangingPunct="1">
-                <a:buClr>
-                  <a:srgbClr val="FF6600"/>
-                </a:buClr>
-                <a:buSzPct val="125000"/>
-              </a:pPr>
-              <a:r>
-                <a:rPr lang="ru-RU" dirty="0" smtClean="0">
-                  <a:solidFill>
-                    <a:srgbClr val="004080"/>
-                  </a:solidFill>
-                </a:rPr>
-                <a:t>Поможет лучше всё структурировать в голове и объяснять коллегам</a:t>
-              </a:r>
-              <a:endParaRPr lang="ru-RU" dirty="0">
-                <a:solidFill>
-                  <a:srgbClr val="004080"/>
-                </a:solidFill>
-              </a:endParaRPr>
-            </a:p>
-          </p:txBody>
-        </p:sp>
-        <p:sp>
-          <p:nvSpPr>
-            <p:cNvPr id="6" name="TextBox 5"/>
-            <p:cNvSpPr txBox="1"/>
-            <p:nvPr/>
-          </p:nvSpPr>
-          <p:spPr>
-            <a:xfrm>
-              <a:off x="2286000" y="2129590"/>
-              <a:ext cx="5438775" cy="772107"/>
-            </a:xfrm>
-            <a:prstGeom prst="rect">
-              <a:avLst/>
-            </a:prstGeom>
-            <a:solidFill>
-              <a:schemeClr val="accent2"/>
-            </a:solidFill>
-          </p:spPr>
-          <p:txBody>
-            <a:bodyPr lIns="108000" tIns="108000" rIns="108000" bIns="108000">
-              <a:spAutoFit/>
-            </a:bodyPr>
-            <a:lstStyle>
-              <a:lvl1pPr eaLnBrk="0" hangingPunct="0">
-                <a:defRPr>
-                  <a:solidFill>
-                    <a:schemeClr val="tx1"/>
-                  </a:solidFill>
-                  <a:latin typeface="Arial" charset="0"/>
-                  <a:ea typeface="ＭＳ Ｐゴシック" charset="0"/>
-                  <a:cs typeface="Arial" charset="0"/>
-                </a:defRPr>
-              </a:lvl1pPr>
-              <a:lvl2pPr marL="742950" indent="-285750" eaLnBrk="0" hangingPunct="0">
-                <a:defRPr>
-                  <a:solidFill>
-                    <a:schemeClr val="tx1"/>
-                  </a:solidFill>
-                  <a:latin typeface="Arial" charset="0"/>
-                  <a:ea typeface="Arial" charset="0"/>
-                  <a:cs typeface="Arial" charset="0"/>
-                </a:defRPr>
-              </a:lvl2pPr>
-              <a:lvl3pPr marL="1143000" indent="-228600" eaLnBrk="0" hangingPunct="0">
-                <a:defRPr>
-                  <a:solidFill>
-                    <a:schemeClr val="tx1"/>
-                  </a:solidFill>
-                  <a:latin typeface="Arial" charset="0"/>
-                  <a:ea typeface="Arial" charset="0"/>
-                  <a:cs typeface="Arial" charset="0"/>
-                </a:defRPr>
-              </a:lvl3pPr>
-              <a:lvl4pPr marL="1600200" indent="-228600" eaLnBrk="0" hangingPunct="0">
-                <a:defRPr>
-                  <a:solidFill>
-                    <a:schemeClr val="tx1"/>
-                  </a:solidFill>
-                  <a:latin typeface="Arial" charset="0"/>
-                  <a:ea typeface="Arial" charset="0"/>
-                  <a:cs typeface="Arial" charset="0"/>
-                </a:defRPr>
-              </a:lvl4pPr>
-              <a:lvl5pPr marL="2057400" indent="-228600" eaLnBrk="0" hangingPunct="0">
-                <a:defRPr>
-                  <a:solidFill>
-                    <a:schemeClr val="tx1"/>
-                  </a:solidFill>
-                  <a:latin typeface="Arial" charset="0"/>
-                  <a:ea typeface="Arial" charset="0"/>
-                  <a:cs typeface="Arial" charset="0"/>
-                </a:defRPr>
-              </a:lvl5pPr>
-              <a:lvl6pPr marL="2514600" indent="-228600" eaLnBrk="0" fontAlgn="base" hangingPunct="0">
-                <a:spcBef>
-                  <a:spcPct val="0"/>
-                </a:spcBef>
-                <a:spcAft>
-                  <a:spcPct val="0"/>
-                </a:spcAft>
-                <a:defRPr>
-                  <a:solidFill>
-                    <a:schemeClr val="tx1"/>
-                  </a:solidFill>
-                  <a:latin typeface="Arial" charset="0"/>
-                  <a:ea typeface="Arial" charset="0"/>
-                  <a:cs typeface="Arial" charset="0"/>
-                </a:defRPr>
-              </a:lvl6pPr>
-              <a:lvl7pPr marL="2971800" indent="-228600" eaLnBrk="0" fontAlgn="base" hangingPunct="0">
-                <a:spcBef>
-                  <a:spcPct val="0"/>
-                </a:spcBef>
-                <a:spcAft>
-                  <a:spcPct val="0"/>
-                </a:spcAft>
-                <a:defRPr>
-                  <a:solidFill>
-                    <a:schemeClr val="tx1"/>
-                  </a:solidFill>
-                  <a:latin typeface="Arial" charset="0"/>
-                  <a:ea typeface="Arial" charset="0"/>
-                  <a:cs typeface="Arial" charset="0"/>
-                </a:defRPr>
-              </a:lvl7pPr>
-              <a:lvl8pPr marL="3429000" indent="-228600" eaLnBrk="0" fontAlgn="base" hangingPunct="0">
-                <a:spcBef>
-                  <a:spcPct val="0"/>
-                </a:spcBef>
-                <a:spcAft>
-                  <a:spcPct val="0"/>
-                </a:spcAft>
-                <a:defRPr>
-                  <a:solidFill>
-                    <a:schemeClr val="tx1"/>
-                  </a:solidFill>
-                  <a:latin typeface="Arial" charset="0"/>
-                  <a:ea typeface="Arial" charset="0"/>
-                  <a:cs typeface="Arial" charset="0"/>
-                </a:defRPr>
-              </a:lvl8pPr>
-              <a:lvl9pPr marL="3886200" indent="-228600" eaLnBrk="0" fontAlgn="base" hangingPunct="0">
-                <a:spcBef>
-                  <a:spcPct val="0"/>
-                </a:spcBef>
-                <a:spcAft>
-                  <a:spcPct val="0"/>
-                </a:spcAft>
-                <a:defRPr>
-                  <a:solidFill>
-                    <a:schemeClr val="tx1"/>
-                  </a:solidFill>
-                  <a:latin typeface="Arial" charset="0"/>
-                  <a:ea typeface="Arial" charset="0"/>
-                  <a:cs typeface="Arial" charset="0"/>
-                </a:defRPr>
-              </a:lvl9pPr>
-            </a:lstStyle>
-            <a:p>
-              <a:pPr eaLnBrk="1" hangingPunct="1">
-                <a:buClr>
-                  <a:srgbClr val="FF6600"/>
-                </a:buClr>
-                <a:buSzPct val="125000"/>
-              </a:pPr>
-              <a:r>
-                <a:rPr lang="de-DE" b="1" dirty="0" smtClean="0">
-                  <a:solidFill>
-                    <a:srgbClr val="004080"/>
-                  </a:solidFill>
-                </a:rPr>
-                <a:t>Beginner</a:t>
-              </a:r>
-              <a:endParaRPr lang="ru-RU" b="1" dirty="0" smtClean="0">
-                <a:solidFill>
-                  <a:srgbClr val="004080"/>
-                </a:solidFill>
-              </a:endParaRPr>
-            </a:p>
-            <a:p>
-              <a:pPr eaLnBrk="1" hangingPunct="1">
-                <a:buClr>
-                  <a:srgbClr val="FF6600"/>
-                </a:buClr>
-                <a:buSzPct val="125000"/>
-              </a:pPr>
-              <a:r>
-                <a:rPr lang="ru-RU" dirty="0" smtClean="0">
-                  <a:solidFill>
-                    <a:srgbClr val="004080"/>
-                  </a:solidFill>
-                </a:rPr>
-                <a:t>Хорошая</a:t>
-              </a:r>
-              <a:r>
-                <a:rPr lang="de-DE" dirty="0" smtClean="0">
-                  <a:solidFill>
-                    <a:srgbClr val="004080"/>
-                  </a:solidFill>
-                </a:rPr>
-                <a:t> </a:t>
-              </a:r>
-              <a:r>
-                <a:rPr lang="ru-RU" dirty="0" smtClean="0">
-                  <a:solidFill>
-                    <a:srgbClr val="004080"/>
-                  </a:solidFill>
-                </a:rPr>
-                <a:t>точка входа</a:t>
-              </a:r>
-              <a:endParaRPr lang="ru-RU" dirty="0">
-                <a:solidFill>
-                  <a:srgbClr val="004080"/>
-                </a:solidFill>
-              </a:endParaRPr>
-            </a:p>
-          </p:txBody>
-        </p:sp>
-        <p:sp>
-          <p:nvSpPr>
-            <p:cNvPr id="8" name="TextBox 7"/>
-            <p:cNvSpPr txBox="1"/>
-            <p:nvPr/>
-          </p:nvSpPr>
-          <p:spPr>
-            <a:xfrm>
-              <a:off x="2219326" y="4305402"/>
-              <a:ext cx="5505450" cy="960120"/>
-            </a:xfrm>
-            <a:prstGeom prst="rect">
-              <a:avLst/>
-            </a:prstGeom>
-            <a:solidFill>
-              <a:schemeClr val="accent2"/>
-            </a:solidFill>
-          </p:spPr>
-          <p:txBody>
-            <a:bodyPr wrap="square" lIns="108000" tIns="108000" rIns="108000" bIns="108000">
-              <a:spAutoFit/>
-            </a:bodyPr>
-            <a:lstStyle>
-              <a:lvl1pPr eaLnBrk="0" hangingPunct="0">
-                <a:defRPr>
-                  <a:solidFill>
-                    <a:schemeClr val="tx1"/>
-                  </a:solidFill>
-                  <a:latin typeface="Arial" charset="0"/>
-                  <a:ea typeface="ＭＳ Ｐゴシック" charset="0"/>
-                  <a:cs typeface="Arial" charset="0"/>
-                </a:defRPr>
-              </a:lvl1pPr>
-              <a:lvl2pPr marL="742950" indent="-285750" eaLnBrk="0" hangingPunct="0">
-                <a:defRPr>
-                  <a:solidFill>
-                    <a:schemeClr val="tx1"/>
-                  </a:solidFill>
-                  <a:latin typeface="Arial" charset="0"/>
-                  <a:ea typeface="Arial" charset="0"/>
-                  <a:cs typeface="Arial" charset="0"/>
-                </a:defRPr>
-              </a:lvl2pPr>
-              <a:lvl3pPr marL="1143000" indent="-228600" eaLnBrk="0" hangingPunct="0">
-                <a:defRPr>
-                  <a:solidFill>
-                    <a:schemeClr val="tx1"/>
-                  </a:solidFill>
-                  <a:latin typeface="Arial" charset="0"/>
-                  <a:ea typeface="Arial" charset="0"/>
-                  <a:cs typeface="Arial" charset="0"/>
-                </a:defRPr>
-              </a:lvl3pPr>
-              <a:lvl4pPr marL="1600200" indent="-228600" eaLnBrk="0" hangingPunct="0">
-                <a:defRPr>
-                  <a:solidFill>
-                    <a:schemeClr val="tx1"/>
-                  </a:solidFill>
-                  <a:latin typeface="Arial" charset="0"/>
-                  <a:ea typeface="Arial" charset="0"/>
-                  <a:cs typeface="Arial" charset="0"/>
-                </a:defRPr>
-              </a:lvl4pPr>
-              <a:lvl5pPr marL="2057400" indent="-228600" eaLnBrk="0" hangingPunct="0">
-                <a:defRPr>
-                  <a:solidFill>
-                    <a:schemeClr val="tx1"/>
-                  </a:solidFill>
-                  <a:latin typeface="Arial" charset="0"/>
-                  <a:ea typeface="Arial" charset="0"/>
-                  <a:cs typeface="Arial" charset="0"/>
-                </a:defRPr>
-              </a:lvl5pPr>
-              <a:lvl6pPr marL="2514600" indent="-228600" eaLnBrk="0" fontAlgn="base" hangingPunct="0">
-                <a:spcBef>
-                  <a:spcPct val="0"/>
-                </a:spcBef>
-                <a:spcAft>
-                  <a:spcPct val="0"/>
-                </a:spcAft>
-                <a:defRPr>
-                  <a:solidFill>
-                    <a:schemeClr val="tx1"/>
-                  </a:solidFill>
-                  <a:latin typeface="Arial" charset="0"/>
-                  <a:ea typeface="Arial" charset="0"/>
-                  <a:cs typeface="Arial" charset="0"/>
-                </a:defRPr>
-              </a:lvl6pPr>
-              <a:lvl7pPr marL="2971800" indent="-228600" eaLnBrk="0" fontAlgn="base" hangingPunct="0">
-                <a:spcBef>
-                  <a:spcPct val="0"/>
-                </a:spcBef>
-                <a:spcAft>
-                  <a:spcPct val="0"/>
-                </a:spcAft>
-                <a:defRPr>
-                  <a:solidFill>
-                    <a:schemeClr val="tx1"/>
-                  </a:solidFill>
-                  <a:latin typeface="Arial" charset="0"/>
-                  <a:ea typeface="Arial" charset="0"/>
-                  <a:cs typeface="Arial" charset="0"/>
-                </a:defRPr>
-              </a:lvl7pPr>
-              <a:lvl8pPr marL="3429000" indent="-228600" eaLnBrk="0" fontAlgn="base" hangingPunct="0">
-                <a:spcBef>
-                  <a:spcPct val="0"/>
-                </a:spcBef>
-                <a:spcAft>
-                  <a:spcPct val="0"/>
-                </a:spcAft>
-                <a:defRPr>
-                  <a:solidFill>
-                    <a:schemeClr val="tx1"/>
-                  </a:solidFill>
-                  <a:latin typeface="Arial" charset="0"/>
-                  <a:ea typeface="Arial" charset="0"/>
-                  <a:cs typeface="Arial" charset="0"/>
-                </a:defRPr>
-              </a:lvl8pPr>
-              <a:lvl9pPr marL="3886200" indent="-228600" eaLnBrk="0" fontAlgn="base" hangingPunct="0">
-                <a:spcBef>
-                  <a:spcPct val="0"/>
-                </a:spcBef>
-                <a:spcAft>
-                  <a:spcPct val="0"/>
-                </a:spcAft>
-                <a:defRPr>
-                  <a:solidFill>
-                    <a:schemeClr val="tx1"/>
-                  </a:solidFill>
-                  <a:latin typeface="Arial" charset="0"/>
-                  <a:ea typeface="Arial" charset="0"/>
-                  <a:cs typeface="Arial" charset="0"/>
-                </a:defRPr>
-              </a:lvl9pPr>
-            </a:lstStyle>
-            <a:p>
-              <a:pPr eaLnBrk="1" hangingPunct="1">
-                <a:buClr>
-                  <a:srgbClr val="FF6600"/>
-                </a:buClr>
-                <a:buSzPct val="125000"/>
-              </a:pPr>
-              <a:r>
-                <a:rPr lang="en-US" b="1" dirty="0" smtClean="0">
-                  <a:solidFill>
-                    <a:srgbClr val="004080"/>
-                  </a:solidFill>
-                </a:rPr>
-                <a:t>Advanced </a:t>
-              </a:r>
-              <a:endParaRPr lang="ru-RU" b="1" dirty="0" smtClean="0">
-                <a:solidFill>
-                  <a:srgbClr val="004080"/>
-                </a:solidFill>
-              </a:endParaRPr>
-            </a:p>
-            <a:p>
-              <a:pPr eaLnBrk="1" hangingPunct="1">
-                <a:buClr>
-                  <a:srgbClr val="FF6600"/>
-                </a:buClr>
-                <a:buSzPct val="125000"/>
-              </a:pPr>
-              <a:r>
-                <a:rPr lang="ru-RU" dirty="0" smtClean="0">
-                  <a:solidFill>
-                    <a:srgbClr val="004080"/>
-                  </a:solidFill>
-                </a:rPr>
-                <a:t>Можно использовать для</a:t>
-              </a:r>
-              <a:r>
-                <a:rPr lang="en-US" dirty="0" smtClean="0">
-                  <a:solidFill>
-                    <a:srgbClr val="004080"/>
-                  </a:solidFill>
-                </a:rPr>
-                <a:t> </a:t>
-              </a:r>
-              <a:r>
-                <a:rPr lang="ru-RU" dirty="0" smtClean="0">
-                  <a:solidFill>
-                    <a:srgbClr val="004080"/>
-                  </a:solidFill>
-                </a:rPr>
-                <a:t>обучения</a:t>
-              </a:r>
-              <a:r>
-                <a:rPr lang="en-US" dirty="0" smtClean="0">
-                  <a:solidFill>
-                    <a:srgbClr val="004080"/>
-                  </a:solidFill>
-                </a:rPr>
-                <a:t> </a:t>
-              </a:r>
-              <a:r>
-                <a:rPr lang="ru-RU" dirty="0" smtClean="0">
-                  <a:solidFill>
-                    <a:srgbClr val="004080"/>
-                  </a:solidFill>
-                </a:rPr>
-                <a:t>и</a:t>
-              </a:r>
-              <a:r>
-                <a:rPr lang="en-US" dirty="0" smtClean="0">
-                  <a:solidFill>
-                    <a:srgbClr val="004080"/>
-                  </a:solidFill>
-                </a:rPr>
-                <a:t> </a:t>
-              </a:r>
-              <a:r>
-                <a:rPr lang="ru-RU" dirty="0" smtClean="0">
-                  <a:solidFill>
-                    <a:srgbClr val="004080"/>
-                  </a:solidFill>
-                </a:rPr>
-                <a:t>проверки других</a:t>
-              </a:r>
-              <a:endParaRPr lang="ru-RU" dirty="0">
-                <a:solidFill>
-                  <a:srgbClr val="004080"/>
-                </a:solidFill>
-              </a:endParaRPr>
-            </a:p>
-          </p:txBody>
-        </p:sp>
-        <p:sp>
-          <p:nvSpPr>
-            <p:cNvPr id="16" name="Rectangle 15"/>
-            <p:cNvSpPr/>
-            <p:nvPr/>
-          </p:nvSpPr>
-          <p:spPr>
-            <a:xfrm>
-              <a:off x="1352550" y="4305402"/>
-              <a:ext cx="752475" cy="960120"/>
-            </a:xfrm>
-            <a:prstGeom prst="rect">
-              <a:avLst/>
-            </a:prstGeom>
-            <a:solidFill>
-              <a:schemeClr val="accent3"/>
-            </a:solidFill>
-            <a:ln>
-              <a:noFill/>
-            </a:ln>
-          </p:spPr>
-          <p:style>
-            <a:lnRef idx="2">
-              <a:schemeClr val="accent1">
-                <a:shade val="50000"/>
-              </a:schemeClr>
-            </a:lnRef>
-            <a:fillRef idx="1">
-              <a:schemeClr val="accent1"/>
-            </a:fillRef>
-            <a:effectRef idx="0">
-              <a:schemeClr val="accent1"/>
-            </a:effectRef>
-            <a:fontRef idx="minor">
-              <a:schemeClr val="lt1"/>
-            </a:fontRef>
-          </p:style>
-          <p:txBody>
-            <a:bodyPr anchor="ctr"/>
-            <a:lstStyle/>
-            <a:p>
-              <a:pPr algn="ctr">
-                <a:defRPr/>
-              </a:pPr>
-              <a:r>
-                <a:rPr lang="ru-RU" sz="5400" b="1" dirty="0"/>
-                <a:t>3</a:t>
-              </a:r>
-            </a:p>
-          </p:txBody>
-        </p:sp>
-        <p:sp>
-          <p:nvSpPr>
-            <p:cNvPr id="17" name="Rectangle 16"/>
-            <p:cNvSpPr/>
-            <p:nvPr/>
-          </p:nvSpPr>
-          <p:spPr>
-            <a:xfrm>
-              <a:off x="1352550" y="3167482"/>
-              <a:ext cx="752475" cy="960120"/>
-            </a:xfrm>
-            <a:prstGeom prst="rect">
-              <a:avLst/>
-            </a:prstGeom>
-            <a:solidFill>
-              <a:schemeClr val="accent3"/>
-            </a:solidFill>
-            <a:ln>
-              <a:noFill/>
-            </a:ln>
-          </p:spPr>
-          <p:style>
-            <a:lnRef idx="2">
-              <a:schemeClr val="accent1">
-                <a:shade val="50000"/>
-              </a:schemeClr>
-            </a:lnRef>
-            <a:fillRef idx="1">
-              <a:schemeClr val="accent1"/>
-            </a:fillRef>
-            <a:effectRef idx="0">
-              <a:schemeClr val="accent1"/>
-            </a:effectRef>
-            <a:fontRef idx="minor">
-              <a:schemeClr val="lt1"/>
-            </a:fontRef>
-          </p:style>
-          <p:txBody>
-            <a:bodyPr anchor="ctr"/>
-            <a:lstStyle/>
-            <a:p>
-              <a:pPr algn="ctr">
-                <a:defRPr/>
-              </a:pPr>
-              <a:r>
-                <a:rPr lang="ru-RU" sz="5400" b="1" dirty="0"/>
-                <a:t>2</a:t>
-              </a:r>
-            </a:p>
-          </p:txBody>
-        </p:sp>
-        <p:sp>
-          <p:nvSpPr>
-            <p:cNvPr id="18" name="Rectangle 17"/>
-            <p:cNvSpPr/>
-            <p:nvPr/>
-          </p:nvSpPr>
-          <p:spPr>
-            <a:xfrm>
-              <a:off x="1352550" y="2035583"/>
-              <a:ext cx="752475" cy="960120"/>
-            </a:xfrm>
-            <a:prstGeom prst="rect">
-              <a:avLst/>
-            </a:prstGeom>
-            <a:solidFill>
-              <a:schemeClr val="accent3"/>
-            </a:solidFill>
-            <a:ln>
-              <a:noFill/>
-            </a:ln>
-          </p:spPr>
-          <p:style>
-            <a:lnRef idx="2">
-              <a:schemeClr val="accent1">
-                <a:shade val="50000"/>
-              </a:schemeClr>
-            </a:lnRef>
-            <a:fillRef idx="1">
-              <a:schemeClr val="accent1"/>
-            </a:fillRef>
-            <a:effectRef idx="0">
-              <a:schemeClr val="accent1"/>
-            </a:effectRef>
-            <a:fontRef idx="minor">
-              <a:schemeClr val="lt1"/>
-            </a:fontRef>
-          </p:style>
-          <p:txBody>
-            <a:bodyPr anchor="ctr"/>
-            <a:lstStyle/>
-            <a:p>
-              <a:pPr algn="ctr">
-                <a:defRPr/>
-              </a:pPr>
-              <a:r>
-                <a:rPr lang="ru-RU" sz="5400" b="1" dirty="0"/>
-                <a:t>1</a:t>
-              </a:r>
-            </a:p>
-          </p:txBody>
-        </p:sp>
-      </p:grpSp>
-      <p:sp>
-        <p:nvSpPr>
-          <p:cNvPr id="5" name="TextBox 4"/>
-          <p:cNvSpPr txBox="1"/>
-          <p:nvPr/>
-        </p:nvSpPr>
-        <p:spPr>
-          <a:xfrm>
-            <a:off x="8731250" y="6683375"/>
-            <a:ext cx="184666" cy="369332"/>
-          </a:xfrm>
-          <a:prstGeom prst="rect">
-            <a:avLst/>
-          </a:prstGeom>
-          <a:noFill/>
-        </p:spPr>
-        <p:txBody>
-          <a:bodyPr wrap="none" rtlCol="0">
-            <a:spAutoFit/>
-          </a:bodyPr>
-          <a:lstStyle/>
-          <a:p>
-            <a:endParaRPr lang="en-US" dirty="0"/>
-          </a:p>
-        </p:txBody>
-      </p:sp>
-    </p:spTree>
-    <p:extLst>
-      <p:ext uri="{BB962C8B-B14F-4D97-AF65-F5344CB8AC3E}">
-        <p14:creationId xmlns:p14="http://schemas.microsoft.com/office/powerpoint/2010/main" val="1987314718"/>
-      </p:ext>
-    </p:extLst>
-  </p:cSld>
-  <p:clrMapOvr>
-    <a:masterClrMapping/>
-  </p:clrMapOvr>
-  <p:transition xmlns:p14="http://schemas.microsoft.com/office/powerpoint/2010/main" spd="slow">
-    <p:fade/>
-  </p:transition>
-  <p:timing>
-    <p:tnLst>
-      <p:par>
-        <p:cTn xmlns:p14="http://schemas.microsoft.com/office/powerpoint/2010/main" id="1" dur="indefinite" restart="never" nodeType="tmRoot"/>
-      </p:par>
-    </p:tnLst>
-  </p:timing>
-</p:sld>
-</file>
-
-<file path=ppt/slides/slide20.xml><?xml version="1.0" encoding="utf-8"?>
-<p:sld xmlns:a="http://schemas.openxmlformats.org/drawingml/2006/main" xmlns:r="http://schemas.openxmlformats.org/officeDocument/2006/relationships" xmlns:p="http://schemas.openxmlformats.org/presentationml/2006/main">
-  <p:cSld>
-    <p:spTree>
-      <p:nvGrpSpPr>
-        <p:cNvPr id="1" name=""/>
-        <p:cNvGrpSpPr/>
-        <p:nvPr/>
-      </p:nvGrpSpPr>
-      <p:grpSpPr>
-        <a:xfrm>
-          <a:off x="0" y="0"/>
-          <a:ext cx="0" cy="0"/>
-          <a:chOff x="0" y="0"/>
-          <a:chExt cx="0" cy="0"/>
-        </a:xfrm>
-      </p:grpSpPr>
-      <p:sp>
-        <p:nvSpPr>
-          <p:cNvPr id="2" name="Title 1"/>
-          <p:cNvSpPr>
-            <a:spLocks noGrp="1"/>
-          </p:cNvSpPr>
-          <p:nvPr>
-            <p:ph type="title"/>
-          </p:nvPr>
-        </p:nvSpPr>
-        <p:spPr/>
-        <p:txBody>
-          <a:bodyPr/>
-          <a:lstStyle/>
-          <a:p>
-            <a:r>
-              <a:rPr lang="ru-RU" dirty="0"/>
-              <a:t>Покрытие условий</a:t>
-            </a:r>
-            <a:endParaRPr lang="en-US" dirty="0"/>
-          </a:p>
-        </p:txBody>
-      </p:sp>
-      <p:sp>
-        <p:nvSpPr>
-          <p:cNvPr id="5" name="Rectangle 4"/>
-          <p:cNvSpPr>
-            <a:spLocks noChangeArrowheads="1"/>
-          </p:cNvSpPr>
-          <p:nvPr>
-            <p:custDataLst>
-              <p:tags r:id="rId1"/>
-            </p:custDataLst>
-          </p:nvPr>
-        </p:nvSpPr>
-        <p:spPr bwMode="auto">
-          <a:xfrm>
             <a:off x="2000878" y="1370201"/>
             <a:ext cx="5023841" cy="4117598"/>
           </a:xfrm>
@@ -23545,1781 +22363,14 @@
   <p:timing>
     <p:tnLst>
       <p:par>
-        <p:cTn xmlns:p14="http://schemas.microsoft.com/office/powerpoint/2010/main" id="1" dur="indefinite" restart="never" nodeType="tmRoot"/>
+        <p:cTn id="1" dur="indefinite" restart="never" nodeType="tmRoot"/>
       </p:par>
     </p:tnLst>
   </p:timing>
 </p:sld>
 </file>
 
-<file path=ppt/slides/slide21.xml><?xml version="1.0" encoding="utf-8"?>
-<p:sld xmlns:a="http://schemas.openxmlformats.org/drawingml/2006/main" xmlns:r="http://schemas.openxmlformats.org/officeDocument/2006/relationships" xmlns:p="http://schemas.openxmlformats.org/presentationml/2006/main">
-  <p:cSld>
-    <p:spTree>
-      <p:nvGrpSpPr>
-        <p:cNvPr id="1" name=""/>
-        <p:cNvGrpSpPr/>
-        <p:nvPr/>
-      </p:nvGrpSpPr>
-      <p:grpSpPr>
-        <a:xfrm>
-          <a:off x="0" y="0"/>
-          <a:ext cx="0" cy="0"/>
-          <a:chOff x="0" y="0"/>
-          <a:chExt cx="0" cy="0"/>
-        </a:xfrm>
-      </p:grpSpPr>
-      <p:sp>
-        <p:nvSpPr>
-          <p:cNvPr id="2" name="Title 1"/>
-          <p:cNvSpPr>
-            <a:spLocks noGrp="1"/>
-          </p:cNvSpPr>
-          <p:nvPr>
-            <p:ph type="title"/>
-          </p:nvPr>
-        </p:nvSpPr>
-        <p:spPr/>
-        <p:txBody>
-          <a:bodyPr/>
-          <a:lstStyle/>
-          <a:p>
-            <a:r>
-              <a:rPr lang="ru-RU" dirty="0"/>
-              <a:t>Покрытие путей</a:t>
-            </a:r>
-            <a:endParaRPr lang="en-US" dirty="0"/>
-          </a:p>
-        </p:txBody>
-      </p:sp>
-      <p:sp>
-        <p:nvSpPr>
-          <p:cNvPr id="5" name="Rectangle 4"/>
-          <p:cNvSpPr>
-            <a:spLocks noChangeArrowheads="1"/>
-          </p:cNvSpPr>
-          <p:nvPr>
-            <p:custDataLst>
-              <p:tags r:id="rId1"/>
-            </p:custDataLst>
-          </p:nvPr>
-        </p:nvSpPr>
-        <p:spPr bwMode="auto">
-          <a:xfrm>
-            <a:off x="2000878" y="1508701"/>
-            <a:ext cx="5023841" cy="3840599"/>
-          </a:xfrm>
-          <a:prstGeom prst="rect">
-            <a:avLst/>
-          </a:prstGeom>
-          <a:noFill/>
-          <a:ln w="19050">
-            <a:noFill/>
-            <a:miter lim="800000"/>
-            <a:headEnd/>
-            <a:tailEnd/>
-          </a:ln>
-        </p:spPr>
-        <p:txBody>
-          <a:bodyPr wrap="square" lIns="93296" tIns="144000" rIns="93296" bIns="93296">
-            <a:spAutoFit/>
-          </a:bodyPr>
-          <a:lstStyle/>
-          <a:p>
-            <a:pPr marL="287338" indent="-287338" defTabSz="803275">
-              <a:buClr>
-                <a:srgbClr val="FF6600"/>
-              </a:buClr>
-              <a:buSzPct val="125000"/>
-              <a:buFont typeface="Wingdings" charset="0"/>
-              <a:buChar char="§"/>
-            </a:pPr>
-            <a:r>
-              <a:rPr lang="ru-RU" dirty="0">
-                <a:solidFill>
-                  <a:schemeClr val="accent4"/>
-                </a:solidFill>
-              </a:rPr>
-              <a:t>В данном случае считаются все пути, которые выполняются в процессе работы тестируемого </a:t>
-            </a:r>
-            <a:r>
-              <a:rPr lang="ru-RU" dirty="0" smtClean="0">
-                <a:solidFill>
-                  <a:schemeClr val="accent4"/>
-                </a:solidFill>
-              </a:rPr>
-              <a:t>метода</a:t>
-            </a:r>
-            <a:endParaRPr lang="en-US" dirty="0" smtClean="0">
-              <a:solidFill>
-                <a:schemeClr val="accent4"/>
-              </a:solidFill>
-            </a:endParaRPr>
-          </a:p>
-          <a:p>
-            <a:pPr marL="287338" indent="-287338" defTabSz="803275">
-              <a:buClr>
-                <a:srgbClr val="FF6600"/>
-              </a:buClr>
-              <a:buSzPct val="125000"/>
-              <a:buFont typeface="Wingdings" charset="0"/>
-              <a:buChar char="§"/>
-            </a:pPr>
-            <a:endParaRPr lang="ru-RU" dirty="0">
-              <a:solidFill>
-                <a:schemeClr val="accent4"/>
-              </a:solidFill>
-            </a:endParaRPr>
-          </a:p>
-          <a:p>
-            <a:pPr marL="287338" indent="-287338" defTabSz="803275">
-              <a:buClr>
-                <a:srgbClr val="FF6600"/>
-              </a:buClr>
-              <a:buSzPct val="125000"/>
-              <a:buFont typeface="Wingdings" charset="0"/>
-              <a:buChar char="§"/>
-            </a:pPr>
-            <a:r>
-              <a:rPr lang="ru-RU" dirty="0">
-                <a:solidFill>
-                  <a:schemeClr val="accent4"/>
-                </a:solidFill>
-              </a:rPr>
-              <a:t>Путь - уникальная последовательность выполнения операторов, с учетом условных </a:t>
-            </a:r>
-            <a:r>
-              <a:rPr lang="ru-RU" dirty="0" smtClean="0">
-                <a:solidFill>
-                  <a:schemeClr val="accent4"/>
-                </a:solidFill>
-              </a:rPr>
-              <a:t>операторов</a:t>
-            </a:r>
-            <a:endParaRPr lang="en-US" dirty="0" smtClean="0">
-              <a:solidFill>
-                <a:schemeClr val="accent4"/>
-              </a:solidFill>
-            </a:endParaRPr>
-          </a:p>
-          <a:p>
-            <a:pPr marL="287338" indent="-287338" defTabSz="803275">
-              <a:buClr>
-                <a:srgbClr val="FF6600"/>
-              </a:buClr>
-              <a:buSzPct val="125000"/>
-              <a:buFont typeface="Wingdings" charset="0"/>
-              <a:buChar char="§"/>
-            </a:pPr>
-            <a:endParaRPr lang="ru-RU" dirty="0">
-              <a:solidFill>
-                <a:schemeClr val="accent4"/>
-              </a:solidFill>
-            </a:endParaRPr>
-          </a:p>
-          <a:p>
-            <a:pPr marL="287338" indent="-287338" defTabSz="803275">
-              <a:buClr>
-                <a:srgbClr val="FF6600"/>
-              </a:buClr>
-              <a:buSzPct val="125000"/>
-              <a:buFont typeface="Wingdings" charset="0"/>
-              <a:buChar char="§"/>
-            </a:pPr>
-            <a:r>
-              <a:rPr lang="ru-RU" dirty="0">
-                <a:solidFill>
-                  <a:schemeClr val="accent4"/>
-                </a:solidFill>
-              </a:rPr>
-              <a:t>Метод, содержащий в себе N условий, имеет 2^N </a:t>
-            </a:r>
-            <a:r>
-              <a:rPr lang="ru-RU" dirty="0" smtClean="0">
-                <a:solidFill>
-                  <a:schemeClr val="accent4"/>
-                </a:solidFill>
-              </a:rPr>
-              <a:t>путей</a:t>
-            </a:r>
-            <a:endParaRPr lang="en-US" dirty="0" smtClean="0">
-              <a:solidFill>
-                <a:schemeClr val="accent4"/>
-              </a:solidFill>
-            </a:endParaRPr>
-          </a:p>
-          <a:p>
-            <a:pPr marL="287338" indent="-287338" defTabSz="803275">
-              <a:buClr>
-                <a:srgbClr val="FF6600"/>
-              </a:buClr>
-              <a:buSzPct val="125000"/>
-              <a:buFont typeface="Wingdings" charset="0"/>
-              <a:buChar char="§"/>
-            </a:pPr>
-            <a:endParaRPr lang="ru-RU" dirty="0">
-              <a:solidFill>
-                <a:schemeClr val="accent4"/>
-              </a:solidFill>
-            </a:endParaRPr>
-          </a:p>
-          <a:p>
-            <a:pPr marL="287338" indent="-287338" defTabSz="803275">
-              <a:buClr>
-                <a:srgbClr val="FF6600"/>
-              </a:buClr>
-              <a:buSzPct val="125000"/>
-              <a:buFont typeface="Wingdings" charset="0"/>
-              <a:buChar char="§"/>
-            </a:pPr>
-            <a:r>
-              <a:rPr lang="ru-RU" dirty="0">
-                <a:solidFill>
-                  <a:schemeClr val="accent4"/>
-                </a:solidFill>
-              </a:rPr>
-              <a:t>Метод, содержащий цикл, может иметь бесконечное число путей</a:t>
-            </a:r>
-          </a:p>
-        </p:txBody>
-      </p:sp>
-    </p:spTree>
-    <p:extLst>
-      <p:ext uri="{BB962C8B-B14F-4D97-AF65-F5344CB8AC3E}">
-        <p14:creationId xmlns:p14="http://schemas.microsoft.com/office/powerpoint/2010/main" val="3753877566"/>
-      </p:ext>
-    </p:extLst>
-  </p:cSld>
-  <p:clrMapOvr>
-    <a:masterClrMapping/>
-  </p:clrMapOvr>
-  <p:timing>
-    <p:tnLst>
-      <p:par>
-        <p:cTn xmlns:p14="http://schemas.microsoft.com/office/powerpoint/2010/main" id="1" dur="indefinite" restart="never" nodeType="tmRoot"/>
-      </p:par>
-    </p:tnLst>
-  </p:timing>
-</p:sld>
-</file>
-
-<file path=ppt/slides/slide22.xml><?xml version="1.0" encoding="utf-8"?>
-<p:sld xmlns:a="http://schemas.openxmlformats.org/drawingml/2006/main" xmlns:r="http://schemas.openxmlformats.org/officeDocument/2006/relationships" xmlns:p="http://schemas.openxmlformats.org/presentationml/2006/main">
-  <p:cSld>
-    <p:spTree>
-      <p:nvGrpSpPr>
-        <p:cNvPr id="1" name=""/>
-        <p:cNvGrpSpPr/>
-        <p:nvPr/>
-      </p:nvGrpSpPr>
-      <p:grpSpPr>
-        <a:xfrm>
-          <a:off x="0" y="0"/>
-          <a:ext cx="0" cy="0"/>
-          <a:chOff x="0" y="0"/>
-          <a:chExt cx="0" cy="0"/>
-        </a:xfrm>
-      </p:grpSpPr>
-      <p:sp>
-        <p:nvSpPr>
-          <p:cNvPr id="2" name="Title 1"/>
-          <p:cNvSpPr>
-            <a:spLocks noGrp="1"/>
-          </p:cNvSpPr>
-          <p:nvPr>
-            <p:ph type="title"/>
-          </p:nvPr>
-        </p:nvSpPr>
-        <p:spPr/>
-        <p:txBody>
-          <a:bodyPr/>
-          <a:lstStyle/>
-          <a:p>
-            <a:r>
-              <a:rPr lang="ru-RU" dirty="0"/>
-              <a:t>Покрытие путей</a:t>
-            </a:r>
-            <a:endParaRPr lang="en-US" dirty="0"/>
-          </a:p>
-        </p:txBody>
-      </p:sp>
-      <p:sp>
-        <p:nvSpPr>
-          <p:cNvPr id="5" name="Rectangle 4"/>
-          <p:cNvSpPr>
-            <a:spLocks noChangeArrowheads="1"/>
-          </p:cNvSpPr>
-          <p:nvPr>
-            <p:custDataLst>
-              <p:tags r:id="rId1"/>
-            </p:custDataLst>
-          </p:nvPr>
-        </p:nvSpPr>
-        <p:spPr bwMode="auto">
-          <a:xfrm>
-            <a:off x="2000878" y="1924199"/>
-            <a:ext cx="5023841" cy="3009602"/>
-          </a:xfrm>
-          <a:prstGeom prst="rect">
-            <a:avLst/>
-          </a:prstGeom>
-          <a:noFill/>
-          <a:ln w="19050">
-            <a:noFill/>
-            <a:miter lim="800000"/>
-            <a:headEnd/>
-            <a:tailEnd/>
-          </a:ln>
-        </p:spPr>
-        <p:txBody>
-          <a:bodyPr wrap="square" lIns="93296" tIns="144000" rIns="93296" bIns="93296">
-            <a:spAutoFit/>
-          </a:bodyPr>
-          <a:lstStyle/>
-          <a:p>
-            <a:pPr marL="287338" indent="-287338" defTabSz="803275">
-              <a:buClr>
-                <a:srgbClr val="FF6600"/>
-              </a:buClr>
-              <a:buSzPct val="125000"/>
-              <a:buFont typeface="Wingdings" charset="0"/>
-              <a:buChar char="§"/>
-            </a:pPr>
-            <a:r>
-              <a:rPr lang="ru-RU" dirty="0">
-                <a:solidFill>
-                  <a:schemeClr val="accent4"/>
-                </a:solidFill>
-              </a:rPr>
-              <a:t>Т.о. в большинстве случаев 100%-е покрытие путей обеспечить </a:t>
-            </a:r>
-            <a:r>
-              <a:rPr lang="ru-RU" dirty="0" smtClean="0">
-                <a:solidFill>
-                  <a:schemeClr val="accent4"/>
-                </a:solidFill>
-              </a:rPr>
-              <a:t>невозможно</a:t>
-            </a:r>
-            <a:endParaRPr lang="en-US" dirty="0" smtClean="0">
-              <a:solidFill>
-                <a:schemeClr val="accent4"/>
-              </a:solidFill>
-            </a:endParaRPr>
-          </a:p>
-          <a:p>
-            <a:pPr marL="287338" indent="-287338" defTabSz="803275">
-              <a:buClr>
-                <a:srgbClr val="FF6600"/>
-              </a:buClr>
-              <a:buSzPct val="125000"/>
-              <a:buFont typeface="Wingdings" charset="0"/>
-              <a:buChar char="§"/>
-            </a:pPr>
-            <a:endParaRPr lang="ru-RU" dirty="0">
-              <a:solidFill>
-                <a:schemeClr val="accent4"/>
-              </a:solidFill>
-            </a:endParaRPr>
-          </a:p>
-          <a:p>
-            <a:pPr marL="287338" indent="-287338" defTabSz="803275">
-              <a:buClr>
-                <a:srgbClr val="FF6600"/>
-              </a:buClr>
-              <a:buSzPct val="125000"/>
-              <a:buFont typeface="Wingdings" charset="0"/>
-              <a:buChar char="§"/>
-            </a:pPr>
-            <a:r>
-              <a:rPr lang="ru-RU" dirty="0">
-                <a:solidFill>
-                  <a:schemeClr val="accent4"/>
-                </a:solidFill>
-              </a:rPr>
-              <a:t>Для решения этой проблемы, может быть применен метод покрытия основных (базисных, линейно-независимых) </a:t>
-            </a:r>
-            <a:r>
-              <a:rPr lang="ru-RU" dirty="0" smtClean="0">
-                <a:solidFill>
-                  <a:schemeClr val="accent4"/>
-                </a:solidFill>
-              </a:rPr>
-              <a:t>путей</a:t>
-            </a:r>
-            <a:endParaRPr lang="en-US" dirty="0" smtClean="0">
-              <a:solidFill>
-                <a:schemeClr val="accent4"/>
-              </a:solidFill>
-            </a:endParaRPr>
-          </a:p>
-          <a:p>
-            <a:pPr marL="287338" indent="-287338" defTabSz="803275">
-              <a:buClr>
-                <a:srgbClr val="FF6600"/>
-              </a:buClr>
-              <a:buSzPct val="125000"/>
-              <a:buFont typeface="Wingdings" charset="0"/>
-              <a:buChar char="§"/>
-            </a:pPr>
-            <a:endParaRPr lang="ru-RU" dirty="0">
-              <a:solidFill>
-                <a:schemeClr val="accent4"/>
-              </a:solidFill>
-            </a:endParaRPr>
-          </a:p>
-          <a:p>
-            <a:pPr marL="287338" indent="-287338" defTabSz="803275">
-              <a:buClr>
-                <a:srgbClr val="FF6600"/>
-              </a:buClr>
-              <a:buSzPct val="125000"/>
-              <a:buFont typeface="Wingdings" charset="0"/>
-              <a:buChar char="§"/>
-            </a:pPr>
-            <a:r>
-              <a:rPr lang="ru-RU" dirty="0">
-                <a:solidFill>
-                  <a:schemeClr val="accent4"/>
-                </a:solidFill>
-              </a:rPr>
-              <a:t>Основные пути – минимальный набор путей, комбинация которых может обеспечить все возможные пути выполнения метода</a:t>
-            </a:r>
-          </a:p>
-        </p:txBody>
-      </p:sp>
-    </p:spTree>
-    <p:extLst>
-      <p:ext uri="{BB962C8B-B14F-4D97-AF65-F5344CB8AC3E}">
-        <p14:creationId xmlns:p14="http://schemas.microsoft.com/office/powerpoint/2010/main" val="1183543952"/>
-      </p:ext>
-    </p:extLst>
-  </p:cSld>
-  <p:clrMapOvr>
-    <a:masterClrMapping/>
-  </p:clrMapOvr>
-  <p:timing>
-    <p:tnLst>
-      <p:par>
-        <p:cTn xmlns:p14="http://schemas.microsoft.com/office/powerpoint/2010/main" id="1" dur="indefinite" restart="never" nodeType="tmRoot"/>
-      </p:par>
-    </p:tnLst>
-  </p:timing>
-</p:sld>
-</file>
-
-<file path=ppt/slides/slide23.xml><?xml version="1.0" encoding="utf-8"?>
-<p:sld xmlns:a="http://schemas.openxmlformats.org/drawingml/2006/main" xmlns:r="http://schemas.openxmlformats.org/officeDocument/2006/relationships" xmlns:p="http://schemas.openxmlformats.org/presentationml/2006/main">
-  <p:cSld>
-    <p:spTree>
-      <p:nvGrpSpPr>
-        <p:cNvPr id="1" name=""/>
-        <p:cNvGrpSpPr/>
-        <p:nvPr/>
-      </p:nvGrpSpPr>
-      <p:grpSpPr>
-        <a:xfrm>
-          <a:off x="0" y="0"/>
-          <a:ext cx="0" cy="0"/>
-          <a:chOff x="0" y="0"/>
-          <a:chExt cx="0" cy="0"/>
-        </a:xfrm>
-      </p:grpSpPr>
-      <p:sp>
-        <p:nvSpPr>
-          <p:cNvPr id="2" name="Title 1"/>
-          <p:cNvSpPr>
-            <a:spLocks noGrp="1"/>
-          </p:cNvSpPr>
-          <p:nvPr>
-            <p:ph type="title"/>
-          </p:nvPr>
-        </p:nvSpPr>
-        <p:spPr/>
-        <p:txBody>
-          <a:bodyPr/>
-          <a:lstStyle/>
-          <a:p>
-            <a:r>
-              <a:rPr lang="ru-RU" dirty="0"/>
-              <a:t>Покрытие путей</a:t>
-            </a:r>
-            <a:endParaRPr lang="en-US" dirty="0"/>
-          </a:p>
-        </p:txBody>
-      </p:sp>
-      <p:sp>
-        <p:nvSpPr>
-          <p:cNvPr id="5" name="Rectangle 4"/>
-          <p:cNvSpPr>
-            <a:spLocks noChangeArrowheads="1"/>
-          </p:cNvSpPr>
-          <p:nvPr>
-            <p:custDataLst>
-              <p:tags r:id="rId1"/>
-            </p:custDataLst>
-          </p:nvPr>
-        </p:nvSpPr>
-        <p:spPr bwMode="auto">
-          <a:xfrm>
-            <a:off x="2000878" y="1924199"/>
-            <a:ext cx="5023841" cy="1347609"/>
-          </a:xfrm>
-          <a:prstGeom prst="rect">
-            <a:avLst/>
-          </a:prstGeom>
-          <a:noFill/>
-          <a:ln w="19050">
-            <a:noFill/>
-            <a:miter lim="800000"/>
-            <a:headEnd/>
-            <a:tailEnd/>
-          </a:ln>
-        </p:spPr>
-        <p:txBody>
-          <a:bodyPr wrap="square" lIns="93296" tIns="144000" rIns="93296" bIns="93296">
-            <a:spAutoFit/>
-          </a:bodyPr>
-          <a:lstStyle/>
-          <a:p>
-            <a:pPr marL="287338" indent="-287338" defTabSz="803275">
-              <a:buClr>
-                <a:srgbClr val="FF6600"/>
-              </a:buClr>
-              <a:buSzPct val="125000"/>
-              <a:buFont typeface="Wingdings" charset="0"/>
-              <a:buChar char="§"/>
-            </a:pPr>
-            <a:r>
-              <a:rPr lang="ru-RU" dirty="0">
-                <a:solidFill>
-                  <a:schemeClr val="accent4"/>
-                </a:solidFill>
-              </a:rPr>
-              <a:t>Число таких путей равно числу уникальных условных операторов, увеличенное на </a:t>
-            </a:r>
-            <a:r>
-              <a:rPr lang="ru-RU" dirty="0" smtClean="0">
-                <a:solidFill>
-                  <a:schemeClr val="accent4"/>
-                </a:solidFill>
-              </a:rPr>
-              <a:t>1</a:t>
-            </a:r>
-            <a:endParaRPr lang="en-US" dirty="0" smtClean="0">
-              <a:solidFill>
-                <a:schemeClr val="accent4"/>
-              </a:solidFill>
-            </a:endParaRPr>
-          </a:p>
-          <a:p>
-            <a:pPr marL="287338" indent="-287338" defTabSz="803275">
-              <a:buClr>
-                <a:srgbClr val="FF6600"/>
-              </a:buClr>
-              <a:buSzPct val="125000"/>
-              <a:buFont typeface="Wingdings" charset="0"/>
-              <a:buChar char="§"/>
-            </a:pPr>
-            <a:endParaRPr lang="ru-RU" dirty="0">
-              <a:solidFill>
-                <a:schemeClr val="accent4"/>
-              </a:solidFill>
-            </a:endParaRPr>
-          </a:p>
-          <a:p>
-            <a:pPr marL="287338" indent="-287338" defTabSz="803275">
-              <a:buClr>
-                <a:srgbClr val="FF6600"/>
-              </a:buClr>
-              <a:buSzPct val="125000"/>
-              <a:buFont typeface="Wingdings" charset="0"/>
-              <a:buChar char="§"/>
-            </a:pPr>
-            <a:r>
-              <a:rPr lang="ru-RU" dirty="0">
-                <a:solidFill>
-                  <a:schemeClr val="accent4"/>
-                </a:solidFill>
-              </a:rPr>
-              <a:t>Рассмотрим следующий пример:</a:t>
-            </a:r>
-          </a:p>
-        </p:txBody>
-      </p:sp>
-    </p:spTree>
-    <p:extLst>
-      <p:ext uri="{BB962C8B-B14F-4D97-AF65-F5344CB8AC3E}">
-        <p14:creationId xmlns:p14="http://schemas.microsoft.com/office/powerpoint/2010/main" val="756849979"/>
-      </p:ext>
-    </p:extLst>
-  </p:cSld>
-  <p:clrMapOvr>
-    <a:masterClrMapping/>
-  </p:clrMapOvr>
-  <p:timing>
-    <p:tnLst>
-      <p:par>
-        <p:cTn xmlns:p14="http://schemas.microsoft.com/office/powerpoint/2010/main" id="1" dur="indefinite" restart="never" nodeType="tmRoot"/>
-      </p:par>
-    </p:tnLst>
-  </p:timing>
-</p:sld>
-</file>
-
-<file path=ppt/slides/slide24.xml><?xml version="1.0" encoding="utf-8"?>
-<p:sld xmlns:a="http://schemas.openxmlformats.org/drawingml/2006/main" xmlns:r="http://schemas.openxmlformats.org/officeDocument/2006/relationships" xmlns:p="http://schemas.openxmlformats.org/presentationml/2006/main">
-  <p:cSld>
-    <p:spTree>
-      <p:nvGrpSpPr>
-        <p:cNvPr id="1" name=""/>
-        <p:cNvGrpSpPr/>
-        <p:nvPr/>
-      </p:nvGrpSpPr>
-      <p:grpSpPr>
-        <a:xfrm>
-          <a:off x="0" y="0"/>
-          <a:ext cx="0" cy="0"/>
-          <a:chOff x="0" y="0"/>
-          <a:chExt cx="0" cy="0"/>
-        </a:xfrm>
-      </p:grpSpPr>
-      <p:sp>
-        <p:nvSpPr>
-          <p:cNvPr id="2" name="Title 1"/>
-          <p:cNvSpPr>
-            <a:spLocks noGrp="1"/>
-          </p:cNvSpPr>
-          <p:nvPr>
-            <p:ph type="title"/>
-          </p:nvPr>
-        </p:nvSpPr>
-        <p:spPr/>
-        <p:txBody>
-          <a:bodyPr/>
-          <a:lstStyle/>
-          <a:p>
-            <a:r>
-              <a:rPr lang="ru-RU" dirty="0"/>
-              <a:t>Покрытие путей</a:t>
-            </a:r>
-            <a:endParaRPr lang="en-US" dirty="0"/>
-          </a:p>
-        </p:txBody>
-      </p:sp>
-      <p:sp>
-        <p:nvSpPr>
-          <p:cNvPr id="5" name="Rectangle 4"/>
-          <p:cNvSpPr>
-            <a:spLocks noChangeArrowheads="1"/>
-          </p:cNvSpPr>
-          <p:nvPr>
-            <p:custDataLst>
-              <p:tags r:id="rId1"/>
-            </p:custDataLst>
-          </p:nvPr>
-        </p:nvSpPr>
-        <p:spPr bwMode="auto">
-          <a:xfrm>
-            <a:off x="2000878" y="1924199"/>
-            <a:ext cx="5023841" cy="3286601"/>
-          </a:xfrm>
-          <a:prstGeom prst="rect">
-            <a:avLst/>
-          </a:prstGeom>
-          <a:noFill/>
-          <a:ln w="19050">
-            <a:noFill/>
-            <a:miter lim="800000"/>
-            <a:headEnd/>
-            <a:tailEnd/>
-          </a:ln>
-        </p:spPr>
-        <p:txBody>
-          <a:bodyPr wrap="square" lIns="93296" tIns="144000" rIns="93296" bIns="93296">
-            <a:spAutoFit/>
-          </a:bodyPr>
-          <a:lstStyle/>
-          <a:p>
-            <a:pPr marL="287338" indent="-287338" defTabSz="803275">
-              <a:buClr>
-                <a:srgbClr val="FF6600"/>
-              </a:buClr>
-              <a:buSzPct val="125000"/>
-              <a:buFont typeface="Wingdings" charset="0"/>
-              <a:buChar char="§"/>
-            </a:pPr>
-            <a:r>
-              <a:rPr lang="ru-RU" dirty="0">
-                <a:solidFill>
-                  <a:schemeClr val="accent4"/>
-                </a:solidFill>
-              </a:rPr>
-              <a:t>Для достижения 100% покрытия основных путей, нам потребуется 4 линейно-независимых </a:t>
-            </a:r>
-            <a:r>
-              <a:rPr lang="ru-RU" dirty="0" smtClean="0">
-                <a:solidFill>
-                  <a:schemeClr val="accent4"/>
-                </a:solidFill>
-              </a:rPr>
-              <a:t>пути</a:t>
-            </a:r>
-            <a:endParaRPr lang="en-US" dirty="0" smtClean="0">
-              <a:solidFill>
-                <a:schemeClr val="accent4"/>
-              </a:solidFill>
-            </a:endParaRPr>
-          </a:p>
-          <a:p>
-            <a:pPr marL="287338" indent="-287338" defTabSz="803275">
-              <a:buClr>
-                <a:srgbClr val="FF6600"/>
-              </a:buClr>
-              <a:buSzPct val="125000"/>
-              <a:buFont typeface="Wingdings" charset="0"/>
-              <a:buChar char="§"/>
-            </a:pPr>
-            <a:endParaRPr lang="ru-RU" dirty="0">
-              <a:solidFill>
-                <a:schemeClr val="accent4"/>
-              </a:solidFill>
-            </a:endParaRPr>
-          </a:p>
-          <a:p>
-            <a:pPr marL="287338" indent="-287338" defTabSz="803275">
-              <a:buClr>
-                <a:srgbClr val="FF6600"/>
-              </a:buClr>
-              <a:buSzPct val="125000"/>
-              <a:buFont typeface="Wingdings" charset="0"/>
-              <a:buChar char="§"/>
-            </a:pPr>
-            <a:r>
-              <a:rPr lang="ru-RU" dirty="0">
-                <a:solidFill>
-                  <a:schemeClr val="accent4"/>
-                </a:solidFill>
-              </a:rPr>
-              <a:t>Первый путь выбирается случайно (пусть это будет путь, когда все условные выражения принимают значение true</a:t>
-            </a:r>
-            <a:r>
-              <a:rPr lang="ru-RU" dirty="0" smtClean="0">
-                <a:solidFill>
-                  <a:schemeClr val="accent4"/>
-                </a:solidFill>
-              </a:rPr>
-              <a:t>)</a:t>
-            </a:r>
-            <a:endParaRPr lang="en-US" dirty="0" smtClean="0">
-              <a:solidFill>
-                <a:schemeClr val="accent4"/>
-              </a:solidFill>
-            </a:endParaRPr>
-          </a:p>
-          <a:p>
-            <a:pPr marL="287338" indent="-287338" defTabSz="803275">
-              <a:buClr>
-                <a:srgbClr val="FF6600"/>
-              </a:buClr>
-              <a:buSzPct val="125000"/>
-              <a:buFont typeface="Wingdings" charset="0"/>
-              <a:buChar char="§"/>
-            </a:pPr>
-            <a:endParaRPr lang="ru-RU" dirty="0">
-              <a:solidFill>
-                <a:schemeClr val="accent4"/>
-              </a:solidFill>
-            </a:endParaRPr>
-          </a:p>
-          <a:p>
-            <a:pPr marL="287338" indent="-287338" defTabSz="803275">
-              <a:buClr>
-                <a:srgbClr val="FF6600"/>
-              </a:buClr>
-              <a:buSzPct val="125000"/>
-              <a:buFont typeface="Wingdings" charset="0"/>
-              <a:buChar char="§"/>
-            </a:pPr>
-            <a:r>
-              <a:rPr lang="ru-RU" dirty="0">
-                <a:solidFill>
-                  <a:schemeClr val="accent4"/>
-                </a:solidFill>
-              </a:rPr>
-              <a:t>Оставшиеся пути получаются поочередным инвертированием одного из условных выражений первого пути</a:t>
-            </a:r>
-          </a:p>
-        </p:txBody>
-      </p:sp>
-    </p:spTree>
-    <p:extLst>
-      <p:ext uri="{BB962C8B-B14F-4D97-AF65-F5344CB8AC3E}">
-        <p14:creationId xmlns:p14="http://schemas.microsoft.com/office/powerpoint/2010/main" val="2356078268"/>
-      </p:ext>
-    </p:extLst>
-  </p:cSld>
-  <p:clrMapOvr>
-    <a:masterClrMapping/>
-  </p:clrMapOvr>
-  <p:timing>
-    <p:tnLst>
-      <p:par>
-        <p:cTn xmlns:p14="http://schemas.microsoft.com/office/powerpoint/2010/main" id="1" dur="indefinite" restart="never" nodeType="tmRoot"/>
-      </p:par>
-    </p:tnLst>
-  </p:timing>
-</p:sld>
-</file>
-
-<file path=ppt/slides/slide25.xml><?xml version="1.0" encoding="utf-8"?>
-<p:sld xmlns:a="http://schemas.openxmlformats.org/drawingml/2006/main" xmlns:r="http://schemas.openxmlformats.org/officeDocument/2006/relationships" xmlns:p="http://schemas.openxmlformats.org/presentationml/2006/main">
-  <p:cSld>
-    <p:spTree>
-      <p:nvGrpSpPr>
-        <p:cNvPr id="1" name=""/>
-        <p:cNvGrpSpPr/>
-        <p:nvPr/>
-      </p:nvGrpSpPr>
-      <p:grpSpPr>
-        <a:xfrm>
-          <a:off x="0" y="0"/>
-          <a:ext cx="0" cy="0"/>
-          <a:chOff x="0" y="0"/>
-          <a:chExt cx="0" cy="0"/>
-        </a:xfrm>
-      </p:grpSpPr>
-      <p:sp>
-        <p:nvSpPr>
-          <p:cNvPr id="2" name="Title 1"/>
-          <p:cNvSpPr>
-            <a:spLocks noGrp="1"/>
-          </p:cNvSpPr>
-          <p:nvPr>
-            <p:ph type="title"/>
-          </p:nvPr>
-        </p:nvSpPr>
-        <p:spPr/>
-        <p:txBody>
-          <a:bodyPr/>
-          <a:lstStyle/>
-          <a:p>
-            <a:r>
-              <a:rPr lang="ru-RU" dirty="0"/>
-              <a:t>Покрытие путей</a:t>
-            </a:r>
-            <a:endParaRPr lang="en-US" dirty="0"/>
-          </a:p>
-        </p:txBody>
-      </p:sp>
-      <p:sp>
-        <p:nvSpPr>
-          <p:cNvPr id="5" name="Rectangle 4"/>
-          <p:cNvSpPr>
-            <a:spLocks noChangeArrowheads="1"/>
-          </p:cNvSpPr>
-          <p:nvPr>
-            <p:custDataLst>
-              <p:tags r:id="rId1"/>
-            </p:custDataLst>
-          </p:nvPr>
-        </p:nvSpPr>
-        <p:spPr bwMode="auto">
-          <a:xfrm>
-            <a:off x="2000878" y="1924199"/>
-            <a:ext cx="5023841" cy="793611"/>
-          </a:xfrm>
-          <a:prstGeom prst="rect">
-            <a:avLst/>
-          </a:prstGeom>
-          <a:noFill/>
-          <a:ln w="19050">
-            <a:noFill/>
-            <a:miter lim="800000"/>
-            <a:headEnd/>
-            <a:tailEnd/>
-          </a:ln>
-        </p:spPr>
-        <p:txBody>
-          <a:bodyPr wrap="square" lIns="93296" tIns="144000" rIns="93296" bIns="93296">
-            <a:spAutoFit/>
-          </a:bodyPr>
-          <a:lstStyle/>
-          <a:p>
-            <a:pPr marL="287338" indent="-287338" defTabSz="803275">
-              <a:buClr>
-                <a:srgbClr val="FF6600"/>
-              </a:buClr>
-              <a:buSzPct val="125000"/>
-              <a:buFont typeface="Wingdings" charset="0"/>
-              <a:buChar char="§"/>
-            </a:pPr>
-            <a:r>
-              <a:rPr lang="ru-RU" dirty="0">
-                <a:solidFill>
-                  <a:schemeClr val="accent4"/>
-                </a:solidFill>
-              </a:rPr>
-              <a:t>Таким образом, получаем четыре основных пути, которые необходимо покрыть:</a:t>
-            </a:r>
-          </a:p>
-        </p:txBody>
-      </p:sp>
-    </p:spTree>
-    <p:extLst>
-      <p:ext uri="{BB962C8B-B14F-4D97-AF65-F5344CB8AC3E}">
-        <p14:creationId xmlns:p14="http://schemas.microsoft.com/office/powerpoint/2010/main" val="2284879653"/>
-      </p:ext>
-    </p:extLst>
-  </p:cSld>
-  <p:clrMapOvr>
-    <a:masterClrMapping/>
-  </p:clrMapOvr>
-  <p:timing>
-    <p:tnLst>
-      <p:par>
-        <p:cTn xmlns:p14="http://schemas.microsoft.com/office/powerpoint/2010/main" id="1" dur="indefinite" restart="never" nodeType="tmRoot"/>
-      </p:par>
-    </p:tnLst>
-  </p:timing>
-</p:sld>
-</file>
-
-<file path=ppt/slides/slide26.xml><?xml version="1.0" encoding="utf-8"?>
-<p:sld xmlns:a="http://schemas.openxmlformats.org/drawingml/2006/main" xmlns:r="http://schemas.openxmlformats.org/officeDocument/2006/relationships" xmlns:p="http://schemas.openxmlformats.org/presentationml/2006/main">
-  <p:cSld>
-    <p:spTree>
-      <p:nvGrpSpPr>
-        <p:cNvPr id="1" name=""/>
-        <p:cNvGrpSpPr/>
-        <p:nvPr/>
-      </p:nvGrpSpPr>
-      <p:grpSpPr>
-        <a:xfrm>
-          <a:off x="0" y="0"/>
-          <a:ext cx="0" cy="0"/>
-          <a:chOff x="0" y="0"/>
-          <a:chExt cx="0" cy="0"/>
-        </a:xfrm>
-      </p:grpSpPr>
-      <p:sp>
-        <p:nvSpPr>
-          <p:cNvPr id="2" name="Title 1"/>
-          <p:cNvSpPr>
-            <a:spLocks noGrp="1"/>
-          </p:cNvSpPr>
-          <p:nvPr>
-            <p:ph type="title"/>
-          </p:nvPr>
-        </p:nvSpPr>
-        <p:spPr/>
-        <p:txBody>
-          <a:bodyPr/>
-          <a:lstStyle/>
-          <a:p>
-            <a:r>
-              <a:rPr lang="ru-RU" dirty="0"/>
-              <a:t>Покрытие путей</a:t>
-            </a:r>
-            <a:endParaRPr lang="en-US" dirty="0"/>
-          </a:p>
-        </p:txBody>
-      </p:sp>
-      <p:sp>
-        <p:nvSpPr>
-          <p:cNvPr id="5" name="Rectangle 4"/>
-          <p:cNvSpPr>
-            <a:spLocks noChangeArrowheads="1"/>
-          </p:cNvSpPr>
-          <p:nvPr>
-            <p:custDataLst>
-              <p:tags r:id="rId1"/>
-            </p:custDataLst>
-          </p:nvPr>
-        </p:nvSpPr>
-        <p:spPr bwMode="auto">
-          <a:xfrm>
-            <a:off x="2000878" y="1924199"/>
-            <a:ext cx="5023841" cy="3563600"/>
-          </a:xfrm>
-          <a:prstGeom prst="rect">
-            <a:avLst/>
-          </a:prstGeom>
-          <a:noFill/>
-          <a:ln w="19050">
-            <a:noFill/>
-            <a:miter lim="800000"/>
-            <a:headEnd/>
-            <a:tailEnd/>
-          </a:ln>
-        </p:spPr>
-        <p:txBody>
-          <a:bodyPr wrap="square" lIns="93296" tIns="144000" rIns="93296" bIns="93296">
-            <a:spAutoFit/>
-          </a:bodyPr>
-          <a:lstStyle/>
-          <a:p>
-            <a:pPr defTabSz="803275">
-              <a:buClr>
-                <a:srgbClr val="FF6600"/>
-              </a:buClr>
-              <a:buSzPct val="125000"/>
-            </a:pPr>
-            <a:r>
-              <a:rPr lang="ru-RU" dirty="0">
-                <a:solidFill>
-                  <a:schemeClr val="accent4"/>
-                </a:solidFill>
-              </a:rPr>
-              <a:t>В случае наличия циклов, может использоваться следующий подход</a:t>
-            </a:r>
-            <a:r>
-              <a:rPr lang="ru-RU" dirty="0" smtClean="0">
-                <a:solidFill>
-                  <a:schemeClr val="accent4"/>
-                </a:solidFill>
-              </a:rPr>
-              <a:t>:</a:t>
-            </a:r>
-            <a:endParaRPr lang="en-US" dirty="0" smtClean="0">
-              <a:solidFill>
-                <a:schemeClr val="accent4"/>
-              </a:solidFill>
-            </a:endParaRPr>
-          </a:p>
-          <a:p>
-            <a:pPr defTabSz="803275">
-              <a:buClr>
-                <a:srgbClr val="FF6600"/>
-              </a:buClr>
-              <a:buSzPct val="125000"/>
-            </a:pPr>
-            <a:endParaRPr lang="ru-RU" dirty="0">
-              <a:solidFill>
-                <a:schemeClr val="accent4"/>
-              </a:solidFill>
-            </a:endParaRPr>
-          </a:p>
-          <a:p>
-            <a:pPr marL="287338" indent="-287338" defTabSz="803275">
-              <a:buClr>
-                <a:srgbClr val="FF6600"/>
-              </a:buClr>
-              <a:buSzPct val="125000"/>
-              <a:buFont typeface="Wingdings" charset="0"/>
-              <a:buChar char="§"/>
-            </a:pPr>
-            <a:r>
-              <a:rPr lang="ru-RU" dirty="0" smtClean="0">
-                <a:solidFill>
-                  <a:schemeClr val="accent4"/>
-                </a:solidFill>
-              </a:rPr>
-              <a:t>Выделяем </a:t>
-            </a:r>
-            <a:r>
-              <a:rPr lang="ru-RU" dirty="0">
-                <a:solidFill>
-                  <a:schemeClr val="accent4"/>
-                </a:solidFill>
-              </a:rPr>
-              <a:t>классы путей (к одному классу можно отнести пути, отличающиеся количеством итераций в конкретном цикле</a:t>
-            </a:r>
-            <a:r>
-              <a:rPr lang="ru-RU" dirty="0" smtClean="0">
-                <a:solidFill>
-                  <a:schemeClr val="accent4"/>
-                </a:solidFill>
-              </a:rPr>
-              <a:t>)</a:t>
-            </a:r>
-            <a:endParaRPr lang="en-US" dirty="0" smtClean="0">
-              <a:solidFill>
-                <a:schemeClr val="accent4"/>
-              </a:solidFill>
-            </a:endParaRPr>
-          </a:p>
-          <a:p>
-            <a:pPr marL="287338" indent="-287338" defTabSz="803275">
-              <a:buClr>
-                <a:srgbClr val="FF6600"/>
-              </a:buClr>
-              <a:buSzPct val="125000"/>
-              <a:buFont typeface="Wingdings" charset="0"/>
-              <a:buChar char="§"/>
-            </a:pPr>
-            <a:endParaRPr lang="ru-RU" dirty="0">
-              <a:solidFill>
-                <a:schemeClr val="accent4"/>
-              </a:solidFill>
-            </a:endParaRPr>
-          </a:p>
-          <a:p>
-            <a:pPr marL="287338" indent="-287338" defTabSz="803275">
-              <a:buClr>
-                <a:srgbClr val="FF6600"/>
-              </a:buClr>
-              <a:buSzPct val="125000"/>
-              <a:buFont typeface="Wingdings" charset="0"/>
-              <a:buChar char="§"/>
-            </a:pPr>
-            <a:r>
-              <a:rPr lang="ru-RU" dirty="0" smtClean="0">
-                <a:solidFill>
-                  <a:schemeClr val="accent4"/>
-                </a:solidFill>
-              </a:rPr>
-              <a:t>Класс </a:t>
-            </a:r>
-            <a:r>
-              <a:rPr lang="ru-RU" dirty="0">
-                <a:solidFill>
-                  <a:schemeClr val="accent4"/>
-                </a:solidFill>
-              </a:rPr>
-              <a:t>считается покрытым, если покрыт хотя бы один путь из </a:t>
-            </a:r>
-            <a:r>
-              <a:rPr lang="ru-RU" dirty="0" smtClean="0">
-                <a:solidFill>
-                  <a:schemeClr val="accent4"/>
-                </a:solidFill>
-              </a:rPr>
-              <a:t>него</a:t>
-            </a:r>
-            <a:endParaRPr lang="en-US" dirty="0" smtClean="0">
-              <a:solidFill>
-                <a:schemeClr val="accent4"/>
-              </a:solidFill>
-            </a:endParaRPr>
-          </a:p>
-          <a:p>
-            <a:pPr marL="287338" indent="-287338" defTabSz="803275">
-              <a:buClr>
-                <a:srgbClr val="FF6600"/>
-              </a:buClr>
-              <a:buSzPct val="125000"/>
-              <a:buFont typeface="Wingdings" charset="0"/>
-              <a:buChar char="§"/>
-            </a:pPr>
-            <a:endParaRPr lang="ru-RU" dirty="0">
-              <a:solidFill>
-                <a:schemeClr val="accent4"/>
-              </a:solidFill>
-            </a:endParaRPr>
-          </a:p>
-          <a:p>
-            <a:pPr marL="287338" indent="-287338" defTabSz="803275">
-              <a:buClr>
-                <a:srgbClr val="FF6600"/>
-              </a:buClr>
-              <a:buSzPct val="125000"/>
-              <a:buFont typeface="Wingdings" charset="0"/>
-              <a:buChar char="§"/>
-            </a:pPr>
-            <a:r>
-              <a:rPr lang="ru-RU" dirty="0">
-                <a:solidFill>
-                  <a:schemeClr val="accent4"/>
-                </a:solidFill>
-              </a:rPr>
-              <a:t>100% покрытие достигнуто, если покрыты все классы путей</a:t>
-            </a:r>
-          </a:p>
-        </p:txBody>
-      </p:sp>
-    </p:spTree>
-    <p:extLst>
-      <p:ext uri="{BB962C8B-B14F-4D97-AF65-F5344CB8AC3E}">
-        <p14:creationId xmlns:p14="http://schemas.microsoft.com/office/powerpoint/2010/main" val="2954205844"/>
-      </p:ext>
-    </p:extLst>
-  </p:cSld>
-  <p:clrMapOvr>
-    <a:masterClrMapping/>
-  </p:clrMapOvr>
-  <p:timing>
-    <p:tnLst>
-      <p:par>
-        <p:cTn xmlns:p14="http://schemas.microsoft.com/office/powerpoint/2010/main" id="1" dur="indefinite" restart="never" nodeType="tmRoot"/>
-      </p:par>
-    </p:tnLst>
-  </p:timing>
-</p:sld>
-</file>
-
-<file path=ppt/slides/slide27.xml><?xml version="1.0" encoding="utf-8"?>
-<p:sld xmlns:a="http://schemas.openxmlformats.org/drawingml/2006/main" xmlns:r="http://schemas.openxmlformats.org/officeDocument/2006/relationships" xmlns:p="http://schemas.openxmlformats.org/presentationml/2006/main">
-  <p:cSld>
-    <p:spTree>
-      <p:nvGrpSpPr>
-        <p:cNvPr id="1" name=""/>
-        <p:cNvGrpSpPr/>
-        <p:nvPr/>
-      </p:nvGrpSpPr>
-      <p:grpSpPr>
-        <a:xfrm>
-          <a:off x="0" y="0"/>
-          <a:ext cx="0" cy="0"/>
-          <a:chOff x="0" y="0"/>
-          <a:chExt cx="0" cy="0"/>
-        </a:xfrm>
-      </p:grpSpPr>
-      <p:sp>
-        <p:nvSpPr>
-          <p:cNvPr id="2" name="Title 1"/>
-          <p:cNvSpPr>
-            <a:spLocks noGrp="1"/>
-          </p:cNvSpPr>
-          <p:nvPr>
-            <p:ph type="title"/>
-          </p:nvPr>
-        </p:nvSpPr>
-        <p:spPr/>
-        <p:txBody>
-          <a:bodyPr/>
-          <a:lstStyle/>
-          <a:p>
-            <a:r>
-              <a:rPr lang="ru-RU" dirty="0"/>
-              <a:t>Покрытие функций</a:t>
-            </a:r>
-            <a:endParaRPr lang="en-US" dirty="0"/>
-          </a:p>
-        </p:txBody>
-      </p:sp>
-      <p:sp>
-        <p:nvSpPr>
-          <p:cNvPr id="5" name="Rectangle 4"/>
-          <p:cNvSpPr>
-            <a:spLocks noChangeArrowheads="1"/>
-          </p:cNvSpPr>
-          <p:nvPr>
-            <p:custDataLst>
-              <p:tags r:id="rId1"/>
-            </p:custDataLst>
-          </p:nvPr>
-        </p:nvSpPr>
-        <p:spPr bwMode="auto">
-          <a:xfrm>
-            <a:off x="2000878" y="1924199"/>
-            <a:ext cx="5023841" cy="3563600"/>
-          </a:xfrm>
-          <a:prstGeom prst="rect">
-            <a:avLst/>
-          </a:prstGeom>
-          <a:noFill/>
-          <a:ln w="19050">
-            <a:noFill/>
-            <a:miter lim="800000"/>
-            <a:headEnd/>
-            <a:tailEnd/>
-          </a:ln>
-        </p:spPr>
-        <p:txBody>
-          <a:bodyPr wrap="square" lIns="93296" tIns="144000" rIns="93296" bIns="93296">
-            <a:spAutoFit/>
-          </a:bodyPr>
-          <a:lstStyle/>
-          <a:p>
-            <a:pPr marL="287338" indent="-287338" defTabSz="803275">
-              <a:buClr>
-                <a:srgbClr val="FF6600"/>
-              </a:buClr>
-              <a:buSzPct val="125000"/>
-              <a:buFont typeface="Wingdings" charset="0"/>
-              <a:buChar char="§"/>
-            </a:pPr>
-            <a:r>
-              <a:rPr lang="ru-RU" dirty="0" smtClean="0">
-                <a:solidFill>
-                  <a:schemeClr val="accent4"/>
-                </a:solidFill>
-              </a:rPr>
-              <a:t>Покрытие </a:t>
-            </a:r>
-            <a:r>
-              <a:rPr lang="ru-RU" dirty="0">
-                <a:solidFill>
-                  <a:schemeClr val="accent4"/>
-                </a:solidFill>
-              </a:rPr>
-              <a:t>функций – каждая ли функция тестируемого модуля является выполненной хотя бы один </a:t>
-            </a:r>
-            <a:r>
-              <a:rPr lang="ru-RU" dirty="0" smtClean="0">
-                <a:solidFill>
-                  <a:schemeClr val="accent4"/>
-                </a:solidFill>
-              </a:rPr>
-              <a:t>раз</a:t>
-            </a:r>
-          </a:p>
-          <a:p>
-            <a:pPr marL="287338" indent="-287338" defTabSz="803275">
-              <a:buClr>
-                <a:srgbClr val="FF6600"/>
-              </a:buClr>
-              <a:buSzPct val="125000"/>
-              <a:buFont typeface="Wingdings" charset="0"/>
-              <a:buChar char="§"/>
-            </a:pPr>
-            <a:endParaRPr lang="ru-RU" dirty="0">
-              <a:solidFill>
-                <a:schemeClr val="accent4"/>
-              </a:solidFill>
-            </a:endParaRPr>
-          </a:p>
-          <a:p>
-            <a:pPr marL="287338" indent="-287338" defTabSz="803275">
-              <a:buClr>
-                <a:srgbClr val="FF6600"/>
-              </a:buClr>
-              <a:buSzPct val="125000"/>
-              <a:buFont typeface="Wingdings" charset="0"/>
-              <a:buChar char="§"/>
-            </a:pPr>
-            <a:r>
-              <a:rPr lang="ru-RU" dirty="0">
-                <a:solidFill>
-                  <a:schemeClr val="accent4"/>
-                </a:solidFill>
-              </a:rPr>
-              <a:t>Является одним из самых простых методов расчета покрытия, и дает довольно общее представление о качестве тестируемого </a:t>
-            </a:r>
-            <a:r>
-              <a:rPr lang="ru-RU" dirty="0" smtClean="0">
-                <a:solidFill>
-                  <a:schemeClr val="accent4"/>
-                </a:solidFill>
-              </a:rPr>
-              <a:t>модуля</a:t>
-            </a:r>
-          </a:p>
-          <a:p>
-            <a:pPr marL="287338" indent="-287338" defTabSz="803275">
-              <a:buClr>
-                <a:srgbClr val="FF6600"/>
-              </a:buClr>
-              <a:buSzPct val="125000"/>
-              <a:buFont typeface="Wingdings" charset="0"/>
-              <a:buChar char="§"/>
-            </a:pPr>
-            <a:endParaRPr lang="ru-RU" dirty="0">
-              <a:solidFill>
-                <a:schemeClr val="accent4"/>
-              </a:solidFill>
-            </a:endParaRPr>
-          </a:p>
-          <a:p>
-            <a:pPr marL="287338" indent="-287338" defTabSz="803275">
-              <a:buClr>
-                <a:srgbClr val="FF6600"/>
-              </a:buClr>
-              <a:buSzPct val="125000"/>
-              <a:buFont typeface="Wingdings" charset="0"/>
-              <a:buChar char="§"/>
-            </a:pPr>
-            <a:r>
-              <a:rPr lang="ru-RU" dirty="0">
-                <a:solidFill>
-                  <a:schemeClr val="accent4"/>
-                </a:solidFill>
-              </a:rPr>
-              <a:t>С одной стороны, данное покрытие говорит нам о том, что тестами покрыт весь реализованный функционал модуля</a:t>
-            </a:r>
-          </a:p>
-        </p:txBody>
-      </p:sp>
-    </p:spTree>
-    <p:extLst>
-      <p:ext uri="{BB962C8B-B14F-4D97-AF65-F5344CB8AC3E}">
-        <p14:creationId xmlns:p14="http://schemas.microsoft.com/office/powerpoint/2010/main" val="1541681903"/>
-      </p:ext>
-    </p:extLst>
-  </p:cSld>
-  <p:clrMapOvr>
-    <a:masterClrMapping/>
-  </p:clrMapOvr>
-  <p:timing>
-    <p:tnLst>
-      <p:par>
-        <p:cTn xmlns:p14="http://schemas.microsoft.com/office/powerpoint/2010/main" id="1" dur="indefinite" restart="never" nodeType="tmRoot"/>
-      </p:par>
-    </p:tnLst>
-  </p:timing>
-</p:sld>
-</file>
-
-<file path=ppt/slides/slide28.xml><?xml version="1.0" encoding="utf-8"?>
-<p:sld xmlns:a="http://schemas.openxmlformats.org/drawingml/2006/main" xmlns:r="http://schemas.openxmlformats.org/officeDocument/2006/relationships" xmlns:p="http://schemas.openxmlformats.org/presentationml/2006/main">
-  <p:cSld>
-    <p:spTree>
-      <p:nvGrpSpPr>
-        <p:cNvPr id="1" name=""/>
-        <p:cNvGrpSpPr/>
-        <p:nvPr/>
-      </p:nvGrpSpPr>
-      <p:grpSpPr>
-        <a:xfrm>
-          <a:off x="0" y="0"/>
-          <a:ext cx="0" cy="0"/>
-          <a:chOff x="0" y="0"/>
-          <a:chExt cx="0" cy="0"/>
-        </a:xfrm>
-      </p:grpSpPr>
-      <p:sp>
-        <p:nvSpPr>
-          <p:cNvPr id="2" name="Title 1"/>
-          <p:cNvSpPr>
-            <a:spLocks noGrp="1"/>
-          </p:cNvSpPr>
-          <p:nvPr>
-            <p:ph type="title"/>
-          </p:nvPr>
-        </p:nvSpPr>
-        <p:spPr/>
-        <p:txBody>
-          <a:bodyPr/>
-          <a:lstStyle/>
-          <a:p>
-            <a:r>
-              <a:rPr lang="ru-RU" dirty="0"/>
-              <a:t>Покрытие функций</a:t>
-            </a:r>
-            <a:endParaRPr lang="en-US" dirty="0"/>
-          </a:p>
-        </p:txBody>
-      </p:sp>
-      <p:sp>
-        <p:nvSpPr>
-          <p:cNvPr id="5" name="Rectangle 4"/>
-          <p:cNvSpPr>
-            <a:spLocks noChangeArrowheads="1"/>
-          </p:cNvSpPr>
-          <p:nvPr>
-            <p:custDataLst>
-              <p:tags r:id="rId1"/>
-            </p:custDataLst>
-          </p:nvPr>
-        </p:nvSpPr>
-        <p:spPr bwMode="auto">
-          <a:xfrm>
-            <a:off x="2000878" y="1924199"/>
-            <a:ext cx="5023841" cy="2732604"/>
-          </a:xfrm>
-          <a:prstGeom prst="rect">
-            <a:avLst/>
-          </a:prstGeom>
-          <a:noFill/>
-          <a:ln w="19050">
-            <a:noFill/>
-            <a:miter lim="800000"/>
-            <a:headEnd/>
-            <a:tailEnd/>
-          </a:ln>
-        </p:spPr>
-        <p:txBody>
-          <a:bodyPr wrap="square" lIns="93296" tIns="144000" rIns="93296" bIns="93296">
-            <a:spAutoFit/>
-          </a:bodyPr>
-          <a:lstStyle/>
-          <a:p>
-            <a:pPr defTabSz="803275">
-              <a:buClr>
-                <a:srgbClr val="FF6600"/>
-              </a:buClr>
-              <a:buSzPct val="125000"/>
-            </a:pPr>
-            <a:r>
-              <a:rPr lang="ru-RU" dirty="0">
-                <a:solidFill>
-                  <a:schemeClr val="accent4"/>
-                </a:solidFill>
-              </a:rPr>
-              <a:t>С другой стороны, оно не гарантирует нам адекватное поведение модуля, поскольку: </a:t>
-            </a:r>
-            <a:endParaRPr lang="ru-RU" dirty="0" smtClean="0">
-              <a:solidFill>
-                <a:schemeClr val="accent4"/>
-              </a:solidFill>
-            </a:endParaRPr>
-          </a:p>
-          <a:p>
-            <a:pPr marL="287338" indent="-287338" defTabSz="803275">
-              <a:buClr>
-                <a:srgbClr val="FF6600"/>
-              </a:buClr>
-              <a:buSzPct val="125000"/>
-              <a:buFont typeface="Wingdings" charset="0"/>
-              <a:buChar char="§"/>
-            </a:pPr>
-            <a:endParaRPr lang="ru-RU" dirty="0">
-              <a:solidFill>
-                <a:schemeClr val="accent4"/>
-              </a:solidFill>
-            </a:endParaRPr>
-          </a:p>
-          <a:p>
-            <a:pPr marL="287338" indent="-287338" defTabSz="803275">
-              <a:buClr>
-                <a:srgbClr val="FF6600"/>
-              </a:buClr>
-              <a:buSzPct val="125000"/>
-              <a:buFont typeface="Wingdings" charset="0"/>
-              <a:buChar char="§"/>
-            </a:pPr>
-            <a:r>
-              <a:rPr lang="ru-RU" dirty="0" smtClean="0">
-                <a:solidFill>
-                  <a:schemeClr val="accent4"/>
-                </a:solidFill>
-              </a:rPr>
-              <a:t>Не </a:t>
-            </a:r>
-            <a:r>
-              <a:rPr lang="ru-RU" dirty="0">
-                <a:solidFill>
-                  <a:schemeClr val="accent4"/>
-                </a:solidFill>
-              </a:rPr>
-              <a:t>проверяется реакция функций на все возможные входные </a:t>
-            </a:r>
-            <a:r>
-              <a:rPr lang="ru-RU" dirty="0" smtClean="0">
-                <a:solidFill>
-                  <a:schemeClr val="accent4"/>
-                </a:solidFill>
-              </a:rPr>
-              <a:t>параметры</a:t>
-            </a:r>
-          </a:p>
-          <a:p>
-            <a:pPr marL="287338" indent="-287338" defTabSz="803275">
-              <a:buClr>
-                <a:srgbClr val="FF6600"/>
-              </a:buClr>
-              <a:buSzPct val="125000"/>
-              <a:buFont typeface="Wingdings" charset="0"/>
-              <a:buChar char="§"/>
-            </a:pPr>
-            <a:endParaRPr lang="ru-RU" dirty="0">
-              <a:solidFill>
-                <a:schemeClr val="accent4"/>
-              </a:solidFill>
-            </a:endParaRPr>
-          </a:p>
-          <a:p>
-            <a:pPr marL="287338" indent="-287338" defTabSz="803275">
-              <a:buClr>
-                <a:srgbClr val="FF6600"/>
-              </a:buClr>
-              <a:buSzPct val="125000"/>
-              <a:buFont typeface="Wingdings" charset="0"/>
-              <a:buChar char="§"/>
-            </a:pPr>
-            <a:r>
-              <a:rPr lang="ru-RU" dirty="0" smtClean="0">
-                <a:solidFill>
-                  <a:schemeClr val="accent4"/>
-                </a:solidFill>
-              </a:rPr>
-              <a:t>Не </a:t>
-            </a:r>
-            <a:r>
-              <a:rPr lang="ru-RU" dirty="0">
-                <a:solidFill>
-                  <a:schemeClr val="accent4"/>
-                </a:solidFill>
-              </a:rPr>
-              <a:t>проверяется реакция системы на все возможные возвращаемые функцией значения</a:t>
-            </a:r>
-          </a:p>
-        </p:txBody>
-      </p:sp>
-    </p:spTree>
-    <p:extLst>
-      <p:ext uri="{BB962C8B-B14F-4D97-AF65-F5344CB8AC3E}">
-        <p14:creationId xmlns:p14="http://schemas.microsoft.com/office/powerpoint/2010/main" val="2981576385"/>
-      </p:ext>
-    </p:extLst>
-  </p:cSld>
-  <p:clrMapOvr>
-    <a:masterClrMapping/>
-  </p:clrMapOvr>
-  <p:timing>
-    <p:tnLst>
-      <p:par>
-        <p:cTn xmlns:p14="http://schemas.microsoft.com/office/powerpoint/2010/main" id="1" dur="indefinite" restart="never" nodeType="tmRoot"/>
-      </p:par>
-    </p:tnLst>
-  </p:timing>
-</p:sld>
-</file>
-
-<file path=ppt/slides/slide29.xml><?xml version="1.0" encoding="utf-8"?>
-<p:sld xmlns:a="http://schemas.openxmlformats.org/drawingml/2006/main" xmlns:r="http://schemas.openxmlformats.org/officeDocument/2006/relationships" xmlns:p="http://schemas.openxmlformats.org/presentationml/2006/main">
-  <p:cSld>
-    <p:spTree>
-      <p:nvGrpSpPr>
-        <p:cNvPr id="1" name=""/>
-        <p:cNvGrpSpPr/>
-        <p:nvPr/>
-      </p:nvGrpSpPr>
-      <p:grpSpPr>
-        <a:xfrm>
-          <a:off x="0" y="0"/>
-          <a:ext cx="0" cy="0"/>
-          <a:chOff x="0" y="0"/>
-          <a:chExt cx="0" cy="0"/>
-        </a:xfrm>
-      </p:grpSpPr>
-      <p:sp>
-        <p:nvSpPr>
-          <p:cNvPr id="2" name="Title 1"/>
-          <p:cNvSpPr>
-            <a:spLocks noGrp="1"/>
-          </p:cNvSpPr>
-          <p:nvPr>
-            <p:ph type="title"/>
-          </p:nvPr>
-        </p:nvSpPr>
-        <p:spPr/>
-        <p:txBody>
-          <a:bodyPr/>
-          <a:lstStyle/>
-          <a:p>
-            <a:r>
-              <a:rPr lang="ru-RU" dirty="0"/>
-              <a:t>Покрытие вход/выход</a:t>
-            </a:r>
-            <a:endParaRPr lang="en-US" dirty="0"/>
-          </a:p>
-        </p:txBody>
-      </p:sp>
-      <p:sp>
-        <p:nvSpPr>
-          <p:cNvPr id="5" name="Rectangle 4"/>
-          <p:cNvSpPr>
-            <a:spLocks noChangeArrowheads="1"/>
-          </p:cNvSpPr>
-          <p:nvPr>
-            <p:custDataLst>
-              <p:tags r:id="rId1"/>
-            </p:custDataLst>
-          </p:nvPr>
-        </p:nvSpPr>
-        <p:spPr bwMode="auto">
-          <a:xfrm>
-            <a:off x="2000878" y="2062698"/>
-            <a:ext cx="5023841" cy="2732604"/>
-          </a:xfrm>
-          <a:prstGeom prst="rect">
-            <a:avLst/>
-          </a:prstGeom>
-          <a:noFill/>
-          <a:ln w="19050">
-            <a:noFill/>
-            <a:miter lim="800000"/>
-            <a:headEnd/>
-            <a:tailEnd/>
-          </a:ln>
-        </p:spPr>
-        <p:txBody>
-          <a:bodyPr wrap="square" lIns="93296" tIns="144000" rIns="93296" bIns="93296">
-            <a:spAutoFit/>
-          </a:bodyPr>
-          <a:lstStyle/>
-          <a:p>
-            <a:pPr marL="287338" indent="-287338" defTabSz="803275">
-              <a:buClr>
-                <a:srgbClr val="FF6600"/>
-              </a:buClr>
-              <a:buSzPct val="125000"/>
-              <a:buFont typeface="Wingdings" charset="0"/>
-              <a:buChar char="§"/>
-            </a:pPr>
-            <a:r>
-              <a:rPr lang="ru-RU" dirty="0" smtClean="0">
-                <a:solidFill>
-                  <a:schemeClr val="accent4"/>
-                </a:solidFill>
-              </a:rPr>
-              <a:t>Покрытие </a:t>
-            </a:r>
-            <a:r>
-              <a:rPr lang="ru-RU" dirty="0">
-                <a:solidFill>
-                  <a:schemeClr val="accent4"/>
-                </a:solidFill>
-              </a:rPr>
-              <a:t>вход/выход – все ли возможные варианты вызова функций и возврата из них были </a:t>
-            </a:r>
-            <a:r>
-              <a:rPr lang="ru-RU" dirty="0" smtClean="0">
-                <a:solidFill>
-                  <a:schemeClr val="accent4"/>
-                </a:solidFill>
-              </a:rPr>
-              <a:t>выполнены</a:t>
-            </a:r>
-          </a:p>
-          <a:p>
-            <a:pPr marL="287338" indent="-287338" defTabSz="803275">
-              <a:buClr>
-                <a:srgbClr val="FF6600"/>
-              </a:buClr>
-              <a:buSzPct val="125000"/>
-              <a:buFont typeface="Wingdings" charset="0"/>
-              <a:buChar char="§"/>
-            </a:pPr>
-            <a:endParaRPr lang="ru-RU" dirty="0">
-              <a:solidFill>
-                <a:schemeClr val="accent4"/>
-              </a:solidFill>
-            </a:endParaRPr>
-          </a:p>
-          <a:p>
-            <a:pPr marL="287338" indent="-287338" defTabSz="803275">
-              <a:buClr>
-                <a:srgbClr val="FF6600"/>
-              </a:buClr>
-              <a:buSzPct val="125000"/>
-              <a:buFont typeface="Wingdings" charset="0"/>
-              <a:buChar char="§"/>
-            </a:pPr>
-            <a:r>
-              <a:rPr lang="ru-RU" dirty="0">
-                <a:solidFill>
-                  <a:schemeClr val="accent4"/>
-                </a:solidFill>
-              </a:rPr>
-              <a:t>На данном уровне обеспечивается тестирование как самих функций (все возможные варианты вызова), так и их взаимодействие в составе модуля (все возможные варианты возврата)</a:t>
-            </a:r>
-          </a:p>
-        </p:txBody>
-      </p:sp>
-    </p:spTree>
-    <p:extLst>
-      <p:ext uri="{BB962C8B-B14F-4D97-AF65-F5344CB8AC3E}">
-        <p14:creationId xmlns:p14="http://schemas.microsoft.com/office/powerpoint/2010/main" val="697402294"/>
-      </p:ext>
-    </p:extLst>
-  </p:cSld>
-  <p:clrMapOvr>
-    <a:masterClrMapping/>
-  </p:clrMapOvr>
-  <p:timing>
-    <p:tnLst>
-      <p:par>
-        <p:cTn xmlns:p14="http://schemas.microsoft.com/office/powerpoint/2010/main" id="1" dur="indefinite" restart="never" nodeType="tmRoot"/>
-      </p:par>
-    </p:tnLst>
-  </p:timing>
-</p:sld>
-</file>
-
-<file path=ppt/slides/slide3.xml><?xml version="1.0" encoding="utf-8"?>
+<file path=ppt/slides/slide2.xml><?xml version="1.0" encoding="utf-8"?>
 <p:sld xmlns:a="http://schemas.openxmlformats.org/drawingml/2006/main" xmlns:r="http://schemas.openxmlformats.org/officeDocument/2006/relationships" xmlns:p="http://schemas.openxmlformats.org/presentationml/2006/main">
   <p:cSld>
     <p:spTree>
@@ -27272,13 +24323,2134 @@
   <p:clrMapOvr>
     <a:masterClrMapping/>
   </p:clrMapOvr>
-  <p:transition xmlns:p14="http://schemas.microsoft.com/office/powerpoint/2010/main" spd="slow">
+  <p:transition spd="slow">
     <p:fade/>
   </p:transition>
   <p:timing>
     <p:tnLst>
       <p:par>
-        <p:cTn xmlns:p14="http://schemas.microsoft.com/office/powerpoint/2010/main" id="1" dur="indefinite" restart="never" nodeType="tmRoot"/>
+        <p:cTn id="1" dur="indefinite" restart="never" nodeType="tmRoot"/>
+      </p:par>
+    </p:tnLst>
+  </p:timing>
+</p:sld>
+</file>
+
+<file path=ppt/slides/slide20.xml><?xml version="1.0" encoding="utf-8"?>
+<p:sld xmlns:a="http://schemas.openxmlformats.org/drawingml/2006/main" xmlns:r="http://schemas.openxmlformats.org/officeDocument/2006/relationships" xmlns:p="http://schemas.openxmlformats.org/presentationml/2006/main">
+  <p:cSld>
+    <p:spTree>
+      <p:nvGrpSpPr>
+        <p:cNvPr id="1" name=""/>
+        <p:cNvGrpSpPr/>
+        <p:nvPr/>
+      </p:nvGrpSpPr>
+      <p:grpSpPr>
+        <a:xfrm>
+          <a:off x="0" y="0"/>
+          <a:ext cx="0" cy="0"/>
+          <a:chOff x="0" y="0"/>
+          <a:chExt cx="0" cy="0"/>
+        </a:xfrm>
+      </p:grpSpPr>
+      <p:sp>
+        <p:nvSpPr>
+          <p:cNvPr id="2" name="Title 1"/>
+          <p:cNvSpPr>
+            <a:spLocks noGrp="1"/>
+          </p:cNvSpPr>
+          <p:nvPr>
+            <p:ph type="title"/>
+          </p:nvPr>
+        </p:nvSpPr>
+        <p:spPr/>
+        <p:txBody>
+          <a:bodyPr/>
+          <a:lstStyle/>
+          <a:p>
+            <a:r>
+              <a:rPr lang="ru-RU" dirty="0"/>
+              <a:t>Покрытие путей</a:t>
+            </a:r>
+            <a:endParaRPr lang="en-US" dirty="0"/>
+          </a:p>
+        </p:txBody>
+      </p:sp>
+      <p:sp>
+        <p:nvSpPr>
+          <p:cNvPr id="5" name="Rectangle 4"/>
+          <p:cNvSpPr>
+            <a:spLocks noChangeArrowheads="1"/>
+          </p:cNvSpPr>
+          <p:nvPr>
+            <p:custDataLst>
+              <p:tags r:id="rId1"/>
+            </p:custDataLst>
+          </p:nvPr>
+        </p:nvSpPr>
+        <p:spPr bwMode="auto">
+          <a:xfrm>
+            <a:off x="2000878" y="1508701"/>
+            <a:ext cx="5023841" cy="3840599"/>
+          </a:xfrm>
+          <a:prstGeom prst="rect">
+            <a:avLst/>
+          </a:prstGeom>
+          <a:noFill/>
+          <a:ln w="19050">
+            <a:noFill/>
+            <a:miter lim="800000"/>
+            <a:headEnd/>
+            <a:tailEnd/>
+          </a:ln>
+        </p:spPr>
+        <p:txBody>
+          <a:bodyPr wrap="square" lIns="93296" tIns="144000" rIns="93296" bIns="93296">
+            <a:spAutoFit/>
+          </a:bodyPr>
+          <a:lstStyle/>
+          <a:p>
+            <a:pPr marL="287338" indent="-287338" defTabSz="803275">
+              <a:buClr>
+                <a:srgbClr val="FF6600"/>
+              </a:buClr>
+              <a:buSzPct val="125000"/>
+              <a:buFont typeface="Wingdings" charset="0"/>
+              <a:buChar char="§"/>
+            </a:pPr>
+            <a:r>
+              <a:rPr lang="ru-RU" dirty="0">
+                <a:solidFill>
+                  <a:schemeClr val="accent4"/>
+                </a:solidFill>
+              </a:rPr>
+              <a:t>В данном случае считаются все пути, которые выполняются в процессе работы тестируемого </a:t>
+            </a:r>
+            <a:r>
+              <a:rPr lang="ru-RU" dirty="0" smtClean="0">
+                <a:solidFill>
+                  <a:schemeClr val="accent4"/>
+                </a:solidFill>
+              </a:rPr>
+              <a:t>метода</a:t>
+            </a:r>
+            <a:endParaRPr lang="en-US" dirty="0" smtClean="0">
+              <a:solidFill>
+                <a:schemeClr val="accent4"/>
+              </a:solidFill>
+            </a:endParaRPr>
+          </a:p>
+          <a:p>
+            <a:pPr marL="287338" indent="-287338" defTabSz="803275">
+              <a:buClr>
+                <a:srgbClr val="FF6600"/>
+              </a:buClr>
+              <a:buSzPct val="125000"/>
+              <a:buFont typeface="Wingdings" charset="0"/>
+              <a:buChar char="§"/>
+            </a:pPr>
+            <a:endParaRPr lang="ru-RU" dirty="0">
+              <a:solidFill>
+                <a:schemeClr val="accent4"/>
+              </a:solidFill>
+            </a:endParaRPr>
+          </a:p>
+          <a:p>
+            <a:pPr marL="287338" indent="-287338" defTabSz="803275">
+              <a:buClr>
+                <a:srgbClr val="FF6600"/>
+              </a:buClr>
+              <a:buSzPct val="125000"/>
+              <a:buFont typeface="Wingdings" charset="0"/>
+              <a:buChar char="§"/>
+            </a:pPr>
+            <a:r>
+              <a:rPr lang="ru-RU" dirty="0">
+                <a:solidFill>
+                  <a:schemeClr val="accent4"/>
+                </a:solidFill>
+              </a:rPr>
+              <a:t>Путь - уникальная последовательность выполнения операторов, с учетом условных </a:t>
+            </a:r>
+            <a:r>
+              <a:rPr lang="ru-RU" dirty="0" smtClean="0">
+                <a:solidFill>
+                  <a:schemeClr val="accent4"/>
+                </a:solidFill>
+              </a:rPr>
+              <a:t>операторов</a:t>
+            </a:r>
+            <a:endParaRPr lang="en-US" dirty="0" smtClean="0">
+              <a:solidFill>
+                <a:schemeClr val="accent4"/>
+              </a:solidFill>
+            </a:endParaRPr>
+          </a:p>
+          <a:p>
+            <a:pPr marL="287338" indent="-287338" defTabSz="803275">
+              <a:buClr>
+                <a:srgbClr val="FF6600"/>
+              </a:buClr>
+              <a:buSzPct val="125000"/>
+              <a:buFont typeface="Wingdings" charset="0"/>
+              <a:buChar char="§"/>
+            </a:pPr>
+            <a:endParaRPr lang="ru-RU" dirty="0">
+              <a:solidFill>
+                <a:schemeClr val="accent4"/>
+              </a:solidFill>
+            </a:endParaRPr>
+          </a:p>
+          <a:p>
+            <a:pPr marL="287338" indent="-287338" defTabSz="803275">
+              <a:buClr>
+                <a:srgbClr val="FF6600"/>
+              </a:buClr>
+              <a:buSzPct val="125000"/>
+              <a:buFont typeface="Wingdings" charset="0"/>
+              <a:buChar char="§"/>
+            </a:pPr>
+            <a:r>
+              <a:rPr lang="ru-RU" dirty="0">
+                <a:solidFill>
+                  <a:schemeClr val="accent4"/>
+                </a:solidFill>
+              </a:rPr>
+              <a:t>Метод, содержащий в себе N условий, имеет 2^N </a:t>
+            </a:r>
+            <a:r>
+              <a:rPr lang="ru-RU" dirty="0" smtClean="0">
+                <a:solidFill>
+                  <a:schemeClr val="accent4"/>
+                </a:solidFill>
+              </a:rPr>
+              <a:t>путей</a:t>
+            </a:r>
+            <a:endParaRPr lang="en-US" dirty="0" smtClean="0">
+              <a:solidFill>
+                <a:schemeClr val="accent4"/>
+              </a:solidFill>
+            </a:endParaRPr>
+          </a:p>
+          <a:p>
+            <a:pPr marL="287338" indent="-287338" defTabSz="803275">
+              <a:buClr>
+                <a:srgbClr val="FF6600"/>
+              </a:buClr>
+              <a:buSzPct val="125000"/>
+              <a:buFont typeface="Wingdings" charset="0"/>
+              <a:buChar char="§"/>
+            </a:pPr>
+            <a:endParaRPr lang="ru-RU" dirty="0">
+              <a:solidFill>
+                <a:schemeClr val="accent4"/>
+              </a:solidFill>
+            </a:endParaRPr>
+          </a:p>
+          <a:p>
+            <a:pPr marL="287338" indent="-287338" defTabSz="803275">
+              <a:buClr>
+                <a:srgbClr val="FF6600"/>
+              </a:buClr>
+              <a:buSzPct val="125000"/>
+              <a:buFont typeface="Wingdings" charset="0"/>
+              <a:buChar char="§"/>
+            </a:pPr>
+            <a:r>
+              <a:rPr lang="ru-RU" dirty="0">
+                <a:solidFill>
+                  <a:schemeClr val="accent4"/>
+                </a:solidFill>
+              </a:rPr>
+              <a:t>Метод, содержащий цикл, может иметь бесконечное число путей</a:t>
+            </a:r>
+          </a:p>
+        </p:txBody>
+      </p:sp>
+    </p:spTree>
+    <p:extLst>
+      <p:ext uri="{BB962C8B-B14F-4D97-AF65-F5344CB8AC3E}">
+        <p14:creationId xmlns:p14="http://schemas.microsoft.com/office/powerpoint/2010/main" val="3753877566"/>
+      </p:ext>
+    </p:extLst>
+  </p:cSld>
+  <p:clrMapOvr>
+    <a:masterClrMapping/>
+  </p:clrMapOvr>
+  <p:timing>
+    <p:tnLst>
+      <p:par>
+        <p:cTn id="1" dur="indefinite" restart="never" nodeType="tmRoot"/>
+      </p:par>
+    </p:tnLst>
+  </p:timing>
+</p:sld>
+</file>
+
+<file path=ppt/slides/slide21.xml><?xml version="1.0" encoding="utf-8"?>
+<p:sld xmlns:a="http://schemas.openxmlformats.org/drawingml/2006/main" xmlns:r="http://schemas.openxmlformats.org/officeDocument/2006/relationships" xmlns:p="http://schemas.openxmlformats.org/presentationml/2006/main">
+  <p:cSld>
+    <p:spTree>
+      <p:nvGrpSpPr>
+        <p:cNvPr id="1" name=""/>
+        <p:cNvGrpSpPr/>
+        <p:nvPr/>
+      </p:nvGrpSpPr>
+      <p:grpSpPr>
+        <a:xfrm>
+          <a:off x="0" y="0"/>
+          <a:ext cx="0" cy="0"/>
+          <a:chOff x="0" y="0"/>
+          <a:chExt cx="0" cy="0"/>
+        </a:xfrm>
+      </p:grpSpPr>
+      <p:sp>
+        <p:nvSpPr>
+          <p:cNvPr id="2" name="Title 1"/>
+          <p:cNvSpPr>
+            <a:spLocks noGrp="1"/>
+          </p:cNvSpPr>
+          <p:nvPr>
+            <p:ph type="title"/>
+          </p:nvPr>
+        </p:nvSpPr>
+        <p:spPr/>
+        <p:txBody>
+          <a:bodyPr/>
+          <a:lstStyle/>
+          <a:p>
+            <a:r>
+              <a:rPr lang="ru-RU" dirty="0"/>
+              <a:t>Покрытие путей</a:t>
+            </a:r>
+            <a:endParaRPr lang="en-US" dirty="0"/>
+          </a:p>
+        </p:txBody>
+      </p:sp>
+      <p:sp>
+        <p:nvSpPr>
+          <p:cNvPr id="5" name="Rectangle 4"/>
+          <p:cNvSpPr>
+            <a:spLocks noChangeArrowheads="1"/>
+          </p:cNvSpPr>
+          <p:nvPr>
+            <p:custDataLst>
+              <p:tags r:id="rId1"/>
+            </p:custDataLst>
+          </p:nvPr>
+        </p:nvSpPr>
+        <p:spPr bwMode="auto">
+          <a:xfrm>
+            <a:off x="2000878" y="1924199"/>
+            <a:ext cx="5023841" cy="3009602"/>
+          </a:xfrm>
+          <a:prstGeom prst="rect">
+            <a:avLst/>
+          </a:prstGeom>
+          <a:noFill/>
+          <a:ln w="19050">
+            <a:noFill/>
+            <a:miter lim="800000"/>
+            <a:headEnd/>
+            <a:tailEnd/>
+          </a:ln>
+        </p:spPr>
+        <p:txBody>
+          <a:bodyPr wrap="square" lIns="93296" tIns="144000" rIns="93296" bIns="93296">
+            <a:spAutoFit/>
+          </a:bodyPr>
+          <a:lstStyle/>
+          <a:p>
+            <a:pPr marL="287338" indent="-287338" defTabSz="803275">
+              <a:buClr>
+                <a:srgbClr val="FF6600"/>
+              </a:buClr>
+              <a:buSzPct val="125000"/>
+              <a:buFont typeface="Wingdings" charset="0"/>
+              <a:buChar char="§"/>
+            </a:pPr>
+            <a:r>
+              <a:rPr lang="ru-RU" dirty="0">
+                <a:solidFill>
+                  <a:schemeClr val="accent4"/>
+                </a:solidFill>
+              </a:rPr>
+              <a:t>Т.о. в большинстве случаев 100%-е покрытие путей обеспечить </a:t>
+            </a:r>
+            <a:r>
+              <a:rPr lang="ru-RU" dirty="0" smtClean="0">
+                <a:solidFill>
+                  <a:schemeClr val="accent4"/>
+                </a:solidFill>
+              </a:rPr>
+              <a:t>невозможно</a:t>
+            </a:r>
+            <a:endParaRPr lang="en-US" dirty="0" smtClean="0">
+              <a:solidFill>
+                <a:schemeClr val="accent4"/>
+              </a:solidFill>
+            </a:endParaRPr>
+          </a:p>
+          <a:p>
+            <a:pPr marL="287338" indent="-287338" defTabSz="803275">
+              <a:buClr>
+                <a:srgbClr val="FF6600"/>
+              </a:buClr>
+              <a:buSzPct val="125000"/>
+              <a:buFont typeface="Wingdings" charset="0"/>
+              <a:buChar char="§"/>
+            </a:pPr>
+            <a:endParaRPr lang="ru-RU" dirty="0">
+              <a:solidFill>
+                <a:schemeClr val="accent4"/>
+              </a:solidFill>
+            </a:endParaRPr>
+          </a:p>
+          <a:p>
+            <a:pPr marL="287338" indent="-287338" defTabSz="803275">
+              <a:buClr>
+                <a:srgbClr val="FF6600"/>
+              </a:buClr>
+              <a:buSzPct val="125000"/>
+              <a:buFont typeface="Wingdings" charset="0"/>
+              <a:buChar char="§"/>
+            </a:pPr>
+            <a:r>
+              <a:rPr lang="ru-RU" dirty="0">
+                <a:solidFill>
+                  <a:schemeClr val="accent4"/>
+                </a:solidFill>
+              </a:rPr>
+              <a:t>Для решения этой проблемы, может быть применен метод покрытия основных (базисных, линейно-независимых) </a:t>
+            </a:r>
+            <a:r>
+              <a:rPr lang="ru-RU" dirty="0" smtClean="0">
+                <a:solidFill>
+                  <a:schemeClr val="accent4"/>
+                </a:solidFill>
+              </a:rPr>
+              <a:t>путей</a:t>
+            </a:r>
+            <a:endParaRPr lang="en-US" dirty="0" smtClean="0">
+              <a:solidFill>
+                <a:schemeClr val="accent4"/>
+              </a:solidFill>
+            </a:endParaRPr>
+          </a:p>
+          <a:p>
+            <a:pPr marL="287338" indent="-287338" defTabSz="803275">
+              <a:buClr>
+                <a:srgbClr val="FF6600"/>
+              </a:buClr>
+              <a:buSzPct val="125000"/>
+              <a:buFont typeface="Wingdings" charset="0"/>
+              <a:buChar char="§"/>
+            </a:pPr>
+            <a:endParaRPr lang="ru-RU" dirty="0">
+              <a:solidFill>
+                <a:schemeClr val="accent4"/>
+              </a:solidFill>
+            </a:endParaRPr>
+          </a:p>
+          <a:p>
+            <a:pPr marL="287338" indent="-287338" defTabSz="803275">
+              <a:buClr>
+                <a:srgbClr val="FF6600"/>
+              </a:buClr>
+              <a:buSzPct val="125000"/>
+              <a:buFont typeface="Wingdings" charset="0"/>
+              <a:buChar char="§"/>
+            </a:pPr>
+            <a:r>
+              <a:rPr lang="ru-RU" dirty="0">
+                <a:solidFill>
+                  <a:schemeClr val="accent4"/>
+                </a:solidFill>
+              </a:rPr>
+              <a:t>Основные пути – минимальный набор путей, комбинация которых может обеспечить все возможные пути выполнения метода</a:t>
+            </a:r>
+          </a:p>
+        </p:txBody>
+      </p:sp>
+    </p:spTree>
+    <p:extLst>
+      <p:ext uri="{BB962C8B-B14F-4D97-AF65-F5344CB8AC3E}">
+        <p14:creationId xmlns:p14="http://schemas.microsoft.com/office/powerpoint/2010/main" val="1183543952"/>
+      </p:ext>
+    </p:extLst>
+  </p:cSld>
+  <p:clrMapOvr>
+    <a:masterClrMapping/>
+  </p:clrMapOvr>
+  <p:timing>
+    <p:tnLst>
+      <p:par>
+        <p:cTn id="1" dur="indefinite" restart="never" nodeType="tmRoot"/>
+      </p:par>
+    </p:tnLst>
+  </p:timing>
+</p:sld>
+</file>
+
+<file path=ppt/slides/slide22.xml><?xml version="1.0" encoding="utf-8"?>
+<p:sld xmlns:a="http://schemas.openxmlformats.org/drawingml/2006/main" xmlns:r="http://schemas.openxmlformats.org/officeDocument/2006/relationships" xmlns:p="http://schemas.openxmlformats.org/presentationml/2006/main">
+  <p:cSld>
+    <p:spTree>
+      <p:nvGrpSpPr>
+        <p:cNvPr id="1" name=""/>
+        <p:cNvGrpSpPr/>
+        <p:nvPr/>
+      </p:nvGrpSpPr>
+      <p:grpSpPr>
+        <a:xfrm>
+          <a:off x="0" y="0"/>
+          <a:ext cx="0" cy="0"/>
+          <a:chOff x="0" y="0"/>
+          <a:chExt cx="0" cy="0"/>
+        </a:xfrm>
+      </p:grpSpPr>
+      <p:sp>
+        <p:nvSpPr>
+          <p:cNvPr id="2" name="Title 1"/>
+          <p:cNvSpPr>
+            <a:spLocks noGrp="1"/>
+          </p:cNvSpPr>
+          <p:nvPr>
+            <p:ph type="title"/>
+          </p:nvPr>
+        </p:nvSpPr>
+        <p:spPr/>
+        <p:txBody>
+          <a:bodyPr/>
+          <a:lstStyle/>
+          <a:p>
+            <a:r>
+              <a:rPr lang="ru-RU" dirty="0"/>
+              <a:t>Покрытие путей</a:t>
+            </a:r>
+            <a:endParaRPr lang="en-US" dirty="0"/>
+          </a:p>
+        </p:txBody>
+      </p:sp>
+      <p:sp>
+        <p:nvSpPr>
+          <p:cNvPr id="5" name="Rectangle 4"/>
+          <p:cNvSpPr>
+            <a:spLocks noChangeArrowheads="1"/>
+          </p:cNvSpPr>
+          <p:nvPr>
+            <p:custDataLst>
+              <p:tags r:id="rId1"/>
+            </p:custDataLst>
+          </p:nvPr>
+        </p:nvSpPr>
+        <p:spPr bwMode="auto">
+          <a:xfrm>
+            <a:off x="2000878" y="1924199"/>
+            <a:ext cx="5023841" cy="1347609"/>
+          </a:xfrm>
+          <a:prstGeom prst="rect">
+            <a:avLst/>
+          </a:prstGeom>
+          <a:noFill/>
+          <a:ln w="19050">
+            <a:noFill/>
+            <a:miter lim="800000"/>
+            <a:headEnd/>
+            <a:tailEnd/>
+          </a:ln>
+        </p:spPr>
+        <p:txBody>
+          <a:bodyPr wrap="square" lIns="93296" tIns="144000" rIns="93296" bIns="93296">
+            <a:spAutoFit/>
+          </a:bodyPr>
+          <a:lstStyle/>
+          <a:p>
+            <a:pPr marL="287338" indent="-287338" defTabSz="803275">
+              <a:buClr>
+                <a:srgbClr val="FF6600"/>
+              </a:buClr>
+              <a:buSzPct val="125000"/>
+              <a:buFont typeface="Wingdings" charset="0"/>
+              <a:buChar char="§"/>
+            </a:pPr>
+            <a:r>
+              <a:rPr lang="ru-RU" dirty="0">
+                <a:solidFill>
+                  <a:schemeClr val="accent4"/>
+                </a:solidFill>
+              </a:rPr>
+              <a:t>Число таких путей равно числу уникальных условных операторов, увеличенное на </a:t>
+            </a:r>
+            <a:r>
+              <a:rPr lang="ru-RU" dirty="0" smtClean="0">
+                <a:solidFill>
+                  <a:schemeClr val="accent4"/>
+                </a:solidFill>
+              </a:rPr>
+              <a:t>1</a:t>
+            </a:r>
+            <a:endParaRPr lang="en-US" dirty="0" smtClean="0">
+              <a:solidFill>
+                <a:schemeClr val="accent4"/>
+              </a:solidFill>
+            </a:endParaRPr>
+          </a:p>
+          <a:p>
+            <a:pPr marL="287338" indent="-287338" defTabSz="803275">
+              <a:buClr>
+                <a:srgbClr val="FF6600"/>
+              </a:buClr>
+              <a:buSzPct val="125000"/>
+              <a:buFont typeface="Wingdings" charset="0"/>
+              <a:buChar char="§"/>
+            </a:pPr>
+            <a:endParaRPr lang="ru-RU" dirty="0">
+              <a:solidFill>
+                <a:schemeClr val="accent4"/>
+              </a:solidFill>
+            </a:endParaRPr>
+          </a:p>
+          <a:p>
+            <a:pPr marL="287338" indent="-287338" defTabSz="803275">
+              <a:buClr>
+                <a:srgbClr val="FF6600"/>
+              </a:buClr>
+              <a:buSzPct val="125000"/>
+              <a:buFont typeface="Wingdings" charset="0"/>
+              <a:buChar char="§"/>
+            </a:pPr>
+            <a:r>
+              <a:rPr lang="ru-RU" dirty="0">
+                <a:solidFill>
+                  <a:schemeClr val="accent4"/>
+                </a:solidFill>
+              </a:rPr>
+              <a:t>Рассмотрим следующий пример:</a:t>
+            </a:r>
+          </a:p>
+        </p:txBody>
+      </p:sp>
+    </p:spTree>
+    <p:extLst>
+      <p:ext uri="{BB962C8B-B14F-4D97-AF65-F5344CB8AC3E}">
+        <p14:creationId xmlns:p14="http://schemas.microsoft.com/office/powerpoint/2010/main" val="756849979"/>
+      </p:ext>
+    </p:extLst>
+  </p:cSld>
+  <p:clrMapOvr>
+    <a:masterClrMapping/>
+  </p:clrMapOvr>
+  <p:timing>
+    <p:tnLst>
+      <p:par>
+        <p:cTn id="1" dur="indefinite" restart="never" nodeType="tmRoot"/>
+      </p:par>
+    </p:tnLst>
+  </p:timing>
+</p:sld>
+</file>
+
+<file path=ppt/slides/slide23.xml><?xml version="1.0" encoding="utf-8"?>
+<p:sld xmlns:a="http://schemas.openxmlformats.org/drawingml/2006/main" xmlns:r="http://schemas.openxmlformats.org/officeDocument/2006/relationships" xmlns:p="http://schemas.openxmlformats.org/presentationml/2006/main">
+  <p:cSld>
+    <p:spTree>
+      <p:nvGrpSpPr>
+        <p:cNvPr id="1" name=""/>
+        <p:cNvGrpSpPr/>
+        <p:nvPr/>
+      </p:nvGrpSpPr>
+      <p:grpSpPr>
+        <a:xfrm>
+          <a:off x="0" y="0"/>
+          <a:ext cx="0" cy="0"/>
+          <a:chOff x="0" y="0"/>
+          <a:chExt cx="0" cy="0"/>
+        </a:xfrm>
+      </p:grpSpPr>
+      <p:sp>
+        <p:nvSpPr>
+          <p:cNvPr id="2" name="Title 1"/>
+          <p:cNvSpPr>
+            <a:spLocks noGrp="1"/>
+          </p:cNvSpPr>
+          <p:nvPr>
+            <p:ph type="title"/>
+          </p:nvPr>
+        </p:nvSpPr>
+        <p:spPr/>
+        <p:txBody>
+          <a:bodyPr/>
+          <a:lstStyle/>
+          <a:p>
+            <a:r>
+              <a:rPr lang="ru-RU" dirty="0"/>
+              <a:t>Покрытие путей</a:t>
+            </a:r>
+            <a:endParaRPr lang="en-US" dirty="0"/>
+          </a:p>
+        </p:txBody>
+      </p:sp>
+      <p:sp>
+        <p:nvSpPr>
+          <p:cNvPr id="5" name="Rectangle 4"/>
+          <p:cNvSpPr>
+            <a:spLocks noChangeArrowheads="1"/>
+          </p:cNvSpPr>
+          <p:nvPr>
+            <p:custDataLst>
+              <p:tags r:id="rId1"/>
+            </p:custDataLst>
+          </p:nvPr>
+        </p:nvSpPr>
+        <p:spPr bwMode="auto">
+          <a:xfrm>
+            <a:off x="2000878" y="1924199"/>
+            <a:ext cx="5023841" cy="3286601"/>
+          </a:xfrm>
+          <a:prstGeom prst="rect">
+            <a:avLst/>
+          </a:prstGeom>
+          <a:noFill/>
+          <a:ln w="19050">
+            <a:noFill/>
+            <a:miter lim="800000"/>
+            <a:headEnd/>
+            <a:tailEnd/>
+          </a:ln>
+        </p:spPr>
+        <p:txBody>
+          <a:bodyPr wrap="square" lIns="93296" tIns="144000" rIns="93296" bIns="93296">
+            <a:spAutoFit/>
+          </a:bodyPr>
+          <a:lstStyle/>
+          <a:p>
+            <a:pPr marL="287338" indent="-287338" defTabSz="803275">
+              <a:buClr>
+                <a:srgbClr val="FF6600"/>
+              </a:buClr>
+              <a:buSzPct val="125000"/>
+              <a:buFont typeface="Wingdings" charset="0"/>
+              <a:buChar char="§"/>
+            </a:pPr>
+            <a:r>
+              <a:rPr lang="ru-RU" dirty="0">
+                <a:solidFill>
+                  <a:schemeClr val="accent4"/>
+                </a:solidFill>
+              </a:rPr>
+              <a:t>Для достижения 100% покрытия основных путей, нам потребуется 4 линейно-независимых </a:t>
+            </a:r>
+            <a:r>
+              <a:rPr lang="ru-RU" dirty="0" smtClean="0">
+                <a:solidFill>
+                  <a:schemeClr val="accent4"/>
+                </a:solidFill>
+              </a:rPr>
+              <a:t>пути</a:t>
+            </a:r>
+            <a:endParaRPr lang="en-US" dirty="0" smtClean="0">
+              <a:solidFill>
+                <a:schemeClr val="accent4"/>
+              </a:solidFill>
+            </a:endParaRPr>
+          </a:p>
+          <a:p>
+            <a:pPr marL="287338" indent="-287338" defTabSz="803275">
+              <a:buClr>
+                <a:srgbClr val="FF6600"/>
+              </a:buClr>
+              <a:buSzPct val="125000"/>
+              <a:buFont typeface="Wingdings" charset="0"/>
+              <a:buChar char="§"/>
+            </a:pPr>
+            <a:endParaRPr lang="ru-RU" dirty="0">
+              <a:solidFill>
+                <a:schemeClr val="accent4"/>
+              </a:solidFill>
+            </a:endParaRPr>
+          </a:p>
+          <a:p>
+            <a:pPr marL="287338" indent="-287338" defTabSz="803275">
+              <a:buClr>
+                <a:srgbClr val="FF6600"/>
+              </a:buClr>
+              <a:buSzPct val="125000"/>
+              <a:buFont typeface="Wingdings" charset="0"/>
+              <a:buChar char="§"/>
+            </a:pPr>
+            <a:r>
+              <a:rPr lang="ru-RU" dirty="0">
+                <a:solidFill>
+                  <a:schemeClr val="accent4"/>
+                </a:solidFill>
+              </a:rPr>
+              <a:t>Первый путь выбирается случайно (пусть это будет путь, когда все условные выражения принимают значение true</a:t>
+            </a:r>
+            <a:r>
+              <a:rPr lang="ru-RU" dirty="0" smtClean="0">
+                <a:solidFill>
+                  <a:schemeClr val="accent4"/>
+                </a:solidFill>
+              </a:rPr>
+              <a:t>)</a:t>
+            </a:r>
+            <a:endParaRPr lang="en-US" dirty="0" smtClean="0">
+              <a:solidFill>
+                <a:schemeClr val="accent4"/>
+              </a:solidFill>
+            </a:endParaRPr>
+          </a:p>
+          <a:p>
+            <a:pPr marL="287338" indent="-287338" defTabSz="803275">
+              <a:buClr>
+                <a:srgbClr val="FF6600"/>
+              </a:buClr>
+              <a:buSzPct val="125000"/>
+              <a:buFont typeface="Wingdings" charset="0"/>
+              <a:buChar char="§"/>
+            </a:pPr>
+            <a:endParaRPr lang="ru-RU" dirty="0">
+              <a:solidFill>
+                <a:schemeClr val="accent4"/>
+              </a:solidFill>
+            </a:endParaRPr>
+          </a:p>
+          <a:p>
+            <a:pPr marL="287338" indent="-287338" defTabSz="803275">
+              <a:buClr>
+                <a:srgbClr val="FF6600"/>
+              </a:buClr>
+              <a:buSzPct val="125000"/>
+              <a:buFont typeface="Wingdings" charset="0"/>
+              <a:buChar char="§"/>
+            </a:pPr>
+            <a:r>
+              <a:rPr lang="ru-RU" dirty="0">
+                <a:solidFill>
+                  <a:schemeClr val="accent4"/>
+                </a:solidFill>
+              </a:rPr>
+              <a:t>Оставшиеся пути получаются поочередным инвертированием одного из условных выражений первого пути</a:t>
+            </a:r>
+          </a:p>
+        </p:txBody>
+      </p:sp>
+    </p:spTree>
+    <p:extLst>
+      <p:ext uri="{BB962C8B-B14F-4D97-AF65-F5344CB8AC3E}">
+        <p14:creationId xmlns:p14="http://schemas.microsoft.com/office/powerpoint/2010/main" val="2356078268"/>
+      </p:ext>
+    </p:extLst>
+  </p:cSld>
+  <p:clrMapOvr>
+    <a:masterClrMapping/>
+  </p:clrMapOvr>
+  <p:timing>
+    <p:tnLst>
+      <p:par>
+        <p:cTn id="1" dur="indefinite" restart="never" nodeType="tmRoot"/>
+      </p:par>
+    </p:tnLst>
+  </p:timing>
+</p:sld>
+</file>
+
+<file path=ppt/slides/slide24.xml><?xml version="1.0" encoding="utf-8"?>
+<p:sld xmlns:a="http://schemas.openxmlformats.org/drawingml/2006/main" xmlns:r="http://schemas.openxmlformats.org/officeDocument/2006/relationships" xmlns:p="http://schemas.openxmlformats.org/presentationml/2006/main">
+  <p:cSld>
+    <p:spTree>
+      <p:nvGrpSpPr>
+        <p:cNvPr id="1" name=""/>
+        <p:cNvGrpSpPr/>
+        <p:nvPr/>
+      </p:nvGrpSpPr>
+      <p:grpSpPr>
+        <a:xfrm>
+          <a:off x="0" y="0"/>
+          <a:ext cx="0" cy="0"/>
+          <a:chOff x="0" y="0"/>
+          <a:chExt cx="0" cy="0"/>
+        </a:xfrm>
+      </p:grpSpPr>
+      <p:sp>
+        <p:nvSpPr>
+          <p:cNvPr id="2" name="Title 1"/>
+          <p:cNvSpPr>
+            <a:spLocks noGrp="1"/>
+          </p:cNvSpPr>
+          <p:nvPr>
+            <p:ph type="title"/>
+          </p:nvPr>
+        </p:nvSpPr>
+        <p:spPr/>
+        <p:txBody>
+          <a:bodyPr/>
+          <a:lstStyle/>
+          <a:p>
+            <a:r>
+              <a:rPr lang="ru-RU" dirty="0"/>
+              <a:t>Покрытие путей</a:t>
+            </a:r>
+            <a:endParaRPr lang="en-US" dirty="0"/>
+          </a:p>
+        </p:txBody>
+      </p:sp>
+      <p:sp>
+        <p:nvSpPr>
+          <p:cNvPr id="5" name="Rectangle 4"/>
+          <p:cNvSpPr>
+            <a:spLocks noChangeArrowheads="1"/>
+          </p:cNvSpPr>
+          <p:nvPr>
+            <p:custDataLst>
+              <p:tags r:id="rId1"/>
+            </p:custDataLst>
+          </p:nvPr>
+        </p:nvSpPr>
+        <p:spPr bwMode="auto">
+          <a:xfrm>
+            <a:off x="2000878" y="1924199"/>
+            <a:ext cx="5023841" cy="793611"/>
+          </a:xfrm>
+          <a:prstGeom prst="rect">
+            <a:avLst/>
+          </a:prstGeom>
+          <a:noFill/>
+          <a:ln w="19050">
+            <a:noFill/>
+            <a:miter lim="800000"/>
+            <a:headEnd/>
+            <a:tailEnd/>
+          </a:ln>
+        </p:spPr>
+        <p:txBody>
+          <a:bodyPr wrap="square" lIns="93296" tIns="144000" rIns="93296" bIns="93296">
+            <a:spAutoFit/>
+          </a:bodyPr>
+          <a:lstStyle/>
+          <a:p>
+            <a:pPr marL="287338" indent="-287338" defTabSz="803275">
+              <a:buClr>
+                <a:srgbClr val="FF6600"/>
+              </a:buClr>
+              <a:buSzPct val="125000"/>
+              <a:buFont typeface="Wingdings" charset="0"/>
+              <a:buChar char="§"/>
+            </a:pPr>
+            <a:r>
+              <a:rPr lang="ru-RU" dirty="0">
+                <a:solidFill>
+                  <a:schemeClr val="accent4"/>
+                </a:solidFill>
+              </a:rPr>
+              <a:t>Таким образом, получаем четыре основных пути, которые необходимо покрыть:</a:t>
+            </a:r>
+          </a:p>
+        </p:txBody>
+      </p:sp>
+    </p:spTree>
+    <p:extLst>
+      <p:ext uri="{BB962C8B-B14F-4D97-AF65-F5344CB8AC3E}">
+        <p14:creationId xmlns:p14="http://schemas.microsoft.com/office/powerpoint/2010/main" val="2284879653"/>
+      </p:ext>
+    </p:extLst>
+  </p:cSld>
+  <p:clrMapOvr>
+    <a:masterClrMapping/>
+  </p:clrMapOvr>
+  <p:timing>
+    <p:tnLst>
+      <p:par>
+        <p:cTn id="1" dur="indefinite" restart="never" nodeType="tmRoot"/>
+      </p:par>
+    </p:tnLst>
+  </p:timing>
+</p:sld>
+</file>
+
+<file path=ppt/slides/slide25.xml><?xml version="1.0" encoding="utf-8"?>
+<p:sld xmlns:a="http://schemas.openxmlformats.org/drawingml/2006/main" xmlns:r="http://schemas.openxmlformats.org/officeDocument/2006/relationships" xmlns:p="http://schemas.openxmlformats.org/presentationml/2006/main">
+  <p:cSld>
+    <p:spTree>
+      <p:nvGrpSpPr>
+        <p:cNvPr id="1" name=""/>
+        <p:cNvGrpSpPr/>
+        <p:nvPr/>
+      </p:nvGrpSpPr>
+      <p:grpSpPr>
+        <a:xfrm>
+          <a:off x="0" y="0"/>
+          <a:ext cx="0" cy="0"/>
+          <a:chOff x="0" y="0"/>
+          <a:chExt cx="0" cy="0"/>
+        </a:xfrm>
+      </p:grpSpPr>
+      <p:sp>
+        <p:nvSpPr>
+          <p:cNvPr id="2" name="Title 1"/>
+          <p:cNvSpPr>
+            <a:spLocks noGrp="1"/>
+          </p:cNvSpPr>
+          <p:nvPr>
+            <p:ph type="title"/>
+          </p:nvPr>
+        </p:nvSpPr>
+        <p:spPr/>
+        <p:txBody>
+          <a:bodyPr/>
+          <a:lstStyle/>
+          <a:p>
+            <a:r>
+              <a:rPr lang="ru-RU" dirty="0"/>
+              <a:t>Покрытие путей</a:t>
+            </a:r>
+            <a:endParaRPr lang="en-US" dirty="0"/>
+          </a:p>
+        </p:txBody>
+      </p:sp>
+      <p:sp>
+        <p:nvSpPr>
+          <p:cNvPr id="5" name="Rectangle 4"/>
+          <p:cNvSpPr>
+            <a:spLocks noChangeArrowheads="1"/>
+          </p:cNvSpPr>
+          <p:nvPr>
+            <p:custDataLst>
+              <p:tags r:id="rId1"/>
+            </p:custDataLst>
+          </p:nvPr>
+        </p:nvSpPr>
+        <p:spPr bwMode="auto">
+          <a:xfrm>
+            <a:off x="2000878" y="1924199"/>
+            <a:ext cx="5023841" cy="3563600"/>
+          </a:xfrm>
+          <a:prstGeom prst="rect">
+            <a:avLst/>
+          </a:prstGeom>
+          <a:noFill/>
+          <a:ln w="19050">
+            <a:noFill/>
+            <a:miter lim="800000"/>
+            <a:headEnd/>
+            <a:tailEnd/>
+          </a:ln>
+        </p:spPr>
+        <p:txBody>
+          <a:bodyPr wrap="square" lIns="93296" tIns="144000" rIns="93296" bIns="93296">
+            <a:spAutoFit/>
+          </a:bodyPr>
+          <a:lstStyle/>
+          <a:p>
+            <a:pPr defTabSz="803275">
+              <a:buClr>
+                <a:srgbClr val="FF6600"/>
+              </a:buClr>
+              <a:buSzPct val="125000"/>
+            </a:pPr>
+            <a:r>
+              <a:rPr lang="ru-RU" dirty="0">
+                <a:solidFill>
+                  <a:schemeClr val="accent4"/>
+                </a:solidFill>
+              </a:rPr>
+              <a:t>В случае наличия циклов, может использоваться следующий подход</a:t>
+            </a:r>
+            <a:r>
+              <a:rPr lang="ru-RU" dirty="0" smtClean="0">
+                <a:solidFill>
+                  <a:schemeClr val="accent4"/>
+                </a:solidFill>
+              </a:rPr>
+              <a:t>:</a:t>
+            </a:r>
+            <a:endParaRPr lang="en-US" dirty="0" smtClean="0">
+              <a:solidFill>
+                <a:schemeClr val="accent4"/>
+              </a:solidFill>
+            </a:endParaRPr>
+          </a:p>
+          <a:p>
+            <a:pPr defTabSz="803275">
+              <a:buClr>
+                <a:srgbClr val="FF6600"/>
+              </a:buClr>
+              <a:buSzPct val="125000"/>
+            </a:pPr>
+            <a:endParaRPr lang="ru-RU" dirty="0">
+              <a:solidFill>
+                <a:schemeClr val="accent4"/>
+              </a:solidFill>
+            </a:endParaRPr>
+          </a:p>
+          <a:p>
+            <a:pPr marL="287338" indent="-287338" defTabSz="803275">
+              <a:buClr>
+                <a:srgbClr val="FF6600"/>
+              </a:buClr>
+              <a:buSzPct val="125000"/>
+              <a:buFont typeface="Wingdings" charset="0"/>
+              <a:buChar char="§"/>
+            </a:pPr>
+            <a:r>
+              <a:rPr lang="ru-RU" dirty="0" smtClean="0">
+                <a:solidFill>
+                  <a:schemeClr val="accent4"/>
+                </a:solidFill>
+              </a:rPr>
+              <a:t>Выделяем </a:t>
+            </a:r>
+            <a:r>
+              <a:rPr lang="ru-RU" dirty="0">
+                <a:solidFill>
+                  <a:schemeClr val="accent4"/>
+                </a:solidFill>
+              </a:rPr>
+              <a:t>классы путей (к одному классу можно отнести пути, отличающиеся количеством итераций в конкретном цикле</a:t>
+            </a:r>
+            <a:r>
+              <a:rPr lang="ru-RU" dirty="0" smtClean="0">
+                <a:solidFill>
+                  <a:schemeClr val="accent4"/>
+                </a:solidFill>
+              </a:rPr>
+              <a:t>)</a:t>
+            </a:r>
+            <a:endParaRPr lang="en-US" dirty="0" smtClean="0">
+              <a:solidFill>
+                <a:schemeClr val="accent4"/>
+              </a:solidFill>
+            </a:endParaRPr>
+          </a:p>
+          <a:p>
+            <a:pPr marL="287338" indent="-287338" defTabSz="803275">
+              <a:buClr>
+                <a:srgbClr val="FF6600"/>
+              </a:buClr>
+              <a:buSzPct val="125000"/>
+              <a:buFont typeface="Wingdings" charset="0"/>
+              <a:buChar char="§"/>
+            </a:pPr>
+            <a:endParaRPr lang="ru-RU" dirty="0">
+              <a:solidFill>
+                <a:schemeClr val="accent4"/>
+              </a:solidFill>
+            </a:endParaRPr>
+          </a:p>
+          <a:p>
+            <a:pPr marL="287338" indent="-287338" defTabSz="803275">
+              <a:buClr>
+                <a:srgbClr val="FF6600"/>
+              </a:buClr>
+              <a:buSzPct val="125000"/>
+              <a:buFont typeface="Wingdings" charset="0"/>
+              <a:buChar char="§"/>
+            </a:pPr>
+            <a:r>
+              <a:rPr lang="ru-RU" dirty="0" smtClean="0">
+                <a:solidFill>
+                  <a:schemeClr val="accent4"/>
+                </a:solidFill>
+              </a:rPr>
+              <a:t>Класс </a:t>
+            </a:r>
+            <a:r>
+              <a:rPr lang="ru-RU" dirty="0">
+                <a:solidFill>
+                  <a:schemeClr val="accent4"/>
+                </a:solidFill>
+              </a:rPr>
+              <a:t>считается покрытым, если покрыт хотя бы один путь из </a:t>
+            </a:r>
+            <a:r>
+              <a:rPr lang="ru-RU" dirty="0" smtClean="0">
+                <a:solidFill>
+                  <a:schemeClr val="accent4"/>
+                </a:solidFill>
+              </a:rPr>
+              <a:t>него</a:t>
+            </a:r>
+            <a:endParaRPr lang="en-US" dirty="0" smtClean="0">
+              <a:solidFill>
+                <a:schemeClr val="accent4"/>
+              </a:solidFill>
+            </a:endParaRPr>
+          </a:p>
+          <a:p>
+            <a:pPr marL="287338" indent="-287338" defTabSz="803275">
+              <a:buClr>
+                <a:srgbClr val="FF6600"/>
+              </a:buClr>
+              <a:buSzPct val="125000"/>
+              <a:buFont typeface="Wingdings" charset="0"/>
+              <a:buChar char="§"/>
+            </a:pPr>
+            <a:endParaRPr lang="ru-RU" dirty="0">
+              <a:solidFill>
+                <a:schemeClr val="accent4"/>
+              </a:solidFill>
+            </a:endParaRPr>
+          </a:p>
+          <a:p>
+            <a:pPr marL="287338" indent="-287338" defTabSz="803275">
+              <a:buClr>
+                <a:srgbClr val="FF6600"/>
+              </a:buClr>
+              <a:buSzPct val="125000"/>
+              <a:buFont typeface="Wingdings" charset="0"/>
+              <a:buChar char="§"/>
+            </a:pPr>
+            <a:r>
+              <a:rPr lang="ru-RU" dirty="0">
+                <a:solidFill>
+                  <a:schemeClr val="accent4"/>
+                </a:solidFill>
+              </a:rPr>
+              <a:t>100% покрытие достигнуто, если покрыты все классы путей</a:t>
+            </a:r>
+          </a:p>
+        </p:txBody>
+      </p:sp>
+    </p:spTree>
+    <p:extLst>
+      <p:ext uri="{BB962C8B-B14F-4D97-AF65-F5344CB8AC3E}">
+        <p14:creationId xmlns:p14="http://schemas.microsoft.com/office/powerpoint/2010/main" val="2954205844"/>
+      </p:ext>
+    </p:extLst>
+  </p:cSld>
+  <p:clrMapOvr>
+    <a:masterClrMapping/>
+  </p:clrMapOvr>
+  <p:timing>
+    <p:tnLst>
+      <p:par>
+        <p:cTn id="1" dur="indefinite" restart="never" nodeType="tmRoot"/>
+      </p:par>
+    </p:tnLst>
+  </p:timing>
+</p:sld>
+</file>
+
+<file path=ppt/slides/slide26.xml><?xml version="1.0" encoding="utf-8"?>
+<p:sld xmlns:a="http://schemas.openxmlformats.org/drawingml/2006/main" xmlns:r="http://schemas.openxmlformats.org/officeDocument/2006/relationships" xmlns:p="http://schemas.openxmlformats.org/presentationml/2006/main">
+  <p:cSld>
+    <p:spTree>
+      <p:nvGrpSpPr>
+        <p:cNvPr id="1" name=""/>
+        <p:cNvGrpSpPr/>
+        <p:nvPr/>
+      </p:nvGrpSpPr>
+      <p:grpSpPr>
+        <a:xfrm>
+          <a:off x="0" y="0"/>
+          <a:ext cx="0" cy="0"/>
+          <a:chOff x="0" y="0"/>
+          <a:chExt cx="0" cy="0"/>
+        </a:xfrm>
+      </p:grpSpPr>
+      <p:sp>
+        <p:nvSpPr>
+          <p:cNvPr id="2" name="Title 1"/>
+          <p:cNvSpPr>
+            <a:spLocks noGrp="1"/>
+          </p:cNvSpPr>
+          <p:nvPr>
+            <p:ph type="title"/>
+          </p:nvPr>
+        </p:nvSpPr>
+        <p:spPr/>
+        <p:txBody>
+          <a:bodyPr/>
+          <a:lstStyle/>
+          <a:p>
+            <a:r>
+              <a:rPr lang="ru-RU" dirty="0"/>
+              <a:t>Покрытие функций</a:t>
+            </a:r>
+            <a:endParaRPr lang="en-US" dirty="0"/>
+          </a:p>
+        </p:txBody>
+      </p:sp>
+      <p:sp>
+        <p:nvSpPr>
+          <p:cNvPr id="5" name="Rectangle 4"/>
+          <p:cNvSpPr>
+            <a:spLocks noChangeArrowheads="1"/>
+          </p:cNvSpPr>
+          <p:nvPr>
+            <p:custDataLst>
+              <p:tags r:id="rId1"/>
+            </p:custDataLst>
+          </p:nvPr>
+        </p:nvSpPr>
+        <p:spPr bwMode="auto">
+          <a:xfrm>
+            <a:off x="2000878" y="1924199"/>
+            <a:ext cx="5023841" cy="3563600"/>
+          </a:xfrm>
+          <a:prstGeom prst="rect">
+            <a:avLst/>
+          </a:prstGeom>
+          <a:noFill/>
+          <a:ln w="19050">
+            <a:noFill/>
+            <a:miter lim="800000"/>
+            <a:headEnd/>
+            <a:tailEnd/>
+          </a:ln>
+        </p:spPr>
+        <p:txBody>
+          <a:bodyPr wrap="square" lIns="93296" tIns="144000" rIns="93296" bIns="93296">
+            <a:spAutoFit/>
+          </a:bodyPr>
+          <a:lstStyle/>
+          <a:p>
+            <a:pPr marL="287338" indent="-287338" defTabSz="803275">
+              <a:buClr>
+                <a:srgbClr val="FF6600"/>
+              </a:buClr>
+              <a:buSzPct val="125000"/>
+              <a:buFont typeface="Wingdings" charset="0"/>
+              <a:buChar char="§"/>
+            </a:pPr>
+            <a:r>
+              <a:rPr lang="ru-RU" dirty="0" smtClean="0">
+                <a:solidFill>
+                  <a:schemeClr val="accent4"/>
+                </a:solidFill>
+              </a:rPr>
+              <a:t>Покрытие </a:t>
+            </a:r>
+            <a:r>
+              <a:rPr lang="ru-RU" dirty="0">
+                <a:solidFill>
+                  <a:schemeClr val="accent4"/>
+                </a:solidFill>
+              </a:rPr>
+              <a:t>функций – каждая ли функция тестируемого модуля является выполненной хотя бы один </a:t>
+            </a:r>
+            <a:r>
+              <a:rPr lang="ru-RU" dirty="0" smtClean="0">
+                <a:solidFill>
+                  <a:schemeClr val="accent4"/>
+                </a:solidFill>
+              </a:rPr>
+              <a:t>раз</a:t>
+            </a:r>
+          </a:p>
+          <a:p>
+            <a:pPr marL="287338" indent="-287338" defTabSz="803275">
+              <a:buClr>
+                <a:srgbClr val="FF6600"/>
+              </a:buClr>
+              <a:buSzPct val="125000"/>
+              <a:buFont typeface="Wingdings" charset="0"/>
+              <a:buChar char="§"/>
+            </a:pPr>
+            <a:endParaRPr lang="ru-RU" dirty="0">
+              <a:solidFill>
+                <a:schemeClr val="accent4"/>
+              </a:solidFill>
+            </a:endParaRPr>
+          </a:p>
+          <a:p>
+            <a:pPr marL="287338" indent="-287338" defTabSz="803275">
+              <a:buClr>
+                <a:srgbClr val="FF6600"/>
+              </a:buClr>
+              <a:buSzPct val="125000"/>
+              <a:buFont typeface="Wingdings" charset="0"/>
+              <a:buChar char="§"/>
+            </a:pPr>
+            <a:r>
+              <a:rPr lang="ru-RU" dirty="0">
+                <a:solidFill>
+                  <a:schemeClr val="accent4"/>
+                </a:solidFill>
+              </a:rPr>
+              <a:t>Является одним из самых простых методов расчета покрытия, и дает довольно общее представление о качестве тестируемого </a:t>
+            </a:r>
+            <a:r>
+              <a:rPr lang="ru-RU" dirty="0" smtClean="0">
+                <a:solidFill>
+                  <a:schemeClr val="accent4"/>
+                </a:solidFill>
+              </a:rPr>
+              <a:t>модуля</a:t>
+            </a:r>
+          </a:p>
+          <a:p>
+            <a:pPr marL="287338" indent="-287338" defTabSz="803275">
+              <a:buClr>
+                <a:srgbClr val="FF6600"/>
+              </a:buClr>
+              <a:buSzPct val="125000"/>
+              <a:buFont typeface="Wingdings" charset="0"/>
+              <a:buChar char="§"/>
+            </a:pPr>
+            <a:endParaRPr lang="ru-RU" dirty="0">
+              <a:solidFill>
+                <a:schemeClr val="accent4"/>
+              </a:solidFill>
+            </a:endParaRPr>
+          </a:p>
+          <a:p>
+            <a:pPr marL="287338" indent="-287338" defTabSz="803275">
+              <a:buClr>
+                <a:srgbClr val="FF6600"/>
+              </a:buClr>
+              <a:buSzPct val="125000"/>
+              <a:buFont typeface="Wingdings" charset="0"/>
+              <a:buChar char="§"/>
+            </a:pPr>
+            <a:r>
+              <a:rPr lang="ru-RU" dirty="0">
+                <a:solidFill>
+                  <a:schemeClr val="accent4"/>
+                </a:solidFill>
+              </a:rPr>
+              <a:t>С одной стороны, данное покрытие говорит нам о том, что тестами покрыт весь реализованный функционал модуля</a:t>
+            </a:r>
+          </a:p>
+        </p:txBody>
+      </p:sp>
+    </p:spTree>
+    <p:extLst>
+      <p:ext uri="{BB962C8B-B14F-4D97-AF65-F5344CB8AC3E}">
+        <p14:creationId xmlns:p14="http://schemas.microsoft.com/office/powerpoint/2010/main" val="1541681903"/>
+      </p:ext>
+    </p:extLst>
+  </p:cSld>
+  <p:clrMapOvr>
+    <a:masterClrMapping/>
+  </p:clrMapOvr>
+  <p:timing>
+    <p:tnLst>
+      <p:par>
+        <p:cTn id="1" dur="indefinite" restart="never" nodeType="tmRoot"/>
+      </p:par>
+    </p:tnLst>
+  </p:timing>
+</p:sld>
+</file>
+
+<file path=ppt/slides/slide27.xml><?xml version="1.0" encoding="utf-8"?>
+<p:sld xmlns:a="http://schemas.openxmlformats.org/drawingml/2006/main" xmlns:r="http://schemas.openxmlformats.org/officeDocument/2006/relationships" xmlns:p="http://schemas.openxmlformats.org/presentationml/2006/main">
+  <p:cSld>
+    <p:spTree>
+      <p:nvGrpSpPr>
+        <p:cNvPr id="1" name=""/>
+        <p:cNvGrpSpPr/>
+        <p:nvPr/>
+      </p:nvGrpSpPr>
+      <p:grpSpPr>
+        <a:xfrm>
+          <a:off x="0" y="0"/>
+          <a:ext cx="0" cy="0"/>
+          <a:chOff x="0" y="0"/>
+          <a:chExt cx="0" cy="0"/>
+        </a:xfrm>
+      </p:grpSpPr>
+      <p:sp>
+        <p:nvSpPr>
+          <p:cNvPr id="2" name="Title 1"/>
+          <p:cNvSpPr>
+            <a:spLocks noGrp="1"/>
+          </p:cNvSpPr>
+          <p:nvPr>
+            <p:ph type="title"/>
+          </p:nvPr>
+        </p:nvSpPr>
+        <p:spPr/>
+        <p:txBody>
+          <a:bodyPr/>
+          <a:lstStyle/>
+          <a:p>
+            <a:r>
+              <a:rPr lang="ru-RU" dirty="0"/>
+              <a:t>Покрытие функций</a:t>
+            </a:r>
+            <a:endParaRPr lang="en-US" dirty="0"/>
+          </a:p>
+        </p:txBody>
+      </p:sp>
+      <p:sp>
+        <p:nvSpPr>
+          <p:cNvPr id="5" name="Rectangle 4"/>
+          <p:cNvSpPr>
+            <a:spLocks noChangeArrowheads="1"/>
+          </p:cNvSpPr>
+          <p:nvPr>
+            <p:custDataLst>
+              <p:tags r:id="rId1"/>
+            </p:custDataLst>
+          </p:nvPr>
+        </p:nvSpPr>
+        <p:spPr bwMode="auto">
+          <a:xfrm>
+            <a:off x="2000878" y="1924199"/>
+            <a:ext cx="5023841" cy="2732604"/>
+          </a:xfrm>
+          <a:prstGeom prst="rect">
+            <a:avLst/>
+          </a:prstGeom>
+          <a:noFill/>
+          <a:ln w="19050">
+            <a:noFill/>
+            <a:miter lim="800000"/>
+            <a:headEnd/>
+            <a:tailEnd/>
+          </a:ln>
+        </p:spPr>
+        <p:txBody>
+          <a:bodyPr wrap="square" lIns="93296" tIns="144000" rIns="93296" bIns="93296">
+            <a:spAutoFit/>
+          </a:bodyPr>
+          <a:lstStyle/>
+          <a:p>
+            <a:pPr defTabSz="803275">
+              <a:buClr>
+                <a:srgbClr val="FF6600"/>
+              </a:buClr>
+              <a:buSzPct val="125000"/>
+            </a:pPr>
+            <a:r>
+              <a:rPr lang="ru-RU" dirty="0">
+                <a:solidFill>
+                  <a:schemeClr val="accent4"/>
+                </a:solidFill>
+              </a:rPr>
+              <a:t>С другой стороны, оно не гарантирует нам адекватное поведение модуля, поскольку: </a:t>
+            </a:r>
+            <a:endParaRPr lang="ru-RU" dirty="0" smtClean="0">
+              <a:solidFill>
+                <a:schemeClr val="accent4"/>
+              </a:solidFill>
+            </a:endParaRPr>
+          </a:p>
+          <a:p>
+            <a:pPr marL="287338" indent="-287338" defTabSz="803275">
+              <a:buClr>
+                <a:srgbClr val="FF6600"/>
+              </a:buClr>
+              <a:buSzPct val="125000"/>
+              <a:buFont typeface="Wingdings" charset="0"/>
+              <a:buChar char="§"/>
+            </a:pPr>
+            <a:endParaRPr lang="ru-RU" dirty="0">
+              <a:solidFill>
+                <a:schemeClr val="accent4"/>
+              </a:solidFill>
+            </a:endParaRPr>
+          </a:p>
+          <a:p>
+            <a:pPr marL="287338" indent="-287338" defTabSz="803275">
+              <a:buClr>
+                <a:srgbClr val="FF6600"/>
+              </a:buClr>
+              <a:buSzPct val="125000"/>
+              <a:buFont typeface="Wingdings" charset="0"/>
+              <a:buChar char="§"/>
+            </a:pPr>
+            <a:r>
+              <a:rPr lang="ru-RU" dirty="0" smtClean="0">
+                <a:solidFill>
+                  <a:schemeClr val="accent4"/>
+                </a:solidFill>
+              </a:rPr>
+              <a:t>Не </a:t>
+            </a:r>
+            <a:r>
+              <a:rPr lang="ru-RU" dirty="0">
+                <a:solidFill>
+                  <a:schemeClr val="accent4"/>
+                </a:solidFill>
+              </a:rPr>
+              <a:t>проверяется реакция функций на все возможные входные </a:t>
+            </a:r>
+            <a:r>
+              <a:rPr lang="ru-RU" dirty="0" smtClean="0">
+                <a:solidFill>
+                  <a:schemeClr val="accent4"/>
+                </a:solidFill>
+              </a:rPr>
+              <a:t>параметры</a:t>
+            </a:r>
+          </a:p>
+          <a:p>
+            <a:pPr marL="287338" indent="-287338" defTabSz="803275">
+              <a:buClr>
+                <a:srgbClr val="FF6600"/>
+              </a:buClr>
+              <a:buSzPct val="125000"/>
+              <a:buFont typeface="Wingdings" charset="0"/>
+              <a:buChar char="§"/>
+            </a:pPr>
+            <a:endParaRPr lang="ru-RU" dirty="0">
+              <a:solidFill>
+                <a:schemeClr val="accent4"/>
+              </a:solidFill>
+            </a:endParaRPr>
+          </a:p>
+          <a:p>
+            <a:pPr marL="287338" indent="-287338" defTabSz="803275">
+              <a:buClr>
+                <a:srgbClr val="FF6600"/>
+              </a:buClr>
+              <a:buSzPct val="125000"/>
+              <a:buFont typeface="Wingdings" charset="0"/>
+              <a:buChar char="§"/>
+            </a:pPr>
+            <a:r>
+              <a:rPr lang="ru-RU" dirty="0" smtClean="0">
+                <a:solidFill>
+                  <a:schemeClr val="accent4"/>
+                </a:solidFill>
+              </a:rPr>
+              <a:t>Не </a:t>
+            </a:r>
+            <a:r>
+              <a:rPr lang="ru-RU" dirty="0">
+                <a:solidFill>
+                  <a:schemeClr val="accent4"/>
+                </a:solidFill>
+              </a:rPr>
+              <a:t>проверяется реакция системы на все возможные возвращаемые функцией значения</a:t>
+            </a:r>
+          </a:p>
+        </p:txBody>
+      </p:sp>
+    </p:spTree>
+    <p:extLst>
+      <p:ext uri="{BB962C8B-B14F-4D97-AF65-F5344CB8AC3E}">
+        <p14:creationId xmlns:p14="http://schemas.microsoft.com/office/powerpoint/2010/main" val="2981576385"/>
+      </p:ext>
+    </p:extLst>
+  </p:cSld>
+  <p:clrMapOvr>
+    <a:masterClrMapping/>
+  </p:clrMapOvr>
+  <p:timing>
+    <p:tnLst>
+      <p:par>
+        <p:cTn id="1" dur="indefinite" restart="never" nodeType="tmRoot"/>
+      </p:par>
+    </p:tnLst>
+  </p:timing>
+</p:sld>
+</file>
+
+<file path=ppt/slides/slide28.xml><?xml version="1.0" encoding="utf-8"?>
+<p:sld xmlns:a="http://schemas.openxmlformats.org/drawingml/2006/main" xmlns:r="http://schemas.openxmlformats.org/officeDocument/2006/relationships" xmlns:p="http://schemas.openxmlformats.org/presentationml/2006/main">
+  <p:cSld>
+    <p:spTree>
+      <p:nvGrpSpPr>
+        <p:cNvPr id="1" name=""/>
+        <p:cNvGrpSpPr/>
+        <p:nvPr/>
+      </p:nvGrpSpPr>
+      <p:grpSpPr>
+        <a:xfrm>
+          <a:off x="0" y="0"/>
+          <a:ext cx="0" cy="0"/>
+          <a:chOff x="0" y="0"/>
+          <a:chExt cx="0" cy="0"/>
+        </a:xfrm>
+      </p:grpSpPr>
+      <p:sp>
+        <p:nvSpPr>
+          <p:cNvPr id="2" name="Title 1"/>
+          <p:cNvSpPr>
+            <a:spLocks noGrp="1"/>
+          </p:cNvSpPr>
+          <p:nvPr>
+            <p:ph type="title"/>
+          </p:nvPr>
+        </p:nvSpPr>
+        <p:spPr/>
+        <p:txBody>
+          <a:bodyPr/>
+          <a:lstStyle/>
+          <a:p>
+            <a:r>
+              <a:rPr lang="ru-RU" dirty="0"/>
+              <a:t>Покрытие вход/выход</a:t>
+            </a:r>
+            <a:endParaRPr lang="en-US" dirty="0"/>
+          </a:p>
+        </p:txBody>
+      </p:sp>
+      <p:sp>
+        <p:nvSpPr>
+          <p:cNvPr id="5" name="Rectangle 4"/>
+          <p:cNvSpPr>
+            <a:spLocks noChangeArrowheads="1"/>
+          </p:cNvSpPr>
+          <p:nvPr>
+            <p:custDataLst>
+              <p:tags r:id="rId1"/>
+            </p:custDataLst>
+          </p:nvPr>
+        </p:nvSpPr>
+        <p:spPr bwMode="auto">
+          <a:xfrm>
+            <a:off x="2000878" y="2062698"/>
+            <a:ext cx="5023841" cy="2732604"/>
+          </a:xfrm>
+          <a:prstGeom prst="rect">
+            <a:avLst/>
+          </a:prstGeom>
+          <a:noFill/>
+          <a:ln w="19050">
+            <a:noFill/>
+            <a:miter lim="800000"/>
+            <a:headEnd/>
+            <a:tailEnd/>
+          </a:ln>
+        </p:spPr>
+        <p:txBody>
+          <a:bodyPr wrap="square" lIns="93296" tIns="144000" rIns="93296" bIns="93296">
+            <a:spAutoFit/>
+          </a:bodyPr>
+          <a:lstStyle/>
+          <a:p>
+            <a:pPr marL="287338" indent="-287338" defTabSz="803275">
+              <a:buClr>
+                <a:srgbClr val="FF6600"/>
+              </a:buClr>
+              <a:buSzPct val="125000"/>
+              <a:buFont typeface="Wingdings" charset="0"/>
+              <a:buChar char="§"/>
+            </a:pPr>
+            <a:r>
+              <a:rPr lang="ru-RU" dirty="0" smtClean="0">
+                <a:solidFill>
+                  <a:schemeClr val="accent4"/>
+                </a:solidFill>
+              </a:rPr>
+              <a:t>Покрытие </a:t>
+            </a:r>
+            <a:r>
+              <a:rPr lang="ru-RU" dirty="0">
+                <a:solidFill>
+                  <a:schemeClr val="accent4"/>
+                </a:solidFill>
+              </a:rPr>
+              <a:t>вход/выход – все ли возможные варианты вызова функций и возврата из них были </a:t>
+            </a:r>
+            <a:r>
+              <a:rPr lang="ru-RU" dirty="0" smtClean="0">
+                <a:solidFill>
+                  <a:schemeClr val="accent4"/>
+                </a:solidFill>
+              </a:rPr>
+              <a:t>выполнены</a:t>
+            </a:r>
+          </a:p>
+          <a:p>
+            <a:pPr marL="287338" indent="-287338" defTabSz="803275">
+              <a:buClr>
+                <a:srgbClr val="FF6600"/>
+              </a:buClr>
+              <a:buSzPct val="125000"/>
+              <a:buFont typeface="Wingdings" charset="0"/>
+              <a:buChar char="§"/>
+            </a:pPr>
+            <a:endParaRPr lang="ru-RU" dirty="0">
+              <a:solidFill>
+                <a:schemeClr val="accent4"/>
+              </a:solidFill>
+            </a:endParaRPr>
+          </a:p>
+          <a:p>
+            <a:pPr marL="287338" indent="-287338" defTabSz="803275">
+              <a:buClr>
+                <a:srgbClr val="FF6600"/>
+              </a:buClr>
+              <a:buSzPct val="125000"/>
+              <a:buFont typeface="Wingdings" charset="0"/>
+              <a:buChar char="§"/>
+            </a:pPr>
+            <a:r>
+              <a:rPr lang="ru-RU" dirty="0">
+                <a:solidFill>
+                  <a:schemeClr val="accent4"/>
+                </a:solidFill>
+              </a:rPr>
+              <a:t>На данном уровне обеспечивается тестирование как самих функций (все возможные варианты вызова), так и их взаимодействие в составе модуля (все возможные варианты возврата)</a:t>
+            </a:r>
+          </a:p>
+        </p:txBody>
+      </p:sp>
+    </p:spTree>
+    <p:extLst>
+      <p:ext uri="{BB962C8B-B14F-4D97-AF65-F5344CB8AC3E}">
+        <p14:creationId xmlns:p14="http://schemas.microsoft.com/office/powerpoint/2010/main" val="697402294"/>
+      </p:ext>
+    </p:extLst>
+  </p:cSld>
+  <p:clrMapOvr>
+    <a:masterClrMapping/>
+  </p:clrMapOvr>
+  <p:timing>
+    <p:tnLst>
+      <p:par>
+        <p:cTn id="1" dur="indefinite" restart="never" nodeType="tmRoot"/>
+      </p:par>
+    </p:tnLst>
+  </p:timing>
+</p:sld>
+</file>
+
+<file path=ppt/slides/slide29.xml><?xml version="1.0" encoding="utf-8"?>
+<p:sld xmlns:a="http://schemas.openxmlformats.org/drawingml/2006/main" xmlns:r="http://schemas.openxmlformats.org/officeDocument/2006/relationships" xmlns:p="http://schemas.openxmlformats.org/presentationml/2006/main">
+  <p:cSld>
+    <p:spTree>
+      <p:nvGrpSpPr>
+        <p:cNvPr id="1" name=""/>
+        <p:cNvGrpSpPr/>
+        <p:nvPr/>
+      </p:nvGrpSpPr>
+      <p:grpSpPr>
+        <a:xfrm>
+          <a:off x="0" y="0"/>
+          <a:ext cx="0" cy="0"/>
+          <a:chOff x="0" y="0"/>
+          <a:chExt cx="0" cy="0"/>
+        </a:xfrm>
+      </p:grpSpPr>
+      <p:sp>
+        <p:nvSpPr>
+          <p:cNvPr id="2" name="Title 1"/>
+          <p:cNvSpPr>
+            <a:spLocks noGrp="1"/>
+          </p:cNvSpPr>
+          <p:nvPr>
+            <p:ph type="title"/>
+          </p:nvPr>
+        </p:nvSpPr>
+        <p:spPr/>
+        <p:txBody>
+          <a:bodyPr/>
+          <a:lstStyle/>
+          <a:p>
+            <a:r>
+              <a:rPr lang="ru-RU" dirty="0"/>
+              <a:t>Цели и задачи анализа</a:t>
+            </a:r>
+            <a:endParaRPr lang="en-US" dirty="0"/>
+          </a:p>
+        </p:txBody>
+      </p:sp>
+      <p:sp>
+        <p:nvSpPr>
+          <p:cNvPr id="5" name="Rectangle 4"/>
+          <p:cNvSpPr>
+            <a:spLocks noChangeArrowheads="1"/>
+          </p:cNvSpPr>
+          <p:nvPr>
+            <p:custDataLst>
+              <p:tags r:id="rId1"/>
+            </p:custDataLst>
+          </p:nvPr>
+        </p:nvSpPr>
+        <p:spPr bwMode="auto">
+          <a:xfrm>
+            <a:off x="2000878" y="1785700"/>
+            <a:ext cx="5023841" cy="3286601"/>
+          </a:xfrm>
+          <a:prstGeom prst="rect">
+            <a:avLst/>
+          </a:prstGeom>
+          <a:noFill/>
+          <a:ln w="19050">
+            <a:noFill/>
+            <a:miter lim="800000"/>
+            <a:headEnd/>
+            <a:tailEnd/>
+          </a:ln>
+        </p:spPr>
+        <p:txBody>
+          <a:bodyPr wrap="square" lIns="93296" tIns="144000" rIns="93296" bIns="93296">
+            <a:spAutoFit/>
+          </a:bodyPr>
+          <a:lstStyle/>
+          <a:p>
+            <a:pPr marL="287338" indent="-287338" defTabSz="803275">
+              <a:buClr>
+                <a:srgbClr val="FF6600"/>
+              </a:buClr>
+              <a:buSzPct val="125000"/>
+              <a:buFont typeface="Wingdings" charset="0"/>
+              <a:buChar char="§"/>
+            </a:pPr>
+            <a:r>
+              <a:rPr lang="ru-RU" dirty="0">
+                <a:solidFill>
+                  <a:schemeClr val="accent4"/>
+                </a:solidFill>
+              </a:rPr>
+              <a:t>К анализу покрытия программного кода можно приступать только после полного покрытия </a:t>
+            </a:r>
+            <a:r>
+              <a:rPr lang="ru-RU" dirty="0" smtClean="0">
+                <a:solidFill>
+                  <a:schemeClr val="accent4"/>
+                </a:solidFill>
+              </a:rPr>
+              <a:t>требований</a:t>
+            </a:r>
+          </a:p>
+          <a:p>
+            <a:pPr marL="287338" indent="-287338" defTabSz="803275">
+              <a:buClr>
+                <a:srgbClr val="FF6600"/>
+              </a:buClr>
+              <a:buSzPct val="125000"/>
+              <a:buFont typeface="Wingdings" charset="0"/>
+              <a:buChar char="§"/>
+            </a:pPr>
+            <a:endParaRPr lang="ru-RU" dirty="0">
+              <a:solidFill>
+                <a:schemeClr val="accent4"/>
+              </a:solidFill>
+            </a:endParaRPr>
+          </a:p>
+          <a:p>
+            <a:pPr marL="287338" indent="-287338" defTabSz="803275">
+              <a:buClr>
+                <a:srgbClr val="FF6600"/>
+              </a:buClr>
+              <a:buSzPct val="125000"/>
+              <a:buFont typeface="Wingdings" charset="0"/>
+              <a:buChar char="§"/>
+            </a:pPr>
+            <a:r>
+              <a:rPr lang="ru-RU" dirty="0">
+                <a:solidFill>
+                  <a:schemeClr val="accent4"/>
+                </a:solidFill>
+              </a:rPr>
+              <a:t>Полное покрытие программного кода не гарантирует того, что тесты проверяют все требования к </a:t>
+            </a:r>
+            <a:r>
+              <a:rPr lang="ru-RU" dirty="0" smtClean="0">
+                <a:solidFill>
+                  <a:schemeClr val="accent4"/>
+                </a:solidFill>
+              </a:rPr>
+              <a:t>системе</a:t>
+            </a:r>
+          </a:p>
+          <a:p>
+            <a:pPr marL="287338" indent="-287338" defTabSz="803275">
+              <a:buClr>
+                <a:srgbClr val="FF6600"/>
+              </a:buClr>
+              <a:buSzPct val="125000"/>
+              <a:buFont typeface="Wingdings" charset="0"/>
+              <a:buChar char="§"/>
+            </a:pPr>
+            <a:endParaRPr lang="ru-RU" dirty="0">
+              <a:solidFill>
+                <a:schemeClr val="accent4"/>
+              </a:solidFill>
+            </a:endParaRPr>
+          </a:p>
+          <a:p>
+            <a:pPr marL="287338" indent="-287338" defTabSz="803275">
+              <a:buClr>
+                <a:srgbClr val="FF6600"/>
+              </a:buClr>
+              <a:buSzPct val="125000"/>
+              <a:buFont typeface="Wingdings" charset="0"/>
+              <a:buChar char="§"/>
+            </a:pPr>
+            <a:r>
+              <a:rPr lang="ru-RU" dirty="0">
+                <a:solidFill>
+                  <a:schemeClr val="accent4"/>
+                </a:solidFill>
+              </a:rPr>
+              <a:t>Целью анализа полноты покрытия кода является выявление участков кода, которые не выполняются при выполнении тестов</a:t>
+            </a:r>
+          </a:p>
+        </p:txBody>
+      </p:sp>
+    </p:spTree>
+    <p:extLst>
+      <p:ext uri="{BB962C8B-B14F-4D97-AF65-F5344CB8AC3E}">
+        <p14:creationId xmlns:p14="http://schemas.microsoft.com/office/powerpoint/2010/main" val="3600618173"/>
+      </p:ext>
+    </p:extLst>
+  </p:cSld>
+  <p:clrMapOvr>
+    <a:masterClrMapping/>
+  </p:clrMapOvr>
+  <p:timing>
+    <p:tnLst>
+      <p:par>
+        <p:cTn id="1" dur="indefinite" restart="never" nodeType="tmRoot"/>
+      </p:par>
+    </p:tnLst>
+  </p:timing>
+</p:sld>
+</file>
+
+<file path=ppt/slides/slide3.xml><?xml version="1.0" encoding="utf-8"?>
+<p:sld xmlns:a="http://schemas.openxmlformats.org/drawingml/2006/main" xmlns:r="http://schemas.openxmlformats.org/officeDocument/2006/relationships" xmlns:p="http://schemas.openxmlformats.org/presentationml/2006/main">
+  <p:cSld>
+    <p:spTree>
+      <p:nvGrpSpPr>
+        <p:cNvPr id="1" name=""/>
+        <p:cNvGrpSpPr/>
+        <p:nvPr/>
+      </p:nvGrpSpPr>
+      <p:grpSpPr>
+        <a:xfrm>
+          <a:off x="0" y="0"/>
+          <a:ext cx="0" cy="0"/>
+          <a:chOff x="0" y="0"/>
+          <a:chExt cx="0" cy="0"/>
+        </a:xfrm>
+      </p:grpSpPr>
+      <p:sp>
+        <p:nvSpPr>
+          <p:cNvPr id="2" name="Title 1"/>
+          <p:cNvSpPr>
+            <a:spLocks noGrp="1"/>
+          </p:cNvSpPr>
+          <p:nvPr>
+            <p:ph type="title"/>
+          </p:nvPr>
+        </p:nvSpPr>
+        <p:spPr/>
+        <p:txBody>
+          <a:bodyPr/>
+          <a:lstStyle/>
+          <a:p>
+            <a:r>
+              <a:rPr lang="en-US" dirty="0" smtClean="0"/>
+              <a:t>Code Coverage</a:t>
+            </a:r>
+            <a:endParaRPr lang="en-US" dirty="0"/>
+          </a:p>
+        </p:txBody>
+      </p:sp>
+      <p:sp>
+        <p:nvSpPr>
+          <p:cNvPr id="5" name="Rectangle 4"/>
+          <p:cNvSpPr>
+            <a:spLocks noChangeArrowheads="1"/>
+          </p:cNvSpPr>
+          <p:nvPr>
+            <p:custDataLst>
+              <p:tags r:id="rId1"/>
+            </p:custDataLst>
+          </p:nvPr>
+        </p:nvSpPr>
+        <p:spPr bwMode="auto">
+          <a:xfrm>
+            <a:off x="2000878" y="2201198"/>
+            <a:ext cx="5023841" cy="2455605"/>
+          </a:xfrm>
+          <a:prstGeom prst="rect">
+            <a:avLst/>
+          </a:prstGeom>
+          <a:noFill/>
+          <a:ln w="19050">
+            <a:noFill/>
+            <a:miter lim="800000"/>
+            <a:headEnd/>
+            <a:tailEnd/>
+          </a:ln>
+        </p:spPr>
+        <p:txBody>
+          <a:bodyPr wrap="square" lIns="93296" tIns="144000" rIns="93296" bIns="93296">
+            <a:spAutoFit/>
+          </a:bodyPr>
+          <a:lstStyle/>
+          <a:p>
+            <a:pPr marL="287338" indent="-287338" defTabSz="803275">
+              <a:buClr>
+                <a:srgbClr val="FF6600"/>
+              </a:buClr>
+              <a:buSzPct val="125000"/>
+              <a:buFont typeface="Wingdings" charset="0"/>
+              <a:buChar char="§"/>
+            </a:pPr>
+            <a:r>
+              <a:rPr lang="ru-RU" dirty="0">
+                <a:solidFill>
+                  <a:schemeClr val="accent4"/>
+                </a:solidFill>
+              </a:rPr>
+              <a:t>Одной из оценок качества системы тестов является полнота – величина той части функциональности системы, которая проверяется </a:t>
+            </a:r>
+            <a:r>
+              <a:rPr lang="ru-RU" dirty="0" smtClean="0">
+                <a:solidFill>
+                  <a:schemeClr val="accent4"/>
+                </a:solidFill>
+              </a:rPr>
+              <a:t>тестами</a:t>
+            </a:r>
+            <a:endParaRPr lang="en-US" dirty="0" smtClean="0">
+              <a:solidFill>
+                <a:schemeClr val="accent4"/>
+              </a:solidFill>
+            </a:endParaRPr>
+          </a:p>
+          <a:p>
+            <a:pPr marL="287338" indent="-287338" defTabSz="803275">
+              <a:buClr>
+                <a:srgbClr val="FF6600"/>
+              </a:buClr>
+              <a:buSzPct val="125000"/>
+              <a:buFont typeface="Wingdings" charset="0"/>
+              <a:buChar char="§"/>
+            </a:pPr>
+            <a:endParaRPr lang="ru-RU" dirty="0">
+              <a:solidFill>
+                <a:schemeClr val="accent4"/>
+              </a:solidFill>
+            </a:endParaRPr>
+          </a:p>
+          <a:p>
+            <a:pPr marL="287338" indent="-287338" defTabSz="803275">
+              <a:buClr>
+                <a:srgbClr val="FF6600"/>
+              </a:buClr>
+              <a:buSzPct val="125000"/>
+              <a:buFont typeface="Wingdings" charset="0"/>
+              <a:buChar char="§"/>
+            </a:pPr>
+            <a:r>
+              <a:rPr lang="ru-RU" dirty="0">
+                <a:solidFill>
+                  <a:schemeClr val="accent4"/>
+                </a:solidFill>
+              </a:rPr>
+              <a:t>Полная система позволяет утверждать, что система реализует всю функциональность, указанную в требованиях</a:t>
+            </a:r>
+          </a:p>
+        </p:txBody>
+      </p:sp>
+    </p:spTree>
+    <p:extLst>
+      <p:ext uri="{BB962C8B-B14F-4D97-AF65-F5344CB8AC3E}">
+        <p14:creationId xmlns:p14="http://schemas.microsoft.com/office/powerpoint/2010/main" val="929437117"/>
+      </p:ext>
+    </p:extLst>
+  </p:cSld>
+  <p:clrMapOvr>
+    <a:masterClrMapping/>
+  </p:clrMapOvr>
+  <p:timing>
+    <p:tnLst>
+      <p:par>
+        <p:cTn id="1" dur="indefinite" restart="never" nodeType="tmRoot"/>
       </p:par>
     </p:tnLst>
   </p:timing>
@@ -27339,8 +26511,8 @@
         </p:nvSpPr>
         <p:spPr bwMode="auto">
           <a:xfrm>
-            <a:off x="2000878" y="1785700"/>
-            <a:ext cx="5023841" cy="3286601"/>
+            <a:off x="2000878" y="2062698"/>
+            <a:ext cx="5023841" cy="2732604"/>
           </a:xfrm>
           <a:prstGeom prst="rect">
             <a:avLst/>
@@ -27373,7 +26545,7 @@
                   <a:schemeClr val="accent4"/>
                 </a:solidFill>
               </a:rPr>
-              <a:t>К анализу покрытия программного кода можно приступать только после полного покрытия </a:t>
+              <a:t>В идеальном случае при полном покрытии функциональных требований должно получаться 100% покрытие </a:t>
             </a:r>
             <a:r>
               <a:rPr lang="ru-RU" dirty="0" smtClean="0">
@@ -27381,7 +26553,7 @@
                   <a:schemeClr val="accent4"/>
                 </a:solidFill>
               </a:rPr>
-              <a:t>требований</a:t>
+              <a:t>кода</a:t>
             </a:r>
           </a:p>
           <a:p>
@@ -27414,7 +26586,7 @@
                   <a:schemeClr val="accent4"/>
                 </a:solidFill>
               </a:rPr>
-              <a:t>Полное покрытие программного кода не гарантирует того, что тесты проверяют все требования к </a:t>
+              <a:t>Однако на практике такое происходит только в случае очень простого </a:t>
             </a:r>
             <a:r>
               <a:rPr lang="ru-RU" dirty="0" smtClean="0">
@@ -27422,7 +26594,7 @@
                   <a:schemeClr val="accent4"/>
                 </a:solidFill>
               </a:rPr>
-              <a:t>системе</a:t>
+              <a:t>кода</a:t>
             </a:r>
           </a:p>
           <a:p>
@@ -27455,7 +26627,7 @@
                   <a:schemeClr val="accent4"/>
                 </a:solidFill>
               </a:rPr>
-              <a:t>Целью анализа полноты покрытия кода является выявление участков кода, которые не выполняются при выполнении тестов</a:t>
+              <a:t>Причины «недопокрытия» кода могут быть различными</a:t>
             </a:r>
           </a:p>
         </p:txBody>
@@ -27463,7 +26635,7 @@
     </p:spTree>
     <p:extLst>
       <p:ext uri="{BB962C8B-B14F-4D97-AF65-F5344CB8AC3E}">
-        <p14:creationId xmlns:p14="http://schemas.microsoft.com/office/powerpoint/2010/main" val="3600618173"/>
+        <p14:creationId xmlns:p14="http://schemas.microsoft.com/office/powerpoint/2010/main" val="3929768694"/>
       </p:ext>
     </p:extLst>
   </p:cSld>
@@ -27473,7 +26645,7 @@
   <p:timing>
     <p:tnLst>
       <p:par>
-        <p:cTn xmlns:p14="http://schemas.microsoft.com/office/powerpoint/2010/main" id="1" dur="indefinite" restart="never" nodeType="tmRoot"/>
+        <p:cTn id="1" dur="indefinite" restart="never" nodeType="tmRoot"/>
       </p:par>
     </p:tnLst>
   </p:timing>
@@ -27514,7 +26686,7 @@
           <a:p>
             <a:r>
               <a:rPr lang="ru-RU" dirty="0"/>
-              <a:t>Цели и задачи анализа</a:t>
+              <a:t>Причины плохого покрытия кода</a:t>
             </a:r>
             <a:endParaRPr lang="en-US" dirty="0"/>
           </a:p>
@@ -27535,7 +26707,7 @@
         <p:spPr bwMode="auto">
           <a:xfrm>
             <a:off x="2000878" y="2062698"/>
-            <a:ext cx="5023841" cy="2732604"/>
+            <a:ext cx="5023841" cy="3840599"/>
           </a:xfrm>
           <a:prstGeom prst="rect">
             <a:avLst/>
@@ -27568,7 +26740,7 @@
                   <a:schemeClr val="accent4"/>
                 </a:solidFill>
               </a:rPr>
-              <a:t>В идеальном случае при полном покрытии функциональных требований должно получаться 100% покрытие </a:t>
+              <a:t>Недостатки в формировании тестов, основанных на </a:t>
             </a:r>
             <a:r>
               <a:rPr lang="ru-RU" dirty="0" smtClean="0">
@@ -27576,7 +26748,69 @@
                   <a:schemeClr val="accent4"/>
                 </a:solidFill>
               </a:rPr>
-              <a:t>кода</a:t>
+              <a:t>требованиях</a:t>
+            </a:r>
+            <a:r>
+              <a:rPr lang="en-US" dirty="0" smtClean="0">
+                <a:solidFill>
+                  <a:schemeClr val="accent4"/>
+                </a:solidFill>
+              </a:rPr>
+              <a:t>. </a:t>
+            </a:r>
+            <a:endParaRPr lang="ru-RU" dirty="0" smtClean="0">
+              <a:solidFill>
+                <a:schemeClr val="accent4"/>
+              </a:solidFill>
+            </a:endParaRPr>
+          </a:p>
+          <a:p>
+            <a:pPr marL="287338" indent="-287338" defTabSz="803275">
+              <a:buClr>
+                <a:srgbClr val="FF6600"/>
+              </a:buClr>
+              <a:buSzPct val="125000"/>
+              <a:buFont typeface="Wingdings" charset="0"/>
+              <a:buChar char="§"/>
+            </a:pPr>
+            <a:endParaRPr lang="ru-RU" dirty="0" smtClean="0">
+              <a:solidFill>
+                <a:schemeClr val="accent4"/>
+              </a:solidFill>
+            </a:endParaRPr>
+          </a:p>
+          <a:p>
+            <a:pPr marL="744538" lvl="1" indent="-287338" defTabSz="803275">
+              <a:buClr>
+                <a:srgbClr val="FF6600"/>
+              </a:buClr>
+              <a:buSzPct val="125000"/>
+              <a:buFont typeface="Wingdings" charset="0"/>
+              <a:buChar char="§"/>
+            </a:pPr>
+            <a:r>
+              <a:rPr lang="ru-RU" dirty="0" smtClean="0">
+                <a:solidFill>
+                  <a:schemeClr val="accent4"/>
+                </a:solidFill>
+              </a:rPr>
+              <a:t>Тестовый </a:t>
+            </a:r>
+            <a:r>
+              <a:rPr lang="ru-RU" dirty="0">
+                <a:solidFill>
+                  <a:schemeClr val="accent4"/>
+                </a:solidFill>
+              </a:rPr>
+              <a:t>набор должен быть дополнен недостающими </a:t>
+            </a:r>
+            <a:r>
+              <a:rPr lang="ru-RU" dirty="0" smtClean="0">
+                <a:solidFill>
+                  <a:schemeClr val="accent4"/>
+                </a:solidFill>
+              </a:rPr>
+              <a:t>тестами</a:t>
             </a:r>
           </a:p>
           <a:p>
@@ -27609,7 +26843,7 @@
                   <a:schemeClr val="accent4"/>
                 </a:solidFill>
               </a:rPr>
-              <a:t>Однако на практике такое происходит только в случае очень простого </a:t>
+              <a:t>Неадекватности в </a:t>
             </a:r>
             <a:r>
               <a:rPr lang="ru-RU" dirty="0" smtClean="0">
@@ -27617,7 +26851,23 @@
                   <a:schemeClr val="accent4"/>
                 </a:solidFill>
               </a:rPr>
-              <a:t>кода</a:t>
+              <a:t>требованиях</a:t>
+            </a:r>
+            <a:r>
+              <a:rPr lang="en-US" dirty="0" smtClean="0">
+                <a:solidFill>
+                  <a:schemeClr val="accent4"/>
+                </a:solidFill>
+              </a:rPr>
+              <a:t>.</a:t>
+            </a:r>
+            <a:r>
+              <a:rPr lang="ru-RU" dirty="0" smtClean="0">
+                <a:solidFill>
+                  <a:schemeClr val="accent4"/>
+                </a:solidFill>
+              </a:rPr>
+              <a:t> </a:t>
             </a:r>
           </a:p>
           <a:p>
@@ -27629,14 +26879,14 @@
               <a:buFont typeface="Wingdings" charset="0"/>
               <a:buChar char="§"/>
             </a:pPr>
-            <a:endParaRPr lang="ru-RU" dirty="0">
+            <a:endParaRPr lang="ru-RU" dirty="0" smtClean="0">
               <a:solidFill>
                 <a:schemeClr val="accent4"/>
               </a:solidFill>
             </a:endParaRPr>
           </a:p>
           <a:p>
-            <a:pPr marL="287338" indent="-287338" defTabSz="803275">
+            <a:pPr marL="744538" lvl="1" indent="-287338" defTabSz="803275">
               <a:buClr>
                 <a:srgbClr val="FF6600"/>
               </a:buClr>
@@ -27645,20 +26895,25 @@
               <a:buChar char="§"/>
             </a:pPr>
             <a:r>
-              <a:rPr lang="ru-RU" dirty="0">
+              <a:rPr lang="ru-RU" dirty="0" smtClean="0">
                 <a:solidFill>
                   <a:schemeClr val="accent4"/>
                 </a:solidFill>
               </a:rPr>
-              <a:t>Причины «недопокрытия» кода могут быть различными</a:t>
-            </a:r>
+              <a:t>Требования должны быть модифицированы, после чего разработаны и выполнены дополнительные тесты, покрывающие новые требования</a:t>
+            </a:r>
+            <a:endParaRPr lang="ru-RU" dirty="0">
+              <a:solidFill>
+                <a:schemeClr val="accent4"/>
+              </a:solidFill>
+            </a:endParaRPr>
           </a:p>
         </p:txBody>
       </p:sp>
     </p:spTree>
     <p:extLst>
       <p:ext uri="{BB962C8B-B14F-4D97-AF65-F5344CB8AC3E}">
-        <p14:creationId xmlns:p14="http://schemas.microsoft.com/office/powerpoint/2010/main" val="3929768694"/>
+        <p14:creationId xmlns:p14="http://schemas.microsoft.com/office/powerpoint/2010/main" val="1855134808"/>
       </p:ext>
     </p:extLst>
   </p:cSld>
@@ -27668,7 +26923,7 @@
   <p:timing>
     <p:tnLst>
       <p:par>
-        <p:cTn xmlns:p14="http://schemas.microsoft.com/office/powerpoint/2010/main" id="1" dur="indefinite" restart="never" nodeType="tmRoot"/>
+        <p:cTn id="1" dur="indefinite" restart="never" nodeType="tmRoot"/>
       </p:par>
     </p:tnLst>
   </p:timing>
@@ -27730,7 +26985,7 @@
         <p:spPr bwMode="auto">
           <a:xfrm>
             <a:off x="2000878" y="2062698"/>
-            <a:ext cx="5023841" cy="3840599"/>
+            <a:ext cx="5023841" cy="3009602"/>
           </a:xfrm>
           <a:prstGeom prst="rect">
             <a:avLst/>
@@ -27763,7 +27018,7 @@
                   <a:schemeClr val="accent4"/>
                 </a:solidFill>
               </a:rPr>
-              <a:t>Недостатки в формировании тестов, основанных на </a:t>
+              <a:t>«Мертвый код</a:t>
             </a:r>
             <a:r>
               <a:rPr lang="ru-RU" dirty="0" smtClean="0">
@@ -27771,69 +27026,7 @@
                   <a:schemeClr val="accent4"/>
                 </a:solidFill>
               </a:rPr>
-              <a:t>требованиях</a:t>
-            </a:r>
-            <a:r>
-              <a:rPr lang="en-US" dirty="0" smtClean="0">
-                <a:solidFill>
-                  <a:schemeClr val="accent4"/>
-                </a:solidFill>
-              </a:rPr>
-              <a:t>. </a:t>
-            </a:r>
-            <a:endParaRPr lang="ru-RU" dirty="0" smtClean="0">
-              <a:solidFill>
-                <a:schemeClr val="accent4"/>
-              </a:solidFill>
-            </a:endParaRPr>
-          </a:p>
-          <a:p>
-            <a:pPr marL="287338" indent="-287338" defTabSz="803275">
-              <a:buClr>
-                <a:srgbClr val="FF6600"/>
-              </a:buClr>
-              <a:buSzPct val="125000"/>
-              <a:buFont typeface="Wingdings" charset="0"/>
-              <a:buChar char="§"/>
-            </a:pPr>
-            <a:endParaRPr lang="ru-RU" dirty="0" smtClean="0">
-              <a:solidFill>
-                <a:schemeClr val="accent4"/>
-              </a:solidFill>
-            </a:endParaRPr>
-          </a:p>
-          <a:p>
-            <a:pPr marL="744538" lvl="1" indent="-287338" defTabSz="803275">
-              <a:buClr>
-                <a:srgbClr val="FF6600"/>
-              </a:buClr>
-              <a:buSzPct val="125000"/>
-              <a:buFont typeface="Wingdings" charset="0"/>
-              <a:buChar char="§"/>
-            </a:pPr>
-            <a:r>
-              <a:rPr lang="ru-RU" dirty="0" smtClean="0">
-                <a:solidFill>
-                  <a:schemeClr val="accent4"/>
-                </a:solidFill>
-              </a:rPr>
-              <a:t>Тестовый </a:t>
-            </a:r>
-            <a:r>
-              <a:rPr lang="ru-RU" dirty="0">
-                <a:solidFill>
-                  <a:schemeClr val="accent4"/>
-                </a:solidFill>
-              </a:rPr>
-              <a:t>набор должен быть дополнен недостающими </a:t>
-            </a:r>
-            <a:r>
-              <a:rPr lang="ru-RU" dirty="0" smtClean="0">
-                <a:solidFill>
-                  <a:schemeClr val="accent4"/>
-                </a:solidFill>
-              </a:rPr>
-              <a:t>тестами</a:t>
+              <a:t>»</a:t>
             </a:r>
           </a:p>
           <a:p>
@@ -27852,6 +27045,47 @@
             </a:endParaRPr>
           </a:p>
           <a:p>
+            <a:pPr marL="744538" lvl="1" indent="-287338" defTabSz="803275">
+              <a:buClr>
+                <a:srgbClr val="FF6600"/>
+              </a:buClr>
+              <a:buSzPct val="125000"/>
+              <a:buFont typeface="Wingdings" charset="0"/>
+              <a:buChar char="§"/>
+            </a:pPr>
+            <a:r>
+              <a:rPr lang="ru-RU" dirty="0">
+                <a:solidFill>
+                  <a:schemeClr val="accent4"/>
+                </a:solidFill>
+              </a:rPr>
+              <a:t>этот код должен быть удален, и проведен анализ для оценки эффекта удаления и необходимости </a:t>
+            </a:r>
+            <a:r>
+              <a:rPr lang="ru-RU" dirty="0" smtClean="0">
+                <a:solidFill>
+                  <a:schemeClr val="accent4"/>
+                </a:solidFill>
+              </a:rPr>
+              <a:t>перепроверки</a:t>
+            </a:r>
+          </a:p>
+          <a:p>
+            <a:pPr marL="744538" lvl="1" indent="-287338" defTabSz="803275">
+              <a:buClr>
+                <a:srgbClr val="FF6600"/>
+              </a:buClr>
+              <a:buSzPct val="125000"/>
+              <a:buFont typeface="Wingdings" charset="0"/>
+              <a:buChar char="§"/>
+            </a:pPr>
+            <a:endParaRPr lang="ru-RU" dirty="0">
+              <a:solidFill>
+                <a:schemeClr val="accent4"/>
+              </a:solidFill>
+            </a:endParaRPr>
+          </a:p>
+          <a:p>
             <a:pPr marL="287338" indent="-287338" defTabSz="803275">
               <a:buClr>
                 <a:srgbClr val="FF6600"/>
@@ -27866,77 +27100,15 @@
                   <a:schemeClr val="accent4"/>
                 </a:solidFill>
               </a:rPr>
-              <a:t>Неадекватности в </a:t>
-            </a:r>
-            <a:r>
-              <a:rPr lang="ru-RU" dirty="0" smtClean="0">
-                <a:solidFill>
-                  <a:schemeClr val="accent4"/>
-                </a:solidFill>
-              </a:rPr>
-              <a:t>требованиях</a:t>
-            </a:r>
-            <a:r>
-              <a:rPr lang="en-US" dirty="0" smtClean="0">
-                <a:solidFill>
-                  <a:schemeClr val="accent4"/>
-                </a:solidFill>
-              </a:rPr>
-              <a:t>.</a:t>
-            </a:r>
-            <a:r>
-              <a:rPr lang="ru-RU" dirty="0" smtClean="0">
-                <a:solidFill>
-                  <a:schemeClr val="accent4"/>
-                </a:solidFill>
-              </a:rPr>
-              <a:t> </a:t>
-            </a:r>
-          </a:p>
-          <a:p>
-            <a:pPr marL="287338" indent="-287338" defTabSz="803275">
-              <a:buClr>
-                <a:srgbClr val="FF6600"/>
-              </a:buClr>
-              <a:buSzPct val="125000"/>
-              <a:buFont typeface="Wingdings" charset="0"/>
-              <a:buChar char="§"/>
-            </a:pPr>
-            <a:endParaRPr lang="ru-RU" dirty="0" smtClean="0">
-              <a:solidFill>
-                <a:schemeClr val="accent4"/>
-              </a:solidFill>
-            </a:endParaRPr>
-          </a:p>
-          <a:p>
-            <a:pPr marL="744538" lvl="1" indent="-287338" defTabSz="803275">
-              <a:buClr>
-                <a:srgbClr val="FF6600"/>
-              </a:buClr>
-              <a:buSzPct val="125000"/>
-              <a:buFont typeface="Wingdings" charset="0"/>
-              <a:buChar char="§"/>
-            </a:pPr>
-            <a:r>
-              <a:rPr lang="ru-RU" dirty="0" smtClean="0">
-                <a:solidFill>
-                  <a:schemeClr val="accent4"/>
-                </a:solidFill>
-              </a:rPr>
-              <a:t>Требования должны быть модифицированы, после чего разработаны и выполнены дополнительные тесты, покрывающие новые требования</a:t>
-            </a:r>
-            <a:endParaRPr lang="ru-RU" dirty="0">
-              <a:solidFill>
-                <a:schemeClr val="accent4"/>
-              </a:solidFill>
-            </a:endParaRPr>
+              <a:t>Дезактивируемый код – код, работающий только в определенных конфигурациях окружения</a:t>
+            </a:r>
           </a:p>
         </p:txBody>
       </p:sp>
     </p:spTree>
     <p:extLst>
       <p:ext uri="{BB962C8B-B14F-4D97-AF65-F5344CB8AC3E}">
-        <p14:creationId xmlns:p14="http://schemas.microsoft.com/office/powerpoint/2010/main" val="1855134808"/>
+        <p14:creationId xmlns:p14="http://schemas.microsoft.com/office/powerpoint/2010/main" val="4125560748"/>
       </p:ext>
     </p:extLst>
   </p:cSld>
@@ -27946,7 +27118,7 @@
   <p:timing>
     <p:tnLst>
       <p:par>
-        <p:cTn xmlns:p14="http://schemas.microsoft.com/office/powerpoint/2010/main" id="1" dur="indefinite" restart="never" nodeType="tmRoot"/>
+        <p:cTn id="1" dur="indefinite" restart="never" nodeType="tmRoot"/>
       </p:par>
     </p:tnLst>
   </p:timing>
@@ -28008,7 +27180,7 @@
         <p:spPr bwMode="auto">
           <a:xfrm>
             <a:off x="2000878" y="2062698"/>
-            <a:ext cx="5023841" cy="3009602"/>
+            <a:ext cx="5023841" cy="3286601"/>
           </a:xfrm>
           <a:prstGeom prst="rect">
             <a:avLst/>
@@ -28027,6 +27199,43 @@
           </a:bodyPr>
           <a:lstStyle/>
           <a:p>
+            <a:pPr defTabSz="803275">
+              <a:buClr>
+                <a:srgbClr val="FF6600"/>
+              </a:buClr>
+              <a:buSzPct val="125000"/>
+            </a:pPr>
+            <a:r>
+              <a:rPr lang="ru-RU" dirty="0">
+                <a:solidFill>
+                  <a:schemeClr val="accent4"/>
+                </a:solidFill>
+              </a:rPr>
+              <a:t>Дезактивируемый </a:t>
+            </a:r>
+            <a:r>
+              <a:rPr lang="ru-RU" dirty="0" smtClean="0">
+                <a:solidFill>
+                  <a:schemeClr val="accent4"/>
+                </a:solidFill>
+              </a:rPr>
+              <a:t>код</a:t>
+            </a:r>
+          </a:p>
+          <a:p>
+            <a:pPr defTabSz="803275">
+              <a:buClr>
+                <a:srgbClr val="FF6600"/>
+              </a:buClr>
+              <a:buSzPct val="125000"/>
+            </a:pPr>
+            <a:endParaRPr lang="ru-RU" dirty="0">
+              <a:solidFill>
+                <a:schemeClr val="accent4"/>
+              </a:solidFill>
+            </a:endParaRPr>
+          </a:p>
+          <a:p>
             <a:pPr marL="287338" indent="-287338" defTabSz="803275">
               <a:buClr>
                 <a:srgbClr val="FF6600"/>
@@ -28041,7 +27250,7 @@
                   <a:schemeClr val="accent4"/>
                 </a:solidFill>
               </a:rPr>
-              <a:t>«Мертвый код</a:t>
+              <a:t>Д</a:t>
             </a:r>
             <a:r>
               <a:rPr lang="ru-RU" dirty="0" smtClean="0">
@@ -28049,7 +27258,23 @@
                   <a:schemeClr val="accent4"/>
                 </a:solidFill>
               </a:rPr>
-              <a:t>»</a:t>
+              <a:t>ля </a:t>
+            </a:r>
+            <a:r>
+              <a:rPr lang="ru-RU" dirty="0">
+                <a:solidFill>
+                  <a:schemeClr val="accent4"/>
+                </a:solidFill>
+              </a:rPr>
+              <a:t>такого кода должна быть установлена нормальная эксплуатационная среда, в которой он </a:t>
+            </a:r>
+            <a:r>
+              <a:rPr lang="ru-RU" dirty="0" smtClean="0">
+                <a:solidFill>
+                  <a:schemeClr val="accent4"/>
+                </a:solidFill>
+              </a:rPr>
+              <a:t>выполняется</a:t>
             </a:r>
           </a:p>
           <a:p>
@@ -28068,7 +27293,7 @@
             </a:endParaRPr>
           </a:p>
           <a:p>
-            <a:pPr marL="744538" lvl="1" indent="-287338" defTabSz="803275">
+            <a:pPr marL="287338" indent="-287338" defTabSz="803275">
               <a:buClr>
                 <a:srgbClr val="FF6600"/>
               </a:buClr>
@@ -28077,12 +27302,20 @@
               <a:buChar char="§"/>
             </a:pPr>
             <a:r>
+              <a:rPr lang="ru-RU" dirty="0" smtClean="0">
+                <a:solidFill>
+                  <a:schemeClr val="accent4"/>
+                </a:solidFill>
+              </a:rPr>
+              <a:t>Написаны </a:t>
+            </a:r>
+            <a:r>
               <a:rPr lang="ru-RU" dirty="0">
                 <a:solidFill>
                   <a:schemeClr val="accent4"/>
                 </a:solidFill>
               </a:rPr>
-              <a:t>этот код должен быть удален, и проведен анализ для оценки эффекта удаления и необходимости </a:t>
+              <a:t>тесты, покрывающие </a:t>
             </a:r>
             <a:r>
               <a:rPr lang="ru-RU" dirty="0" smtClean="0">
@@ -28090,11 +27323,11 @@
                   <a:schemeClr val="accent4"/>
                 </a:solidFill>
               </a:rPr>
-              <a:t>перепроверки</a:t>
-            </a:r>
-          </a:p>
-          <a:p>
-            <a:pPr marL="744538" lvl="1" indent="-287338" defTabSz="803275">
+              <a:t>его</a:t>
+            </a:r>
+          </a:p>
+          <a:p>
+            <a:pPr marL="287338" indent="-287338" defTabSz="803275">
               <a:buClr>
                 <a:srgbClr val="FF6600"/>
               </a:buClr>
@@ -28118,12 +27351,20 @@
               <a:buChar char="§"/>
             </a:pPr>
             <a:r>
+              <a:rPr lang="ru-RU" dirty="0" smtClean="0">
+                <a:solidFill>
+                  <a:schemeClr val="accent4"/>
+                </a:solidFill>
+              </a:rPr>
+              <a:t>Написаны </a:t>
+            </a:r>
+            <a:r>
               <a:rPr lang="ru-RU" dirty="0">
                 <a:solidFill>
                   <a:schemeClr val="accent4"/>
                 </a:solidFill>
               </a:rPr>
-              <a:t>Дезактивируемый код – код, работающий только в определенных конфигурациях окружения</a:t>
+              <a:t>тесты, проверяющие, что данный код не может быть преднамеренно выполнен в других конфигурациях</a:t>
             </a:r>
           </a:p>
         </p:txBody>
@@ -28131,7 +27372,7 @@
     </p:spTree>
     <p:extLst>
       <p:ext uri="{BB962C8B-B14F-4D97-AF65-F5344CB8AC3E}">
-        <p14:creationId xmlns:p14="http://schemas.microsoft.com/office/powerpoint/2010/main" val="4125560748"/>
+        <p14:creationId xmlns:p14="http://schemas.microsoft.com/office/powerpoint/2010/main" val="3545706011"/>
       </p:ext>
     </p:extLst>
   </p:cSld>
@@ -28141,7 +27382,7 @@
   <p:timing>
     <p:tnLst>
       <p:par>
-        <p:cTn xmlns:p14="http://schemas.microsoft.com/office/powerpoint/2010/main" id="1" dur="indefinite" restart="never" nodeType="tmRoot"/>
+        <p:cTn id="1" dur="indefinite" restart="never" nodeType="tmRoot"/>
       </p:par>
     </p:tnLst>
   </p:timing>
@@ -28202,8 +27443,8 @@
         </p:nvSpPr>
         <p:spPr bwMode="auto">
           <a:xfrm>
-            <a:off x="2000878" y="2062698"/>
-            <a:ext cx="5023841" cy="3286601"/>
+            <a:off x="2000878" y="2339697"/>
+            <a:ext cx="5023841" cy="2178606"/>
           </a:xfrm>
           <a:prstGeom prst="rect">
             <a:avLst/>
@@ -28222,43 +27463,6 @@
           </a:bodyPr>
           <a:lstStyle/>
           <a:p>
-            <a:pPr defTabSz="803275">
-              <a:buClr>
-                <a:srgbClr val="FF6600"/>
-              </a:buClr>
-              <a:buSzPct val="125000"/>
-            </a:pPr>
-            <a:r>
-              <a:rPr lang="ru-RU" dirty="0">
-                <a:solidFill>
-                  <a:schemeClr val="accent4"/>
-                </a:solidFill>
-              </a:rPr>
-              <a:t>Дезактивируемый </a:t>
-            </a:r>
-            <a:r>
-              <a:rPr lang="ru-RU" dirty="0" smtClean="0">
-                <a:solidFill>
-                  <a:schemeClr val="accent4"/>
-                </a:solidFill>
-              </a:rPr>
-              <a:t>код</a:t>
-            </a:r>
-          </a:p>
-          <a:p>
-            <a:pPr defTabSz="803275">
-              <a:buClr>
-                <a:srgbClr val="FF6600"/>
-              </a:buClr>
-              <a:buSzPct val="125000"/>
-            </a:pPr>
-            <a:endParaRPr lang="ru-RU" dirty="0">
-              <a:solidFill>
-                <a:schemeClr val="accent4"/>
-              </a:solidFill>
-            </a:endParaRPr>
-          </a:p>
-          <a:p>
             <a:pPr marL="287338" indent="-287338" defTabSz="803275">
               <a:buClr>
                 <a:srgbClr val="FF6600"/>
@@ -28268,12 +27472,38 @@
               <a:buChar char="§"/>
             </a:pPr>
             <a:r>
+              <a:rPr lang="ru-RU" dirty="0" smtClean="0">
+                <a:solidFill>
+                  <a:schemeClr val="accent4"/>
+                </a:solidFill>
+              </a:rPr>
+              <a:t>Избыточные </a:t>
+            </a:r>
+            <a:r>
               <a:rPr lang="ru-RU" dirty="0">
                 <a:solidFill>
                   <a:schemeClr val="accent4"/>
                 </a:solidFill>
               </a:rPr>
-              <a:t>Д</a:t>
+              <a:t>условия</a:t>
+            </a:r>
+          </a:p>
+          <a:p>
+            <a:pPr marL="744538" lvl="1" indent="-287338" defTabSz="803275">
+              <a:buClr>
+                <a:srgbClr val="FF6600"/>
+              </a:buClr>
+              <a:buSzPct val="125000"/>
+              <a:buFont typeface="Wingdings" charset="0"/>
+              <a:buChar char="§"/>
+            </a:pPr>
+            <a:r>
+              <a:rPr lang="ru-RU" dirty="0">
+                <a:solidFill>
+                  <a:schemeClr val="accent4"/>
+                </a:solidFill>
+              </a:rPr>
+              <a:t>пример такого условия – </a:t>
             </a:r>
             <a:r>
               <a:rPr lang="ru-RU" dirty="0" smtClean="0">
@@ -28281,7 +27511,7 @@
                   <a:schemeClr val="accent4"/>
                 </a:solidFill>
               </a:rPr>
-              <a:t>ля </a:t>
+              <a:t>выражение !b </a:t>
             </a:r>
             <a:r>
               <a:rPr lang="ru-RU" dirty="0">
@@ -28289,15 +27519,25 @@
                   <a:schemeClr val="accent4"/>
                 </a:solidFill>
               </a:rPr>
-              <a:t>такого кода должна быть установлена нормальная эксплуатационная среда, в которой он </a:t>
-            </a:r>
-            <a:r>
-              <a:rPr lang="ru-RU" dirty="0" smtClean="0">
+              <a:t>|| (a &amp;&amp; b)</a:t>
+            </a:r>
+          </a:p>
+          <a:p>
+            <a:pPr marL="744538" lvl="1" indent="-287338" defTabSz="803275">
+              <a:buClr>
+                <a:srgbClr val="FF6600"/>
+              </a:buClr>
+              <a:buSzPct val="125000"/>
+              <a:buFont typeface="Wingdings" charset="0"/>
+              <a:buChar char="§"/>
+            </a:pPr>
+            <a:r>
+              <a:rPr lang="ru-RU" dirty="0">
                 <a:solidFill>
                   <a:schemeClr val="accent4"/>
                 </a:solidFill>
               </a:rPr>
-              <a:t>выполняется</a:t>
+              <a:t>при b = false, значение переменной a не имеет значения, т.е. условие избыточно и вторая его часть не будет проверяться</a:t>
             </a:r>
           </a:p>
           <a:p>
@@ -28309,85 +27549,13 @@
               <a:buFont typeface="Wingdings" charset="0"/>
               <a:buChar char="§"/>
             </a:pPr>
-            <a:endParaRPr lang="ru-RU" dirty="0">
-              <a:solidFill>
-                <a:schemeClr val="accent4"/>
-              </a:solidFill>
-            </a:endParaRPr>
-          </a:p>
-          <a:p>
-            <a:pPr marL="287338" indent="-287338" defTabSz="803275">
-              <a:buClr>
-                <a:srgbClr val="FF6600"/>
-              </a:buClr>
-              <a:buSzPct val="125000"/>
-              <a:buFont typeface="Wingdings" charset="0"/>
-              <a:buChar char="§"/>
-            </a:pPr>
-            <a:r>
-              <a:rPr lang="ru-RU" dirty="0" smtClean="0">
+            <a:r>
+              <a:rPr lang="ru-RU" dirty="0">
                 <a:solidFill>
                   <a:schemeClr val="accent4"/>
                 </a:solidFill>
               </a:rPr>
-              <a:t>Написаны </a:t>
-            </a:r>
-            <a:r>
-              <a:rPr lang="ru-RU" dirty="0">
-                <a:solidFill>
-                  <a:schemeClr val="accent4"/>
-                </a:solidFill>
-              </a:rPr>
-              <a:t>тесты, покрывающие </a:t>
-            </a:r>
-            <a:r>
-              <a:rPr lang="ru-RU" dirty="0" smtClean="0">
-                <a:solidFill>
-                  <a:schemeClr val="accent4"/>
-                </a:solidFill>
-              </a:rPr>
-              <a:t>его</a:t>
-            </a:r>
-          </a:p>
-          <a:p>
-            <a:pPr marL="287338" indent="-287338" defTabSz="803275">
-              <a:buClr>
-                <a:srgbClr val="FF6600"/>
-              </a:buClr>
-              <a:buSzPct val="125000"/>
-              <a:buFont typeface="Wingdings" charset="0"/>
-              <a:buChar char="§"/>
-            </a:pPr>
-            <a:endParaRPr lang="ru-RU" dirty="0">
-              <a:solidFill>
-                <a:schemeClr val="accent4"/>
-              </a:solidFill>
-            </a:endParaRPr>
-          </a:p>
-          <a:p>
-            <a:pPr marL="287338" indent="-287338" defTabSz="803275">
-              <a:buClr>
-                <a:srgbClr val="FF6600"/>
-              </a:buClr>
-              <a:buSzPct val="125000"/>
-              <a:buFont typeface="Wingdings" charset="0"/>
-              <a:buChar char="§"/>
-            </a:pPr>
-            <a:r>
-              <a:rPr lang="ru-RU" dirty="0" smtClean="0">
-                <a:solidFill>
-                  <a:schemeClr val="accent4"/>
-                </a:solidFill>
-              </a:rPr>
-              <a:t>Написаны </a:t>
-            </a:r>
-            <a:r>
-              <a:rPr lang="ru-RU" dirty="0">
-                <a:solidFill>
-                  <a:schemeClr val="accent4"/>
-                </a:solidFill>
-              </a:rPr>
-              <a:t>тесты, проверяющие, что данный код не может быть преднамеренно выполнен в других конфигурациях</a:t>
+              <a:t>Защитный код</a:t>
             </a:r>
           </a:p>
         </p:txBody>
@@ -28395,7 +27563,7 @@
     </p:spTree>
     <p:extLst>
       <p:ext uri="{BB962C8B-B14F-4D97-AF65-F5344CB8AC3E}">
-        <p14:creationId xmlns:p14="http://schemas.microsoft.com/office/powerpoint/2010/main" val="3545706011"/>
+        <p14:creationId xmlns:p14="http://schemas.microsoft.com/office/powerpoint/2010/main" val="701384179"/>
       </p:ext>
     </p:extLst>
   </p:cSld>
@@ -28405,7 +27573,7 @@
   <p:timing>
     <p:tnLst>
       <p:par>
-        <p:cTn xmlns:p14="http://schemas.microsoft.com/office/powerpoint/2010/main" id="1" dur="indefinite" restart="never" nodeType="tmRoot"/>
+        <p:cTn id="1" dur="indefinite" restart="never" nodeType="tmRoot"/>
       </p:par>
     </p:tnLst>
   </p:timing>
@@ -28446,7 +27614,11 @@
           <a:p>
             <a:r>
               <a:rPr lang="ru-RU" dirty="0"/>
-              <a:t>Причины плохого покрытия кода</a:t>
+              <a:t>Защитное </a:t>
+            </a:r>
+            <a:r>
+              <a:rPr lang="ru-RU" dirty="0" smtClean="0"/>
+              <a:t>программирование</a:t>
             </a:r>
             <a:endParaRPr lang="en-US" dirty="0"/>
           </a:p>
@@ -28486,99 +27658,19 @@
           </a:bodyPr>
           <a:lstStyle/>
           <a:p>
-            <a:pPr marL="287338" indent="-287338" defTabSz="803275">
+            <a:pPr defTabSz="803275">
               <a:buClr>
                 <a:srgbClr val="FF6600"/>
               </a:buClr>
               <a:buSzPct val="125000"/>
-              <a:buFont typeface="Wingdings" charset="0"/>
-              <a:buChar char="§"/>
             </a:pPr>
             <a:r>
-              <a:rPr lang="ru-RU" dirty="0" smtClean="0">
+              <a:rPr lang="ru-RU" dirty="0">
                 <a:solidFill>
                   <a:schemeClr val="accent4"/>
                 </a:solidFill>
               </a:rPr>
-              <a:t>Избыточные </a:t>
-            </a:r>
-            <a:r>
-              <a:rPr lang="ru-RU" dirty="0">
-                <a:solidFill>
-                  <a:schemeClr val="accent4"/>
-                </a:solidFill>
-              </a:rPr>
-              <a:t>условия</a:t>
-            </a:r>
-          </a:p>
-          <a:p>
-            <a:pPr marL="744538" lvl="1" indent="-287338" defTabSz="803275">
-              <a:buClr>
-                <a:srgbClr val="FF6600"/>
-              </a:buClr>
-              <a:buSzPct val="125000"/>
-              <a:buFont typeface="Wingdings" charset="0"/>
-              <a:buChar char="§"/>
-            </a:pPr>
-            <a:r>
-              <a:rPr lang="ru-RU" dirty="0">
-                <a:solidFill>
-                  <a:schemeClr val="accent4"/>
-                </a:solidFill>
-              </a:rPr>
-              <a:t>пример такого условия – </a:t>
-            </a:r>
-            <a:r>
-              <a:rPr lang="ru-RU" dirty="0" smtClean="0">
-                <a:solidFill>
-                  <a:schemeClr val="accent4"/>
-                </a:solidFill>
-              </a:rPr>
-              <a:t>выражение !b </a:t>
-            </a:r>
-            <a:r>
-              <a:rPr lang="ru-RU" dirty="0">
-                <a:solidFill>
-                  <a:schemeClr val="accent4"/>
-                </a:solidFill>
-              </a:rPr>
-              <a:t>|| (a &amp;&amp; b)</a:t>
-            </a:r>
-          </a:p>
-          <a:p>
-            <a:pPr marL="744538" lvl="1" indent="-287338" defTabSz="803275">
-              <a:buClr>
-                <a:srgbClr val="FF6600"/>
-              </a:buClr>
-              <a:buSzPct val="125000"/>
-              <a:buFont typeface="Wingdings" charset="0"/>
-              <a:buChar char="§"/>
-            </a:pPr>
-            <a:r>
-              <a:rPr lang="ru-RU" dirty="0">
-                <a:solidFill>
-                  <a:schemeClr val="accent4"/>
-                </a:solidFill>
-              </a:rPr>
-              <a:t>при b = false, значение переменной a не имеет значения, т.е. условие избыточно и вторая его часть не будет проверяться</a:t>
-            </a:r>
-          </a:p>
-          <a:p>
-            <a:pPr marL="287338" indent="-287338" defTabSz="803275">
-              <a:buClr>
-                <a:srgbClr val="FF6600"/>
-              </a:buClr>
-              <a:buSzPct val="125000"/>
-              <a:buFont typeface="Wingdings" charset="0"/>
-              <a:buChar char="§"/>
-            </a:pPr>
-            <a:r>
-              <a:rPr lang="ru-RU" dirty="0">
-                <a:solidFill>
-                  <a:schemeClr val="accent4"/>
-                </a:solidFill>
-              </a:rPr>
-              <a:t>Защитный код</a:t>
+              <a:t>Защитное программирование - это метод организации программного кода таким образом, чтобы при работе системы последствия проявления дефектов в ней не приводили к сбоям, отказам и авариям (проверка входных данных, обработка исключений и т.д.)</a:t>
             </a:r>
           </a:p>
         </p:txBody>
@@ -28586,7 +27678,7 @@
     </p:spTree>
     <p:extLst>
       <p:ext uri="{BB962C8B-B14F-4D97-AF65-F5344CB8AC3E}">
-        <p14:creationId xmlns:p14="http://schemas.microsoft.com/office/powerpoint/2010/main" val="701384179"/>
+        <p14:creationId xmlns:p14="http://schemas.microsoft.com/office/powerpoint/2010/main" val="245262806"/>
       </p:ext>
     </p:extLst>
   </p:cSld>
@@ -28596,7 +27688,7 @@
   <p:timing>
     <p:tnLst>
       <p:par>
-        <p:cTn xmlns:p14="http://schemas.microsoft.com/office/powerpoint/2010/main" id="1" dur="indefinite" restart="never" nodeType="tmRoot"/>
+        <p:cTn id="1" dur="indefinite" restart="never" nodeType="tmRoot"/>
       </p:par>
     </p:tnLst>
   </p:timing>
@@ -28649,7 +27741,7 @@
       </p:sp>
       <p:sp>
         <p:nvSpPr>
-          <p:cNvPr id="5" name="Rectangle 4"/>
+          <p:cNvPr id="6" name="Rectangle 5"/>
           <p:cNvSpPr>
             <a:spLocks noChangeArrowheads="1"/>
           </p:cNvSpPr>
@@ -28662,7 +27754,7 @@
         <p:spPr bwMode="auto">
           <a:xfrm>
             <a:off x="2000878" y="2339697"/>
-            <a:ext cx="5023841" cy="2178606"/>
+            <a:ext cx="5023841" cy="2455605"/>
           </a:xfrm>
           <a:prstGeom prst="rect">
             <a:avLst/>
@@ -28681,11 +27773,13 @@
           </a:bodyPr>
           <a:lstStyle/>
           <a:p>
-            <a:pPr defTabSz="803275">
+            <a:pPr marL="287338" indent="-287338" defTabSz="803275">
               <a:buClr>
                 <a:srgbClr val="FF6600"/>
               </a:buClr>
               <a:buSzPct val="125000"/>
+              <a:buFont typeface="Wingdings" charset="0"/>
+              <a:buChar char="§"/>
             </a:pPr>
             <a:r>
               <a:rPr lang="ru-RU" dirty="0">
@@ -28693,7 +27787,89 @@
                   <a:schemeClr val="accent4"/>
                 </a:solidFill>
               </a:rPr>
-              <a:t>Защитное программирование - это метод организации программного кода таким образом, чтобы при работе системы последствия проявления дефектов в ней не приводили к сбоям, отказам и авариям (проверка входных данных, обработка исключений и т.д.)</a:t>
+              <a:t>Например, это может быть ветка default в операторе выбора </a:t>
+            </a:r>
+            <a:r>
+              <a:rPr lang="ru-RU" dirty="0" smtClean="0">
+                <a:solidFill>
+                  <a:schemeClr val="accent4"/>
+                </a:solidFill>
+              </a:rPr>
+              <a:t>switch</a:t>
+            </a:r>
+          </a:p>
+          <a:p>
+            <a:pPr marL="287338" indent="-287338" defTabSz="803275">
+              <a:buClr>
+                <a:srgbClr val="FF6600"/>
+              </a:buClr>
+              <a:buSzPct val="125000"/>
+              <a:buFont typeface="Wingdings" charset="0"/>
+              <a:buChar char="§"/>
+            </a:pPr>
+            <a:endParaRPr lang="ru-RU" dirty="0">
+              <a:solidFill>
+                <a:schemeClr val="accent4"/>
+              </a:solidFill>
+            </a:endParaRPr>
+          </a:p>
+          <a:p>
+            <a:pPr marL="287338" indent="-287338" defTabSz="803275">
+              <a:buClr>
+                <a:srgbClr val="FF6600"/>
+              </a:buClr>
+              <a:buSzPct val="125000"/>
+              <a:buFont typeface="Wingdings" charset="0"/>
+              <a:buChar char="§"/>
+            </a:pPr>
+            <a:r>
+              <a:rPr lang="ru-RU" dirty="0">
+                <a:solidFill>
+                  <a:schemeClr val="accent4"/>
+                </a:solidFill>
+              </a:rPr>
+              <a:t>Входное условие оператора switch может принимать определенные </a:t>
+            </a:r>
+            <a:r>
+              <a:rPr lang="ru-RU" dirty="0" smtClean="0">
+                <a:solidFill>
+                  <a:schemeClr val="accent4"/>
+                </a:solidFill>
+              </a:rPr>
+              <a:t>значения</a:t>
+            </a:r>
+          </a:p>
+          <a:p>
+            <a:pPr marL="287338" indent="-287338" defTabSz="803275">
+              <a:buClr>
+                <a:srgbClr val="FF6600"/>
+              </a:buClr>
+              <a:buSzPct val="125000"/>
+              <a:buFont typeface="Wingdings" charset="0"/>
+              <a:buChar char="§"/>
+            </a:pPr>
+            <a:endParaRPr lang="ru-RU" dirty="0">
+              <a:solidFill>
+                <a:schemeClr val="accent4"/>
+              </a:solidFill>
+            </a:endParaRPr>
+          </a:p>
+          <a:p>
+            <a:pPr marL="287338" indent="-287338" defTabSz="803275">
+              <a:buClr>
+                <a:srgbClr val="FF6600"/>
+              </a:buClr>
+              <a:buSzPct val="125000"/>
+              <a:buFont typeface="Wingdings" charset="0"/>
+              <a:buChar char="§"/>
+            </a:pPr>
+            <a:r>
+              <a:rPr lang="ru-RU" dirty="0">
+                <a:solidFill>
+                  <a:schemeClr val="accent4"/>
+                </a:solidFill>
+              </a:rPr>
+              <a:t>Как следствие, ветка default, возможно никогда не будет выполнена</a:t>
             </a:r>
           </a:p>
         </p:txBody>
@@ -28701,7 +27877,7 @@
     </p:spTree>
     <p:extLst>
       <p:ext uri="{BB962C8B-B14F-4D97-AF65-F5344CB8AC3E}">
-        <p14:creationId xmlns:p14="http://schemas.microsoft.com/office/powerpoint/2010/main" val="245262806"/>
+        <p14:creationId xmlns:p14="http://schemas.microsoft.com/office/powerpoint/2010/main" val="2875416292"/>
       </p:ext>
     </p:extLst>
   </p:cSld>
@@ -28711,7 +27887,7 @@
   <p:timing>
     <p:tnLst>
       <p:par>
-        <p:cTn xmlns:p14="http://schemas.microsoft.com/office/powerpoint/2010/main" id="1" dur="indefinite" restart="never" nodeType="tmRoot"/>
+        <p:cTn id="1" dur="indefinite" restart="never" nodeType="tmRoot"/>
       </p:par>
     </p:tnLst>
   </p:timing>
@@ -28752,11 +27928,7 @@
           <a:p>
             <a:r>
               <a:rPr lang="ru-RU" dirty="0"/>
-              <a:t>Защитное </a:t>
-            </a:r>
-            <a:r>
-              <a:rPr lang="ru-RU" dirty="0" smtClean="0"/>
-              <a:t>программирование</a:t>
+              <a:t>Причины плохого покрытия кода</a:t>
             </a:r>
             <a:endParaRPr lang="en-US" dirty="0"/>
           </a:p>
@@ -28776,8 +27948,8 @@
         </p:nvSpPr>
         <p:spPr bwMode="auto">
           <a:xfrm>
-            <a:off x="2000878" y="2339697"/>
-            <a:ext cx="5023841" cy="2455605"/>
+            <a:off x="2000878" y="2062698"/>
+            <a:ext cx="5023841" cy="2732604"/>
           </a:xfrm>
           <a:prstGeom prst="rect">
             <a:avLst/>
@@ -28796,6 +27968,43 @@
           </a:bodyPr>
           <a:lstStyle/>
           <a:p>
+            <a:pPr defTabSz="803275">
+              <a:buClr>
+                <a:srgbClr val="FF6600"/>
+              </a:buClr>
+              <a:buSzPct val="125000"/>
+            </a:pPr>
+            <a:r>
+              <a:rPr lang="ru-RU" dirty="0">
+                <a:solidFill>
+                  <a:schemeClr val="accent4"/>
+                </a:solidFill>
+              </a:rPr>
+              <a:t>Также существуют случаи, когда модульное тестирование кода сильно затруднено, либо вообще невозможно</a:t>
+            </a:r>
+            <a:r>
+              <a:rPr lang="ru-RU" dirty="0" smtClean="0">
+                <a:solidFill>
+                  <a:schemeClr val="accent4"/>
+                </a:solidFill>
+              </a:rPr>
+              <a:t>:</a:t>
+            </a:r>
+          </a:p>
+          <a:p>
+            <a:pPr defTabSz="803275">
+              <a:buClr>
+                <a:srgbClr val="FF6600"/>
+              </a:buClr>
+              <a:buSzPct val="125000"/>
+            </a:pPr>
+            <a:endParaRPr lang="ru-RU" dirty="0">
+              <a:solidFill>
+                <a:schemeClr val="accent4"/>
+              </a:solidFill>
+            </a:endParaRPr>
+          </a:p>
+          <a:p>
             <a:pPr marL="287338" indent="-287338" defTabSz="803275">
               <a:buClr>
                 <a:srgbClr val="FF6600"/>
@@ -28810,7 +28019,7 @@
                   <a:schemeClr val="accent4"/>
                 </a:solidFill>
               </a:rPr>
-              <a:t>Например, это может быть ветка default в операторе выбора </a:t>
+              <a:t>генерация случайных </a:t>
             </a:r>
             <a:r>
               <a:rPr lang="ru-RU" dirty="0" smtClean="0">
@@ -28818,7 +28027,7 @@
                   <a:schemeClr val="accent4"/>
                 </a:solidFill>
               </a:rPr>
-              <a:t>switch</a:t>
+              <a:t>чисел</a:t>
             </a:r>
           </a:p>
           <a:p>
@@ -28851,7 +28060,7 @@
                   <a:schemeClr val="accent4"/>
                 </a:solidFill>
               </a:rPr>
-              <a:t>Входное условие оператора switch может принимать определенные </a:t>
+              <a:t>сложные математические </a:t>
             </a:r>
             <a:r>
               <a:rPr lang="ru-RU" dirty="0" smtClean="0">
@@ -28859,7 +28068,7 @@
                   <a:schemeClr val="accent4"/>
                 </a:solidFill>
               </a:rPr>
-              <a:t>значения</a:t>
+              <a:t>алгоритмы</a:t>
             </a:r>
           </a:p>
           <a:p>
@@ -28892,7 +28101,7 @@
                   <a:schemeClr val="accent4"/>
                 </a:solidFill>
               </a:rPr>
-              <a:t>Как следствие, ветка default, возможно никогда не будет выполнена</a:t>
+              <a:t>параллельные алгоритмы</a:t>
             </a:r>
           </a:p>
         </p:txBody>
@@ -28900,7 +28109,7 @@
     </p:spTree>
     <p:extLst>
       <p:ext uri="{BB962C8B-B14F-4D97-AF65-F5344CB8AC3E}">
-        <p14:creationId xmlns:p14="http://schemas.microsoft.com/office/powerpoint/2010/main" val="2875416292"/>
+        <p14:creationId xmlns:p14="http://schemas.microsoft.com/office/powerpoint/2010/main" val="3089291487"/>
       </p:ext>
     </p:extLst>
   </p:cSld>
@@ -28910,7 +28119,7 @@
   <p:timing>
     <p:tnLst>
       <p:par>
-        <p:cTn xmlns:p14="http://schemas.microsoft.com/office/powerpoint/2010/main" id="1" dur="indefinite" restart="never" nodeType="tmRoot"/>
+        <p:cTn id="1" dur="indefinite" restart="never" nodeType="tmRoot"/>
       </p:par>
     </p:tnLst>
   </p:timing>
@@ -28951,7 +28160,7 @@
           <a:p>
             <a:r>
               <a:rPr lang="ru-RU" dirty="0"/>
-              <a:t>Причины плохого покрытия кода</a:t>
+              <a:t>Результаты анализа</a:t>
             </a:r>
             <a:endParaRPr lang="en-US" dirty="0"/>
           </a:p>
@@ -28971,8 +28180,8 @@
         </p:nvSpPr>
         <p:spPr bwMode="auto">
           <a:xfrm>
-            <a:off x="2000878" y="2062698"/>
-            <a:ext cx="5023841" cy="2732604"/>
+            <a:off x="2000878" y="2893695"/>
+            <a:ext cx="5023841" cy="1070610"/>
           </a:xfrm>
           <a:prstGeom prst="rect">
             <a:avLst/>
@@ -29003,128 +28212,7 @@
                   <a:schemeClr val="accent4"/>
                 </a:solidFill>
               </a:rPr>
-              <a:t>Также существуют случаи, когда модульное тестирование кода сильно затруднено, либо вообще невозможно</a:t>
-            </a:r>
-            <a:r>
-              <a:rPr lang="ru-RU" dirty="0" smtClean="0">
-                <a:solidFill>
-                  <a:schemeClr val="accent4"/>
-                </a:solidFill>
-              </a:rPr>
-              <a:t>:</a:t>
-            </a:r>
-          </a:p>
-          <a:p>
-            <a:pPr defTabSz="803275">
-              <a:buClr>
-                <a:srgbClr val="FF6600"/>
-              </a:buClr>
-              <a:buSzPct val="125000"/>
-            </a:pPr>
-            <a:endParaRPr lang="ru-RU" dirty="0">
-              <a:solidFill>
-                <a:schemeClr val="accent4"/>
-              </a:solidFill>
-            </a:endParaRPr>
-          </a:p>
-          <a:p>
-            <a:pPr marL="287338" indent="-287338" defTabSz="803275">
-              <a:buClr>
-                <a:srgbClr val="FF6600"/>
-              </a:buClr>
-              <a:buSzPct val="125000"/>
-              <a:buFont typeface="Wingdings" charset="0"/>
-              <a:buChar char="§"/>
-            </a:pPr>
-            <a:r>
-              <a:rPr lang="ru-RU" dirty="0">
-                <a:solidFill>
-                  <a:schemeClr val="accent4"/>
-                </a:solidFill>
-              </a:rPr>
-              <a:t>генерация случайных </a:t>
-            </a:r>
-            <a:r>
-              <a:rPr lang="ru-RU" dirty="0" smtClean="0">
-                <a:solidFill>
-                  <a:schemeClr val="accent4"/>
-                </a:solidFill>
-              </a:rPr>
-              <a:t>чисел</a:t>
-            </a:r>
-          </a:p>
-          <a:p>
-            <a:pPr marL="287338" indent="-287338" defTabSz="803275">
-              <a:buClr>
-                <a:srgbClr val="FF6600"/>
-              </a:buClr>
-              <a:buSzPct val="125000"/>
-              <a:buFont typeface="Wingdings" charset="0"/>
-              <a:buChar char="§"/>
-            </a:pPr>
-            <a:endParaRPr lang="ru-RU" dirty="0">
-              <a:solidFill>
-                <a:schemeClr val="accent4"/>
-              </a:solidFill>
-            </a:endParaRPr>
-          </a:p>
-          <a:p>
-            <a:pPr marL="287338" indent="-287338" defTabSz="803275">
-              <a:buClr>
-                <a:srgbClr val="FF6600"/>
-              </a:buClr>
-              <a:buSzPct val="125000"/>
-              <a:buFont typeface="Wingdings" charset="0"/>
-              <a:buChar char="§"/>
-            </a:pPr>
-            <a:r>
-              <a:rPr lang="ru-RU" dirty="0">
-                <a:solidFill>
-                  <a:schemeClr val="accent4"/>
-                </a:solidFill>
-              </a:rPr>
-              <a:t>сложные математические </a:t>
-            </a:r>
-            <a:r>
-              <a:rPr lang="ru-RU" dirty="0" smtClean="0">
-                <a:solidFill>
-                  <a:schemeClr val="accent4"/>
-                </a:solidFill>
-              </a:rPr>
-              <a:t>алгоритмы</a:t>
-            </a:r>
-          </a:p>
-          <a:p>
-            <a:pPr marL="287338" indent="-287338" defTabSz="803275">
-              <a:buClr>
-                <a:srgbClr val="FF6600"/>
-              </a:buClr>
-              <a:buSzPct val="125000"/>
-              <a:buFont typeface="Wingdings" charset="0"/>
-              <a:buChar char="§"/>
-            </a:pPr>
-            <a:endParaRPr lang="ru-RU" dirty="0">
-              <a:solidFill>
-                <a:schemeClr val="accent4"/>
-              </a:solidFill>
-            </a:endParaRPr>
-          </a:p>
-          <a:p>
-            <a:pPr marL="287338" indent="-287338" defTabSz="803275">
-              <a:buClr>
-                <a:srgbClr val="FF6600"/>
-              </a:buClr>
-              <a:buSzPct val="125000"/>
-              <a:buFont typeface="Wingdings" charset="0"/>
-              <a:buChar char="§"/>
-            </a:pPr>
-            <a:r>
-              <a:rPr lang="ru-RU" dirty="0">
-                <a:solidFill>
-                  <a:schemeClr val="accent4"/>
-                </a:solidFill>
-              </a:rPr>
-              <a:t>параллельные алгоритмы</a:t>
+              <a:t>Помните, что тесты пишутся для повышения качества кода и лучшего его понимания, а не для повышения показателей метрик!</a:t>
             </a:r>
           </a:p>
         </p:txBody>
@@ -29132,7 +28220,7 @@
     </p:spTree>
     <p:extLst>
       <p:ext uri="{BB962C8B-B14F-4D97-AF65-F5344CB8AC3E}">
-        <p14:creationId xmlns:p14="http://schemas.microsoft.com/office/powerpoint/2010/main" val="3089291487"/>
+        <p14:creationId xmlns:p14="http://schemas.microsoft.com/office/powerpoint/2010/main" val="597756076"/>
       </p:ext>
     </p:extLst>
   </p:cSld>
@@ -29142,7 +28230,7 @@
   <p:timing>
     <p:tnLst>
       <p:par>
-        <p:cTn xmlns:p14="http://schemas.microsoft.com/office/powerpoint/2010/main" id="1" dur="indefinite" restart="never" nodeType="tmRoot"/>
+        <p:cTn id="1" dur="indefinite" restart="never" nodeType="tmRoot"/>
       </p:par>
     </p:tnLst>
   </p:timing>
@@ -29168,92 +28256,49 @@
       </p:grpSpPr>
       <p:sp>
         <p:nvSpPr>
-          <p:cNvPr id="2" name="Title 1"/>
+          <p:cNvPr id="7" name="Text Placeholder 6"/>
           <p:cNvSpPr>
             <a:spLocks noGrp="1"/>
           </p:cNvSpPr>
           <p:nvPr>
-            <p:ph type="title"/>
-          </p:nvPr>
-        </p:nvSpPr>
-        <p:spPr/>
+            <p:ph type="body" sz="quarter" idx="20"/>
+          </p:nvPr>
+        </p:nvSpPr>
+        <p:spPr>
+          <a:xfrm>
+            <a:off x="2127250" y="2432649"/>
+            <a:ext cx="6467476" cy="576293"/>
+          </a:xfrm>
+        </p:spPr>
         <p:txBody>
           <a:bodyPr/>
           <a:lstStyle/>
           <a:p>
             <a:r>
-              <a:rPr lang="ru-RU" dirty="0"/>
-              <a:t>Результаты анализа</a:t>
+              <a:rPr lang="ru-RU" dirty="0" smtClean="0"/>
+              <a:t>Вопросы ?</a:t>
             </a:r>
             <a:endParaRPr lang="en-US" dirty="0"/>
-          </a:p>
-        </p:txBody>
-      </p:sp>
-      <p:sp>
-        <p:nvSpPr>
-          <p:cNvPr id="6" name="Rectangle 5"/>
-          <p:cNvSpPr>
-            <a:spLocks noChangeArrowheads="1"/>
-          </p:cNvSpPr>
-          <p:nvPr>
-            <p:custDataLst>
-              <p:tags r:id="rId1"/>
-            </p:custDataLst>
-          </p:nvPr>
-        </p:nvSpPr>
-        <p:spPr bwMode="auto">
-          <a:xfrm>
-            <a:off x="2000878" y="2893695"/>
-            <a:ext cx="5023841" cy="1070610"/>
-          </a:xfrm>
-          <a:prstGeom prst="rect">
-            <a:avLst/>
-          </a:prstGeom>
-          <a:noFill/>
-          <a:ln w="19050">
-            <a:noFill/>
-            <a:miter lim="800000"/>
-            <a:headEnd/>
-            <a:tailEnd/>
-          </a:ln>
-        </p:spPr>
-        <p:txBody>
-          <a:bodyPr wrap="square" lIns="93296" tIns="144000" rIns="93296" bIns="93296">
-            <a:spAutoFit/>
-          </a:bodyPr>
-          <a:lstStyle/>
-          <a:p>
-            <a:pPr defTabSz="803275">
-              <a:buClr>
-                <a:srgbClr val="FF6600"/>
-              </a:buClr>
-              <a:buSzPct val="125000"/>
-            </a:pPr>
-            <a:r>
-              <a:rPr lang="ru-RU" dirty="0">
-                <a:solidFill>
-                  <a:schemeClr val="accent4"/>
-                </a:solidFill>
-              </a:rPr>
-              <a:t>Помните, что тесты пишутся для повышения качества кода и лучшего его понимания, а не для повышения показателей метрик!</a:t>
-            </a:r>
           </a:p>
         </p:txBody>
       </p:sp>
     </p:spTree>
     <p:extLst>
       <p:ext uri="{BB962C8B-B14F-4D97-AF65-F5344CB8AC3E}">
-        <p14:creationId xmlns:p14="http://schemas.microsoft.com/office/powerpoint/2010/main" val="597756076"/>
+        <p14:creationId xmlns:p14="http://schemas.microsoft.com/office/powerpoint/2010/main" val="2964007123"/>
       </p:ext>
     </p:extLst>
   </p:cSld>
   <p:clrMapOvr>
     <a:masterClrMapping/>
   </p:clrMapOvr>
+  <p:transition>
+    <p:zoom/>
+  </p:transition>
   <p:timing>
     <p:tnLst>
       <p:par>
-        <p:cTn xmlns:p14="http://schemas.microsoft.com/office/powerpoint/2010/main" id="1" dur="indefinite" restart="never" nodeType="tmRoot"/>
+        <p:cTn id="1" dur="indefinite" restart="never" nodeType="tmRoot"/>
       </p:par>
     </p:tnLst>
   </p:timing>
@@ -29315,7 +28360,7 @@
         <p:spPr bwMode="auto">
           <a:xfrm>
             <a:off x="2000878" y="2201198"/>
-            <a:ext cx="5023841" cy="2455605"/>
+            <a:ext cx="5023841" cy="2732604"/>
           </a:xfrm>
           <a:prstGeom prst="rect">
             <a:avLst/>
@@ -29348,7 +28393,7 @@
                   <a:schemeClr val="accent4"/>
                 </a:solidFill>
               </a:rPr>
-              <a:t>Одной из оценок качества системы тестов является полнота – величина той части функциональности системы, которая проверяется </a:t>
+              <a:t>Кроме того, это позволяет утверждать, что система не реализует никакой другой </a:t>
             </a:r>
             <a:r>
               <a:rPr lang="ru-RU" dirty="0" smtClean="0">
@@ -29356,7 +28401,7 @@
                   <a:schemeClr val="accent4"/>
                 </a:solidFill>
               </a:rPr>
-              <a:t>тестами</a:t>
+              <a:t>функциональности</a:t>
             </a:r>
             <a:endParaRPr lang="en-US" dirty="0" smtClean="0">
               <a:solidFill>
@@ -29394,7 +28439,7 @@
                   <a:schemeClr val="accent4"/>
                 </a:solidFill>
               </a:rPr>
-              <a:t>Полная система позволяет утверждать, что система реализует всю функциональность, указанную в требованиях</a:t>
+              <a:t>Степень покрытия программного кода тестами – важный количественный показатель, позволяющий оценить качество как системы тестов, так и тестируемой системы</a:t>
             </a:r>
           </a:p>
         </p:txBody>
@@ -29402,7 +28447,7 @@
     </p:spTree>
     <p:extLst>
       <p:ext uri="{BB962C8B-B14F-4D97-AF65-F5344CB8AC3E}">
-        <p14:creationId xmlns:p14="http://schemas.microsoft.com/office/powerpoint/2010/main" val="929437117"/>
+        <p14:creationId xmlns:p14="http://schemas.microsoft.com/office/powerpoint/2010/main" val="4117392220"/>
       </p:ext>
     </p:extLst>
   </p:cSld>
@@ -29412,7 +28457,7 @@
   <p:timing>
     <p:tnLst>
       <p:par>
-        <p:cTn xmlns:p14="http://schemas.microsoft.com/office/powerpoint/2010/main" id="1" dur="indefinite" restart="never" nodeType="tmRoot"/>
+        <p:cTn id="1" dur="indefinite" restart="never" nodeType="tmRoot"/>
       </p:par>
     </p:tnLst>
   </p:timing>
@@ -29438,74 +28483,6 @@
       </p:grpSpPr>
       <p:sp>
         <p:nvSpPr>
-          <p:cNvPr id="7" name="Text Placeholder 6"/>
-          <p:cNvSpPr>
-            <a:spLocks noGrp="1"/>
-          </p:cNvSpPr>
-          <p:nvPr>
-            <p:ph type="body" sz="quarter" idx="20"/>
-          </p:nvPr>
-        </p:nvSpPr>
-        <p:spPr>
-          <a:xfrm>
-            <a:off x="2127250" y="2432649"/>
-            <a:ext cx="6467476" cy="576293"/>
-          </a:xfrm>
-        </p:spPr>
-        <p:txBody>
-          <a:bodyPr/>
-          <a:lstStyle/>
-          <a:p>
-            <a:r>
-              <a:rPr lang="ru-RU" dirty="0" smtClean="0"/>
-              <a:t>Вопросы ?</a:t>
-            </a:r>
-            <a:endParaRPr lang="en-US" dirty="0"/>
-          </a:p>
-        </p:txBody>
-      </p:sp>
-    </p:spTree>
-    <p:extLst>
-      <p:ext uri="{BB962C8B-B14F-4D97-AF65-F5344CB8AC3E}">
-        <p14:creationId xmlns:p14="http://schemas.microsoft.com/office/powerpoint/2010/main" val="2964007123"/>
-      </p:ext>
-    </p:extLst>
-  </p:cSld>
-  <p:clrMapOvr>
-    <a:masterClrMapping/>
-  </p:clrMapOvr>
-  <p:transition xmlns:p14="http://schemas.microsoft.com/office/powerpoint/2010/main">
-    <p:zoom/>
-  </p:transition>
-  <p:timing>
-    <p:tnLst>
-      <p:par>
-        <p:cTn xmlns:p14="http://schemas.microsoft.com/office/powerpoint/2010/main" id="1" dur="indefinite" restart="never" nodeType="tmRoot"/>
-      </p:par>
-    </p:tnLst>
-  </p:timing>
-</p:sld>
-</file>
-
-<file path=ppt/slides/slide41.xml><?xml version="1.0" encoding="utf-8"?>
-<p:sld xmlns:a="http://schemas.openxmlformats.org/drawingml/2006/main" xmlns:r="http://schemas.openxmlformats.org/officeDocument/2006/relationships" xmlns:p="http://schemas.openxmlformats.org/presentationml/2006/main">
-  <p:cSld>
-    <p:spTree>
-      <p:nvGrpSpPr>
-        <p:cNvPr id="1" name=""/>
-        <p:cNvGrpSpPr/>
-        <p:nvPr/>
-      </p:nvGrpSpPr>
-      <p:grpSpPr>
-        <a:xfrm>
-          <a:off x="0" y="0"/>
-          <a:ext cx="0" cy="0"/>
-          <a:chOff x="0" y="0"/>
-          <a:chExt cx="0" cy="0"/>
-        </a:xfrm>
-      </p:grpSpPr>
-      <p:sp>
-        <p:nvSpPr>
           <p:cNvPr id="7" name="Subtitle 6"/>
           <p:cNvSpPr>
             <a:spLocks noGrp="1"/>
@@ -29698,7 +28675,7 @@
   <p:clrMapOvr>
     <a:masterClrMapping/>
   </p:clrMapOvr>
-  <p:transition xmlns:p14="http://schemas.microsoft.com/office/powerpoint/2010/main">
+  <p:transition>
     <p:zoom/>
   </p:transition>
 </p:sld>
@@ -29792,7 +28769,7 @@
                   <a:schemeClr val="accent4"/>
                 </a:solidFill>
               </a:rPr>
-              <a:t>Кроме того, это позволяет утверждать, что система не реализует никакой другой </a:t>
+              <a:t>Одним из наиболее часто используемых методов определения полноты системы тестов является определение отношения количества тест-требований, для которых существуют тесты, к общему количеству </a:t>
             </a:r>
             <a:r>
               <a:rPr lang="ru-RU" dirty="0" smtClean="0">
@@ -29800,7 +28777,7 @@
                   <a:schemeClr val="accent4"/>
                 </a:solidFill>
               </a:rPr>
-              <a:t>функциональности</a:t>
+              <a:t>тест-требований</a:t>
             </a:r>
             <a:endParaRPr lang="en-US" dirty="0" smtClean="0">
               <a:solidFill>
@@ -29838,7 +28815,7 @@
                   <a:schemeClr val="accent4"/>
                 </a:solidFill>
               </a:rPr>
-              <a:t>Степень покрытия программного кода тестами – важный количественный показатель, позволяющий оценить качество как системы тестов, так и тестируемой системы</a:t>
+              <a:t>В данном случае речь идет о покрытии тестовами тест-требований</a:t>
             </a:r>
           </a:p>
         </p:txBody>
@@ -29846,7 +28823,7 @@
     </p:spTree>
     <p:extLst>
       <p:ext uri="{BB962C8B-B14F-4D97-AF65-F5344CB8AC3E}">
-        <p14:creationId xmlns:p14="http://schemas.microsoft.com/office/powerpoint/2010/main" val="4117392220"/>
+        <p14:creationId xmlns:p14="http://schemas.microsoft.com/office/powerpoint/2010/main" val="3209034549"/>
       </p:ext>
     </p:extLst>
   </p:cSld>
@@ -29856,7 +28833,7 @@
   <p:timing>
     <p:tnLst>
       <p:par>
-        <p:cTn xmlns:p14="http://schemas.microsoft.com/office/powerpoint/2010/main" id="1" dur="indefinite" restart="never" nodeType="tmRoot"/>
+        <p:cTn id="1" dur="indefinite" restart="never" nodeType="tmRoot"/>
       </p:par>
     </p:tnLst>
   </p:timing>
@@ -29951,7 +28928,7 @@
                   <a:schemeClr val="accent4"/>
                 </a:solidFill>
               </a:rPr>
-              <a:t>Одним из наиболее часто используемых методов определения полноты системы тестов является определение отношения количества тест-требований, для которых существуют тесты, к общему количеству </a:t>
+              <a:t>В качестве единицы измерения степени покрытия здесь выступает процент тест-требований, для которых существуют </a:t>
             </a:r>
             <a:r>
               <a:rPr lang="ru-RU" dirty="0" smtClean="0">
@@ -29959,7 +28936,7 @@
                   <a:schemeClr val="accent4"/>
                 </a:solidFill>
               </a:rPr>
-              <a:t>тест-требований</a:t>
+              <a:t>тесты</a:t>
             </a:r>
             <a:endParaRPr lang="en-US" dirty="0" smtClean="0">
               <a:solidFill>
@@ -29997,7 +28974,7 @@
                   <a:schemeClr val="accent4"/>
                 </a:solidFill>
               </a:rPr>
-              <a:t>В данном случае речь идет о покрытии тестовами тест-требований</a:t>
+              <a:t>Покрытие требований позволяет оценить степень полноты системы тестов по отношению к функциональности системы, но не позволяет оценить полноту по отношению к ее программной реализации</a:t>
             </a:r>
           </a:p>
         </p:txBody>
@@ -30005,7 +28982,7 @@
     </p:spTree>
     <p:extLst>
       <p:ext uri="{BB962C8B-B14F-4D97-AF65-F5344CB8AC3E}">
-        <p14:creationId xmlns:p14="http://schemas.microsoft.com/office/powerpoint/2010/main" val="3209034549"/>
+        <p14:creationId xmlns:p14="http://schemas.microsoft.com/office/powerpoint/2010/main" val="428542202"/>
       </p:ext>
     </p:extLst>
   </p:cSld>
@@ -30015,7 +28992,7 @@
   <p:timing>
     <p:tnLst>
       <p:par>
-        <p:cTn xmlns:p14="http://schemas.microsoft.com/office/powerpoint/2010/main" id="1" dur="indefinite" restart="never" nodeType="tmRoot"/>
+        <p:cTn id="1" dur="indefinite" restart="never" nodeType="tmRoot"/>
       </p:par>
     </p:tnLst>
   </p:timing>
@@ -30110,7 +29087,7 @@
                   <a:schemeClr val="accent4"/>
                 </a:solidFill>
               </a:rPr>
-              <a:t>В качестве единицы измерения степени покрытия здесь выступает процент тест-требований, для которых существуют </a:t>
+              <a:t>Одна и та же функция может быть реализована при помощи совершенно различных алгоритмов, требующих разного подхода к организации </a:t>
             </a:r>
             <a:r>
               <a:rPr lang="ru-RU" dirty="0" smtClean="0">
@@ -30118,7 +29095,7 @@
                   <a:schemeClr val="accent4"/>
                 </a:solidFill>
               </a:rPr>
-              <a:t>тесты</a:t>
+              <a:t>тестирования</a:t>
             </a:r>
             <a:endParaRPr lang="en-US" dirty="0" smtClean="0">
               <a:solidFill>
@@ -30156,7 +29133,7 @@
                   <a:schemeClr val="accent4"/>
                 </a:solidFill>
               </a:rPr>
-              <a:t>Покрытие требований позволяет оценить степень полноты системы тестов по отношению к функциональности системы, но не позволяет оценить полноту по отношению к ее программной реализации</a:t>
+              <a:t>Для более детальной оценки полноты системы тестов анализируется покрытие программного кода, называемое также структурным покрытием</a:t>
             </a:r>
           </a:p>
         </p:txBody>
@@ -30164,7 +29141,7 @@
     </p:spTree>
     <p:extLst>
       <p:ext uri="{BB962C8B-B14F-4D97-AF65-F5344CB8AC3E}">
-        <p14:creationId xmlns:p14="http://schemas.microsoft.com/office/powerpoint/2010/main" val="428542202"/>
+        <p14:creationId xmlns:p14="http://schemas.microsoft.com/office/powerpoint/2010/main" val="132942501"/>
       </p:ext>
     </p:extLst>
   </p:cSld>
@@ -30174,7 +29151,7 @@
   <p:timing>
     <p:tnLst>
       <p:par>
-        <p:cTn xmlns:p14="http://schemas.microsoft.com/office/powerpoint/2010/main" id="1" dur="indefinite" restart="never" nodeType="tmRoot"/>
+        <p:cTn id="1" dur="indefinite" restart="never" nodeType="tmRoot"/>
       </p:par>
     </p:tnLst>
   </p:timing>
@@ -30214,8 +29191,8 @@
           <a:lstStyle/>
           <a:p>
             <a:r>
-              <a:rPr lang="en-US" dirty="0" smtClean="0"/>
-              <a:t>Code Coverage</a:t>
+              <a:rPr lang="ru-RU" dirty="0"/>
+              <a:t>Уровни покрытия кода</a:t>
             </a:r>
             <a:endParaRPr lang="en-US" dirty="0"/>
           </a:p>
@@ -30235,7 +29212,58 @@
         </p:nvSpPr>
         <p:spPr bwMode="auto">
           <a:xfrm>
-            <a:off x="2000878" y="2201198"/>
+            <a:off x="2000877" y="1676400"/>
+            <a:ext cx="5023841" cy="793611"/>
+          </a:xfrm>
+          <a:prstGeom prst="rect">
+            <a:avLst/>
+          </a:prstGeom>
+          <a:noFill/>
+          <a:ln w="19050">
+            <a:noFill/>
+            <a:miter lim="800000"/>
+            <a:headEnd/>
+            <a:tailEnd/>
+          </a:ln>
+        </p:spPr>
+        <p:txBody>
+          <a:bodyPr wrap="square" lIns="93296" tIns="144000" rIns="93296" bIns="93296">
+            <a:spAutoFit/>
+          </a:bodyPr>
+          <a:lstStyle/>
+          <a:p>
+            <a:pPr defTabSz="803275">
+              <a:buClr>
+                <a:srgbClr val="FF6600"/>
+              </a:buClr>
+              <a:buSzPct val="125000"/>
+            </a:pPr>
+            <a:r>
+              <a:rPr lang="ru-RU" dirty="0">
+                <a:solidFill>
+                  <a:schemeClr val="accent4"/>
+                </a:solidFill>
+              </a:rPr>
+              <a:t>Существует несколько различных способов измерения покрытия, основные из них:</a:t>
+            </a:r>
+          </a:p>
+        </p:txBody>
+      </p:sp>
+      <p:sp>
+        <p:nvSpPr>
+          <p:cNvPr id="4" name="Rectangle 3"/>
+          <p:cNvSpPr>
+            <a:spLocks noChangeArrowheads="1"/>
+          </p:cNvSpPr>
+          <p:nvPr>
+            <p:custDataLst>
+              <p:tags r:id="rId2"/>
+            </p:custDataLst>
+          </p:nvPr>
+        </p:nvSpPr>
+        <p:spPr bwMode="auto">
+          <a:xfrm>
+            <a:off x="2142392" y="2750403"/>
             <a:ext cx="5023841" cy="2732604"/>
           </a:xfrm>
           <a:prstGeom prst="rect">
@@ -30269,7 +29297,7 @@
                   <a:schemeClr val="accent4"/>
                 </a:solidFill>
               </a:rPr>
-              <a:t>Одна и та же функция может быть реализована при помощи совершенно различных алгоритмов, требующих разного подхода к организации </a:t>
+              <a:t>покрытие </a:t>
             </a:r>
             <a:r>
               <a:rPr lang="ru-RU" dirty="0" smtClean="0">
@@ -30277,7 +29305,7 @@
                   <a:schemeClr val="accent4"/>
                 </a:solidFill>
               </a:rPr>
-              <a:t>тестирования</a:t>
+              <a:t>операторов</a:t>
             </a:r>
             <a:endParaRPr lang="en-US" dirty="0" smtClean="0">
               <a:solidFill>
@@ -30315,7 +29343,145 @@
                   <a:schemeClr val="accent4"/>
                 </a:solidFill>
               </a:rPr>
-              <a:t>Для более детальной оценки полноты системы тестов анализируется покрытие программного кода, называемое также структурным покрытием</a:t>
+              <a:t>покрытие </a:t>
+            </a:r>
+            <a:r>
+              <a:rPr lang="ru-RU" dirty="0" smtClean="0">
+                <a:solidFill>
+                  <a:schemeClr val="accent4"/>
+                </a:solidFill>
+              </a:rPr>
+              <a:t>условий</a:t>
+            </a:r>
+            <a:endParaRPr lang="en-US" dirty="0" smtClean="0">
+              <a:solidFill>
+                <a:schemeClr val="accent4"/>
+              </a:solidFill>
+            </a:endParaRPr>
+          </a:p>
+          <a:p>
+            <a:pPr marL="287338" indent="-287338" defTabSz="803275">
+              <a:buClr>
+                <a:srgbClr val="FF6600"/>
+              </a:buClr>
+              <a:buSzPct val="125000"/>
+              <a:buFont typeface="Wingdings" charset="0"/>
+              <a:buChar char="§"/>
+            </a:pPr>
+            <a:endParaRPr lang="ru-RU" dirty="0">
+              <a:solidFill>
+                <a:schemeClr val="accent4"/>
+              </a:solidFill>
+            </a:endParaRPr>
+          </a:p>
+          <a:p>
+            <a:pPr marL="287338" indent="-287338" defTabSz="803275">
+              <a:buClr>
+                <a:srgbClr val="FF6600"/>
+              </a:buClr>
+              <a:buSzPct val="125000"/>
+              <a:buFont typeface="Wingdings" charset="0"/>
+              <a:buChar char="§"/>
+            </a:pPr>
+            <a:r>
+              <a:rPr lang="ru-RU" dirty="0">
+                <a:solidFill>
+                  <a:schemeClr val="accent4"/>
+                </a:solidFill>
+              </a:rPr>
+              <a:t>покрытие </a:t>
+            </a:r>
+            <a:r>
+              <a:rPr lang="ru-RU" dirty="0" smtClean="0">
+                <a:solidFill>
+                  <a:schemeClr val="accent4"/>
+                </a:solidFill>
+              </a:rPr>
+              <a:t>путей</a:t>
+            </a:r>
+            <a:endParaRPr lang="en-US" dirty="0" smtClean="0">
+              <a:solidFill>
+                <a:schemeClr val="accent4"/>
+              </a:solidFill>
+            </a:endParaRPr>
+          </a:p>
+          <a:p>
+            <a:pPr marL="287338" indent="-287338" defTabSz="803275">
+              <a:buClr>
+                <a:srgbClr val="FF6600"/>
+              </a:buClr>
+              <a:buSzPct val="125000"/>
+              <a:buFont typeface="Wingdings" charset="0"/>
+              <a:buChar char="§"/>
+            </a:pPr>
+            <a:endParaRPr lang="ru-RU" dirty="0">
+              <a:solidFill>
+                <a:schemeClr val="accent4"/>
+              </a:solidFill>
+            </a:endParaRPr>
+          </a:p>
+          <a:p>
+            <a:pPr marL="287338" indent="-287338" defTabSz="803275">
+              <a:buClr>
+                <a:srgbClr val="FF6600"/>
+              </a:buClr>
+              <a:buSzPct val="125000"/>
+              <a:buFont typeface="Wingdings" charset="0"/>
+              <a:buChar char="§"/>
+            </a:pPr>
+            <a:r>
+              <a:rPr lang="ru-RU" dirty="0">
+                <a:solidFill>
+                  <a:schemeClr val="accent4"/>
+                </a:solidFill>
+              </a:rPr>
+              <a:t>покрытие </a:t>
+            </a:r>
+            <a:r>
+              <a:rPr lang="ru-RU" dirty="0" smtClean="0">
+                <a:solidFill>
+                  <a:schemeClr val="accent4"/>
+                </a:solidFill>
+              </a:rPr>
+              <a:t>функций</a:t>
+            </a:r>
+            <a:endParaRPr lang="en-US" dirty="0" smtClean="0">
+              <a:solidFill>
+                <a:schemeClr val="accent4"/>
+              </a:solidFill>
+            </a:endParaRPr>
+          </a:p>
+          <a:p>
+            <a:pPr marL="287338" indent="-287338" defTabSz="803275">
+              <a:buClr>
+                <a:srgbClr val="FF6600"/>
+              </a:buClr>
+              <a:buSzPct val="125000"/>
+              <a:buFont typeface="Wingdings" charset="0"/>
+              <a:buChar char="§"/>
+            </a:pPr>
+            <a:endParaRPr lang="ru-RU" dirty="0">
+              <a:solidFill>
+                <a:schemeClr val="accent4"/>
+              </a:solidFill>
+            </a:endParaRPr>
+          </a:p>
+          <a:p>
+            <a:pPr marL="287338" indent="-287338" defTabSz="803275">
+              <a:buClr>
+                <a:srgbClr val="FF6600"/>
+              </a:buClr>
+              <a:buSzPct val="125000"/>
+              <a:buFont typeface="Wingdings" charset="0"/>
+              <a:buChar char="§"/>
+            </a:pPr>
+            <a:r>
+              <a:rPr lang="ru-RU" dirty="0">
+                <a:solidFill>
+                  <a:schemeClr val="accent4"/>
+                </a:solidFill>
+              </a:rPr>
+              <a:t>покрытие вход/выход</a:t>
             </a:r>
           </a:p>
         </p:txBody>
@@ -30323,7 +29489,7 @@
     </p:spTree>
     <p:extLst>
       <p:ext uri="{BB962C8B-B14F-4D97-AF65-F5344CB8AC3E}">
-        <p14:creationId xmlns:p14="http://schemas.microsoft.com/office/powerpoint/2010/main" val="132942501"/>
+        <p14:creationId xmlns:p14="http://schemas.microsoft.com/office/powerpoint/2010/main" val="550834387"/>
       </p:ext>
     </p:extLst>
   </p:cSld>
@@ -30333,7 +29499,7 @@
   <p:timing>
     <p:tnLst>
       <p:par>
-        <p:cTn xmlns:p14="http://schemas.microsoft.com/office/powerpoint/2010/main" id="1" dur="indefinite" restart="never" nodeType="tmRoot"/>
+        <p:cTn id="1" dur="indefinite" restart="never" nodeType="tmRoot"/>
       </p:par>
     </p:tnLst>
   </p:timing>
@@ -30374,7 +29540,7 @@
           <a:p>
             <a:r>
               <a:rPr lang="ru-RU" dirty="0"/>
-              <a:t>Уровни покрытия кода</a:t>
+              <a:t>Покрытие операторов</a:t>
             </a:r>
             <a:endParaRPr lang="en-US" dirty="0"/>
           </a:p>
@@ -30394,8 +29560,8 @@
         </p:nvSpPr>
         <p:spPr bwMode="auto">
           <a:xfrm>
-            <a:off x="2000877" y="1676400"/>
-            <a:ext cx="5023841" cy="793611"/>
+            <a:off x="2000878" y="1785700"/>
+            <a:ext cx="5023841" cy="3286601"/>
           </a:xfrm>
           <a:prstGeom prst="rect">
             <a:avLst/>
@@ -30414,57 +29580,6 @@
           </a:bodyPr>
           <a:lstStyle/>
           <a:p>
-            <a:pPr defTabSz="803275">
-              <a:buClr>
-                <a:srgbClr val="FF6600"/>
-              </a:buClr>
-              <a:buSzPct val="125000"/>
-            </a:pPr>
-            <a:r>
-              <a:rPr lang="ru-RU" dirty="0">
-                <a:solidFill>
-                  <a:schemeClr val="accent4"/>
-                </a:solidFill>
-              </a:rPr>
-              <a:t>Существует несколько различных способов измерения покрытия, основные из них:</a:t>
-            </a:r>
-          </a:p>
-        </p:txBody>
-      </p:sp>
-      <p:sp>
-        <p:nvSpPr>
-          <p:cNvPr id="4" name="Rectangle 3"/>
-          <p:cNvSpPr>
-            <a:spLocks noChangeArrowheads="1"/>
-          </p:cNvSpPr>
-          <p:nvPr>
-            <p:custDataLst>
-              <p:tags r:id="rId2"/>
-            </p:custDataLst>
-          </p:nvPr>
-        </p:nvSpPr>
-        <p:spPr bwMode="auto">
-          <a:xfrm>
-            <a:off x="2142392" y="2750403"/>
-            <a:ext cx="5023841" cy="2732604"/>
-          </a:xfrm>
-          <a:prstGeom prst="rect">
-            <a:avLst/>
-          </a:prstGeom>
-          <a:noFill/>
-          <a:ln w="19050">
-            <a:noFill/>
-            <a:miter lim="800000"/>
-            <a:headEnd/>
-            <a:tailEnd/>
-          </a:ln>
-        </p:spPr>
-        <p:txBody>
-          <a:bodyPr wrap="square" lIns="93296" tIns="144000" rIns="93296" bIns="93296">
-            <a:spAutoFit/>
-          </a:bodyPr>
-          <a:lstStyle/>
-          <a:p>
             <a:pPr marL="287338" indent="-287338" defTabSz="803275">
               <a:buClr>
                 <a:srgbClr val="FF6600"/>
@@ -30479,7 +29594,7 @@
                   <a:schemeClr val="accent4"/>
                 </a:solidFill>
               </a:rPr>
-              <a:t>покрытие </a:t>
+              <a:t>Для обеспечения полного покрытия программного кода на уровне операторов необходимо, чтобы в результате выполнения тестов каждый оператор был выполнен хотя бы один </a:t>
             </a:r>
             <a:r>
               <a:rPr lang="ru-RU" dirty="0" smtClean="0">
@@ -30487,7 +29602,7 @@
                   <a:schemeClr val="accent4"/>
                 </a:solidFill>
               </a:rPr>
-              <a:t>операторов</a:t>
+              <a:t>раз</a:t>
             </a:r>
             <a:endParaRPr lang="en-US" dirty="0" smtClean="0">
               <a:solidFill>
@@ -30525,145 +29640,7 @@
                   <a:schemeClr val="accent4"/>
                 </a:solidFill>
               </a:rPr>
-              <a:t>покрытие </a:t>
-            </a:r>
-            <a:r>
-              <a:rPr lang="ru-RU" dirty="0" smtClean="0">
-                <a:solidFill>
-                  <a:schemeClr val="accent4"/>
-                </a:solidFill>
-              </a:rPr>
-              <a:t>условий</a:t>
-            </a:r>
-            <a:endParaRPr lang="en-US" dirty="0" smtClean="0">
-              <a:solidFill>
-                <a:schemeClr val="accent4"/>
-              </a:solidFill>
-            </a:endParaRPr>
-          </a:p>
-          <a:p>
-            <a:pPr marL="287338" indent="-287338" defTabSz="803275">
-              <a:buClr>
-                <a:srgbClr val="FF6600"/>
-              </a:buClr>
-              <a:buSzPct val="125000"/>
-              <a:buFont typeface="Wingdings" charset="0"/>
-              <a:buChar char="§"/>
-            </a:pPr>
-            <a:endParaRPr lang="ru-RU" dirty="0">
-              <a:solidFill>
-                <a:schemeClr val="accent4"/>
-              </a:solidFill>
-            </a:endParaRPr>
-          </a:p>
-          <a:p>
-            <a:pPr marL="287338" indent="-287338" defTabSz="803275">
-              <a:buClr>
-                <a:srgbClr val="FF6600"/>
-              </a:buClr>
-              <a:buSzPct val="125000"/>
-              <a:buFont typeface="Wingdings" charset="0"/>
-              <a:buChar char="§"/>
-            </a:pPr>
-            <a:r>
-              <a:rPr lang="ru-RU" dirty="0">
-                <a:solidFill>
-                  <a:schemeClr val="accent4"/>
-                </a:solidFill>
-              </a:rPr>
-              <a:t>покрытие </a:t>
-            </a:r>
-            <a:r>
-              <a:rPr lang="ru-RU" dirty="0" smtClean="0">
-                <a:solidFill>
-                  <a:schemeClr val="accent4"/>
-                </a:solidFill>
-              </a:rPr>
-              <a:t>путей</a:t>
-            </a:r>
-            <a:endParaRPr lang="en-US" dirty="0" smtClean="0">
-              <a:solidFill>
-                <a:schemeClr val="accent4"/>
-              </a:solidFill>
-            </a:endParaRPr>
-          </a:p>
-          <a:p>
-            <a:pPr marL="287338" indent="-287338" defTabSz="803275">
-              <a:buClr>
-                <a:srgbClr val="FF6600"/>
-              </a:buClr>
-              <a:buSzPct val="125000"/>
-              <a:buFont typeface="Wingdings" charset="0"/>
-              <a:buChar char="§"/>
-            </a:pPr>
-            <a:endParaRPr lang="ru-RU" dirty="0">
-              <a:solidFill>
-                <a:schemeClr val="accent4"/>
-              </a:solidFill>
-            </a:endParaRPr>
-          </a:p>
-          <a:p>
-            <a:pPr marL="287338" indent="-287338" defTabSz="803275">
-              <a:buClr>
-                <a:srgbClr val="FF6600"/>
-              </a:buClr>
-              <a:buSzPct val="125000"/>
-              <a:buFont typeface="Wingdings" charset="0"/>
-              <a:buChar char="§"/>
-            </a:pPr>
-            <a:r>
-              <a:rPr lang="ru-RU" dirty="0">
-                <a:solidFill>
-                  <a:schemeClr val="accent4"/>
-                </a:solidFill>
-              </a:rPr>
-              <a:t>покрытие </a:t>
-            </a:r>
-            <a:r>
-              <a:rPr lang="ru-RU" dirty="0" smtClean="0">
-                <a:solidFill>
-                  <a:schemeClr val="accent4"/>
-                </a:solidFill>
-              </a:rPr>
-              <a:t>функций</a:t>
-            </a:r>
-            <a:endParaRPr lang="en-US" dirty="0" smtClean="0">
-              <a:solidFill>
-                <a:schemeClr val="accent4"/>
-              </a:solidFill>
-            </a:endParaRPr>
-          </a:p>
-          <a:p>
-            <a:pPr marL="287338" indent="-287338" defTabSz="803275">
-              <a:buClr>
-                <a:srgbClr val="FF6600"/>
-              </a:buClr>
-              <a:buSzPct val="125000"/>
-              <a:buFont typeface="Wingdings" charset="0"/>
-              <a:buChar char="§"/>
-            </a:pPr>
-            <a:endParaRPr lang="ru-RU" dirty="0">
-              <a:solidFill>
-                <a:schemeClr val="accent4"/>
-              </a:solidFill>
-            </a:endParaRPr>
-          </a:p>
-          <a:p>
-            <a:pPr marL="287338" indent="-287338" defTabSz="803275">
-              <a:buClr>
-                <a:srgbClr val="FF6600"/>
-              </a:buClr>
-              <a:buSzPct val="125000"/>
-              <a:buFont typeface="Wingdings" charset="0"/>
-              <a:buChar char="§"/>
-            </a:pPr>
-            <a:r>
-              <a:rPr lang="ru-RU" dirty="0">
-                <a:solidFill>
-                  <a:schemeClr val="accent4"/>
-                </a:solidFill>
-              </a:rPr>
-              <a:t>покрытие вход/выход</a:t>
+              <a:t>Перед началом тестирования необходимо выделить переменные, от которых зависит выполнение различных ветвей условий и циклов в коде – управляющие входные переменные</a:t>
             </a:r>
           </a:p>
         </p:txBody>
@@ -30671,7 +29648,7 @@
     </p:spTree>
     <p:extLst>
       <p:ext uri="{BB962C8B-B14F-4D97-AF65-F5344CB8AC3E}">
-        <p14:creationId xmlns:p14="http://schemas.microsoft.com/office/powerpoint/2010/main" val="550834387"/>
+        <p14:creationId xmlns:p14="http://schemas.microsoft.com/office/powerpoint/2010/main" val="4186064061"/>
       </p:ext>
     </p:extLst>
   </p:cSld>
@@ -30681,7 +29658,7 @@
   <p:timing>
     <p:tnLst>
       <p:par>
-        <p:cTn xmlns:p14="http://schemas.microsoft.com/office/powerpoint/2010/main" id="1" dur="indefinite" restart="never" nodeType="tmRoot"/>
+        <p:cTn id="1" dur="indefinite" restart="never" nodeType="tmRoot"/>
       </p:par>
     </p:tnLst>
   </p:timing>

--- a/Test Driven Development/materials/pptx/3. TDD-Code-Coverage.pptx
+++ b/Test Driven Development/materials/pptx/3. TDD-Code-Coverage.pptx
@@ -233,7 +233,7 @@
           <a:p>
             <a:fld id="{B946ECE3-FD69-FE4C-B5B3-E9526994F809}" type="datetimeFigureOut">
               <a:rPr lang="en-US" smtClean="0"/>
-              <a:t>12/7/2012</a:t>
+              <a:t>12/16/12</a:t>
             </a:fld>
             <a:endParaRPr lang="en-US"/>
           </a:p>
@@ -3807,7 +3807,7 @@
           <a:p>
             <a:fld id="{7793EDCB-5B64-3143-AFED-AA1357A092FA}" type="datetimeFigureOut">
               <a:rPr lang="en-US" smtClean="0"/>
-              <a:t>12/7/2012</a:t>
+              <a:t>12/16/12</a:t>
             </a:fld>
             <a:endParaRPr lang="en-US"/>
           </a:p>
@@ -3977,7 +3977,7 @@
           <a:p>
             <a:fld id="{7793EDCB-5B64-3143-AFED-AA1357A092FA}" type="datetimeFigureOut">
               <a:rPr lang="en-US" smtClean="0"/>
-              <a:t>12/7/2012</a:t>
+              <a:t>12/16/12</a:t>
             </a:fld>
             <a:endParaRPr lang="en-US"/>
           </a:p>
@@ -4157,7 +4157,7 @@
           <a:p>
             <a:fld id="{7793EDCB-5B64-3143-AFED-AA1357A092FA}" type="datetimeFigureOut">
               <a:rPr lang="en-US" smtClean="0"/>
-              <a:t>12/7/2012</a:t>
+              <a:t>12/16/12</a:t>
             </a:fld>
             <a:endParaRPr lang="en-US"/>
           </a:p>
@@ -4269,14 +4269,14 @@
             <a:noFill/>
           </a:ln>
           <a:extLst>
-            <a:ext uri="{909E8E84-426E-40DD-AFC4-6F175D3DCCD1}">
+            <a:ext uri="{909E8E84-426E-40dd-AFC4-6F175D3DCCD1}">
               <a14:hiddenFill xmlns:a14="http://schemas.microsoft.com/office/drawing/2010/main">
                 <a:solidFill>
                   <a:srgbClr val="FFFFFF"/>
                 </a:solidFill>
               </a14:hiddenFill>
             </a:ext>
-            <a:ext uri="{91240B29-F687-4F45-9708-019B960494DF}">
+            <a:ext uri="{91240B29-F687-4f45-9708-019B960494DF}">
               <a14:hiddenLine xmlns:a14="http://schemas.microsoft.com/office/drawing/2010/main" w="9525">
                 <a:solidFill>
                   <a:srgbClr val="000000"/>
@@ -4323,14 +4323,14 @@
             <a:noFill/>
           </a:ln>
           <a:extLst>
-            <a:ext uri="{909E8E84-426E-40DD-AFC4-6F175D3DCCD1}">
+            <a:ext uri="{909E8E84-426E-40dd-AFC4-6F175D3DCCD1}">
               <a14:hiddenFill xmlns:a14="http://schemas.microsoft.com/office/drawing/2010/main">
                 <a:solidFill>
                   <a:srgbClr val="FFFFFF"/>
                 </a:solidFill>
               </a14:hiddenFill>
             </a:ext>
-            <a:ext uri="{91240B29-F687-4F45-9708-019B960494DF}">
+            <a:ext uri="{91240B29-F687-4f45-9708-019B960494DF}">
               <a14:hiddenLine xmlns:a14="http://schemas.microsoft.com/office/drawing/2010/main" w="9525">
                 <a:solidFill>
                   <a:srgbClr val="000000"/>
@@ -4425,7 +4425,7 @@
   <p:clrMapOvr>
     <a:masterClrMapping/>
   </p:clrMapOvr>
-  <p:transition spd="slow">
+  <p:transition xmlns:p14="http://schemas.microsoft.com/office/powerpoint/2010/main" spd="slow">
     <p:fade/>
   </p:transition>
 </p:sldLayout>
@@ -4654,7 +4654,7 @@
   <p:clrMapOvr>
     <a:masterClrMapping/>
   </p:clrMapOvr>
-  <p:transition spd="slow">
+  <p:transition xmlns:p14="http://schemas.microsoft.com/office/powerpoint/2010/main" spd="slow">
     <p:fade/>
   </p:transition>
 </p:sldLayout>
@@ -4896,7 +4896,7 @@
   <p:clrMapOvr>
     <a:masterClrMapping/>
   </p:clrMapOvr>
-  <p:transition spd="slow">
+  <p:transition xmlns:p14="http://schemas.microsoft.com/office/powerpoint/2010/main" spd="slow">
     <p:fade/>
   </p:transition>
 </p:sldLayout>
@@ -5310,7 +5310,7 @@
   <p:clrMapOvr>
     <a:masterClrMapping/>
   </p:clrMapOvr>
-  <p:transition spd="slow">
+  <p:transition xmlns:p14="http://schemas.microsoft.com/office/powerpoint/2010/main" spd="slow">
     <p:fade/>
   </p:transition>
 </p:sldLayout>
@@ -5680,7 +5680,7 @@
   <p:clrMapOvr>
     <a:masterClrMapping/>
   </p:clrMapOvr>
-  <p:transition spd="slow">
+  <p:transition xmlns:p14="http://schemas.microsoft.com/office/powerpoint/2010/main" spd="slow">
     <p:fade/>
   </p:transition>
 </p:sldLayout>
@@ -6350,7 +6350,7 @@
   <p:clrMapOvr>
     <a:masterClrMapping/>
   </p:clrMapOvr>
-  <p:transition spd="slow">
+  <p:transition xmlns:p14="http://schemas.microsoft.com/office/powerpoint/2010/main" spd="slow">
     <p:fade/>
   </p:transition>
 </p:sldLayout>
@@ -6675,7 +6675,7 @@
   <p:clrMapOvr>
     <a:masterClrMapping/>
   </p:clrMapOvr>
-  <p:transition spd="slow">
+  <p:transition xmlns:p14="http://schemas.microsoft.com/office/powerpoint/2010/main" spd="slow">
     <p:fade/>
   </p:transition>
 </p:sldLayout>
@@ -7085,7 +7085,7 @@
   <p:clrMapOvr>
     <a:masterClrMapping/>
   </p:clrMapOvr>
-  <p:transition spd="slow">
+  <p:transition xmlns:p14="http://schemas.microsoft.com/office/powerpoint/2010/main" spd="slow">
     <p:fade/>
   </p:transition>
 </p:sldLayout>
@@ -7200,7 +7200,7 @@
           <a:p>
             <a:fld id="{7793EDCB-5B64-3143-AFED-AA1357A092FA}" type="datetimeFigureOut">
               <a:rPr lang="en-US" smtClean="0"/>
-              <a:t>12/7/2012</a:t>
+              <a:t>12/16/12</a:t>
             </a:fld>
             <a:endParaRPr lang="en-US"/>
           </a:p>
@@ -7580,7 +7580,7 @@
   <p:clrMapOvr>
     <a:masterClrMapping/>
   </p:clrMapOvr>
-  <p:transition spd="slow">
+  <p:transition xmlns:p14="http://schemas.microsoft.com/office/powerpoint/2010/main" spd="slow">
     <p:fade/>
   </p:transition>
 </p:sldLayout>
@@ -7990,7 +7990,7 @@
   <p:clrMapOvr>
     <a:masterClrMapping/>
   </p:clrMapOvr>
-  <p:transition spd="slow">
+  <p:transition xmlns:p14="http://schemas.microsoft.com/office/powerpoint/2010/main" spd="slow">
     <p:fade/>
   </p:transition>
 </p:sldLayout>
@@ -8315,7 +8315,7 @@
   <p:clrMapOvr>
     <a:masterClrMapping/>
   </p:clrMapOvr>
-  <p:transition spd="slow">
+  <p:transition xmlns:p14="http://schemas.microsoft.com/office/powerpoint/2010/main" spd="slow">
     <p:fade/>
   </p:transition>
 </p:sldLayout>
@@ -8640,7 +8640,7 @@
   <p:clrMapOvr>
     <a:masterClrMapping/>
   </p:clrMapOvr>
-  <p:transition spd="slow">
+  <p:transition xmlns:p14="http://schemas.microsoft.com/office/powerpoint/2010/main" spd="slow">
     <p:fade/>
   </p:transition>
 </p:sldLayout>
@@ -9050,7 +9050,7 @@
   <p:clrMapOvr>
     <a:masterClrMapping/>
   </p:clrMapOvr>
-  <p:transition spd="slow">
+  <p:transition xmlns:p14="http://schemas.microsoft.com/office/powerpoint/2010/main" spd="slow">
     <p:fade/>
   </p:transition>
 </p:sldLayout>
@@ -9460,7 +9460,7 @@
   <p:clrMapOvr>
     <a:masterClrMapping/>
   </p:clrMapOvr>
-  <p:transition spd="slow">
+  <p:transition xmlns:p14="http://schemas.microsoft.com/office/powerpoint/2010/main" spd="slow">
     <p:fade/>
   </p:transition>
 </p:sldLayout>
@@ -9652,7 +9652,7 @@
   <p:clrMapOvr>
     <a:masterClrMapping/>
   </p:clrMapOvr>
-  <p:transition spd="slow">
+  <p:transition xmlns:p14="http://schemas.microsoft.com/office/powerpoint/2010/main" spd="slow">
     <p:fade/>
   </p:transition>
 </p:sldLayout>
@@ -9738,7 +9738,7 @@
   <p:clrMapOvr>
     <a:masterClrMapping/>
   </p:clrMapOvr>
-  <p:transition spd="slow">
+  <p:transition xmlns:p14="http://schemas.microsoft.com/office/powerpoint/2010/main" spd="slow">
     <p:fade/>
   </p:transition>
 </p:sldLayout>
@@ -9892,7 +9892,7 @@
                   <a:spcPct val="0"/>
                 </a:spcAft>
               </a:pPr>
-              <a:t>07.12.2012</a:t>
+              <a:t>12/16/12</a:t>
             </a:fld>
             <a:endParaRPr lang="ru-RU">
               <a:solidFill>
@@ -10062,7 +10062,7 @@
   <p:clrMapOvr>
     <a:masterClrMapping/>
   </p:clrMapOvr>
-  <p:transition spd="slow">
+  <p:transition xmlns:p14="http://schemas.microsoft.com/office/powerpoint/2010/main" spd="slow">
     <p:fade/>
   </p:transition>
 </p:sldLayout>
@@ -10253,7 +10253,7 @@
           <a:p>
             <a:fld id="{7793EDCB-5B64-3143-AFED-AA1357A092FA}" type="datetimeFigureOut">
               <a:rPr lang="en-US" smtClean="0"/>
-              <a:t>12/7/2012</a:t>
+              <a:t>12/16/12</a:t>
             </a:fld>
             <a:endParaRPr lang="en-US"/>
           </a:p>
@@ -10496,14 +10496,14 @@
             <a:noFill/>
           </a:ln>
           <a:extLst>
-            <a:ext uri="{909E8E84-426E-40DD-AFC4-6F175D3DCCD1}">
+            <a:ext uri="{909E8E84-426E-40dd-AFC4-6F175D3DCCD1}">
               <a14:hiddenFill xmlns:a14="http://schemas.microsoft.com/office/drawing/2010/main">
                 <a:solidFill>
                   <a:srgbClr val="FFFFFF"/>
                 </a:solidFill>
               </a14:hiddenFill>
             </a:ext>
-            <a:ext uri="{91240B29-F687-4F45-9708-019B960494DF}">
+            <a:ext uri="{91240B29-F687-4f45-9708-019B960494DF}">
               <a14:hiddenLine xmlns:a14="http://schemas.microsoft.com/office/drawing/2010/main" w="9525">
                 <a:solidFill>
                   <a:srgbClr val="000000"/>
@@ -10639,14 +10639,14 @@
             <a:noFill/>
           </a:ln>
           <a:extLst>
-            <a:ext uri="{909E8E84-426E-40DD-AFC4-6F175D3DCCD1}">
+            <a:ext uri="{909E8E84-426E-40dd-AFC4-6F175D3DCCD1}">
               <a14:hiddenFill xmlns:a14="http://schemas.microsoft.com/office/drawing/2010/main">
                 <a:solidFill>
                   <a:srgbClr val="FFFFFF"/>
                 </a:solidFill>
               </a14:hiddenFill>
             </a:ext>
-            <a:ext uri="{91240B29-F687-4F45-9708-019B960494DF}">
+            <a:ext uri="{91240B29-F687-4f45-9708-019B960494DF}">
               <a14:hiddenLine xmlns:a14="http://schemas.microsoft.com/office/drawing/2010/main" w="9525">
                 <a:solidFill>
                   <a:srgbClr val="000000"/>
@@ -10693,14 +10693,14 @@
             <a:noFill/>
           </a:ln>
           <a:extLst>
-            <a:ext uri="{909E8E84-426E-40DD-AFC4-6F175D3DCCD1}">
+            <a:ext uri="{909E8E84-426E-40dd-AFC4-6F175D3DCCD1}">
               <a14:hiddenFill xmlns:a14="http://schemas.microsoft.com/office/drawing/2010/main">
                 <a:solidFill>
                   <a:srgbClr val="FFFFFF"/>
                 </a:solidFill>
               </a14:hiddenFill>
             </a:ext>
-            <a:ext uri="{91240B29-F687-4F45-9708-019B960494DF}">
+            <a:ext uri="{91240B29-F687-4f45-9708-019B960494DF}">
               <a14:hiddenLine xmlns:a14="http://schemas.microsoft.com/office/drawing/2010/main" w="9525">
                 <a:solidFill>
                   <a:srgbClr val="000000"/>
@@ -10969,7 +10969,7 @@
   <p:clrMapOvr>
     <a:masterClrMapping/>
   </p:clrMapOvr>
-  <p:transition>
+  <p:transition xmlns:p14="http://schemas.microsoft.com/office/powerpoint/2010/main">
     <p:zoom/>
   </p:transition>
 </p:sldLayout>
@@ -11198,7 +11198,7 @@
   <p:clrMapOvr>
     <a:masterClrMapping/>
   </p:clrMapOvr>
-  <p:transition spd="slow">
+  <p:transition xmlns:p14="http://schemas.microsoft.com/office/powerpoint/2010/main" spd="slow">
     <p:fade/>
   </p:transition>
 </p:sldLayout>
@@ -11255,14 +11255,14 @@
             <a:noFill/>
           </a:ln>
           <a:extLst>
-            <a:ext uri="{909E8E84-426E-40DD-AFC4-6F175D3DCCD1}">
+            <a:ext uri="{909E8E84-426E-40dd-AFC4-6F175D3DCCD1}">
               <a14:hiddenFill xmlns:a14="http://schemas.microsoft.com/office/drawing/2010/main">
                 <a:solidFill>
                   <a:srgbClr val="FFFFFF"/>
                 </a:solidFill>
               </a14:hiddenFill>
             </a:ext>
-            <a:ext uri="{91240B29-F687-4F45-9708-019B960494DF}">
+            <a:ext uri="{91240B29-F687-4f45-9708-019B960494DF}">
               <a14:hiddenLine xmlns:a14="http://schemas.microsoft.com/office/drawing/2010/main" w="9525">
                 <a:solidFill>
                   <a:srgbClr val="000000"/>
@@ -11398,14 +11398,14 @@
             <a:noFill/>
           </a:ln>
           <a:extLst>
-            <a:ext uri="{909E8E84-426E-40DD-AFC4-6F175D3DCCD1}">
+            <a:ext uri="{909E8E84-426E-40dd-AFC4-6F175D3DCCD1}">
               <a14:hiddenFill xmlns:a14="http://schemas.microsoft.com/office/drawing/2010/main">
                 <a:solidFill>
                   <a:srgbClr val="FFFFFF"/>
                 </a:solidFill>
               </a14:hiddenFill>
             </a:ext>
-            <a:ext uri="{91240B29-F687-4F45-9708-019B960494DF}">
+            <a:ext uri="{91240B29-F687-4f45-9708-019B960494DF}">
               <a14:hiddenLine xmlns:a14="http://schemas.microsoft.com/office/drawing/2010/main" w="9525">
                 <a:solidFill>
                   <a:srgbClr val="000000"/>
@@ -11452,14 +11452,14 @@
             <a:noFill/>
           </a:ln>
           <a:extLst>
-            <a:ext uri="{909E8E84-426E-40DD-AFC4-6F175D3DCCD1}">
+            <a:ext uri="{909E8E84-426E-40dd-AFC4-6F175D3DCCD1}">
               <a14:hiddenFill xmlns:a14="http://schemas.microsoft.com/office/drawing/2010/main">
                 <a:solidFill>
                   <a:srgbClr val="FFFFFF"/>
                 </a:solidFill>
               </a14:hiddenFill>
             </a:ext>
-            <a:ext uri="{91240B29-F687-4F45-9708-019B960494DF}">
+            <a:ext uri="{91240B29-F687-4f45-9708-019B960494DF}">
               <a14:hiddenLine xmlns:a14="http://schemas.microsoft.com/office/drawing/2010/main" w="9525">
                 <a:solidFill>
                   <a:srgbClr val="000000"/>
@@ -11728,7 +11728,7 @@
   <p:clrMapOvr>
     <a:masterClrMapping/>
   </p:clrMapOvr>
-  <p:transition>
+  <p:transition xmlns:p14="http://schemas.microsoft.com/office/powerpoint/2010/main">
     <p:zoom/>
   </p:transition>
 </p:sldLayout>
@@ -11785,14 +11785,14 @@
             <a:noFill/>
           </a:ln>
           <a:extLst>
-            <a:ext uri="{909E8E84-426E-40DD-AFC4-6F175D3DCCD1}">
+            <a:ext uri="{909E8E84-426E-40dd-AFC4-6F175D3DCCD1}">
               <a14:hiddenFill xmlns:a14="http://schemas.microsoft.com/office/drawing/2010/main">
                 <a:solidFill>
                   <a:srgbClr val="FFFFFF"/>
                 </a:solidFill>
               </a14:hiddenFill>
             </a:ext>
-            <a:ext uri="{91240B29-F687-4F45-9708-019B960494DF}">
+            <a:ext uri="{91240B29-F687-4f45-9708-019B960494DF}">
               <a14:hiddenLine xmlns:a14="http://schemas.microsoft.com/office/drawing/2010/main" w="9525">
                 <a:solidFill>
                   <a:srgbClr val="000000"/>
@@ -11928,14 +11928,14 @@
             <a:noFill/>
           </a:ln>
           <a:extLst>
-            <a:ext uri="{909E8E84-426E-40DD-AFC4-6F175D3DCCD1}">
+            <a:ext uri="{909E8E84-426E-40dd-AFC4-6F175D3DCCD1}">
               <a14:hiddenFill xmlns:a14="http://schemas.microsoft.com/office/drawing/2010/main">
                 <a:solidFill>
                   <a:srgbClr val="FFFFFF"/>
                 </a:solidFill>
               </a14:hiddenFill>
             </a:ext>
-            <a:ext uri="{91240B29-F687-4F45-9708-019B960494DF}">
+            <a:ext uri="{91240B29-F687-4f45-9708-019B960494DF}">
               <a14:hiddenLine xmlns:a14="http://schemas.microsoft.com/office/drawing/2010/main" w="9525">
                 <a:solidFill>
                   <a:srgbClr val="000000"/>
@@ -11982,14 +11982,14 @@
             <a:noFill/>
           </a:ln>
           <a:extLst>
-            <a:ext uri="{909E8E84-426E-40DD-AFC4-6F175D3DCCD1}">
+            <a:ext uri="{909E8E84-426E-40dd-AFC4-6F175D3DCCD1}">
               <a14:hiddenFill xmlns:a14="http://schemas.microsoft.com/office/drawing/2010/main">
                 <a:solidFill>
                   <a:srgbClr val="FFFFFF"/>
                 </a:solidFill>
               </a14:hiddenFill>
             </a:ext>
-            <a:ext uri="{91240B29-F687-4F45-9708-019B960494DF}">
+            <a:ext uri="{91240B29-F687-4f45-9708-019B960494DF}">
               <a14:hiddenLine xmlns:a14="http://schemas.microsoft.com/office/drawing/2010/main" w="9525">
                 <a:solidFill>
                   <a:srgbClr val="000000"/>
@@ -12258,7 +12258,7 @@
   <p:clrMapOvr>
     <a:masterClrMapping/>
   </p:clrMapOvr>
-  <p:transition>
+  <p:transition xmlns:p14="http://schemas.microsoft.com/office/powerpoint/2010/main">
     <p:zoom/>
   </p:transition>
   <p:hf hdr="0" ftr="0" dt="0"/>
@@ -12370,14 +12370,14 @@
             <a:noFill/>
           </a:ln>
           <a:extLst>
-            <a:ext uri="{909E8E84-426E-40DD-AFC4-6F175D3DCCD1}">
+            <a:ext uri="{909E8E84-426E-40dd-AFC4-6F175D3DCCD1}">
               <a14:hiddenFill xmlns:a14="http://schemas.microsoft.com/office/drawing/2010/main">
                 <a:solidFill>
                   <a:srgbClr val="FFFFFF"/>
                 </a:solidFill>
               </a14:hiddenFill>
             </a:ext>
-            <a:ext uri="{91240B29-F687-4F45-9708-019B960494DF}">
+            <a:ext uri="{91240B29-F687-4f45-9708-019B960494DF}">
               <a14:hiddenLine xmlns:a14="http://schemas.microsoft.com/office/drawing/2010/main" w="9525">
                 <a:solidFill>
                   <a:srgbClr val="000000"/>
@@ -12424,14 +12424,14 @@
             <a:noFill/>
           </a:ln>
           <a:extLst>
-            <a:ext uri="{909E8E84-426E-40DD-AFC4-6F175D3DCCD1}">
+            <a:ext uri="{909E8E84-426E-40dd-AFC4-6F175D3DCCD1}">
               <a14:hiddenFill xmlns:a14="http://schemas.microsoft.com/office/drawing/2010/main">
                 <a:solidFill>
                   <a:srgbClr val="FFFFFF"/>
                 </a:solidFill>
               </a14:hiddenFill>
             </a:ext>
-            <a:ext uri="{91240B29-F687-4F45-9708-019B960494DF}">
+            <a:ext uri="{91240B29-F687-4f45-9708-019B960494DF}">
               <a14:hiddenLine xmlns:a14="http://schemas.microsoft.com/office/drawing/2010/main" w="9525">
                 <a:solidFill>
                   <a:srgbClr val="000000"/>
@@ -12535,14 +12535,14 @@
             <a:noFill/>
           </a:ln>
           <a:extLst>
-            <a:ext uri="{909E8E84-426E-40DD-AFC4-6F175D3DCCD1}">
+            <a:ext uri="{909E8E84-426E-40dd-AFC4-6F175D3DCCD1}">
               <a14:hiddenFill xmlns:a14="http://schemas.microsoft.com/office/drawing/2010/main">
                 <a:solidFill>
                   <a:srgbClr val="FFFFFF"/>
                 </a:solidFill>
               </a14:hiddenFill>
             </a:ext>
-            <a:ext uri="{91240B29-F687-4F45-9708-019B960494DF}">
+            <a:ext uri="{91240B29-F687-4f45-9708-019B960494DF}">
               <a14:hiddenLine xmlns:a14="http://schemas.microsoft.com/office/drawing/2010/main" w="9525">
                 <a:solidFill>
                   <a:srgbClr val="000000"/>
@@ -12654,7 +12654,7 @@
   <p:clrMapOvr>
     <a:masterClrMapping/>
   </p:clrMapOvr>
-  <p:transition>
+  <p:transition xmlns:p14="http://schemas.microsoft.com/office/powerpoint/2010/main">
     <p:zoom/>
   </p:transition>
   <p:hf hdr="0" ftr="0" dt="0"/>
@@ -12768,7 +12768,7 @@
   <p:clrMapOvr>
     <a:masterClrMapping/>
   </p:clrMapOvr>
-  <p:transition>
+  <p:transition xmlns:p14="http://schemas.microsoft.com/office/powerpoint/2010/main">
     <p:zoom/>
   </p:transition>
   <p:hf hdr="0" ftr="0" dt="0"/>
@@ -14045,7 +14045,7 @@
   <p:clrMapOvr>
     <a:masterClrMapping/>
   </p:clrMapOvr>
-  <p:transition>
+  <p:transition xmlns:p14="http://schemas.microsoft.com/office/powerpoint/2010/main">
     <p:zoom/>
   </p:transition>
   <p:hf hdr="0" ftr="0" dt="0"/>
@@ -14846,7 +14846,7 @@
   <p:clrMapOvr>
     <a:masterClrMapping/>
   </p:clrMapOvr>
-  <p:transition>
+  <p:transition xmlns:p14="http://schemas.microsoft.com/office/powerpoint/2010/main">
     <p:zoom/>
   </p:transition>
   <p:hf hdr="0" ftr="0" dt="0"/>
@@ -14989,7 +14989,7 @@
   <p:clrMapOvr>
     <a:masterClrMapping/>
   </p:clrMapOvr>
-  <p:transition>
+  <p:transition xmlns:p14="http://schemas.microsoft.com/office/powerpoint/2010/main">
     <p:zoom/>
   </p:transition>
   <p:hf hdr="0" ftr="0" dt="0"/>
@@ -15223,7 +15223,7 @@
           <a:p>
             <a:fld id="{7793EDCB-5B64-3143-AFED-AA1357A092FA}" type="datetimeFigureOut">
               <a:rPr lang="en-US" smtClean="0"/>
-              <a:t>12/7/2012</a:t>
+              <a:t>12/16/12</a:t>
             </a:fld>
             <a:endParaRPr lang="en-US"/>
           </a:p>
@@ -15430,7 +15430,7 @@
   <p:clrMapOvr>
     <a:masterClrMapping/>
   </p:clrMapOvr>
-  <p:transition>
+  <p:transition xmlns:p14="http://schemas.microsoft.com/office/powerpoint/2010/main">
     <p:zoom/>
   </p:transition>
   <p:hf hdr="0" ftr="0" dt="0"/>
@@ -15581,7 +15581,7 @@
   <p:clrMapOvr>
     <a:masterClrMapping/>
   </p:clrMapOvr>
-  <p:transition>
+  <p:transition xmlns:p14="http://schemas.microsoft.com/office/powerpoint/2010/main">
     <p:zoom/>
   </p:transition>
   <p:hf hdr="0" ftr="0" dt="0"/>
@@ -15639,14 +15639,14 @@
             <a:noFill/>
           </a:ln>
           <a:extLst>
-            <a:ext uri="{909E8E84-426E-40DD-AFC4-6F175D3DCCD1}">
+            <a:ext uri="{909E8E84-426E-40dd-AFC4-6F175D3DCCD1}">
               <a14:hiddenFill xmlns:a14="http://schemas.microsoft.com/office/drawing/2010/main">
                 <a:solidFill>
                   <a:srgbClr val="FFFFFF"/>
                 </a:solidFill>
               </a14:hiddenFill>
             </a:ext>
-            <a:ext uri="{91240B29-F687-4F45-9708-019B960494DF}">
+            <a:ext uri="{91240B29-F687-4f45-9708-019B960494DF}">
               <a14:hiddenLine xmlns:a14="http://schemas.microsoft.com/office/drawing/2010/main" w="9525">
                 <a:solidFill>
                   <a:srgbClr val="000000"/>
@@ -15749,14 +15749,14 @@
             <a:noFill/>
           </a:ln>
           <a:extLst>
-            <a:ext uri="{909E8E84-426E-40DD-AFC4-6F175D3DCCD1}">
+            <a:ext uri="{909E8E84-426E-40dd-AFC4-6F175D3DCCD1}">
               <a14:hiddenFill xmlns:a14="http://schemas.microsoft.com/office/drawing/2010/main">
                 <a:solidFill>
                   <a:srgbClr val="FFFFFF"/>
                 </a:solidFill>
               </a14:hiddenFill>
             </a:ext>
-            <a:ext uri="{91240B29-F687-4F45-9708-019B960494DF}">
+            <a:ext uri="{91240B29-F687-4f45-9708-019B960494DF}">
               <a14:hiddenLine xmlns:a14="http://schemas.microsoft.com/office/drawing/2010/main" w="9525">
                 <a:solidFill>
                   <a:srgbClr val="000000"/>
@@ -15803,14 +15803,14 @@
             <a:noFill/>
           </a:ln>
           <a:extLst>
-            <a:ext uri="{909E8E84-426E-40DD-AFC4-6F175D3DCCD1}">
+            <a:ext uri="{909E8E84-426E-40dd-AFC4-6F175D3DCCD1}">
               <a14:hiddenFill xmlns:a14="http://schemas.microsoft.com/office/drawing/2010/main">
                 <a:solidFill>
                   <a:srgbClr val="FFFFFF"/>
                 </a:solidFill>
               </a14:hiddenFill>
             </a:ext>
-            <a:ext uri="{91240B29-F687-4F45-9708-019B960494DF}">
+            <a:ext uri="{91240B29-F687-4f45-9708-019B960494DF}">
               <a14:hiddenLine xmlns:a14="http://schemas.microsoft.com/office/drawing/2010/main" w="9525">
                 <a:solidFill>
                   <a:srgbClr val="000000"/>
@@ -16113,7 +16113,7 @@
   <p:clrMapOvr>
     <a:masterClrMapping/>
   </p:clrMapOvr>
-  <p:transition>
+  <p:transition xmlns:p14="http://schemas.microsoft.com/office/powerpoint/2010/main">
     <p:zoom/>
   </p:transition>
   <p:hf hdr="0" ftr="0" dt="0"/>
@@ -16343,7 +16343,7 @@
   <p:clrMapOvr>
     <a:masterClrMapping/>
   </p:clrMapOvr>
-  <p:transition spd="slow">
+  <p:transition xmlns:p14="http://schemas.microsoft.com/office/powerpoint/2010/main" spd="slow">
     <p:fade/>
   </p:transition>
 </p:sldLayout>
@@ -16841,7 +16841,7 @@
           <a:p>
             <a:fld id="{7793EDCB-5B64-3143-AFED-AA1357A092FA}" type="datetimeFigureOut">
               <a:rPr lang="en-US" smtClean="0"/>
-              <a:t>12/7/2012</a:t>
+              <a:t>12/16/12</a:t>
             </a:fld>
             <a:endParaRPr lang="en-US"/>
           </a:p>
@@ -16959,7 +16959,7 @@
           <a:p>
             <a:fld id="{7793EDCB-5B64-3143-AFED-AA1357A092FA}" type="datetimeFigureOut">
               <a:rPr lang="en-US" smtClean="0"/>
-              <a:t>12/7/2012</a:t>
+              <a:t>12/16/12</a:t>
             </a:fld>
             <a:endParaRPr lang="en-US"/>
           </a:p>
@@ -17054,7 +17054,7 @@
           <a:p>
             <a:fld id="{7793EDCB-5B64-3143-AFED-AA1357A092FA}" type="datetimeFigureOut">
               <a:rPr lang="en-US" smtClean="0"/>
-              <a:t>12/7/2012</a:t>
+              <a:t>12/16/12</a:t>
             </a:fld>
             <a:endParaRPr lang="en-US"/>
           </a:p>
@@ -17331,7 +17331,7 @@
           <a:p>
             <a:fld id="{7793EDCB-5B64-3143-AFED-AA1357A092FA}" type="datetimeFigureOut">
               <a:rPr lang="en-US" smtClean="0"/>
-              <a:t>12/7/2012</a:t>
+              <a:t>12/16/12</a:t>
             </a:fld>
             <a:endParaRPr lang="en-US"/>
           </a:p>
@@ -17584,7 +17584,7 @@
           <a:p>
             <a:fld id="{7793EDCB-5B64-3143-AFED-AA1357A092FA}" type="datetimeFigureOut">
               <a:rPr lang="en-US" smtClean="0"/>
-              <a:t>12/7/2012</a:t>
+              <a:t>12/16/12</a:t>
             </a:fld>
             <a:endParaRPr lang="en-US"/>
           </a:p>
@@ -17797,7 +17797,7 @@
           <a:p>
             <a:fld id="{7793EDCB-5B64-3143-AFED-AA1357A092FA}" type="datetimeFigureOut">
               <a:rPr lang="en-US" smtClean="0"/>
-              <a:t>12/7/2012</a:t>
+              <a:t>12/16/12</a:t>
             </a:fld>
             <a:endParaRPr lang="en-US"/>
           </a:p>
@@ -18214,14 +18214,14 @@
             <a:noFill/>
           </a:ln>
           <a:extLst>
-            <a:ext uri="{909E8E84-426E-40DD-AFC4-6F175D3DCCD1}">
+            <a:ext uri="{909E8E84-426E-40dd-AFC4-6F175D3DCCD1}">
               <a14:hiddenFill xmlns:a14="http://schemas.microsoft.com/office/drawing/2010/main">
                 <a:solidFill>
                   <a:srgbClr val="FFFFFF"/>
                 </a:solidFill>
               </a14:hiddenFill>
             </a:ext>
-            <a:ext uri="{91240B29-F687-4F45-9708-019B960494DF}">
+            <a:ext uri="{91240B29-F687-4f45-9708-019B960494DF}">
               <a14:hiddenLine xmlns:a14="http://schemas.microsoft.com/office/drawing/2010/main" w="9525">
                 <a:solidFill>
                   <a:srgbClr val="000000"/>
@@ -18257,14 +18257,14 @@
             <a:noFill/>
           </a:ln>
           <a:extLst>
-            <a:ext uri="{909E8E84-426E-40DD-AFC4-6F175D3DCCD1}">
+            <a:ext uri="{909E8E84-426E-40dd-AFC4-6F175D3DCCD1}">
               <a14:hiddenFill xmlns:a14="http://schemas.microsoft.com/office/drawing/2010/main">
                 <a:solidFill>
                   <a:srgbClr val="FFFFFF"/>
                 </a:solidFill>
               </a14:hiddenFill>
             </a:ext>
-            <a:ext uri="{91240B29-F687-4F45-9708-019B960494DF}">
+            <a:ext uri="{91240B29-F687-4f45-9708-019B960494DF}">
               <a14:hiddenLine xmlns:a14="http://schemas.microsoft.com/office/drawing/2010/main" w="9525">
                 <a:solidFill>
                   <a:srgbClr val="000000"/>
@@ -18275,7 +18275,7 @@
               </a14:hiddenLine>
             </a:ext>
             <a:ext uri="{FAA26D3D-D897-4be2-8F04-BA451C77F1D7}">
-              <ma14:placeholderFlag xmlns:ma14="http://schemas.microsoft.com/office/mac/drawingml/2011/main" xmlns="" val="1"/>
+              <ma14:placeholderFlag xmlns:ma14="http://schemas.microsoft.com/office/mac/drawingml/2011/main" val="1"/>
             </a:ext>
           </a:extLst>
         </p:spPr>
@@ -18318,14 +18318,14 @@
             <a:noFill/>
           </a:ln>
           <a:extLst>
-            <a:ext uri="{909E8E84-426E-40DD-AFC4-6F175D3DCCD1}">
+            <a:ext uri="{909E8E84-426E-40dd-AFC4-6F175D3DCCD1}">
               <a14:hiddenFill xmlns:a14="http://schemas.microsoft.com/office/drawing/2010/main">
                 <a:solidFill>
                   <a:srgbClr val="FFFFFF"/>
                 </a:solidFill>
               </a14:hiddenFill>
             </a:ext>
-            <a:ext uri="{91240B29-F687-4F45-9708-019B960494DF}">
+            <a:ext uri="{91240B29-F687-4f45-9708-019B960494DF}">
               <a14:hiddenLine xmlns:a14="http://schemas.microsoft.com/office/drawing/2010/main" w="9525">
                 <a:solidFill>
                   <a:srgbClr val="000000"/>
@@ -18336,7 +18336,7 @@
               </a14:hiddenLine>
             </a:ext>
             <a:ext uri="{FAA26D3D-D897-4be2-8F04-BA451C77F1D7}">
-              <ma14:placeholderFlag xmlns:ma14="http://schemas.microsoft.com/office/mac/drawingml/2011/main" xmlns="" val="1"/>
+              <ma14:placeholderFlag xmlns:ma14="http://schemas.microsoft.com/office/mac/drawingml/2011/main" val="1"/>
             </a:ext>
           </a:extLst>
         </p:spPr>
@@ -18418,14 +18418,14 @@
             <a:noFill/>
           </a:ln>
           <a:extLst>
-            <a:ext uri="{909E8E84-426E-40DD-AFC4-6F175D3DCCD1}">
+            <a:ext uri="{909E8E84-426E-40dd-AFC4-6F175D3DCCD1}">
               <a14:hiddenFill xmlns:a14="http://schemas.microsoft.com/office/drawing/2010/main">
                 <a:solidFill>
                   <a:srgbClr val="FFFFFF"/>
                 </a:solidFill>
               </a14:hiddenFill>
             </a:ext>
-            <a:ext uri="{91240B29-F687-4F45-9708-019B960494DF}">
+            <a:ext uri="{91240B29-F687-4f45-9708-019B960494DF}">
               <a14:hiddenLine xmlns:a14="http://schemas.microsoft.com/office/drawing/2010/main" w="9525">
                 <a:solidFill>
                   <a:srgbClr val="000000"/>
@@ -18651,14 +18651,14 @@
             <a:noFill/>
           </a:ln>
           <a:extLst>
-            <a:ext uri="{909E8E84-426E-40DD-AFC4-6F175D3DCCD1}">
+            <a:ext uri="{909E8E84-426E-40dd-AFC4-6F175D3DCCD1}">
               <a14:hiddenFill xmlns:a14="http://schemas.microsoft.com/office/drawing/2010/main">
                 <a:solidFill>
                   <a:srgbClr val="FFFFFF"/>
                 </a:solidFill>
               </a14:hiddenFill>
             </a:ext>
-            <a:ext uri="{91240B29-F687-4F45-9708-019B960494DF}">
+            <a:ext uri="{91240B29-F687-4f45-9708-019B960494DF}">
               <a14:hiddenLine xmlns:a14="http://schemas.microsoft.com/office/drawing/2010/main" w="9525">
                 <a:solidFill>
                   <a:srgbClr val="000000"/>
@@ -18702,7 +18702,7 @@
     <p:sldLayoutId id="2147483681" r:id="rId20"/>
     <p:sldLayoutId id="2147483693" r:id="rId21"/>
   </p:sldLayoutIdLst>
-  <p:transition spd="slow">
+  <p:transition xmlns:p14="http://schemas.microsoft.com/office/powerpoint/2010/main" spd="slow">
     <p:fade/>
   </p:transition>
   <p:hf hdr="0" ftr="0" dt="0"/>
@@ -19244,14 +19244,14 @@
             <a:noFill/>
           </a:ln>
           <a:extLst>
-            <a:ext uri="{909E8E84-426E-40DD-AFC4-6F175D3DCCD1}">
+            <a:ext uri="{909E8E84-426E-40dd-AFC4-6F175D3DCCD1}">
               <a14:hiddenFill xmlns:a14="http://schemas.microsoft.com/office/drawing/2010/main">
                 <a:solidFill>
                   <a:srgbClr val="FFFFFF"/>
                 </a:solidFill>
               </a14:hiddenFill>
             </a:ext>
-            <a:ext uri="{91240B29-F687-4F45-9708-019B960494DF}">
+            <a:ext uri="{91240B29-F687-4f45-9708-019B960494DF}">
               <a14:hiddenLine xmlns:a14="http://schemas.microsoft.com/office/drawing/2010/main" w="9525">
                 <a:solidFill>
                   <a:srgbClr val="000000"/>
@@ -19262,7 +19262,7 @@
               </a14:hiddenLine>
             </a:ext>
             <a:ext uri="{FAA26D3D-D897-4be2-8F04-BA451C77F1D7}">
-              <ma14:placeholderFlag xmlns:ma14="http://schemas.microsoft.com/office/mac/drawingml/2011/main" xmlns="" val="1"/>
+              <ma14:placeholderFlag xmlns:ma14="http://schemas.microsoft.com/office/mac/drawingml/2011/main" val="1"/>
             </a:ext>
           </a:extLst>
         </p:spPr>
@@ -19483,14 +19483,14 @@
             <a:noFill/>
           </a:ln>
           <a:extLst>
-            <a:ext uri="{909E8E84-426E-40DD-AFC4-6F175D3DCCD1}">
+            <a:ext uri="{909E8E84-426E-40dd-AFC4-6F175D3DCCD1}">
               <a14:hiddenFill xmlns:a14="http://schemas.microsoft.com/office/drawing/2010/main">
                 <a:solidFill>
                   <a:srgbClr val="FFFFFF"/>
                 </a:solidFill>
               </a14:hiddenFill>
             </a:ext>
-            <a:ext uri="{91240B29-F687-4F45-9708-019B960494DF}">
+            <a:ext uri="{91240B29-F687-4f45-9708-019B960494DF}">
               <a14:hiddenLine xmlns:a14="http://schemas.microsoft.com/office/drawing/2010/main" w="9525">
                 <a:solidFill>
                   <a:srgbClr val="000000"/>
@@ -19652,14 +19652,14 @@
             <a:noFill/>
           </a:ln>
           <a:extLst>
-            <a:ext uri="{909E8E84-426E-40DD-AFC4-6F175D3DCCD1}">
+            <a:ext uri="{909E8E84-426E-40dd-AFC4-6F175D3DCCD1}">
               <a14:hiddenFill xmlns:a14="http://schemas.microsoft.com/office/drawing/2010/main">
                 <a:solidFill>
                   <a:srgbClr val="FFFFFF"/>
                 </a:solidFill>
               </a14:hiddenFill>
             </a:ext>
-            <a:ext uri="{91240B29-F687-4F45-9708-019B960494DF}">
+            <a:ext uri="{91240B29-F687-4f45-9708-019B960494DF}">
               <a14:hiddenLine xmlns:a14="http://schemas.microsoft.com/office/drawing/2010/main" w="9525">
                 <a:solidFill>
                   <a:srgbClr val="000000"/>
@@ -19670,7 +19670,7 @@
               </a14:hiddenLine>
             </a:ext>
             <a:ext uri="{FAA26D3D-D897-4be2-8F04-BA451C77F1D7}">
-              <ma14:placeholderFlag xmlns:ma14="http://schemas.microsoft.com/office/mac/drawingml/2011/main" xmlns="" val="1"/>
+              <ma14:placeholderFlag xmlns:ma14="http://schemas.microsoft.com/office/mac/drawingml/2011/main" val="1"/>
             </a:ext>
           </a:extLst>
         </p:spPr>
@@ -19904,14 +19904,14 @@
             <a:noFill/>
           </a:ln>
           <a:extLst>
-            <a:ext uri="{909E8E84-426E-40DD-AFC4-6F175D3DCCD1}">
+            <a:ext uri="{909E8E84-426E-40dd-AFC4-6F175D3DCCD1}">
               <a14:hiddenFill xmlns:a14="http://schemas.microsoft.com/office/drawing/2010/main">
                 <a:solidFill>
                   <a:srgbClr val="FFFFFF"/>
                 </a:solidFill>
               </a14:hiddenFill>
             </a:ext>
-            <a:ext uri="{91240B29-F687-4F45-9708-019B960494DF}">
+            <a:ext uri="{91240B29-F687-4f45-9708-019B960494DF}">
               <a14:hiddenLine xmlns:a14="http://schemas.microsoft.com/office/drawing/2010/main" w="9525">
                 <a:solidFill>
                   <a:srgbClr val="000000"/>
@@ -19941,13 +19941,13 @@
     <p:sldLayoutId id="2147483705" r:id="rId11"/>
     <p:sldLayoutId id="2147483706" r:id="rId12"/>
   </p:sldLayoutIdLst>
-  <p:transition spd="slow">
+  <p:transition xmlns:p14="http://schemas.microsoft.com/office/powerpoint/2010/main" spd="slow">
     <p:fade/>
   </p:transition>
   <p:timing>
     <p:tnLst>
       <p:par>
-        <p:cTn id="1" dur="indefinite" restart="never" nodeType="tmRoot"/>
+        <p:cTn xmlns:p14="http://schemas.microsoft.com/office/powerpoint/2010/main" id="1" dur="indefinite" restart="never" nodeType="tmRoot"/>
       </p:par>
     </p:tnLst>
   </p:timing>
@@ -20448,13 +20448,13 @@
   <p:clrMapOvr>
     <a:masterClrMapping/>
   </p:clrMapOvr>
-  <p:transition>
+  <p:transition xmlns:p14="http://schemas.microsoft.com/office/powerpoint/2010/main">
     <p:zoom/>
   </p:transition>
   <p:timing>
     <p:tnLst>
       <p:par>
-        <p:cTn id="1" dur="indefinite" restart="never" nodeType="tmRoot"/>
+        <p:cTn xmlns:p14="http://schemas.microsoft.com/office/powerpoint/2010/main" id="1" dur="indefinite" restart="never" nodeType="tmRoot"/>
       </p:par>
     </p:tnLst>
   </p:timing>
@@ -20503,59 +20503,510 @@
       </p:sp>
       <p:sp>
         <p:nvSpPr>
-          <p:cNvPr id="5" name="Rectangle 4"/>
-          <p:cNvSpPr>
-            <a:spLocks noChangeArrowheads="1"/>
-          </p:cNvSpPr>
-          <p:nvPr>
-            <p:custDataLst>
-              <p:tags r:id="rId1"/>
-            </p:custDataLst>
-          </p:nvPr>
-        </p:nvSpPr>
-        <p:spPr bwMode="auto">
+          <p:cNvPr id="4" name="Rectangle 3"/>
+          <p:cNvSpPr/>
+          <p:nvPr/>
+        </p:nvSpPr>
+        <p:spPr>
           <a:xfrm>
-            <a:off x="2000878" y="1785700"/>
-            <a:ext cx="5023841" cy="516612"/>
+            <a:off x="380999" y="1371600"/>
+            <a:ext cx="8534401" cy="2246769"/>
           </a:xfrm>
           <a:prstGeom prst="rect">
             <a:avLst/>
           </a:prstGeom>
-          <a:noFill/>
-          <a:ln w="19050">
-            <a:noFill/>
-            <a:miter lim="800000"/>
-            <a:headEnd/>
-            <a:tailEnd/>
-          </a:ln>
         </p:spPr>
         <p:txBody>
-          <a:bodyPr wrap="square" lIns="93296" tIns="144000" rIns="93296" bIns="93296">
+          <a:bodyPr wrap="square">
             <a:spAutoFit/>
           </a:bodyPr>
           <a:lstStyle/>
           <a:p>
-            <a:pPr marL="287338" indent="-287338" defTabSz="803275">
-              <a:buClr>
-                <a:srgbClr val="FF6600"/>
-              </a:buClr>
-              <a:buSzPct val="125000"/>
-              <a:buFont typeface="Wingdings" charset="0"/>
-              <a:buChar char="§"/>
-            </a:pPr>
-            <a:r>
-              <a:rPr lang="en-US" dirty="0" smtClean="0">
-                <a:solidFill>
-                  <a:schemeClr val="accent4"/>
-                </a:solidFill>
+            <a:r>
+              <a:rPr lang="en-US" sz="1400" b="1" dirty="0">
+                <a:solidFill>
+                  <a:srgbClr val="000080"/>
+                </a:solidFill>
+                <a:latin typeface="Menlo"/>
               </a:rPr>
-              <a:t>Code</a:t>
-            </a:r>
-            <a:endParaRPr lang="ru-RU" dirty="0">
-              <a:solidFill>
-                <a:schemeClr val="accent4"/>
-              </a:solidFill>
-            </a:endParaRPr>
+              <a:t>if</a:t>
+            </a:r>
+            <a:r>
+              <a:rPr lang="en-US" sz="1400" dirty="0">
+                <a:solidFill>
+                  <a:srgbClr val="000080"/>
+                </a:solidFill>
+                <a:latin typeface="Menlo"/>
+              </a:rPr>
+              <a:t> </a:t>
+            </a:r>
+            <a:r>
+              <a:rPr lang="en-US" sz="1400" dirty="0">
+                <a:solidFill>
+                  <a:srgbClr val="000000"/>
+                </a:solidFill>
+                <a:latin typeface="Menlo"/>
+              </a:rPr>
+              <a:t>(</a:t>
+            </a:r>
+            <a:r>
+              <a:rPr lang="en-US" sz="1400" dirty="0" err="1">
+                <a:solidFill>
+                  <a:srgbClr val="000000"/>
+                </a:solidFill>
+                <a:latin typeface="Menlo"/>
+              </a:rPr>
+              <a:t>i</a:t>
+            </a:r>
+            <a:r>
+              <a:rPr lang="en-US" sz="1400" dirty="0">
+                <a:solidFill>
+                  <a:srgbClr val="000000"/>
+                </a:solidFill>
+                <a:latin typeface="Menlo"/>
+              </a:rPr>
+              <a:t> == </a:t>
+            </a:r>
+            <a:r>
+              <a:rPr lang="en-US" sz="1400" dirty="0">
+                <a:solidFill>
+                  <a:srgbClr val="0000FF"/>
+                </a:solidFill>
+                <a:latin typeface="Menlo"/>
+              </a:rPr>
+              <a:t>0 </a:t>
+            </a:r>
+            <a:r>
+              <a:rPr lang="en-US" sz="1400" dirty="0">
+                <a:solidFill>
+                  <a:srgbClr val="000000"/>
+                </a:solidFill>
+                <a:latin typeface="Menlo"/>
+              </a:rPr>
+              <a:t>|| </a:t>
+            </a:r>
+            <a:r>
+              <a:rPr lang="en-US" sz="1400" dirty="0" err="1">
+                <a:solidFill>
+                  <a:srgbClr val="000000"/>
+                </a:solidFill>
+                <a:latin typeface="Menlo"/>
+              </a:rPr>
+              <a:t>i</a:t>
+            </a:r>
+            <a:r>
+              <a:rPr lang="en-US" sz="1400" dirty="0">
+                <a:solidFill>
+                  <a:srgbClr val="000000"/>
+                </a:solidFill>
+                <a:latin typeface="Menlo"/>
+              </a:rPr>
+              <a:t> == </a:t>
+            </a:r>
+            <a:r>
+              <a:rPr lang="en-US" sz="1400" dirty="0">
+                <a:solidFill>
+                  <a:srgbClr val="0000FF"/>
+                </a:solidFill>
+                <a:latin typeface="Menlo"/>
+              </a:rPr>
+              <a:t>101</a:t>
+            </a:r>
+            <a:r>
+              <a:rPr lang="en-US" sz="1400" dirty="0">
+                <a:solidFill>
+                  <a:srgbClr val="000000"/>
+                </a:solidFill>
+                <a:latin typeface="Menlo"/>
+              </a:rPr>
+              <a:t>) {</a:t>
+            </a:r>
+          </a:p>
+          <a:p>
+            <a:r>
+              <a:rPr lang="en-US" sz="1400" dirty="0">
+                <a:latin typeface="Menlo"/>
+              </a:rPr>
+              <a:t>    </a:t>
+            </a:r>
+            <a:r>
+              <a:rPr lang="en-US" sz="1400" b="1" dirty="0">
+                <a:solidFill>
+                  <a:srgbClr val="000080"/>
+                </a:solidFill>
+                <a:latin typeface="Menlo"/>
+              </a:rPr>
+              <a:t>if</a:t>
+            </a:r>
+            <a:r>
+              <a:rPr lang="en-US" sz="1400" dirty="0">
+                <a:solidFill>
+                  <a:srgbClr val="000080"/>
+                </a:solidFill>
+                <a:latin typeface="Menlo"/>
+              </a:rPr>
+              <a:t> </a:t>
+            </a:r>
+            <a:r>
+              <a:rPr lang="en-US" sz="1400" dirty="0">
+                <a:solidFill>
+                  <a:srgbClr val="000000"/>
+                </a:solidFill>
+                <a:latin typeface="Menlo"/>
+              </a:rPr>
+              <a:t>(</a:t>
+            </a:r>
+            <a:r>
+              <a:rPr lang="en-US" sz="1400" dirty="0" err="1">
+                <a:solidFill>
+                  <a:srgbClr val="000000"/>
+                </a:solidFill>
+                <a:latin typeface="Menlo"/>
+              </a:rPr>
+              <a:t>showMessage</a:t>
+            </a:r>
+            <a:r>
+              <a:rPr lang="en-US" sz="1400" dirty="0">
+                <a:solidFill>
+                  <a:srgbClr val="000000"/>
+                </a:solidFill>
+                <a:latin typeface="Menlo"/>
+              </a:rPr>
+              <a:t>) {</a:t>
+            </a:r>
+          </a:p>
+          <a:p>
+            <a:r>
+              <a:rPr lang="en-US" sz="1400" dirty="0">
+                <a:solidFill>
+                  <a:srgbClr val="000000"/>
+                </a:solidFill>
+                <a:latin typeface="Menlo"/>
+              </a:rPr>
+              <a:t>        </a:t>
+            </a:r>
+            <a:r>
+              <a:rPr lang="en-US" sz="1400" dirty="0" err="1">
+                <a:solidFill>
+                  <a:srgbClr val="000000"/>
+                </a:solidFill>
+                <a:latin typeface="Menlo"/>
+              </a:rPr>
+              <a:t>MessageBox.Show</a:t>
+            </a:r>
+            <a:r>
+              <a:rPr lang="en-US" sz="1400" dirty="0">
+                <a:solidFill>
+                  <a:srgbClr val="000000"/>
+                </a:solidFill>
+                <a:latin typeface="Menlo"/>
+              </a:rPr>
+              <a:t>(</a:t>
+            </a:r>
+            <a:r>
+              <a:rPr lang="en-US" sz="1400" b="1" dirty="0" smtClean="0">
+                <a:solidFill>
+                  <a:srgbClr val="009900"/>
+                </a:solidFill>
+                <a:latin typeface="Menlo"/>
+              </a:rPr>
+              <a:t>"</a:t>
+            </a:r>
+            <a:r>
+              <a:rPr lang="ru-RU" sz="1400" b="1" dirty="0">
+                <a:solidFill>
+                  <a:srgbClr val="009900"/>
+                </a:solidFill>
+                <a:latin typeface="Menlo"/>
+              </a:rPr>
+              <a:t>Входной параметр имеет недопустимое значение</a:t>
+            </a:r>
+            <a:r>
+              <a:rPr lang="en-US" sz="1400" b="1" dirty="0" smtClean="0">
+                <a:solidFill>
+                  <a:srgbClr val="009900"/>
+                </a:solidFill>
+                <a:latin typeface="Menlo"/>
+              </a:rPr>
+              <a:t>"</a:t>
+            </a:r>
+            <a:r>
+              <a:rPr lang="en-US" sz="1400" dirty="0" smtClean="0">
+                <a:solidFill>
+                  <a:srgbClr val="009900"/>
+                </a:solidFill>
+                <a:latin typeface="Menlo"/>
+              </a:rPr>
+              <a:t> </a:t>
+            </a:r>
+            <a:r>
+              <a:rPr lang="en-US" sz="1400" dirty="0">
+                <a:solidFill>
+                  <a:srgbClr val="000000"/>
+                </a:solidFill>
+                <a:latin typeface="Menlo"/>
+              </a:rPr>
+              <a:t>+ </a:t>
+            </a:r>
+            <a:r>
+              <a:rPr lang="en-US" sz="1400" dirty="0" smtClean="0">
+                <a:solidFill>
+                  <a:srgbClr val="000000"/>
+                </a:solidFill>
+                <a:latin typeface="Menlo"/>
+              </a:rPr>
+              <a:t>					   </a:t>
+            </a:r>
+            <a:r>
+              <a:rPr lang="en-US" sz="1400" dirty="0" err="1" smtClean="0">
+                <a:solidFill>
+                  <a:srgbClr val="000000"/>
+                </a:solidFill>
+                <a:latin typeface="Menlo"/>
+              </a:rPr>
+              <a:t>i.ToString</a:t>
+            </a:r>
+            <a:r>
+              <a:rPr lang="en-US" sz="1400" dirty="0">
+                <a:solidFill>
+                  <a:srgbClr val="000000"/>
+                </a:solidFill>
+                <a:latin typeface="Menlo"/>
+              </a:rPr>
+              <a:t>());</a:t>
+            </a:r>
+          </a:p>
+          <a:p>
+            <a:r>
+              <a:rPr lang="da-DK" sz="1400" dirty="0">
+                <a:latin typeface="Menlo"/>
+              </a:rPr>
+              <a:t>    </a:t>
+            </a:r>
+            <a:r>
+              <a:rPr lang="da-DK" sz="1400" dirty="0">
+                <a:solidFill>
+                  <a:srgbClr val="000000"/>
+                </a:solidFill>
+                <a:latin typeface="Menlo"/>
+              </a:rPr>
+              <a:t>} </a:t>
+            </a:r>
+            <a:r>
+              <a:rPr lang="da-DK" sz="1400" b="1" dirty="0" err="1">
+                <a:solidFill>
+                  <a:srgbClr val="000080"/>
+                </a:solidFill>
+                <a:latin typeface="Menlo"/>
+              </a:rPr>
+              <a:t>else</a:t>
+            </a:r>
+            <a:r>
+              <a:rPr lang="da-DK" sz="1400" dirty="0">
+                <a:solidFill>
+                  <a:srgbClr val="000080"/>
+                </a:solidFill>
+                <a:latin typeface="Menlo"/>
+              </a:rPr>
+              <a:t> </a:t>
+            </a:r>
+            <a:r>
+              <a:rPr lang="da-DK" sz="1400" dirty="0">
+                <a:solidFill>
+                  <a:srgbClr val="000000"/>
+                </a:solidFill>
+                <a:latin typeface="Menlo"/>
+              </a:rPr>
+              <a:t>{</a:t>
+            </a:r>
+          </a:p>
+          <a:p>
+            <a:r>
+              <a:rPr lang="sv-SE" sz="1400" dirty="0">
+                <a:latin typeface="Menlo"/>
+              </a:rPr>
+              <a:t>        </a:t>
+            </a:r>
+            <a:r>
+              <a:rPr lang="sv-SE" sz="1400" dirty="0" err="1">
+                <a:solidFill>
+                  <a:srgbClr val="0000B3"/>
+                </a:solidFill>
+                <a:latin typeface="Menlo"/>
+              </a:rPr>
+              <a:t>System</a:t>
+            </a:r>
+            <a:r>
+              <a:rPr lang="sv-SE" sz="1400" dirty="0" err="1">
+                <a:solidFill>
+                  <a:srgbClr val="000000"/>
+                </a:solidFill>
+                <a:latin typeface="Menlo"/>
+              </a:rPr>
+              <a:t>.Out.Writeln</a:t>
+            </a:r>
+            <a:r>
+              <a:rPr lang="sv-SE" sz="1400" dirty="0">
+                <a:solidFill>
+                  <a:srgbClr val="000000"/>
+                </a:solidFill>
+                <a:latin typeface="Menlo"/>
+              </a:rPr>
+              <a:t>(</a:t>
+            </a:r>
+            <a:r>
+              <a:rPr lang="sv-SE" sz="1400" b="1" dirty="0" smtClean="0">
+                <a:solidFill>
+                  <a:srgbClr val="009900"/>
+                </a:solidFill>
+                <a:latin typeface="Menlo"/>
+              </a:rPr>
+              <a:t>"</a:t>
+            </a:r>
+            <a:r>
+              <a:rPr lang="ru-RU" sz="1400" b="1" dirty="0">
+                <a:solidFill>
+                  <a:srgbClr val="009900"/>
+                </a:solidFill>
+                <a:latin typeface="Menlo"/>
+              </a:rPr>
+              <a:t>Входной параметр имеет недопустимое значение</a:t>
+            </a:r>
+            <a:r>
+              <a:rPr lang="sv-SE" sz="1400" b="1" dirty="0" smtClean="0">
+                <a:solidFill>
+                  <a:srgbClr val="009900"/>
+                </a:solidFill>
+                <a:latin typeface="Menlo"/>
+              </a:rPr>
+              <a:t>"</a:t>
+            </a:r>
+            <a:r>
+              <a:rPr lang="sv-SE" sz="1400" dirty="0" smtClean="0">
+                <a:solidFill>
+                  <a:srgbClr val="009900"/>
+                </a:solidFill>
+                <a:latin typeface="Menlo"/>
+              </a:rPr>
+              <a:t> </a:t>
+            </a:r>
+            <a:r>
+              <a:rPr lang="sv-SE" sz="1400" dirty="0">
+                <a:solidFill>
+                  <a:srgbClr val="000000"/>
+                </a:solidFill>
+                <a:latin typeface="Menlo"/>
+              </a:rPr>
+              <a:t>+ </a:t>
+            </a:r>
+            <a:r>
+              <a:rPr lang="sv-SE" sz="1400" dirty="0" smtClean="0">
+                <a:solidFill>
+                  <a:srgbClr val="000000"/>
+                </a:solidFill>
+                <a:latin typeface="Menlo"/>
+              </a:rPr>
+              <a:t>						  </a:t>
+            </a:r>
+            <a:r>
+              <a:rPr lang="sv-SE" sz="1400" dirty="0" err="1" smtClean="0">
+                <a:solidFill>
+                  <a:srgbClr val="000000"/>
+                </a:solidFill>
+                <a:latin typeface="Menlo"/>
+              </a:rPr>
+              <a:t>i.ToString</a:t>
+            </a:r>
+            <a:r>
+              <a:rPr lang="sv-SE" sz="1400" dirty="0">
+                <a:solidFill>
+                  <a:srgbClr val="000000"/>
+                </a:solidFill>
+                <a:latin typeface="Menlo"/>
+              </a:rPr>
+              <a:t>());</a:t>
+            </a:r>
+          </a:p>
+          <a:p>
+            <a:r>
+              <a:rPr lang="en-US" sz="1400" dirty="0">
+                <a:latin typeface="Menlo"/>
+              </a:rPr>
+              <a:t>    </a:t>
+            </a:r>
+            <a:r>
+              <a:rPr lang="en-US" sz="1400" dirty="0">
+                <a:solidFill>
+                  <a:srgbClr val="000000"/>
+                </a:solidFill>
+                <a:latin typeface="Menlo"/>
+              </a:rPr>
+              <a:t>}</a:t>
+            </a:r>
+          </a:p>
+          <a:p>
+            <a:r>
+              <a:rPr lang="is-IS" sz="1400" dirty="0">
+                <a:latin typeface="Menlo"/>
+              </a:rPr>
+              <a:t>    </a:t>
+            </a:r>
+            <a:r>
+              <a:rPr lang="is-IS" sz="1400" b="1" dirty="0">
+                <a:solidFill>
+                  <a:srgbClr val="000080"/>
+                </a:solidFill>
+                <a:latin typeface="Menlo"/>
+              </a:rPr>
+              <a:t>return</a:t>
+            </a:r>
+            <a:r>
+              <a:rPr lang="is-IS" sz="1400" dirty="0">
+                <a:solidFill>
+                  <a:srgbClr val="000080"/>
+                </a:solidFill>
+                <a:latin typeface="Menlo"/>
+              </a:rPr>
+              <a:t> </a:t>
+            </a:r>
+            <a:r>
+              <a:rPr lang="is-IS" sz="1400" dirty="0">
+                <a:solidFill>
+                  <a:srgbClr val="000000"/>
+                </a:solidFill>
+                <a:latin typeface="Menlo"/>
+              </a:rPr>
+              <a:t>-</a:t>
+            </a:r>
+            <a:r>
+              <a:rPr lang="is-IS" sz="1400" dirty="0">
+                <a:solidFill>
+                  <a:srgbClr val="0000FF"/>
+                </a:solidFill>
+                <a:latin typeface="Menlo"/>
+              </a:rPr>
+              <a:t>1</a:t>
+            </a:r>
+            <a:r>
+              <a:rPr lang="is-IS" sz="1400" dirty="0">
+                <a:solidFill>
+                  <a:srgbClr val="000000"/>
+                </a:solidFill>
+                <a:latin typeface="Menlo"/>
+              </a:rPr>
+              <a:t>;</a:t>
+            </a:r>
+          </a:p>
+          <a:p>
+            <a:r>
+              <a:rPr lang="en-US" sz="1400" dirty="0">
+                <a:solidFill>
+                  <a:srgbClr val="000000"/>
+                </a:solidFill>
+                <a:latin typeface="Menlo"/>
+              </a:rPr>
+              <a:t>}</a:t>
+            </a:r>
           </a:p>
         </p:txBody>
       </p:sp>
@@ -20572,7 +21023,7 @@
   <p:timing>
     <p:tnLst>
       <p:par>
-        <p:cTn id="1" dur="indefinite" restart="never" nodeType="tmRoot"/>
+        <p:cTn xmlns:p14="http://schemas.microsoft.com/office/powerpoint/2010/main" id="1" dur="indefinite" restart="never" nodeType="tmRoot"/>
       </p:par>
     </p:tnLst>
   </p:timing>
@@ -20633,8 +21084,8 @@
         </p:nvSpPr>
         <p:spPr bwMode="auto">
           <a:xfrm>
-            <a:off x="2000878" y="1924199"/>
-            <a:ext cx="5023841" cy="3009602"/>
+            <a:off x="463049" y="1250394"/>
+            <a:ext cx="8077200" cy="2455605"/>
           </a:xfrm>
           <a:prstGeom prst="rect">
             <a:avLst/>
@@ -20666,6 +21117,8 @@
                 <a:solidFill>
                   <a:schemeClr val="accent4"/>
                 </a:solidFill>
+                <a:latin typeface="Arial"/>
+                <a:cs typeface="Arial"/>
               </a:rPr>
               <a:t>Для полного покрытия по операторам, достаточно двух тестов</a:t>
             </a:r>
@@ -20674,6 +21127,8 @@
                 <a:solidFill>
                   <a:schemeClr val="accent4"/>
                 </a:solidFill>
+                <a:latin typeface="Arial"/>
+                <a:cs typeface="Arial"/>
               </a:rPr>
               <a:t>:</a:t>
             </a:r>
@@ -20681,6 +21136,8 @@
               <a:solidFill>
                 <a:schemeClr val="accent4"/>
               </a:solidFill>
+              <a:latin typeface="Arial"/>
+              <a:cs typeface="Arial"/>
             </a:endParaRPr>
           </a:p>
           <a:p>
@@ -20696,6 +21153,8 @@
               <a:solidFill>
                 <a:schemeClr val="accent4"/>
               </a:solidFill>
+              <a:latin typeface="Arial"/>
+              <a:cs typeface="Arial"/>
             </a:endParaRPr>
           </a:p>
           <a:p>
@@ -20712,6 +21171,8 @@
                 <a:solidFill>
                   <a:schemeClr val="accent4"/>
                 </a:solidFill>
+                <a:latin typeface="Arial"/>
+                <a:cs typeface="Arial"/>
               </a:rPr>
               <a:t>i = 0, showMessage = true</a:t>
             </a:r>
@@ -20730,6 +21191,8 @@
                 <a:solidFill>
                   <a:schemeClr val="accent4"/>
                 </a:solidFill>
+                <a:latin typeface="Arial"/>
+                <a:cs typeface="Arial"/>
               </a:rPr>
               <a:t>i = 0, showMessage = </a:t>
             </a:r>
@@ -20738,6 +21201,8 @@
                 <a:solidFill>
                   <a:schemeClr val="accent4"/>
                 </a:solidFill>
+                <a:latin typeface="Arial"/>
+                <a:cs typeface="Arial"/>
               </a:rPr>
               <a:t>false</a:t>
             </a:r>
@@ -20745,6 +21210,8 @@
               <a:solidFill>
                 <a:schemeClr val="accent4"/>
               </a:solidFill>
+              <a:latin typeface="Arial"/>
+              <a:cs typeface="Arial"/>
             </a:endParaRPr>
           </a:p>
           <a:p>
@@ -20760,6 +21227,8 @@
               <a:solidFill>
                 <a:schemeClr val="accent4"/>
               </a:solidFill>
+              <a:latin typeface="Arial"/>
+              <a:cs typeface="Arial"/>
             </a:endParaRPr>
           </a:p>
           <a:p>
@@ -20776,6 +21245,8 @@
                 <a:solidFill>
                   <a:schemeClr val="accent4"/>
                 </a:solidFill>
+                <a:latin typeface="Arial"/>
+                <a:cs typeface="Arial"/>
               </a:rPr>
               <a:t>Легко заметить, что при этом, тесты не покрывают всей функциональности (не протестировано поведение системы </a:t>
             </a:r>
@@ -20784,6 +21255,8 @@
                 <a:solidFill>
                   <a:schemeClr val="accent4"/>
                 </a:solidFill>
+                <a:latin typeface="Arial"/>
+                <a:cs typeface="Arial"/>
               </a:rPr>
               <a:t>при</a:t>
             </a:r>
@@ -20792,6 +21265,8 @@
                 <a:solidFill>
                   <a:schemeClr val="accent4"/>
                 </a:solidFill>
+                <a:latin typeface="Arial"/>
+                <a:cs typeface="Arial"/>
               </a:rPr>
               <a:t> </a:t>
             </a:r>
@@ -20800,6 +21275,8 @@
                 <a:solidFill>
                   <a:schemeClr val="accent4"/>
                 </a:solidFill>
+                <a:latin typeface="Arial"/>
+                <a:cs typeface="Arial"/>
               </a:rPr>
               <a:t>i </a:t>
             </a:r>
@@ -20808,6 +21285,8 @@
                 <a:solidFill>
                   <a:schemeClr val="accent4"/>
                 </a:solidFill>
+                <a:latin typeface="Arial"/>
+                <a:cs typeface="Arial"/>
               </a:rPr>
               <a:t>= 101)</a:t>
             </a:r>
@@ -20827,7 +21306,7 @@
   <p:timing>
     <p:tnLst>
       <p:par>
-        <p:cTn id="1" dur="indefinite" restart="never" nodeType="tmRoot"/>
+        <p:cTn xmlns:p14="http://schemas.microsoft.com/office/powerpoint/2010/main" id="1" dur="indefinite" restart="never" nodeType="tmRoot"/>
       </p:par>
     </p:tnLst>
   </p:timing>
@@ -20888,8 +21367,8 @@
         </p:nvSpPr>
         <p:spPr bwMode="auto">
           <a:xfrm>
-            <a:off x="2000878" y="1924199"/>
-            <a:ext cx="5023841" cy="2732604"/>
+            <a:off x="1143000" y="2339697"/>
+            <a:ext cx="6858000" cy="2178606"/>
           </a:xfrm>
           <a:prstGeom prst="rect">
             <a:avLst/>
@@ -20921,6 +21400,8 @@
                 <a:solidFill>
                   <a:schemeClr val="accent4"/>
                 </a:solidFill>
+                <a:latin typeface="Arial"/>
+                <a:cs typeface="Arial"/>
               </a:rPr>
               <a:t>Также проблемы этого метода покрытия можно увидеть и на примерах других управляющих </a:t>
             </a:r>
@@ -20929,6 +21410,8 @@
                 <a:solidFill>
                   <a:schemeClr val="accent4"/>
                 </a:solidFill>
+                <a:latin typeface="Arial"/>
+                <a:cs typeface="Arial"/>
               </a:rPr>
               <a:t>структур</a:t>
             </a:r>
@@ -20936,6 +21419,8 @@
               <a:solidFill>
                 <a:schemeClr val="accent4"/>
               </a:solidFill>
+              <a:latin typeface="Arial"/>
+              <a:cs typeface="Arial"/>
             </a:endParaRPr>
           </a:p>
           <a:p>
@@ -20951,6 +21436,8 @@
               <a:solidFill>
                 <a:schemeClr val="accent4"/>
               </a:solidFill>
+              <a:latin typeface="Arial"/>
+              <a:cs typeface="Arial"/>
             </a:endParaRPr>
           </a:p>
           <a:p>
@@ -20967,6 +21454,8 @@
                 <a:solidFill>
                   <a:schemeClr val="accent4"/>
                 </a:solidFill>
+                <a:latin typeface="Arial"/>
+                <a:cs typeface="Arial"/>
               </a:rPr>
               <a:t>Например, при проверке циклов do … while – при данном уровне покрытия достаточно выполнение цикла только один раз, при этом метод совершенно нечувствителен к логическим операторам || и &amp;&amp;</a:t>
             </a:r>
@@ -20986,7 +21475,7 @@
   <p:timing>
     <p:tnLst>
       <p:par>
-        <p:cTn id="1" dur="indefinite" restart="never" nodeType="tmRoot"/>
+        <p:cTn xmlns:p14="http://schemas.microsoft.com/office/powerpoint/2010/main" id="1" dur="indefinite" restart="never" nodeType="tmRoot"/>
       </p:par>
     </p:tnLst>
   </p:timing>
@@ -21047,8 +21536,8 @@
         </p:nvSpPr>
         <p:spPr bwMode="auto">
           <a:xfrm>
-            <a:off x="2000878" y="1924199"/>
-            <a:ext cx="5023841" cy="1624608"/>
+            <a:off x="457200" y="1447800"/>
+            <a:ext cx="8229600" cy="1347609"/>
           </a:xfrm>
           <a:prstGeom prst="rect">
             <a:avLst/>
@@ -21080,6 +21569,8 @@
                 <a:solidFill>
                   <a:schemeClr val="accent4"/>
                 </a:solidFill>
+                <a:latin typeface="Arial"/>
+                <a:cs typeface="Arial"/>
               </a:rPr>
               <a:t>Другой особенностью данного метода является зависимость уровня покрытия от структуры программного </a:t>
             </a:r>
@@ -21088,6 +21579,8 @@
                 <a:solidFill>
                   <a:schemeClr val="accent4"/>
                 </a:solidFill>
+                <a:latin typeface="Arial"/>
+                <a:cs typeface="Arial"/>
               </a:rPr>
               <a:t>кода</a:t>
             </a:r>
@@ -21095,6 +21588,8 @@
               <a:solidFill>
                 <a:schemeClr val="accent4"/>
               </a:solidFill>
+              <a:latin typeface="Arial"/>
+              <a:cs typeface="Arial"/>
             </a:endParaRPr>
           </a:p>
           <a:p>
@@ -21110,6 +21605,8 @@
               <a:solidFill>
                 <a:schemeClr val="accent4"/>
               </a:solidFill>
+              <a:latin typeface="Arial"/>
+              <a:cs typeface="Arial"/>
             </a:endParaRPr>
           </a:p>
           <a:p>
@@ -21126,9 +21623,184 @@
                 <a:solidFill>
                   <a:schemeClr val="accent4"/>
                 </a:solidFill>
+                <a:latin typeface="Arial"/>
+                <a:cs typeface="Arial"/>
               </a:rPr>
               <a:t>Рассмотрим простейший пример:</a:t>
             </a:r>
+          </a:p>
+        </p:txBody>
+      </p:sp>
+      <p:sp>
+        <p:nvSpPr>
+          <p:cNvPr id="3" name="Rectangle 2"/>
+          <p:cNvSpPr/>
+          <p:nvPr/>
+        </p:nvSpPr>
+        <p:spPr>
+          <a:xfrm>
+            <a:off x="685800" y="3429000"/>
+            <a:ext cx="4572000" cy="1477328"/>
+          </a:xfrm>
+          <a:prstGeom prst="rect">
+            <a:avLst/>
+          </a:prstGeom>
+        </p:spPr>
+        <p:txBody>
+          <a:bodyPr>
+            <a:spAutoFit/>
+          </a:bodyPr>
+          <a:lstStyle/>
+          <a:p>
+            <a:r>
+              <a:rPr lang="en-US" b="1" dirty="0">
+                <a:solidFill>
+                  <a:srgbClr val="000080"/>
+                </a:solidFill>
+                <a:latin typeface="Menlo"/>
+              </a:rPr>
+              <a:t>if</a:t>
+            </a:r>
+            <a:r>
+              <a:rPr lang="en-US" dirty="0">
+                <a:solidFill>
+                  <a:srgbClr val="000080"/>
+                </a:solidFill>
+                <a:latin typeface="Menlo"/>
+              </a:rPr>
+              <a:t> </a:t>
+            </a:r>
+            <a:r>
+              <a:rPr lang="en-US" dirty="0">
+                <a:solidFill>
+                  <a:srgbClr val="000000"/>
+                </a:solidFill>
+                <a:latin typeface="Menlo"/>
+              </a:rPr>
+              <a:t>(condition)</a:t>
+            </a:r>
+          </a:p>
+          <a:p>
+            <a:r>
+              <a:rPr lang="en-US" dirty="0">
+                <a:latin typeface="Menlo"/>
+              </a:rPr>
+              <a:t>    </a:t>
+            </a:r>
+            <a:r>
+              <a:rPr lang="en-US" dirty="0" err="1">
+                <a:solidFill>
+                  <a:srgbClr val="000000"/>
+                </a:solidFill>
+                <a:latin typeface="Menlo"/>
+              </a:rPr>
+              <a:t>MethodA</a:t>
+            </a:r>
+            <a:r>
+              <a:rPr lang="en-US" dirty="0">
+                <a:solidFill>
+                  <a:srgbClr val="000000"/>
+                </a:solidFill>
+                <a:latin typeface="Menlo"/>
+              </a:rPr>
+              <a:t>();</a:t>
+            </a:r>
+          </a:p>
+          <a:p>
+            <a:r>
+              <a:rPr lang="da-DK" b="1" dirty="0" err="1">
+                <a:solidFill>
+                  <a:srgbClr val="000080"/>
+                </a:solidFill>
+                <a:latin typeface="Menlo"/>
+              </a:rPr>
+              <a:t>else</a:t>
+            </a:r>
+            <a:endParaRPr lang="da-DK" dirty="0">
+              <a:solidFill>
+                <a:srgbClr val="000080"/>
+              </a:solidFill>
+              <a:latin typeface="Menlo"/>
+            </a:endParaRPr>
+          </a:p>
+          <a:p>
+            <a:r>
+              <a:rPr lang="en-US" dirty="0">
+                <a:latin typeface="Menlo"/>
+              </a:rPr>
+              <a:t>    </a:t>
+            </a:r>
+            <a:r>
+              <a:rPr lang="en-US" dirty="0" err="1">
+                <a:solidFill>
+                  <a:srgbClr val="000000"/>
+                </a:solidFill>
+                <a:latin typeface="Menlo"/>
+              </a:rPr>
+              <a:t>MethodB</a:t>
+            </a:r>
+            <a:r>
+              <a:rPr lang="en-US" dirty="0">
+                <a:solidFill>
+                  <a:srgbClr val="000000"/>
+                </a:solidFill>
+                <a:latin typeface="Menlo"/>
+              </a:rPr>
+              <a:t>();</a:t>
+            </a:r>
+          </a:p>
+          <a:p>
+            <a:endParaRPr lang="en-US" dirty="0">
+              <a:latin typeface="Menlo"/>
+            </a:endParaRPr>
+          </a:p>
+        </p:txBody>
+      </p:sp>
+      <p:sp>
+        <p:nvSpPr>
+          <p:cNvPr id="4" name="Rounded Rectangle 3"/>
+          <p:cNvSpPr/>
+          <p:nvPr/>
+        </p:nvSpPr>
+        <p:spPr>
+          <a:xfrm>
+            <a:off x="533400" y="3429000"/>
+            <a:ext cx="2514600" cy="1295400"/>
+          </a:xfrm>
+          <a:prstGeom prst="roundRect">
+            <a:avLst>
+              <a:gd name="adj" fmla="val 6347"/>
+            </a:avLst>
+          </a:prstGeom>
+          <a:solidFill>
+            <a:schemeClr val="accent4">
+              <a:alpha val="18000"/>
+            </a:schemeClr>
+          </a:solidFill>
+          <a:ln>
+            <a:noFill/>
+          </a:ln>
+        </p:spPr>
+        <p:style>
+          <a:lnRef idx="2">
+            <a:schemeClr val="accent1"/>
+          </a:lnRef>
+          <a:fillRef idx="1">
+            <a:schemeClr val="lt1"/>
+          </a:fillRef>
+          <a:effectRef idx="0">
+            <a:schemeClr val="accent1"/>
+          </a:effectRef>
+          <a:fontRef idx="minor">
+            <a:schemeClr val="dk1"/>
+          </a:fontRef>
+        </p:style>
+        <p:txBody>
+          <a:bodyPr rtlCol="0" anchor="ctr"/>
+          <a:lstStyle/>
+          <a:p>
+            <a:pPr algn="ctr"/>
+            <a:endParaRPr lang="en-US"/>
           </a:p>
         </p:txBody>
       </p:sp>
@@ -21145,7 +21817,7 @@
   <p:timing>
     <p:tnLst>
       <p:par>
-        <p:cTn id="1" dur="indefinite" restart="never" nodeType="tmRoot"/>
+        <p:cTn xmlns:p14="http://schemas.microsoft.com/office/powerpoint/2010/main" id="1" dur="indefinite" restart="never" nodeType="tmRoot"/>
       </p:par>
     </p:tnLst>
   </p:timing>
@@ -21206,8 +21878,8 @@
         </p:nvSpPr>
         <p:spPr bwMode="auto">
           <a:xfrm>
-            <a:off x="2000878" y="2062698"/>
-            <a:ext cx="5023841" cy="2732604"/>
+            <a:off x="887413" y="2201198"/>
+            <a:ext cx="7369175" cy="2455605"/>
           </a:xfrm>
           <a:prstGeom prst="rect">
             <a:avLst/>
@@ -21239,6 +21911,8 @@
                 <a:solidFill>
                   <a:schemeClr val="accent4"/>
                 </a:solidFill>
+                <a:latin typeface="Arial"/>
+                <a:cs typeface="Arial"/>
               </a:rPr>
               <a:t>Если MethodA() содержит 99 операторов, а MethodB() — один оператор, то единственного теста, устанавливающего condition в true, будет достаточно для достижения 99%-го уровня </a:t>
             </a:r>
@@ -21247,6 +21921,8 @@
                 <a:solidFill>
                   <a:schemeClr val="accent4"/>
                 </a:solidFill>
+                <a:latin typeface="Arial"/>
+                <a:cs typeface="Arial"/>
               </a:rPr>
               <a:t>покрытия</a:t>
             </a:r>
@@ -21254,6 +21930,8 @@
               <a:solidFill>
                 <a:schemeClr val="accent4"/>
               </a:solidFill>
+              <a:latin typeface="Arial"/>
+              <a:cs typeface="Arial"/>
             </a:endParaRPr>
           </a:p>
           <a:p>
@@ -21269,6 +21947,8 @@
               <a:solidFill>
                 <a:schemeClr val="accent4"/>
               </a:solidFill>
+              <a:latin typeface="Arial"/>
+              <a:cs typeface="Arial"/>
             </a:endParaRPr>
           </a:p>
           <a:p>
@@ -21285,6 +21965,8 @@
                 <a:solidFill>
                   <a:schemeClr val="accent4"/>
                 </a:solidFill>
+                <a:latin typeface="Arial"/>
+                <a:cs typeface="Arial"/>
               </a:rPr>
               <a:t>При этом аналогичный тестовый пример, устанавливающий значение condition в false, даст слишком низкий уровень покрытия (1%)</a:t>
             </a:r>
@@ -21304,7 +21986,7 @@
   <p:timing>
     <p:tnLst>
       <p:par>
-        <p:cTn id="1" dur="indefinite" restart="never" nodeType="tmRoot"/>
+        <p:cTn xmlns:p14="http://schemas.microsoft.com/office/powerpoint/2010/main" id="1" dur="indefinite" restart="never" nodeType="tmRoot"/>
       </p:par>
     </p:tnLst>
   </p:timing>
@@ -21365,8 +22047,8 @@
         </p:nvSpPr>
         <p:spPr bwMode="auto">
           <a:xfrm>
-            <a:off x="2000878" y="1370201"/>
-            <a:ext cx="5023841" cy="4117598"/>
+            <a:off x="381000" y="1370201"/>
+            <a:ext cx="8229600" cy="3009603"/>
           </a:xfrm>
           <a:prstGeom prst="rect">
             <a:avLst/>
@@ -21398,6 +22080,8 @@
                 <a:solidFill>
                   <a:schemeClr val="accent4"/>
                 </a:solidFill>
+                <a:latin typeface="Arial"/>
+                <a:cs typeface="Arial"/>
               </a:rPr>
               <a:t>Для обеспечения полного покрытия условий необходимо</a:t>
             </a:r>
@@ -21406,6 +22090,8 @@
                 <a:solidFill>
                   <a:schemeClr val="accent4"/>
                 </a:solidFill>
+                <a:latin typeface="Arial"/>
+                <a:cs typeface="Arial"/>
               </a:rPr>
               <a:t>:</a:t>
             </a:r>
@@ -21413,6 +22099,8 @@
               <a:solidFill>
                 <a:schemeClr val="accent4"/>
               </a:solidFill>
+              <a:latin typeface="Arial"/>
+              <a:cs typeface="Arial"/>
             </a:endParaRPr>
           </a:p>
           <a:p>
@@ -21428,6 +22116,8 @@
               <a:solidFill>
                 <a:schemeClr val="accent4"/>
               </a:solidFill>
+              <a:latin typeface="Arial"/>
+              <a:cs typeface="Arial"/>
             </a:endParaRPr>
           </a:p>
           <a:p>
@@ -21444,6 +22134,8 @@
                 <a:solidFill>
                   <a:schemeClr val="accent4"/>
                 </a:solidFill>
+                <a:latin typeface="Arial"/>
+                <a:cs typeface="Arial"/>
               </a:rPr>
               <a:t>каждая точка входа и выхода в программе и во всех ее функциях должна быть выполнена по крайней мере один </a:t>
             </a:r>
@@ -21452,6 +22144,8 @@
                 <a:solidFill>
                   <a:schemeClr val="accent4"/>
                 </a:solidFill>
+                <a:latin typeface="Arial"/>
+                <a:cs typeface="Arial"/>
               </a:rPr>
               <a:t>раз</a:t>
             </a:r>
@@ -21459,6 +22153,8 @@
               <a:solidFill>
                 <a:schemeClr val="accent4"/>
               </a:solidFill>
+              <a:latin typeface="Arial"/>
+              <a:cs typeface="Arial"/>
             </a:endParaRPr>
           </a:p>
           <a:p>
@@ -21474,6 +22170,8 @@
               <a:solidFill>
                 <a:schemeClr val="accent4"/>
               </a:solidFill>
+              <a:latin typeface="Arial"/>
+              <a:cs typeface="Arial"/>
             </a:endParaRPr>
           </a:p>
           <a:p>
@@ -21490,6 +22188,8 @@
                 <a:solidFill>
                   <a:schemeClr val="accent4"/>
                 </a:solidFill>
+                <a:latin typeface="Arial"/>
+                <a:cs typeface="Arial"/>
               </a:rPr>
               <a:t>все логические выражения в программе должны принять каждое из возможных значений хотя бы один </a:t>
             </a:r>
@@ -21498,6 +22198,8 @@
                 <a:solidFill>
                   <a:schemeClr val="accent4"/>
                 </a:solidFill>
+                <a:latin typeface="Arial"/>
+                <a:cs typeface="Arial"/>
               </a:rPr>
               <a:t>раз</a:t>
             </a:r>
@@ -21505,6 +22207,8 @@
               <a:solidFill>
                 <a:schemeClr val="accent4"/>
               </a:solidFill>
+              <a:latin typeface="Arial"/>
+              <a:cs typeface="Arial"/>
             </a:endParaRPr>
           </a:p>
           <a:p>
@@ -21520,6 +22224,8 @@
               <a:solidFill>
                 <a:schemeClr val="accent4"/>
               </a:solidFill>
+              <a:latin typeface="Arial"/>
+              <a:cs typeface="Arial"/>
             </a:endParaRPr>
           </a:p>
           <a:p>
@@ -21536,6 +22242,8 @@
                 <a:solidFill>
                   <a:schemeClr val="accent4"/>
                 </a:solidFill>
+                <a:latin typeface="Arial"/>
+                <a:cs typeface="Arial"/>
               </a:rPr>
               <a:t>Таким образом, для покрытия по веткам требуется как минимум два теста</a:t>
             </a:r>
@@ -21555,7 +22263,7 @@
   <p:timing>
     <p:tnLst>
       <p:par>
-        <p:cTn id="1" dur="indefinite" restart="never" nodeType="tmRoot"/>
+        <p:cTn xmlns:p14="http://schemas.microsoft.com/office/powerpoint/2010/main" id="1" dur="indefinite" restart="never" nodeType="tmRoot"/>
       </p:par>
     </p:tnLst>
   </p:timing>
@@ -21604,59 +22312,510 @@
       </p:sp>
       <p:sp>
         <p:nvSpPr>
-          <p:cNvPr id="5" name="Rectangle 4"/>
-          <p:cNvSpPr>
-            <a:spLocks noChangeArrowheads="1"/>
-          </p:cNvSpPr>
-          <p:nvPr>
-            <p:custDataLst>
-              <p:tags r:id="rId1"/>
-            </p:custDataLst>
-          </p:nvPr>
-        </p:nvSpPr>
-        <p:spPr bwMode="auto">
+          <p:cNvPr id="4" name="Rectangle 3"/>
+          <p:cNvSpPr/>
+          <p:nvPr/>
+        </p:nvSpPr>
+        <p:spPr>
           <a:xfrm>
-            <a:off x="2000878" y="1370201"/>
-            <a:ext cx="5023841" cy="516612"/>
+            <a:off x="380999" y="1371600"/>
+            <a:ext cx="8534401" cy="2246769"/>
           </a:xfrm>
           <a:prstGeom prst="rect">
             <a:avLst/>
           </a:prstGeom>
-          <a:noFill/>
-          <a:ln w="19050">
-            <a:noFill/>
-            <a:miter lim="800000"/>
-            <a:headEnd/>
-            <a:tailEnd/>
-          </a:ln>
         </p:spPr>
         <p:txBody>
-          <a:bodyPr wrap="square" lIns="93296" tIns="144000" rIns="93296" bIns="93296">
+          <a:bodyPr wrap="square">
             <a:spAutoFit/>
           </a:bodyPr>
           <a:lstStyle/>
           <a:p>
-            <a:pPr marL="287338" indent="-287338" defTabSz="803275">
-              <a:buClr>
-                <a:srgbClr val="FF6600"/>
-              </a:buClr>
-              <a:buSzPct val="125000"/>
-              <a:buFont typeface="Wingdings" charset="0"/>
-              <a:buChar char="§"/>
-            </a:pPr>
-            <a:r>
-              <a:rPr lang="en-US" dirty="0" smtClean="0">
-                <a:solidFill>
-                  <a:schemeClr val="accent4"/>
-                </a:solidFill>
+            <a:r>
+              <a:rPr lang="en-US" sz="1400" b="1" dirty="0">
+                <a:solidFill>
+                  <a:srgbClr val="000080"/>
+                </a:solidFill>
+                <a:latin typeface="Menlo"/>
               </a:rPr>
-              <a:t>Code</a:t>
-            </a:r>
-            <a:endParaRPr lang="ru-RU" dirty="0">
-              <a:solidFill>
-                <a:schemeClr val="accent4"/>
-              </a:solidFill>
-            </a:endParaRPr>
+              <a:t>if</a:t>
+            </a:r>
+            <a:r>
+              <a:rPr lang="en-US" sz="1400" dirty="0">
+                <a:solidFill>
+                  <a:srgbClr val="000080"/>
+                </a:solidFill>
+                <a:latin typeface="Menlo"/>
+              </a:rPr>
+              <a:t> </a:t>
+            </a:r>
+            <a:r>
+              <a:rPr lang="en-US" sz="1400" dirty="0">
+                <a:solidFill>
+                  <a:srgbClr val="000000"/>
+                </a:solidFill>
+                <a:latin typeface="Menlo"/>
+              </a:rPr>
+              <a:t>(</a:t>
+            </a:r>
+            <a:r>
+              <a:rPr lang="en-US" sz="1400" dirty="0" err="1">
+                <a:solidFill>
+                  <a:srgbClr val="000000"/>
+                </a:solidFill>
+                <a:latin typeface="Menlo"/>
+              </a:rPr>
+              <a:t>i</a:t>
+            </a:r>
+            <a:r>
+              <a:rPr lang="en-US" sz="1400" dirty="0">
+                <a:solidFill>
+                  <a:srgbClr val="000000"/>
+                </a:solidFill>
+                <a:latin typeface="Menlo"/>
+              </a:rPr>
+              <a:t> == </a:t>
+            </a:r>
+            <a:r>
+              <a:rPr lang="en-US" sz="1400" dirty="0">
+                <a:solidFill>
+                  <a:srgbClr val="0000FF"/>
+                </a:solidFill>
+                <a:latin typeface="Menlo"/>
+              </a:rPr>
+              <a:t>0 </a:t>
+            </a:r>
+            <a:r>
+              <a:rPr lang="en-US" sz="1400" dirty="0">
+                <a:solidFill>
+                  <a:srgbClr val="000000"/>
+                </a:solidFill>
+                <a:latin typeface="Menlo"/>
+              </a:rPr>
+              <a:t>|| </a:t>
+            </a:r>
+            <a:r>
+              <a:rPr lang="en-US" sz="1400" dirty="0" err="1">
+                <a:solidFill>
+                  <a:srgbClr val="000000"/>
+                </a:solidFill>
+                <a:latin typeface="Menlo"/>
+              </a:rPr>
+              <a:t>i</a:t>
+            </a:r>
+            <a:r>
+              <a:rPr lang="en-US" sz="1400" dirty="0">
+                <a:solidFill>
+                  <a:srgbClr val="000000"/>
+                </a:solidFill>
+                <a:latin typeface="Menlo"/>
+              </a:rPr>
+              <a:t> == </a:t>
+            </a:r>
+            <a:r>
+              <a:rPr lang="en-US" sz="1400" dirty="0">
+                <a:solidFill>
+                  <a:srgbClr val="0000FF"/>
+                </a:solidFill>
+                <a:latin typeface="Menlo"/>
+              </a:rPr>
+              <a:t>101</a:t>
+            </a:r>
+            <a:r>
+              <a:rPr lang="en-US" sz="1400" dirty="0">
+                <a:solidFill>
+                  <a:srgbClr val="000000"/>
+                </a:solidFill>
+                <a:latin typeface="Menlo"/>
+              </a:rPr>
+              <a:t>) {</a:t>
+            </a:r>
+          </a:p>
+          <a:p>
+            <a:r>
+              <a:rPr lang="en-US" sz="1400" dirty="0">
+                <a:latin typeface="Menlo"/>
+              </a:rPr>
+              <a:t>    </a:t>
+            </a:r>
+            <a:r>
+              <a:rPr lang="en-US" sz="1400" b="1" dirty="0">
+                <a:solidFill>
+                  <a:srgbClr val="000080"/>
+                </a:solidFill>
+                <a:latin typeface="Menlo"/>
+              </a:rPr>
+              <a:t>if</a:t>
+            </a:r>
+            <a:r>
+              <a:rPr lang="en-US" sz="1400" dirty="0">
+                <a:solidFill>
+                  <a:srgbClr val="000080"/>
+                </a:solidFill>
+                <a:latin typeface="Menlo"/>
+              </a:rPr>
+              <a:t> </a:t>
+            </a:r>
+            <a:r>
+              <a:rPr lang="en-US" sz="1400" dirty="0">
+                <a:solidFill>
+                  <a:srgbClr val="000000"/>
+                </a:solidFill>
+                <a:latin typeface="Menlo"/>
+              </a:rPr>
+              <a:t>(</a:t>
+            </a:r>
+            <a:r>
+              <a:rPr lang="en-US" sz="1400" dirty="0" err="1">
+                <a:solidFill>
+                  <a:srgbClr val="000000"/>
+                </a:solidFill>
+                <a:latin typeface="Menlo"/>
+              </a:rPr>
+              <a:t>showMessage</a:t>
+            </a:r>
+            <a:r>
+              <a:rPr lang="en-US" sz="1400" dirty="0">
+                <a:solidFill>
+                  <a:srgbClr val="000000"/>
+                </a:solidFill>
+                <a:latin typeface="Menlo"/>
+              </a:rPr>
+              <a:t>) {</a:t>
+            </a:r>
+          </a:p>
+          <a:p>
+            <a:r>
+              <a:rPr lang="en-US" sz="1400" dirty="0">
+                <a:solidFill>
+                  <a:srgbClr val="000000"/>
+                </a:solidFill>
+                <a:latin typeface="Menlo"/>
+              </a:rPr>
+              <a:t>        </a:t>
+            </a:r>
+            <a:r>
+              <a:rPr lang="en-US" sz="1400" dirty="0" err="1">
+                <a:solidFill>
+                  <a:srgbClr val="000000"/>
+                </a:solidFill>
+                <a:latin typeface="Menlo"/>
+              </a:rPr>
+              <a:t>MessageBox.Show</a:t>
+            </a:r>
+            <a:r>
+              <a:rPr lang="en-US" sz="1400" dirty="0">
+                <a:solidFill>
+                  <a:srgbClr val="000000"/>
+                </a:solidFill>
+                <a:latin typeface="Menlo"/>
+              </a:rPr>
+              <a:t>(</a:t>
+            </a:r>
+            <a:r>
+              <a:rPr lang="en-US" sz="1400" b="1" dirty="0" smtClean="0">
+                <a:solidFill>
+                  <a:srgbClr val="009900"/>
+                </a:solidFill>
+                <a:latin typeface="Menlo"/>
+              </a:rPr>
+              <a:t>"</a:t>
+            </a:r>
+            <a:r>
+              <a:rPr lang="ru-RU" sz="1400" b="1" dirty="0">
+                <a:solidFill>
+                  <a:srgbClr val="009900"/>
+                </a:solidFill>
+                <a:latin typeface="Menlo"/>
+              </a:rPr>
+              <a:t>Входной параметр имеет недопустимое значение</a:t>
+            </a:r>
+            <a:r>
+              <a:rPr lang="en-US" sz="1400" b="1" dirty="0" smtClean="0">
+                <a:solidFill>
+                  <a:srgbClr val="009900"/>
+                </a:solidFill>
+                <a:latin typeface="Menlo"/>
+              </a:rPr>
+              <a:t>"</a:t>
+            </a:r>
+            <a:r>
+              <a:rPr lang="en-US" sz="1400" dirty="0" smtClean="0">
+                <a:solidFill>
+                  <a:srgbClr val="009900"/>
+                </a:solidFill>
+                <a:latin typeface="Menlo"/>
+              </a:rPr>
+              <a:t> </a:t>
+            </a:r>
+            <a:r>
+              <a:rPr lang="en-US" sz="1400" dirty="0">
+                <a:solidFill>
+                  <a:srgbClr val="000000"/>
+                </a:solidFill>
+                <a:latin typeface="Menlo"/>
+              </a:rPr>
+              <a:t>+ </a:t>
+            </a:r>
+            <a:r>
+              <a:rPr lang="en-US" sz="1400" dirty="0" smtClean="0">
+                <a:solidFill>
+                  <a:srgbClr val="000000"/>
+                </a:solidFill>
+                <a:latin typeface="Menlo"/>
+              </a:rPr>
+              <a:t>					   </a:t>
+            </a:r>
+            <a:r>
+              <a:rPr lang="en-US" sz="1400" dirty="0" err="1" smtClean="0">
+                <a:solidFill>
+                  <a:srgbClr val="000000"/>
+                </a:solidFill>
+                <a:latin typeface="Menlo"/>
+              </a:rPr>
+              <a:t>i.ToString</a:t>
+            </a:r>
+            <a:r>
+              <a:rPr lang="en-US" sz="1400" dirty="0">
+                <a:solidFill>
+                  <a:srgbClr val="000000"/>
+                </a:solidFill>
+                <a:latin typeface="Menlo"/>
+              </a:rPr>
+              <a:t>());</a:t>
+            </a:r>
+          </a:p>
+          <a:p>
+            <a:r>
+              <a:rPr lang="da-DK" sz="1400" dirty="0">
+                <a:latin typeface="Menlo"/>
+              </a:rPr>
+              <a:t>    </a:t>
+            </a:r>
+            <a:r>
+              <a:rPr lang="da-DK" sz="1400" dirty="0">
+                <a:solidFill>
+                  <a:srgbClr val="000000"/>
+                </a:solidFill>
+                <a:latin typeface="Menlo"/>
+              </a:rPr>
+              <a:t>} </a:t>
+            </a:r>
+            <a:r>
+              <a:rPr lang="da-DK" sz="1400" b="1" dirty="0" err="1">
+                <a:solidFill>
+                  <a:srgbClr val="000080"/>
+                </a:solidFill>
+                <a:latin typeface="Menlo"/>
+              </a:rPr>
+              <a:t>else</a:t>
+            </a:r>
+            <a:r>
+              <a:rPr lang="da-DK" sz="1400" dirty="0">
+                <a:solidFill>
+                  <a:srgbClr val="000080"/>
+                </a:solidFill>
+                <a:latin typeface="Menlo"/>
+              </a:rPr>
+              <a:t> </a:t>
+            </a:r>
+            <a:r>
+              <a:rPr lang="da-DK" sz="1400" dirty="0">
+                <a:solidFill>
+                  <a:srgbClr val="000000"/>
+                </a:solidFill>
+                <a:latin typeface="Menlo"/>
+              </a:rPr>
+              <a:t>{</a:t>
+            </a:r>
+          </a:p>
+          <a:p>
+            <a:r>
+              <a:rPr lang="sv-SE" sz="1400" dirty="0">
+                <a:latin typeface="Menlo"/>
+              </a:rPr>
+              <a:t>        </a:t>
+            </a:r>
+            <a:r>
+              <a:rPr lang="sv-SE" sz="1400" dirty="0" err="1">
+                <a:solidFill>
+                  <a:srgbClr val="0000B3"/>
+                </a:solidFill>
+                <a:latin typeface="Menlo"/>
+              </a:rPr>
+              <a:t>System</a:t>
+            </a:r>
+            <a:r>
+              <a:rPr lang="sv-SE" sz="1400" dirty="0" err="1">
+                <a:solidFill>
+                  <a:srgbClr val="000000"/>
+                </a:solidFill>
+                <a:latin typeface="Menlo"/>
+              </a:rPr>
+              <a:t>.Out.Writeln</a:t>
+            </a:r>
+            <a:r>
+              <a:rPr lang="sv-SE" sz="1400" dirty="0">
+                <a:solidFill>
+                  <a:srgbClr val="000000"/>
+                </a:solidFill>
+                <a:latin typeface="Menlo"/>
+              </a:rPr>
+              <a:t>(</a:t>
+            </a:r>
+            <a:r>
+              <a:rPr lang="sv-SE" sz="1400" b="1" dirty="0" smtClean="0">
+                <a:solidFill>
+                  <a:srgbClr val="009900"/>
+                </a:solidFill>
+                <a:latin typeface="Menlo"/>
+              </a:rPr>
+              <a:t>"</a:t>
+            </a:r>
+            <a:r>
+              <a:rPr lang="ru-RU" sz="1400" b="1" dirty="0">
+                <a:solidFill>
+                  <a:srgbClr val="009900"/>
+                </a:solidFill>
+                <a:latin typeface="Menlo"/>
+              </a:rPr>
+              <a:t>Входной параметр имеет недопустимое значение</a:t>
+            </a:r>
+            <a:r>
+              <a:rPr lang="sv-SE" sz="1400" b="1" dirty="0" smtClean="0">
+                <a:solidFill>
+                  <a:srgbClr val="009900"/>
+                </a:solidFill>
+                <a:latin typeface="Menlo"/>
+              </a:rPr>
+              <a:t>"</a:t>
+            </a:r>
+            <a:r>
+              <a:rPr lang="sv-SE" sz="1400" dirty="0" smtClean="0">
+                <a:solidFill>
+                  <a:srgbClr val="009900"/>
+                </a:solidFill>
+                <a:latin typeface="Menlo"/>
+              </a:rPr>
+              <a:t> </a:t>
+            </a:r>
+            <a:r>
+              <a:rPr lang="sv-SE" sz="1400" dirty="0">
+                <a:solidFill>
+                  <a:srgbClr val="000000"/>
+                </a:solidFill>
+                <a:latin typeface="Menlo"/>
+              </a:rPr>
+              <a:t>+ </a:t>
+            </a:r>
+            <a:r>
+              <a:rPr lang="sv-SE" sz="1400" dirty="0" smtClean="0">
+                <a:solidFill>
+                  <a:srgbClr val="000000"/>
+                </a:solidFill>
+                <a:latin typeface="Menlo"/>
+              </a:rPr>
+              <a:t>						  </a:t>
+            </a:r>
+            <a:r>
+              <a:rPr lang="sv-SE" sz="1400" dirty="0" err="1" smtClean="0">
+                <a:solidFill>
+                  <a:srgbClr val="000000"/>
+                </a:solidFill>
+                <a:latin typeface="Menlo"/>
+              </a:rPr>
+              <a:t>i.ToString</a:t>
+            </a:r>
+            <a:r>
+              <a:rPr lang="sv-SE" sz="1400" dirty="0">
+                <a:solidFill>
+                  <a:srgbClr val="000000"/>
+                </a:solidFill>
+                <a:latin typeface="Menlo"/>
+              </a:rPr>
+              <a:t>());</a:t>
+            </a:r>
+          </a:p>
+          <a:p>
+            <a:r>
+              <a:rPr lang="en-US" sz="1400" dirty="0">
+                <a:latin typeface="Menlo"/>
+              </a:rPr>
+              <a:t>    </a:t>
+            </a:r>
+            <a:r>
+              <a:rPr lang="en-US" sz="1400" dirty="0">
+                <a:solidFill>
+                  <a:srgbClr val="000000"/>
+                </a:solidFill>
+                <a:latin typeface="Menlo"/>
+              </a:rPr>
+              <a:t>}</a:t>
+            </a:r>
+          </a:p>
+          <a:p>
+            <a:r>
+              <a:rPr lang="is-IS" sz="1400" dirty="0">
+                <a:latin typeface="Menlo"/>
+              </a:rPr>
+              <a:t>    </a:t>
+            </a:r>
+            <a:r>
+              <a:rPr lang="is-IS" sz="1400" b="1" dirty="0">
+                <a:solidFill>
+                  <a:srgbClr val="000080"/>
+                </a:solidFill>
+                <a:latin typeface="Menlo"/>
+              </a:rPr>
+              <a:t>return</a:t>
+            </a:r>
+            <a:r>
+              <a:rPr lang="is-IS" sz="1400" dirty="0">
+                <a:solidFill>
+                  <a:srgbClr val="000080"/>
+                </a:solidFill>
+                <a:latin typeface="Menlo"/>
+              </a:rPr>
+              <a:t> </a:t>
+            </a:r>
+            <a:r>
+              <a:rPr lang="is-IS" sz="1400" dirty="0">
+                <a:solidFill>
+                  <a:srgbClr val="000000"/>
+                </a:solidFill>
+                <a:latin typeface="Menlo"/>
+              </a:rPr>
+              <a:t>-</a:t>
+            </a:r>
+            <a:r>
+              <a:rPr lang="is-IS" sz="1400" dirty="0">
+                <a:solidFill>
+                  <a:srgbClr val="0000FF"/>
+                </a:solidFill>
+                <a:latin typeface="Menlo"/>
+              </a:rPr>
+              <a:t>1</a:t>
+            </a:r>
+            <a:r>
+              <a:rPr lang="is-IS" sz="1400" dirty="0">
+                <a:solidFill>
+                  <a:srgbClr val="000000"/>
+                </a:solidFill>
+                <a:latin typeface="Menlo"/>
+              </a:rPr>
+              <a:t>;</a:t>
+            </a:r>
+          </a:p>
+          <a:p>
+            <a:r>
+              <a:rPr lang="en-US" sz="1400" dirty="0">
+                <a:solidFill>
+                  <a:srgbClr val="000000"/>
+                </a:solidFill>
+                <a:latin typeface="Menlo"/>
+              </a:rPr>
+              <a:t>}</a:t>
+            </a:r>
           </a:p>
         </p:txBody>
       </p:sp>
@@ -21673,7 +22832,7 @@
   <p:timing>
     <p:tnLst>
       <p:par>
-        <p:cTn id="1" dur="indefinite" restart="never" nodeType="tmRoot"/>
+        <p:cTn xmlns:p14="http://schemas.microsoft.com/office/powerpoint/2010/main" id="1" dur="indefinite" restart="never" nodeType="tmRoot"/>
       </p:par>
     </p:tnLst>
   </p:timing>
@@ -21734,8 +22893,8 @@
         </p:nvSpPr>
         <p:spPr bwMode="auto">
           <a:xfrm>
-            <a:off x="2000878" y="2062698"/>
-            <a:ext cx="5023841" cy="2732604"/>
+            <a:off x="1419539" y="2201198"/>
+            <a:ext cx="6304922" cy="2455605"/>
           </a:xfrm>
           <a:prstGeom prst="rect">
             <a:avLst/>
@@ -21767,6 +22926,8 @@
                 <a:solidFill>
                   <a:schemeClr val="accent4"/>
                 </a:solidFill>
+                <a:latin typeface="Arial"/>
+                <a:cs typeface="Arial"/>
               </a:rPr>
               <a:t>Для покрытия предыдущего примера кода по ветвям потребуется уже три </a:t>
             </a:r>
@@ -21775,6 +22936,8 @@
                 <a:solidFill>
                   <a:schemeClr val="accent4"/>
                 </a:solidFill>
+                <a:latin typeface="Arial"/>
+                <a:cs typeface="Arial"/>
               </a:rPr>
               <a:t>теста</a:t>
             </a:r>
@@ -21782,6 +22945,8 @@
               <a:solidFill>
                 <a:schemeClr val="accent4"/>
               </a:solidFill>
+              <a:latin typeface="Arial"/>
+              <a:cs typeface="Arial"/>
             </a:endParaRPr>
           </a:p>
           <a:p>
@@ -21797,6 +22962,8 @@
               <a:solidFill>
                 <a:schemeClr val="accent4"/>
               </a:solidFill>
+              <a:latin typeface="Arial"/>
+              <a:cs typeface="Arial"/>
             </a:endParaRPr>
           </a:p>
           <a:p>
@@ -21813,6 +22980,8 @@
                 <a:solidFill>
                   <a:schemeClr val="accent4"/>
                 </a:solidFill>
+                <a:latin typeface="Arial"/>
+                <a:cs typeface="Arial"/>
               </a:rPr>
               <a:t>Это связано с тем, что первый условный оператор if имеет неявную ветвь – пустую ветвь </a:t>
             </a:r>
@@ -21821,6 +22990,8 @@
                 <a:solidFill>
                   <a:schemeClr val="accent4"/>
                 </a:solidFill>
+                <a:latin typeface="Arial"/>
+                <a:cs typeface="Arial"/>
               </a:rPr>
               <a:t>else</a:t>
             </a:r>
@@ -21828,6 +22999,8 @@
               <a:solidFill>
                 <a:schemeClr val="accent4"/>
               </a:solidFill>
+              <a:latin typeface="Arial"/>
+              <a:cs typeface="Arial"/>
             </a:endParaRPr>
           </a:p>
           <a:p>
@@ -21843,6 +23016,8 @@
               <a:solidFill>
                 <a:schemeClr val="accent4"/>
               </a:solidFill>
+              <a:latin typeface="Arial"/>
+              <a:cs typeface="Arial"/>
             </a:endParaRPr>
           </a:p>
           <a:p>
@@ -21859,6 +23034,8 @@
                 <a:solidFill>
                   <a:schemeClr val="accent4"/>
                 </a:solidFill>
+                <a:latin typeface="Arial"/>
+                <a:cs typeface="Arial"/>
               </a:rPr>
               <a:t>Для обеспечения покрытия по ветвям необходимо покрывать и пустые ветви</a:t>
             </a:r>
@@ -21878,7 +23055,7 @@
   <p:timing>
     <p:tnLst>
       <p:par>
-        <p:cTn id="1" dur="indefinite" restart="never" nodeType="tmRoot"/>
+        <p:cTn xmlns:p14="http://schemas.microsoft.com/office/powerpoint/2010/main" id="1" dur="indefinite" restart="never" nodeType="tmRoot"/>
       </p:par>
     </p:tnLst>
   </p:timing>
@@ -21939,8 +23116,8 @@
         </p:nvSpPr>
         <p:spPr bwMode="auto">
           <a:xfrm>
-            <a:off x="2000878" y="2062698"/>
-            <a:ext cx="5023841" cy="2178606"/>
+            <a:off x="381000" y="1250394"/>
+            <a:ext cx="8057522" cy="1624608"/>
           </a:xfrm>
           <a:prstGeom prst="rect">
             <a:avLst/>
@@ -21972,6 +23149,8 @@
                 <a:solidFill>
                   <a:schemeClr val="accent4"/>
                 </a:solidFill>
+                <a:latin typeface="Arial"/>
+                <a:cs typeface="Arial"/>
               </a:rPr>
               <a:t>Особенность данного уровня покрытия заключается в том, что на нем могут не учитываться логические выражения, значения которых получаются вызовом </a:t>
             </a:r>
@@ -21980,6 +23159,8 @@
                 <a:solidFill>
                   <a:schemeClr val="accent4"/>
                 </a:solidFill>
+                <a:latin typeface="Arial"/>
+                <a:cs typeface="Arial"/>
               </a:rPr>
               <a:t>методов</a:t>
             </a:r>
@@ -21987,6 +23168,8 @@
               <a:solidFill>
                 <a:schemeClr val="accent4"/>
               </a:solidFill>
+              <a:latin typeface="Arial"/>
+              <a:cs typeface="Arial"/>
             </a:endParaRPr>
           </a:p>
           <a:p>
@@ -22002,6 +23185,8 @@
               <a:solidFill>
                 <a:schemeClr val="accent4"/>
               </a:solidFill>
+              <a:latin typeface="Arial"/>
+              <a:cs typeface="Arial"/>
             </a:endParaRPr>
           </a:p>
           <a:p>
@@ -22018,9 +23203,172 @@
                 <a:solidFill>
                   <a:schemeClr val="accent4"/>
                 </a:solidFill>
+                <a:latin typeface="Arial"/>
+                <a:cs typeface="Arial"/>
               </a:rPr>
               <a:t>Рассмотрим пример кода:</a:t>
             </a:r>
+          </a:p>
+        </p:txBody>
+      </p:sp>
+      <p:sp>
+        <p:nvSpPr>
+          <p:cNvPr id="3" name="Rectangle 2"/>
+          <p:cNvSpPr/>
+          <p:nvPr/>
+        </p:nvSpPr>
+        <p:spPr>
+          <a:xfrm>
+            <a:off x="533400" y="3200400"/>
+            <a:ext cx="6553200" cy="1477328"/>
+          </a:xfrm>
+          <a:prstGeom prst="rect">
+            <a:avLst/>
+          </a:prstGeom>
+        </p:spPr>
+        <p:txBody>
+          <a:bodyPr wrap="square">
+            <a:spAutoFit/>
+          </a:bodyPr>
+          <a:lstStyle/>
+          <a:p>
+            <a:r>
+              <a:rPr lang="en-US" b="1" dirty="0">
+                <a:solidFill>
+                  <a:srgbClr val="000080"/>
+                </a:solidFill>
+                <a:latin typeface="Menlo"/>
+              </a:rPr>
+              <a:t>if</a:t>
+            </a:r>
+            <a:r>
+              <a:rPr lang="en-US" dirty="0">
+                <a:solidFill>
+                  <a:srgbClr val="000080"/>
+                </a:solidFill>
+                <a:latin typeface="Menlo"/>
+              </a:rPr>
+              <a:t> </a:t>
+            </a:r>
+            <a:r>
+              <a:rPr lang="en-US" dirty="0">
+                <a:solidFill>
+                  <a:srgbClr val="000000"/>
+                </a:solidFill>
+                <a:latin typeface="Menlo"/>
+              </a:rPr>
+              <a:t>(condition1 &amp;&amp; (condition2 || </a:t>
+            </a:r>
+            <a:r>
+              <a:rPr lang="en-US" dirty="0">
+                <a:solidFill>
+                  <a:srgbClr val="0000B3"/>
+                </a:solidFill>
+                <a:latin typeface="Menlo"/>
+              </a:rPr>
+              <a:t>Method</a:t>
+            </a:r>
+            <a:r>
+              <a:rPr lang="en-US" dirty="0">
+                <a:solidFill>
+                  <a:srgbClr val="000000"/>
+                </a:solidFill>
+                <a:latin typeface="Menlo"/>
+              </a:rPr>
+              <a:t>()))</a:t>
+            </a:r>
+          </a:p>
+          <a:p>
+            <a:r>
+              <a:rPr lang="fr-FR" dirty="0">
+                <a:solidFill>
+                  <a:srgbClr val="000000"/>
+                </a:solidFill>
+                <a:latin typeface="Menlo"/>
+              </a:rPr>
+              <a:t>    statement1;</a:t>
+            </a:r>
+          </a:p>
+          <a:p>
+            <a:r>
+              <a:rPr lang="da-DK" b="1" dirty="0" err="1">
+                <a:solidFill>
+                  <a:srgbClr val="000080"/>
+                </a:solidFill>
+                <a:latin typeface="Menlo"/>
+              </a:rPr>
+              <a:t>else</a:t>
+            </a:r>
+            <a:endParaRPr lang="da-DK" dirty="0">
+              <a:solidFill>
+                <a:srgbClr val="000080"/>
+              </a:solidFill>
+              <a:latin typeface="Menlo"/>
+            </a:endParaRPr>
+          </a:p>
+          <a:p>
+            <a:r>
+              <a:rPr lang="fr-FR" dirty="0">
+                <a:solidFill>
+                  <a:srgbClr val="000000"/>
+                </a:solidFill>
+                <a:latin typeface="Menlo"/>
+              </a:rPr>
+              <a:t>    statement2;</a:t>
+            </a:r>
+          </a:p>
+          <a:p>
+            <a:endParaRPr lang="en-US" dirty="0">
+              <a:latin typeface="Menlo"/>
+            </a:endParaRPr>
+          </a:p>
+        </p:txBody>
+      </p:sp>
+      <p:sp>
+        <p:nvSpPr>
+          <p:cNvPr id="4" name="Rounded Rectangle 3"/>
+          <p:cNvSpPr/>
+          <p:nvPr/>
+        </p:nvSpPr>
+        <p:spPr>
+          <a:xfrm>
+            <a:off x="457200" y="3124200"/>
+            <a:ext cx="6248400" cy="1295400"/>
+          </a:xfrm>
+          <a:prstGeom prst="roundRect">
+            <a:avLst>
+              <a:gd name="adj" fmla="val 8411"/>
+            </a:avLst>
+          </a:prstGeom>
+          <a:solidFill>
+            <a:schemeClr val="accent4">
+              <a:alpha val="18000"/>
+            </a:schemeClr>
+          </a:solidFill>
+          <a:ln>
+            <a:noFill/>
+          </a:ln>
+        </p:spPr>
+        <p:style>
+          <a:lnRef idx="2">
+            <a:schemeClr val="accent1"/>
+          </a:lnRef>
+          <a:fillRef idx="1">
+            <a:schemeClr val="lt1"/>
+          </a:fillRef>
+          <a:effectRef idx="0">
+            <a:schemeClr val="accent1"/>
+          </a:effectRef>
+          <a:fontRef idx="minor">
+            <a:schemeClr val="dk1"/>
+          </a:fontRef>
+        </p:style>
+        <p:txBody>
+          <a:bodyPr rtlCol="0" anchor="ctr"/>
+          <a:lstStyle/>
+          <a:p>
+            <a:pPr algn="ctr"/>
+            <a:endParaRPr lang="en-US"/>
           </a:p>
         </p:txBody>
       </p:sp>
@@ -22037,7 +23385,7 @@
   <p:timing>
     <p:tnLst>
       <p:par>
-        <p:cTn id="1" dur="indefinite" restart="never" nodeType="tmRoot"/>
+        <p:cTn xmlns:p14="http://schemas.microsoft.com/office/powerpoint/2010/main" id="1" dur="indefinite" restart="never" nodeType="tmRoot"/>
       </p:par>
     </p:tnLst>
   </p:timing>
@@ -22098,8 +23446,8 @@
         </p:nvSpPr>
         <p:spPr bwMode="auto">
           <a:xfrm>
-            <a:off x="2000878" y="1370201"/>
-            <a:ext cx="5023841" cy="4117598"/>
+            <a:off x="381000" y="1370201"/>
+            <a:ext cx="8131175" cy="3563601"/>
           </a:xfrm>
           <a:prstGeom prst="rect">
             <a:avLst/>
@@ -22131,6 +23479,8 @@
                 <a:solidFill>
                   <a:schemeClr val="accent4"/>
                 </a:solidFill>
+                <a:latin typeface="Arial"/>
+                <a:cs typeface="Arial"/>
               </a:rPr>
               <a:t>Полное покрытие условий может быть достигнуто при помощи двух тестов</a:t>
             </a:r>
@@ -22139,6 +23489,8 @@
                 <a:solidFill>
                   <a:schemeClr val="accent4"/>
                 </a:solidFill>
+                <a:latin typeface="Arial"/>
+                <a:cs typeface="Arial"/>
               </a:rPr>
               <a:t>:</a:t>
             </a:r>
@@ -22146,6 +23498,8 @@
               <a:solidFill>
                 <a:schemeClr val="accent4"/>
               </a:solidFill>
+              <a:latin typeface="Arial"/>
+              <a:cs typeface="Arial"/>
             </a:endParaRPr>
           </a:p>
           <a:p>
@@ -22161,6 +23515,8 @@
               <a:solidFill>
                 <a:schemeClr val="accent4"/>
               </a:solidFill>
+              <a:latin typeface="Arial"/>
+              <a:cs typeface="Arial"/>
             </a:endParaRPr>
           </a:p>
           <a:p>
@@ -22177,6 +23533,8 @@
                 <a:solidFill>
                   <a:schemeClr val="accent4"/>
                 </a:solidFill>
+                <a:latin typeface="Arial"/>
+                <a:cs typeface="Arial"/>
               </a:rPr>
               <a:t>condition1 = true, condition2 = true</a:t>
             </a:r>
@@ -22195,6 +23553,8 @@
                 <a:solidFill>
                   <a:schemeClr val="accent4"/>
                 </a:solidFill>
+                <a:latin typeface="Arial"/>
+                <a:cs typeface="Arial"/>
               </a:rPr>
               <a:t>condition1 = false, condition2 = </a:t>
             </a:r>
@@ -22203,6 +23563,8 @@
                 <a:solidFill>
                   <a:schemeClr val="accent4"/>
                 </a:solidFill>
+                <a:latin typeface="Arial"/>
+                <a:cs typeface="Arial"/>
               </a:rPr>
               <a:t>true/false</a:t>
             </a:r>
@@ -22220,6 +23582,8 @@
               <a:solidFill>
                 <a:schemeClr val="accent4"/>
               </a:solidFill>
+              <a:latin typeface="Arial"/>
+              <a:cs typeface="Arial"/>
             </a:endParaRPr>
           </a:p>
           <a:p>
@@ -22236,6 +23600,8 @@
                 <a:solidFill>
                   <a:schemeClr val="accent4"/>
                 </a:solidFill>
+                <a:latin typeface="Arial"/>
+                <a:cs typeface="Arial"/>
               </a:rPr>
               <a:t>В обоих случаях не происходит вызова метода </a:t>
             </a:r>
@@ -22244,6 +23610,8 @@
                 <a:solidFill>
                   <a:schemeClr val="accent4"/>
                 </a:solidFill>
+                <a:latin typeface="Arial"/>
+                <a:cs typeface="Arial"/>
               </a:rPr>
               <a:t>Method() (</a:t>
             </a:r>
@@ -22252,6 +23620,8 @@
                 <a:solidFill>
                   <a:schemeClr val="accent4"/>
                 </a:solidFill>
+                <a:latin typeface="Arial"/>
+                <a:cs typeface="Arial"/>
               </a:rPr>
               <a:t>хотя покрытие будет полным</a:t>
             </a:r>
@@ -22260,6 +23630,8 @@
                 <a:solidFill>
                   <a:schemeClr val="accent4"/>
                 </a:solidFill>
+                <a:latin typeface="Arial"/>
+                <a:cs typeface="Arial"/>
               </a:rPr>
               <a:t>)</a:t>
             </a:r>
@@ -22267,6 +23639,8 @@
               <a:solidFill>
                 <a:schemeClr val="accent4"/>
               </a:solidFill>
+              <a:latin typeface="Arial"/>
+              <a:cs typeface="Arial"/>
             </a:endParaRPr>
           </a:p>
           <a:p>
@@ -22282,6 +23656,8 @@
               <a:solidFill>
                 <a:schemeClr val="accent4"/>
               </a:solidFill>
+              <a:latin typeface="Arial"/>
+              <a:cs typeface="Arial"/>
             </a:endParaRPr>
           </a:p>
           <a:p>
@@ -22298,6 +23674,8 @@
                 <a:solidFill>
                   <a:schemeClr val="accent4"/>
                 </a:solidFill>
+                <a:latin typeface="Arial"/>
+                <a:cs typeface="Arial"/>
               </a:rPr>
               <a:t>Для его проверки необходимо добавить еще один тест</a:t>
             </a:r>
@@ -22306,6 +23684,8 @@
                 <a:solidFill>
                   <a:schemeClr val="accent4"/>
                 </a:solidFill>
+                <a:latin typeface="Arial"/>
+                <a:cs typeface="Arial"/>
               </a:rPr>
               <a:t>:</a:t>
             </a:r>
@@ -22313,6 +23693,8 @@
               <a:solidFill>
                 <a:schemeClr val="accent4"/>
               </a:solidFill>
+              <a:latin typeface="Arial"/>
+              <a:cs typeface="Arial"/>
             </a:endParaRPr>
           </a:p>
           <a:p>
@@ -22328,6 +23710,8 @@
               <a:solidFill>
                 <a:schemeClr val="accent4"/>
               </a:solidFill>
+              <a:latin typeface="Arial"/>
+              <a:cs typeface="Arial"/>
             </a:endParaRPr>
           </a:p>
           <a:p>
@@ -22344,6 +23728,8 @@
                 <a:solidFill>
                   <a:schemeClr val="accent4"/>
                 </a:solidFill>
+                <a:latin typeface="Arial"/>
+                <a:cs typeface="Arial"/>
               </a:rPr>
               <a:t>condition1 = true, condition2 = false</a:t>
             </a:r>
@@ -22363,7 +23749,7 @@
   <p:timing>
     <p:tnLst>
       <p:par>
-        <p:cTn id="1" dur="indefinite" restart="never" nodeType="tmRoot"/>
+        <p:cTn xmlns:p14="http://schemas.microsoft.com/office/powerpoint/2010/main" id="1" dur="indefinite" restart="never" nodeType="tmRoot"/>
       </p:par>
     </p:tnLst>
   </p:timing>
@@ -22678,6 +24064,22 @@
                 </a:buClr>
                 <a:buSzPct val="125000"/>
               </a:pPr>
+              <a:r>
+                <a:rPr lang="ru-RU" dirty="0">
+                  <a:solidFill>
+                    <a:srgbClr val="004080"/>
+                  </a:solidFill>
+                </a:rPr>
+                <a:t>Понятие покрытия программного </a:t>
+              </a:r>
+              <a:r>
+                <a:rPr lang="ru-RU" dirty="0" smtClean="0">
+                  <a:solidFill>
+                    <a:srgbClr val="004080"/>
+                  </a:solidFill>
+                </a:rPr>
+                <a:t>кода</a:t>
+              </a:r>
               <a:endParaRPr lang="ru-RU" dirty="0">
                 <a:solidFill>
                   <a:srgbClr val="004080"/>
@@ -22949,7 +24351,23 @@
                 </a:buClr>
                 <a:buSzPct val="125000"/>
               </a:pPr>
-              <a:endParaRPr lang="en-US" dirty="0">
+              <a:r>
+                <a:rPr lang="ru-RU" dirty="0">
+                  <a:solidFill>
+                    <a:srgbClr val="004080"/>
+                  </a:solidFill>
+                </a:rPr>
+                <a:t>Уровни </a:t>
+              </a:r>
+              <a:r>
+                <a:rPr lang="ru-RU" dirty="0" smtClean="0">
+                  <a:solidFill>
+                    <a:srgbClr val="004080"/>
+                  </a:solidFill>
+                </a:rPr>
+                <a:t>покрытия</a:t>
+              </a:r>
+              <a:endParaRPr lang="ru-RU" dirty="0">
                 <a:solidFill>
                   <a:srgbClr val="004080"/>
                 </a:solidFill>
@@ -23220,7 +24638,23 @@
                 </a:buClr>
                 <a:buSzPct val="125000"/>
               </a:pPr>
-              <a:endParaRPr lang="en-US" dirty="0" smtClean="0">
+              <a:r>
+                <a:rPr lang="ru-RU" dirty="0">
+                  <a:solidFill>
+                    <a:srgbClr val="004080"/>
+                  </a:solidFill>
+                </a:rPr>
+                <a:t>П</a:t>
+              </a:r>
+              <a:r>
+                <a:rPr lang="ru-RU" dirty="0" smtClean="0">
+                  <a:solidFill>
+                    <a:srgbClr val="004080"/>
+                  </a:solidFill>
+                </a:rPr>
+                <a:t>окрытие операторов</a:t>
+              </a:r>
+              <a:endParaRPr lang="ru-RU" dirty="0">
                 <a:solidFill>
                   <a:srgbClr val="004080"/>
                 </a:solidFill>
@@ -23491,7 +24925,23 @@
                 </a:buClr>
                 <a:buSzPct val="125000"/>
               </a:pPr>
-              <a:endParaRPr lang="en-US" dirty="0">
+              <a:r>
+                <a:rPr lang="ru-RU" dirty="0">
+                  <a:solidFill>
+                    <a:srgbClr val="004080"/>
+                  </a:solidFill>
+                </a:rPr>
+                <a:t>П</a:t>
+              </a:r>
+              <a:r>
+                <a:rPr lang="ru-RU" dirty="0" smtClean="0">
+                  <a:solidFill>
+                    <a:srgbClr val="004080"/>
+                  </a:solidFill>
+                </a:rPr>
+                <a:t>окрытие условий</a:t>
+              </a:r>
+              <a:endParaRPr lang="ru-RU" dirty="0">
                 <a:solidFill>
                   <a:srgbClr val="004080"/>
                 </a:solidFill>
@@ -23762,7 +25212,15 @@
                 </a:buClr>
                 <a:buSzPct val="125000"/>
               </a:pPr>
-              <a:endParaRPr lang="en-US" dirty="0" smtClean="0">
+              <a:r>
+                <a:rPr lang="ru-RU" dirty="0" smtClean="0">
+                  <a:solidFill>
+                    <a:srgbClr val="004080"/>
+                  </a:solidFill>
+                </a:rPr>
+                <a:t>Покрытие функций</a:t>
+              </a:r>
+              <a:endParaRPr lang="ru-RU" dirty="0">
                 <a:solidFill>
                   <a:srgbClr val="004080"/>
                 </a:solidFill>
@@ -24033,7 +25491,15 @@
                 </a:buClr>
                 <a:buSzPct val="125000"/>
               </a:pPr>
-              <a:endParaRPr lang="en-US" dirty="0" smtClean="0">
+              <a:r>
+                <a:rPr lang="ru-RU" dirty="0" smtClean="0">
+                  <a:solidFill>
+                    <a:srgbClr val="004080"/>
+                  </a:solidFill>
+                </a:rPr>
+                <a:t>Покрытие путей</a:t>
+              </a:r>
+              <a:endParaRPr lang="ru-RU" dirty="0">
                 <a:solidFill>
                   <a:srgbClr val="004080"/>
                 </a:solidFill>
@@ -24304,7 +25770,23 @@
                 </a:buClr>
                 <a:buSzPct val="125000"/>
               </a:pPr>
-              <a:endParaRPr lang="en-US" dirty="0">
+              <a:r>
+                <a:rPr lang="ru-RU" dirty="0">
+                  <a:solidFill>
+                    <a:srgbClr val="004080"/>
+                  </a:solidFill>
+                </a:rPr>
+                <a:t>Анализ </a:t>
+              </a:r>
+              <a:r>
+                <a:rPr lang="ru-RU" dirty="0" smtClean="0">
+                  <a:solidFill>
+                    <a:srgbClr val="004080"/>
+                  </a:solidFill>
+                </a:rPr>
+                <a:t>покрытия</a:t>
+              </a:r>
+              <a:endParaRPr lang="ru-RU" dirty="0">
                 <a:solidFill>
                   <a:srgbClr val="004080"/>
                 </a:solidFill>
@@ -24323,13 +25805,13 @@
   <p:clrMapOvr>
     <a:masterClrMapping/>
   </p:clrMapOvr>
-  <p:transition spd="slow">
+  <p:transition xmlns:p14="http://schemas.microsoft.com/office/powerpoint/2010/main" spd="slow">
     <p:fade/>
   </p:transition>
   <p:timing>
     <p:tnLst>
       <p:par>
-        <p:cTn id="1" dur="indefinite" restart="never" nodeType="tmRoot"/>
+        <p:cTn xmlns:p14="http://schemas.microsoft.com/office/powerpoint/2010/main" id="1" dur="indefinite" restart="never" nodeType="tmRoot"/>
       </p:par>
     </p:tnLst>
   </p:timing>
@@ -24390,8 +25872,8 @@
         </p:nvSpPr>
         <p:spPr bwMode="auto">
           <a:xfrm>
-            <a:off x="2000878" y="1508701"/>
-            <a:ext cx="5023841" cy="3840599"/>
+            <a:off x="1143000" y="1924199"/>
+            <a:ext cx="6858000" cy="3009603"/>
           </a:xfrm>
           <a:prstGeom prst="rect">
             <a:avLst/>
@@ -24423,6 +25905,8 @@
                 <a:solidFill>
                   <a:schemeClr val="accent4"/>
                 </a:solidFill>
+                <a:latin typeface="Arial"/>
+                <a:cs typeface="Arial"/>
               </a:rPr>
               <a:t>В данном случае считаются все пути, которые выполняются в процессе работы тестируемого </a:t>
             </a:r>
@@ -24431,6 +25915,8 @@
                 <a:solidFill>
                   <a:schemeClr val="accent4"/>
                 </a:solidFill>
+                <a:latin typeface="Arial"/>
+                <a:cs typeface="Arial"/>
               </a:rPr>
               <a:t>метода</a:t>
             </a:r>
@@ -24438,6 +25924,8 @@
               <a:solidFill>
                 <a:schemeClr val="accent4"/>
               </a:solidFill>
+              <a:latin typeface="Arial"/>
+              <a:cs typeface="Arial"/>
             </a:endParaRPr>
           </a:p>
           <a:p>
@@ -24453,6 +25941,8 @@
               <a:solidFill>
                 <a:schemeClr val="accent4"/>
               </a:solidFill>
+              <a:latin typeface="Arial"/>
+              <a:cs typeface="Arial"/>
             </a:endParaRPr>
           </a:p>
           <a:p>
@@ -24469,6 +25959,8 @@
                 <a:solidFill>
                   <a:schemeClr val="accent4"/>
                 </a:solidFill>
+                <a:latin typeface="Arial"/>
+                <a:cs typeface="Arial"/>
               </a:rPr>
               <a:t>Путь - уникальная последовательность выполнения операторов, с учетом условных </a:t>
             </a:r>
@@ -24477,6 +25969,8 @@
                 <a:solidFill>
                   <a:schemeClr val="accent4"/>
                 </a:solidFill>
+                <a:latin typeface="Arial"/>
+                <a:cs typeface="Arial"/>
               </a:rPr>
               <a:t>операторов</a:t>
             </a:r>
@@ -24484,6 +25978,8 @@
               <a:solidFill>
                 <a:schemeClr val="accent4"/>
               </a:solidFill>
+              <a:latin typeface="Arial"/>
+              <a:cs typeface="Arial"/>
             </a:endParaRPr>
           </a:p>
           <a:p>
@@ -24499,6 +25995,8 @@
               <a:solidFill>
                 <a:schemeClr val="accent4"/>
               </a:solidFill>
+              <a:latin typeface="Arial"/>
+              <a:cs typeface="Arial"/>
             </a:endParaRPr>
           </a:p>
           <a:p>
@@ -24515,6 +26013,8 @@
                 <a:solidFill>
                   <a:schemeClr val="accent4"/>
                 </a:solidFill>
+                <a:latin typeface="Arial"/>
+                <a:cs typeface="Arial"/>
               </a:rPr>
               <a:t>Метод, содержащий в себе N условий, имеет 2^N </a:t>
             </a:r>
@@ -24523,6 +26023,8 @@
                 <a:solidFill>
                   <a:schemeClr val="accent4"/>
                 </a:solidFill>
+                <a:latin typeface="Arial"/>
+                <a:cs typeface="Arial"/>
               </a:rPr>
               <a:t>путей</a:t>
             </a:r>
@@ -24530,6 +26032,8 @@
               <a:solidFill>
                 <a:schemeClr val="accent4"/>
               </a:solidFill>
+              <a:latin typeface="Arial"/>
+              <a:cs typeface="Arial"/>
             </a:endParaRPr>
           </a:p>
           <a:p>
@@ -24545,6 +26049,8 @@
               <a:solidFill>
                 <a:schemeClr val="accent4"/>
               </a:solidFill>
+              <a:latin typeface="Arial"/>
+              <a:cs typeface="Arial"/>
             </a:endParaRPr>
           </a:p>
           <a:p>
@@ -24561,6 +26067,8 @@
                 <a:solidFill>
                   <a:schemeClr val="accent4"/>
                 </a:solidFill>
+                <a:latin typeface="Arial"/>
+                <a:cs typeface="Arial"/>
               </a:rPr>
               <a:t>Метод, содержащий цикл, может иметь бесконечное число путей</a:t>
             </a:r>
@@ -24580,7 +26088,7 @@
   <p:timing>
     <p:tnLst>
       <p:par>
-        <p:cTn id="1" dur="indefinite" restart="never" nodeType="tmRoot"/>
+        <p:cTn xmlns:p14="http://schemas.microsoft.com/office/powerpoint/2010/main" id="1" dur="indefinite" restart="never" nodeType="tmRoot"/>
       </p:par>
     </p:tnLst>
   </p:timing>
@@ -24641,8 +26149,8 @@
         </p:nvSpPr>
         <p:spPr bwMode="auto">
           <a:xfrm>
-            <a:off x="2000878" y="1924199"/>
-            <a:ext cx="5023841" cy="3009602"/>
+            <a:off x="800100" y="2201198"/>
+            <a:ext cx="7543800" cy="2455605"/>
           </a:xfrm>
           <a:prstGeom prst="rect">
             <a:avLst/>
@@ -24674,6 +26182,8 @@
                 <a:solidFill>
                   <a:schemeClr val="accent4"/>
                 </a:solidFill>
+                <a:latin typeface="Arial"/>
+                <a:cs typeface="Arial"/>
               </a:rPr>
               <a:t>Т.о. в большинстве случаев 100%-е покрытие путей обеспечить </a:t>
             </a:r>
@@ -24682,6 +26192,8 @@
                 <a:solidFill>
                   <a:schemeClr val="accent4"/>
                 </a:solidFill>
+                <a:latin typeface="Arial"/>
+                <a:cs typeface="Arial"/>
               </a:rPr>
               <a:t>невозможно</a:t>
             </a:r>
@@ -24689,6 +26201,8 @@
               <a:solidFill>
                 <a:schemeClr val="accent4"/>
               </a:solidFill>
+              <a:latin typeface="Arial"/>
+              <a:cs typeface="Arial"/>
             </a:endParaRPr>
           </a:p>
           <a:p>
@@ -24704,6 +26218,8 @@
               <a:solidFill>
                 <a:schemeClr val="accent4"/>
               </a:solidFill>
+              <a:latin typeface="Arial"/>
+              <a:cs typeface="Arial"/>
             </a:endParaRPr>
           </a:p>
           <a:p>
@@ -24720,6 +26236,8 @@
                 <a:solidFill>
                   <a:schemeClr val="accent4"/>
                 </a:solidFill>
+                <a:latin typeface="Arial"/>
+                <a:cs typeface="Arial"/>
               </a:rPr>
               <a:t>Для решения этой проблемы, может быть применен метод покрытия основных (базисных, линейно-независимых) </a:t>
             </a:r>
@@ -24728,6 +26246,8 @@
                 <a:solidFill>
                   <a:schemeClr val="accent4"/>
                 </a:solidFill>
+                <a:latin typeface="Arial"/>
+                <a:cs typeface="Arial"/>
               </a:rPr>
               <a:t>путей</a:t>
             </a:r>
@@ -24735,6 +26255,8 @@
               <a:solidFill>
                 <a:schemeClr val="accent4"/>
               </a:solidFill>
+              <a:latin typeface="Arial"/>
+              <a:cs typeface="Arial"/>
             </a:endParaRPr>
           </a:p>
           <a:p>
@@ -24750,6 +26272,8 @@
               <a:solidFill>
                 <a:schemeClr val="accent4"/>
               </a:solidFill>
+              <a:latin typeface="Arial"/>
+              <a:cs typeface="Arial"/>
             </a:endParaRPr>
           </a:p>
           <a:p>
@@ -24766,6 +26290,8 @@
                 <a:solidFill>
                   <a:schemeClr val="accent4"/>
                 </a:solidFill>
+                <a:latin typeface="Arial"/>
+                <a:cs typeface="Arial"/>
               </a:rPr>
               <a:t>Основные пути – минимальный набор путей, комбинация которых может обеспечить все возможные пути выполнения метода</a:t>
             </a:r>
@@ -24785,7 +26311,7 @@
   <p:timing>
     <p:tnLst>
       <p:par>
-        <p:cTn id="1" dur="indefinite" restart="never" nodeType="tmRoot"/>
+        <p:cTn xmlns:p14="http://schemas.microsoft.com/office/powerpoint/2010/main" id="1" dur="indefinite" restart="never" nodeType="tmRoot"/>
       </p:par>
     </p:tnLst>
   </p:timing>
@@ -24811,6 +26337,54 @@
       </p:grpSpPr>
       <p:sp>
         <p:nvSpPr>
+          <p:cNvPr id="4" name="Rounded Rectangle 3"/>
+          <p:cNvSpPr/>
+          <p:nvPr/>
+        </p:nvSpPr>
+        <p:spPr>
+          <a:xfrm>
+            <a:off x="487947" y="2895600"/>
+            <a:ext cx="2636253" cy="1981200"/>
+          </a:xfrm>
+          <a:prstGeom prst="roundRect">
+            <a:avLst>
+              <a:gd name="adj" fmla="val 5871"/>
+            </a:avLst>
+          </a:prstGeom>
+          <a:solidFill>
+            <a:schemeClr val="accent4">
+              <a:alpha val="18000"/>
+            </a:schemeClr>
+          </a:solidFill>
+          <a:ln>
+            <a:noFill/>
+          </a:ln>
+        </p:spPr>
+        <p:style>
+          <a:lnRef idx="2">
+            <a:schemeClr val="accent1"/>
+          </a:lnRef>
+          <a:fillRef idx="1">
+            <a:schemeClr val="lt1"/>
+          </a:fillRef>
+          <a:effectRef idx="0">
+            <a:schemeClr val="accent1"/>
+          </a:effectRef>
+          <a:fontRef idx="minor">
+            <a:schemeClr val="dk1"/>
+          </a:fontRef>
+        </p:style>
+        <p:txBody>
+          <a:bodyPr rtlCol="0" anchor="ctr"/>
+          <a:lstStyle/>
+          <a:p>
+            <a:pPr algn="ctr"/>
+            <a:endParaRPr lang="en-US"/>
+          </a:p>
+        </p:txBody>
+      </p:sp>
+      <p:sp>
+        <p:nvSpPr>
           <p:cNvPr id="2" name="Title 1"/>
           <p:cNvSpPr>
             <a:spLocks noGrp="1"/>
@@ -24846,8 +26420,8 @@
         </p:nvSpPr>
         <p:spPr bwMode="auto">
           <a:xfrm>
-            <a:off x="2000878" y="1924199"/>
-            <a:ext cx="5023841" cy="1347609"/>
+            <a:off x="411747" y="1250394"/>
+            <a:ext cx="8131175" cy="1347609"/>
           </a:xfrm>
           <a:prstGeom prst="rect">
             <a:avLst/>
@@ -24931,6 +26505,157 @@
           </a:p>
         </p:txBody>
       </p:sp>
+      <p:sp>
+        <p:nvSpPr>
+          <p:cNvPr id="3" name="TextBox 2"/>
+          <p:cNvSpPr txBox="1"/>
+          <p:nvPr/>
+        </p:nvSpPr>
+        <p:spPr>
+          <a:xfrm>
+            <a:off x="685800" y="2971800"/>
+            <a:ext cx="2269259" cy="2308324"/>
+          </a:xfrm>
+          <a:prstGeom prst="rect">
+            <a:avLst/>
+          </a:prstGeom>
+          <a:noFill/>
+        </p:spPr>
+        <p:txBody>
+          <a:bodyPr wrap="none" rtlCol="0">
+            <a:spAutoFit/>
+          </a:bodyPr>
+          <a:lstStyle/>
+          <a:p>
+            <a:r>
+              <a:rPr lang="en-US" b="1" dirty="0">
+                <a:solidFill>
+                  <a:srgbClr val="000080"/>
+                </a:solidFill>
+                <a:latin typeface="Menlo"/>
+              </a:rPr>
+              <a:t>if</a:t>
+            </a:r>
+            <a:r>
+              <a:rPr lang="en-US" dirty="0">
+                <a:solidFill>
+                  <a:srgbClr val="000080"/>
+                </a:solidFill>
+                <a:latin typeface="Menlo"/>
+              </a:rPr>
+              <a:t> </a:t>
+            </a:r>
+            <a:r>
+              <a:rPr lang="en-US" dirty="0">
+                <a:solidFill>
+                  <a:srgbClr val="000000"/>
+                </a:solidFill>
+                <a:latin typeface="Menlo"/>
+              </a:rPr>
+              <a:t>(condition1)</a:t>
+            </a:r>
+          </a:p>
+          <a:p>
+            <a:r>
+              <a:rPr lang="fr-FR" dirty="0">
+                <a:solidFill>
+                  <a:srgbClr val="000000"/>
+                </a:solidFill>
+                <a:latin typeface="Menlo"/>
+              </a:rPr>
+              <a:t>    statement1;</a:t>
+            </a:r>
+          </a:p>
+          <a:p>
+            <a:r>
+              <a:rPr lang="en-US" b="1" dirty="0">
+                <a:solidFill>
+                  <a:srgbClr val="000080"/>
+                </a:solidFill>
+                <a:latin typeface="Menlo"/>
+              </a:rPr>
+              <a:t>if</a:t>
+            </a:r>
+            <a:r>
+              <a:rPr lang="en-US" dirty="0">
+                <a:solidFill>
+                  <a:srgbClr val="000080"/>
+                </a:solidFill>
+                <a:latin typeface="Menlo"/>
+              </a:rPr>
+              <a:t> </a:t>
+            </a:r>
+            <a:r>
+              <a:rPr lang="en-US" dirty="0">
+                <a:solidFill>
+                  <a:srgbClr val="000000"/>
+                </a:solidFill>
+                <a:latin typeface="Menlo"/>
+              </a:rPr>
+              <a:t>(condition2)</a:t>
+            </a:r>
+          </a:p>
+          <a:p>
+            <a:r>
+              <a:rPr lang="fr-FR" dirty="0">
+                <a:solidFill>
+                  <a:srgbClr val="000000"/>
+                </a:solidFill>
+                <a:latin typeface="Menlo"/>
+              </a:rPr>
+              <a:t>    statement2;</a:t>
+            </a:r>
+          </a:p>
+          <a:p>
+            <a:r>
+              <a:rPr lang="en-US" b="1" dirty="0">
+                <a:solidFill>
+                  <a:srgbClr val="000080"/>
+                </a:solidFill>
+                <a:latin typeface="Menlo"/>
+              </a:rPr>
+              <a:t>if</a:t>
+            </a:r>
+            <a:r>
+              <a:rPr lang="en-US" dirty="0">
+                <a:solidFill>
+                  <a:srgbClr val="000080"/>
+                </a:solidFill>
+                <a:latin typeface="Menlo"/>
+              </a:rPr>
+              <a:t> </a:t>
+            </a:r>
+            <a:r>
+              <a:rPr lang="en-US" dirty="0">
+                <a:solidFill>
+                  <a:srgbClr val="000000"/>
+                </a:solidFill>
+                <a:latin typeface="Menlo"/>
+              </a:rPr>
+              <a:t>(condition3)</a:t>
+            </a:r>
+          </a:p>
+          <a:p>
+            <a:r>
+              <a:rPr lang="fr-FR" dirty="0">
+                <a:solidFill>
+                  <a:srgbClr val="000000"/>
+                </a:solidFill>
+                <a:latin typeface="Menlo"/>
+              </a:rPr>
+              <a:t>    statement3;</a:t>
+            </a:r>
+          </a:p>
+          <a:p>
+            <a:endParaRPr lang="en-US" dirty="0">
+              <a:latin typeface="Menlo"/>
+            </a:endParaRPr>
+          </a:p>
+          <a:p>
+            <a:endParaRPr lang="en-US" dirty="0"/>
+          </a:p>
+        </p:txBody>
+      </p:sp>
     </p:spTree>
     <p:extLst>
       <p:ext uri="{BB962C8B-B14F-4D97-AF65-F5344CB8AC3E}">
@@ -24944,7 +26669,7 @@
   <p:timing>
     <p:tnLst>
       <p:par>
-        <p:cTn id="1" dur="indefinite" restart="never" nodeType="tmRoot"/>
+        <p:cTn xmlns:p14="http://schemas.microsoft.com/office/powerpoint/2010/main" id="1" dur="indefinite" restart="never" nodeType="tmRoot"/>
       </p:par>
     </p:tnLst>
   </p:timing>
@@ -25005,8 +26730,8 @@
         </p:nvSpPr>
         <p:spPr bwMode="auto">
           <a:xfrm>
-            <a:off x="2000878" y="1924199"/>
-            <a:ext cx="5023841" cy="3286601"/>
+            <a:off x="735013" y="2201198"/>
+            <a:ext cx="7673975" cy="2455605"/>
           </a:xfrm>
           <a:prstGeom prst="rect">
             <a:avLst/>
@@ -25038,6 +26763,8 @@
                 <a:solidFill>
                   <a:schemeClr val="accent4"/>
                 </a:solidFill>
+                <a:latin typeface="Arial"/>
+                <a:cs typeface="Arial"/>
               </a:rPr>
               <a:t>Для достижения 100% покрытия основных путей, нам потребуется 4 линейно-независимых </a:t>
             </a:r>
@@ -25046,6 +26773,8 @@
                 <a:solidFill>
                   <a:schemeClr val="accent4"/>
                 </a:solidFill>
+                <a:latin typeface="Arial"/>
+                <a:cs typeface="Arial"/>
               </a:rPr>
               <a:t>пути</a:t>
             </a:r>
@@ -25053,6 +26782,8 @@
               <a:solidFill>
                 <a:schemeClr val="accent4"/>
               </a:solidFill>
+              <a:latin typeface="Arial"/>
+              <a:cs typeface="Arial"/>
             </a:endParaRPr>
           </a:p>
           <a:p>
@@ -25068,6 +26799,8 @@
               <a:solidFill>
                 <a:schemeClr val="accent4"/>
               </a:solidFill>
+              <a:latin typeface="Arial"/>
+              <a:cs typeface="Arial"/>
             </a:endParaRPr>
           </a:p>
           <a:p>
@@ -25084,6 +26817,8 @@
                 <a:solidFill>
                   <a:schemeClr val="accent4"/>
                 </a:solidFill>
+                <a:latin typeface="Arial"/>
+                <a:cs typeface="Arial"/>
               </a:rPr>
               <a:t>Первый путь выбирается случайно (пусть это будет путь, когда все условные выражения принимают значение true</a:t>
             </a:r>
@@ -25092,6 +26827,8 @@
                 <a:solidFill>
                   <a:schemeClr val="accent4"/>
                 </a:solidFill>
+                <a:latin typeface="Arial"/>
+                <a:cs typeface="Arial"/>
               </a:rPr>
               <a:t>)</a:t>
             </a:r>
@@ -25099,6 +26836,8 @@
               <a:solidFill>
                 <a:schemeClr val="accent4"/>
               </a:solidFill>
+              <a:latin typeface="Arial"/>
+              <a:cs typeface="Arial"/>
             </a:endParaRPr>
           </a:p>
           <a:p>
@@ -25114,6 +26853,8 @@
               <a:solidFill>
                 <a:schemeClr val="accent4"/>
               </a:solidFill>
+              <a:latin typeface="Arial"/>
+              <a:cs typeface="Arial"/>
             </a:endParaRPr>
           </a:p>
           <a:p>
@@ -25130,6 +26871,8 @@
                 <a:solidFill>
                   <a:schemeClr val="accent4"/>
                 </a:solidFill>
+                <a:latin typeface="Arial"/>
+                <a:cs typeface="Arial"/>
               </a:rPr>
               <a:t>Оставшиеся пути получаются поочередным инвертированием одного из условных выражений первого пути</a:t>
             </a:r>
@@ -25149,7 +26892,7 @@
   <p:timing>
     <p:tnLst>
       <p:par>
-        <p:cTn id="1" dur="indefinite" restart="never" nodeType="tmRoot"/>
+        <p:cTn xmlns:p14="http://schemas.microsoft.com/office/powerpoint/2010/main" id="1" dur="indefinite" restart="never" nodeType="tmRoot"/>
       </p:par>
     </p:tnLst>
   </p:timing>
@@ -25210,8 +26953,8 @@
         </p:nvSpPr>
         <p:spPr bwMode="auto">
           <a:xfrm>
-            <a:off x="2000878" y="1924199"/>
-            <a:ext cx="5023841" cy="793611"/>
+            <a:off x="381000" y="1371600"/>
+            <a:ext cx="6643719" cy="793611"/>
           </a:xfrm>
           <a:prstGeom prst="rect">
             <a:avLst/>
@@ -25249,6 +26992,961 @@
           </a:p>
         </p:txBody>
       </p:sp>
+      <p:graphicFrame>
+        <p:nvGraphicFramePr>
+          <p:cNvPr id="3" name="Table 2"/>
+          <p:cNvGraphicFramePr>
+            <a:graphicFrameLocks noGrp="1"/>
+          </p:cNvGraphicFramePr>
+          <p:nvPr>
+            <p:extLst>
+              <p:ext uri="{D42A27DB-BD31-4B8C-83A1-F6EECF244321}">
+                <p14:modId xmlns:p14="http://schemas.microsoft.com/office/powerpoint/2010/main" val="1998512488"/>
+              </p:ext>
+            </p:extLst>
+          </p:nvPr>
+        </p:nvGraphicFramePr>
+        <p:xfrm>
+          <a:off x="1524000" y="2971800"/>
+          <a:ext cx="6096000" cy="1818640"/>
+        </p:xfrm>
+        <a:graphic>
+          <a:graphicData uri="http://schemas.openxmlformats.org/drawingml/2006/table">
+            <a:tbl>
+              <a:tblPr firstRow="1" bandRow="1">
+                <a:tableStyleId>{073A0DAA-6AF3-43AB-8588-CEC1D06C72B9}</a:tableStyleId>
+              </a:tblPr>
+              <a:tblGrid>
+                <a:gridCol w="1524000"/>
+                <a:gridCol w="1524000"/>
+                <a:gridCol w="1524000"/>
+                <a:gridCol w="1524000"/>
+              </a:tblGrid>
+              <a:tr h="0">
+                <a:tc>
+                  <a:txBody>
+                    <a:bodyPr/>
+                    <a:lstStyle/>
+                    <a:p>
+                      <a:pPr marL="0" marR="0" lvl="0" indent="0" algn="l" defTabSz="914400" rtl="0" eaLnBrk="1" fontAlgn="base" latinLnBrk="0" hangingPunct="1">
+                        <a:lnSpc>
+                          <a:spcPct val="100000"/>
+                        </a:lnSpc>
+                        <a:spcBef>
+                          <a:spcPct val="20000"/>
+                        </a:spcBef>
+                        <a:spcAft>
+                          <a:spcPct val="0"/>
+                        </a:spcAft>
+                        <a:buClr>
+                          <a:srgbClr val="FF8000"/>
+                        </a:buClr>
+                        <a:buSzTx/>
+                        <a:buFont typeface="Wingdings" pitchFamily="2" charset="2"/>
+                        <a:buNone/>
+                        <a:tabLst/>
+                      </a:pPr>
+                      <a:endParaRPr kumimoji="0" lang="ru-RU" sz="1600" b="1" i="0" u="none" strike="noStrike" cap="none" normalizeH="0" baseline="0" dirty="0" smtClean="0">
+                        <a:ln>
+                          <a:noFill/>
+                        </a:ln>
+                        <a:solidFill>
+                          <a:srgbClr val="004080"/>
+                        </a:solidFill>
+                        <a:effectLst/>
+                        <a:latin typeface="Tahoma" pitchFamily="34" charset="0"/>
+                      </a:endParaRPr>
+                    </a:p>
+                  </a:txBody>
+                  <a:tcPr horzOverflow="overflow"/>
+                </a:tc>
+                <a:tc>
+                  <a:txBody>
+                    <a:bodyPr/>
+                    <a:lstStyle/>
+                    <a:p>
+                      <a:pPr marL="0" marR="0" lvl="0" indent="0" algn="l" defTabSz="914400" rtl="0" eaLnBrk="1" fontAlgn="base" latinLnBrk="0" hangingPunct="1">
+                        <a:lnSpc>
+                          <a:spcPct val="100000"/>
+                        </a:lnSpc>
+                        <a:spcBef>
+                          <a:spcPct val="20000"/>
+                        </a:spcBef>
+                        <a:spcAft>
+                          <a:spcPct val="0"/>
+                        </a:spcAft>
+                        <a:buClr>
+                          <a:srgbClr val="FF8000"/>
+                        </a:buClr>
+                        <a:buSzTx/>
+                        <a:buFont typeface="Wingdings" pitchFamily="2" charset="2"/>
+                        <a:buNone/>
+                        <a:tabLst/>
+                      </a:pPr>
+                      <a:r>
+                        <a:rPr kumimoji="0" lang="en-US" sz="1600" u="none" strike="noStrike" cap="none" normalizeH="0" baseline="0" dirty="0" smtClean="0">
+                          <a:ln>
+                            <a:noFill/>
+                          </a:ln>
+                          <a:effectLst/>
+                        </a:rPr>
+                        <a:t>condition1</a:t>
+                      </a:r>
+                      <a:endParaRPr kumimoji="0" lang="ru-RU" sz="1600" b="1" i="0" u="none" strike="noStrike" cap="none" normalizeH="0" baseline="0" dirty="0" smtClean="0">
+                        <a:ln>
+                          <a:noFill/>
+                        </a:ln>
+                        <a:solidFill>
+                          <a:srgbClr val="004080"/>
+                        </a:solidFill>
+                        <a:effectLst/>
+                        <a:latin typeface="Courier" pitchFamily="49" charset="0"/>
+                      </a:endParaRPr>
+                    </a:p>
+                  </a:txBody>
+                  <a:tcPr horzOverflow="overflow"/>
+                </a:tc>
+                <a:tc>
+                  <a:txBody>
+                    <a:bodyPr/>
+                    <a:lstStyle/>
+                    <a:p>
+                      <a:pPr marL="0" marR="0" lvl="0" indent="0" algn="l" defTabSz="914400" rtl="0" eaLnBrk="1" fontAlgn="base" latinLnBrk="0" hangingPunct="1">
+                        <a:lnSpc>
+                          <a:spcPct val="100000"/>
+                        </a:lnSpc>
+                        <a:spcBef>
+                          <a:spcPct val="20000"/>
+                        </a:spcBef>
+                        <a:spcAft>
+                          <a:spcPct val="0"/>
+                        </a:spcAft>
+                        <a:buClr>
+                          <a:srgbClr val="FF8000"/>
+                        </a:buClr>
+                        <a:buSzTx/>
+                        <a:buFont typeface="Wingdings" pitchFamily="2" charset="2"/>
+                        <a:buNone/>
+                        <a:tabLst/>
+                      </a:pPr>
+                      <a:r>
+                        <a:rPr kumimoji="0" lang="en-US" sz="1600" u="none" strike="noStrike" cap="none" normalizeH="0" baseline="0" dirty="0" smtClean="0">
+                          <a:ln>
+                            <a:noFill/>
+                          </a:ln>
+                          <a:effectLst/>
+                        </a:rPr>
+                        <a:t>condition2</a:t>
+                      </a:r>
+                      <a:endParaRPr kumimoji="0" lang="ru-RU" sz="1600" b="1" i="0" u="none" strike="noStrike" cap="none" normalizeH="0" baseline="0" dirty="0" smtClean="0">
+                        <a:ln>
+                          <a:noFill/>
+                        </a:ln>
+                        <a:solidFill>
+                          <a:srgbClr val="004080"/>
+                        </a:solidFill>
+                        <a:effectLst/>
+                        <a:latin typeface="Courier" pitchFamily="49" charset="0"/>
+                      </a:endParaRPr>
+                    </a:p>
+                  </a:txBody>
+                  <a:tcPr horzOverflow="overflow"/>
+                </a:tc>
+                <a:tc>
+                  <a:txBody>
+                    <a:bodyPr/>
+                    <a:lstStyle/>
+                    <a:p>
+                      <a:pPr marL="0" marR="0" lvl="0" indent="0" algn="l" defTabSz="914400" rtl="0" eaLnBrk="1" fontAlgn="base" latinLnBrk="0" hangingPunct="1">
+                        <a:lnSpc>
+                          <a:spcPct val="100000"/>
+                        </a:lnSpc>
+                        <a:spcBef>
+                          <a:spcPct val="20000"/>
+                        </a:spcBef>
+                        <a:spcAft>
+                          <a:spcPct val="0"/>
+                        </a:spcAft>
+                        <a:buClr>
+                          <a:srgbClr val="FF8000"/>
+                        </a:buClr>
+                        <a:buSzTx/>
+                        <a:buFont typeface="Wingdings" pitchFamily="2" charset="2"/>
+                        <a:buNone/>
+                        <a:tabLst/>
+                      </a:pPr>
+                      <a:r>
+                        <a:rPr kumimoji="0" lang="en-US" sz="1600" u="none" strike="noStrike" cap="none" normalizeH="0" baseline="0" smtClean="0">
+                          <a:ln>
+                            <a:noFill/>
+                          </a:ln>
+                          <a:effectLst/>
+                        </a:rPr>
+                        <a:t>condition3</a:t>
+                      </a:r>
+                      <a:endParaRPr kumimoji="0" lang="ru-RU" sz="1600" b="1" i="0" u="none" strike="noStrike" cap="none" normalizeH="0" baseline="0" smtClean="0">
+                        <a:ln>
+                          <a:noFill/>
+                        </a:ln>
+                        <a:solidFill>
+                          <a:srgbClr val="004080"/>
+                        </a:solidFill>
+                        <a:effectLst/>
+                        <a:latin typeface="Courier" pitchFamily="49" charset="0"/>
+                      </a:endParaRPr>
+                    </a:p>
+                  </a:txBody>
+                  <a:tcPr horzOverflow="overflow"/>
+                </a:tc>
+              </a:tr>
+              <a:tr h="370840">
+                <a:tc>
+                  <a:txBody>
+                    <a:bodyPr/>
+                    <a:lstStyle/>
+                    <a:p>
+                      <a:pPr marL="0" marR="0" lvl="0" indent="0" algn="l" defTabSz="914400" rtl="0" eaLnBrk="1" fontAlgn="base" latinLnBrk="0" hangingPunct="1">
+                        <a:lnSpc>
+                          <a:spcPct val="100000"/>
+                        </a:lnSpc>
+                        <a:spcBef>
+                          <a:spcPct val="20000"/>
+                        </a:spcBef>
+                        <a:spcAft>
+                          <a:spcPct val="0"/>
+                        </a:spcAft>
+                        <a:buClr>
+                          <a:srgbClr val="FF8000"/>
+                        </a:buClr>
+                        <a:buSzTx/>
+                        <a:buFont typeface="Wingdings" pitchFamily="2" charset="2"/>
+                        <a:buNone/>
+                        <a:tabLst/>
+                      </a:pPr>
+                      <a:r>
+                        <a:rPr kumimoji="0" lang="en-US" sz="1600" u="none" strike="noStrike" cap="none" normalizeH="0" baseline="0" smtClean="0">
+                          <a:ln>
+                            <a:noFill/>
+                          </a:ln>
+                          <a:effectLst/>
+                        </a:rPr>
+                        <a:t>Path 1</a:t>
+                      </a:r>
+                      <a:endParaRPr kumimoji="0" lang="ru-RU" sz="1600" b="1" i="0" u="none" strike="noStrike" cap="none" normalizeH="0" baseline="0" smtClean="0">
+                        <a:ln>
+                          <a:noFill/>
+                        </a:ln>
+                        <a:solidFill>
+                          <a:srgbClr val="004080"/>
+                        </a:solidFill>
+                        <a:effectLst/>
+                        <a:latin typeface="Tahoma" pitchFamily="34" charset="0"/>
+                      </a:endParaRPr>
+                    </a:p>
+                  </a:txBody>
+                  <a:tcPr horzOverflow="overflow"/>
+                </a:tc>
+                <a:tc>
+                  <a:txBody>
+                    <a:bodyPr/>
+                    <a:lstStyle/>
+                    <a:p>
+                      <a:pPr marL="0" marR="0" lvl="0" indent="0" algn="ctr" defTabSz="914400" rtl="0" eaLnBrk="1" fontAlgn="base" latinLnBrk="0" hangingPunct="1">
+                        <a:lnSpc>
+                          <a:spcPct val="100000"/>
+                        </a:lnSpc>
+                        <a:spcBef>
+                          <a:spcPct val="20000"/>
+                        </a:spcBef>
+                        <a:spcAft>
+                          <a:spcPct val="0"/>
+                        </a:spcAft>
+                        <a:buClr>
+                          <a:srgbClr val="FF8000"/>
+                        </a:buClr>
+                        <a:buSzTx/>
+                        <a:buFont typeface="Wingdings" pitchFamily="2" charset="2"/>
+                        <a:buNone/>
+                        <a:tabLst/>
+                      </a:pPr>
+                      <a:r>
+                        <a:rPr kumimoji="0" lang="en-US" sz="1600" u="none" strike="noStrike" cap="none" normalizeH="0" baseline="0" smtClean="0">
+                          <a:ln>
+                            <a:noFill/>
+                          </a:ln>
+                          <a:effectLst/>
+                        </a:rPr>
+                        <a:t>true</a:t>
+                      </a:r>
+                      <a:endParaRPr kumimoji="0" lang="ru-RU" sz="1600" b="1" i="0" u="none" strike="noStrike" cap="none" normalizeH="0" baseline="0" smtClean="0">
+                        <a:ln>
+                          <a:noFill/>
+                        </a:ln>
+                        <a:solidFill>
+                          <a:srgbClr val="004080"/>
+                        </a:solidFill>
+                        <a:effectLst/>
+                        <a:latin typeface="Tahoma" pitchFamily="34" charset="0"/>
+                      </a:endParaRPr>
+                    </a:p>
+                  </a:txBody>
+                  <a:tcPr horzOverflow="overflow"/>
+                </a:tc>
+                <a:tc>
+                  <a:txBody>
+                    <a:bodyPr/>
+                    <a:lstStyle/>
+                    <a:p>
+                      <a:pPr marL="0" marR="0" lvl="0" indent="0" algn="ctr" defTabSz="914400" rtl="0" eaLnBrk="1" fontAlgn="base" latinLnBrk="0" hangingPunct="1">
+                        <a:lnSpc>
+                          <a:spcPct val="100000"/>
+                        </a:lnSpc>
+                        <a:spcBef>
+                          <a:spcPct val="20000"/>
+                        </a:spcBef>
+                        <a:spcAft>
+                          <a:spcPct val="0"/>
+                        </a:spcAft>
+                        <a:buClr>
+                          <a:srgbClr val="FF8000"/>
+                        </a:buClr>
+                        <a:buSzTx/>
+                        <a:buFont typeface="Wingdings" pitchFamily="2" charset="2"/>
+                        <a:buNone/>
+                        <a:tabLst/>
+                      </a:pPr>
+                      <a:r>
+                        <a:rPr kumimoji="0" lang="en-US" sz="1600" u="none" strike="noStrike" cap="none" normalizeH="0" baseline="0" smtClean="0">
+                          <a:ln>
+                            <a:noFill/>
+                          </a:ln>
+                          <a:effectLst/>
+                        </a:rPr>
+                        <a:t>true</a:t>
+                      </a:r>
+                      <a:endParaRPr kumimoji="0" lang="ru-RU" sz="1600" b="1" i="0" u="none" strike="noStrike" cap="none" normalizeH="0" baseline="0" smtClean="0">
+                        <a:ln>
+                          <a:noFill/>
+                        </a:ln>
+                        <a:solidFill>
+                          <a:srgbClr val="004080"/>
+                        </a:solidFill>
+                        <a:effectLst/>
+                        <a:latin typeface="Tahoma" pitchFamily="34" charset="0"/>
+                      </a:endParaRPr>
+                    </a:p>
+                  </a:txBody>
+                  <a:tcPr horzOverflow="overflow"/>
+                </a:tc>
+                <a:tc>
+                  <a:txBody>
+                    <a:bodyPr/>
+                    <a:lstStyle/>
+                    <a:p>
+                      <a:pPr marL="0" marR="0" lvl="0" indent="0" algn="ctr" defTabSz="914400" rtl="0" eaLnBrk="1" fontAlgn="base" latinLnBrk="0" hangingPunct="1">
+                        <a:lnSpc>
+                          <a:spcPct val="100000"/>
+                        </a:lnSpc>
+                        <a:spcBef>
+                          <a:spcPct val="20000"/>
+                        </a:spcBef>
+                        <a:spcAft>
+                          <a:spcPct val="0"/>
+                        </a:spcAft>
+                        <a:buClr>
+                          <a:srgbClr val="FF8000"/>
+                        </a:buClr>
+                        <a:buSzTx/>
+                        <a:buFont typeface="Wingdings" pitchFamily="2" charset="2"/>
+                        <a:buNone/>
+                        <a:tabLst/>
+                      </a:pPr>
+                      <a:r>
+                        <a:rPr kumimoji="0" lang="en-US" sz="1600" u="none" strike="noStrike" cap="none" normalizeH="0" baseline="0" smtClean="0">
+                          <a:ln>
+                            <a:noFill/>
+                          </a:ln>
+                          <a:effectLst/>
+                        </a:rPr>
+                        <a:t>true</a:t>
+                      </a:r>
+                      <a:endParaRPr kumimoji="0" lang="ru-RU" sz="1600" b="1" i="0" u="none" strike="noStrike" cap="none" normalizeH="0" baseline="0" smtClean="0">
+                        <a:ln>
+                          <a:noFill/>
+                        </a:ln>
+                        <a:solidFill>
+                          <a:srgbClr val="004080"/>
+                        </a:solidFill>
+                        <a:effectLst/>
+                        <a:latin typeface="Tahoma" pitchFamily="34" charset="0"/>
+                      </a:endParaRPr>
+                    </a:p>
+                  </a:txBody>
+                  <a:tcPr horzOverflow="overflow"/>
+                </a:tc>
+              </a:tr>
+              <a:tr h="370840">
+                <a:tc>
+                  <a:txBody>
+                    <a:bodyPr/>
+                    <a:lstStyle/>
+                    <a:p>
+                      <a:pPr marL="0" marR="0" lvl="0" indent="0" algn="l" defTabSz="914400" rtl="0" eaLnBrk="1" fontAlgn="base" latinLnBrk="0" hangingPunct="1">
+                        <a:lnSpc>
+                          <a:spcPct val="100000"/>
+                        </a:lnSpc>
+                        <a:spcBef>
+                          <a:spcPct val="20000"/>
+                        </a:spcBef>
+                        <a:spcAft>
+                          <a:spcPct val="0"/>
+                        </a:spcAft>
+                        <a:buClr>
+                          <a:srgbClr val="FF8000"/>
+                        </a:buClr>
+                        <a:buSzTx/>
+                        <a:buFont typeface="Wingdings" pitchFamily="2" charset="2"/>
+                        <a:buNone/>
+                        <a:tabLst/>
+                      </a:pPr>
+                      <a:r>
+                        <a:rPr kumimoji="0" lang="en-US" sz="1600" u="none" strike="noStrike" cap="none" normalizeH="0" baseline="0" smtClean="0">
+                          <a:ln>
+                            <a:noFill/>
+                          </a:ln>
+                          <a:effectLst/>
+                        </a:rPr>
+                        <a:t>Path 2</a:t>
+                      </a:r>
+                      <a:endParaRPr kumimoji="0" lang="ru-RU" sz="1600" b="1" i="0" u="none" strike="noStrike" cap="none" normalizeH="0" baseline="0" smtClean="0">
+                        <a:ln>
+                          <a:noFill/>
+                        </a:ln>
+                        <a:solidFill>
+                          <a:srgbClr val="004080"/>
+                        </a:solidFill>
+                        <a:effectLst/>
+                        <a:latin typeface="Tahoma" pitchFamily="34" charset="0"/>
+                      </a:endParaRPr>
+                    </a:p>
+                  </a:txBody>
+                  <a:tcPr horzOverflow="overflow"/>
+                </a:tc>
+                <a:tc>
+                  <a:txBody>
+                    <a:bodyPr/>
+                    <a:lstStyle/>
+                    <a:p>
+                      <a:pPr marL="0" marR="0" lvl="0" indent="0" algn="ctr" defTabSz="914400" rtl="0" eaLnBrk="1" fontAlgn="base" latinLnBrk="0" hangingPunct="1">
+                        <a:lnSpc>
+                          <a:spcPct val="100000"/>
+                        </a:lnSpc>
+                        <a:spcBef>
+                          <a:spcPct val="20000"/>
+                        </a:spcBef>
+                        <a:spcAft>
+                          <a:spcPct val="0"/>
+                        </a:spcAft>
+                        <a:buClr>
+                          <a:srgbClr val="FF8000"/>
+                        </a:buClr>
+                        <a:buSzTx/>
+                        <a:buFont typeface="Wingdings" pitchFamily="2" charset="2"/>
+                        <a:buNone/>
+                        <a:tabLst/>
+                      </a:pPr>
+                      <a:r>
+                        <a:rPr kumimoji="0" lang="en-US" sz="1600" u="none" strike="noStrike" cap="none" normalizeH="0" baseline="0" dirty="0" smtClean="0">
+                          <a:ln>
+                            <a:noFill/>
+                          </a:ln>
+                          <a:effectLst/>
+                        </a:rPr>
+                        <a:t>false</a:t>
+                      </a:r>
+                      <a:endParaRPr kumimoji="0" lang="ru-RU" sz="1600" b="1" i="0" u="none" strike="noStrike" cap="none" normalizeH="0" baseline="0" dirty="0" smtClean="0">
+                        <a:ln>
+                          <a:noFill/>
+                        </a:ln>
+                        <a:solidFill>
+                          <a:srgbClr val="004080"/>
+                        </a:solidFill>
+                        <a:effectLst/>
+                        <a:latin typeface="Tahoma" pitchFamily="34" charset="0"/>
+                      </a:endParaRPr>
+                    </a:p>
+                  </a:txBody>
+                  <a:tcPr horzOverflow="overflow"/>
+                </a:tc>
+                <a:tc>
+                  <a:txBody>
+                    <a:bodyPr/>
+                    <a:lstStyle/>
+                    <a:p>
+                      <a:pPr marL="0" marR="0" lvl="0" indent="0" algn="ctr" defTabSz="914400" rtl="0" eaLnBrk="1" fontAlgn="base" latinLnBrk="0" hangingPunct="1">
+                        <a:lnSpc>
+                          <a:spcPct val="100000"/>
+                        </a:lnSpc>
+                        <a:spcBef>
+                          <a:spcPct val="20000"/>
+                        </a:spcBef>
+                        <a:spcAft>
+                          <a:spcPct val="0"/>
+                        </a:spcAft>
+                        <a:buClr>
+                          <a:srgbClr val="FF8000"/>
+                        </a:buClr>
+                        <a:buSzTx/>
+                        <a:buFont typeface="Wingdings" pitchFamily="2" charset="2"/>
+                        <a:buNone/>
+                        <a:tabLst/>
+                      </a:pPr>
+                      <a:r>
+                        <a:rPr kumimoji="0" lang="en-US" sz="1600" u="none" strike="noStrike" cap="none" normalizeH="0" baseline="0" smtClean="0">
+                          <a:ln>
+                            <a:noFill/>
+                          </a:ln>
+                          <a:effectLst/>
+                        </a:rPr>
+                        <a:t>true</a:t>
+                      </a:r>
+                      <a:endParaRPr kumimoji="0" lang="ru-RU" sz="1600" b="1" i="0" u="none" strike="noStrike" cap="none" normalizeH="0" baseline="0" smtClean="0">
+                        <a:ln>
+                          <a:noFill/>
+                        </a:ln>
+                        <a:solidFill>
+                          <a:srgbClr val="004080"/>
+                        </a:solidFill>
+                        <a:effectLst/>
+                        <a:latin typeface="Tahoma" pitchFamily="34" charset="0"/>
+                      </a:endParaRPr>
+                    </a:p>
+                  </a:txBody>
+                  <a:tcPr horzOverflow="overflow"/>
+                </a:tc>
+                <a:tc>
+                  <a:txBody>
+                    <a:bodyPr/>
+                    <a:lstStyle/>
+                    <a:p>
+                      <a:pPr marL="0" marR="0" lvl="0" indent="0" algn="ctr" defTabSz="914400" rtl="0" eaLnBrk="1" fontAlgn="base" latinLnBrk="0" hangingPunct="1">
+                        <a:lnSpc>
+                          <a:spcPct val="100000"/>
+                        </a:lnSpc>
+                        <a:spcBef>
+                          <a:spcPct val="20000"/>
+                        </a:spcBef>
+                        <a:spcAft>
+                          <a:spcPct val="0"/>
+                        </a:spcAft>
+                        <a:buClr>
+                          <a:srgbClr val="FF8000"/>
+                        </a:buClr>
+                        <a:buSzTx/>
+                        <a:buFont typeface="Wingdings" pitchFamily="2" charset="2"/>
+                        <a:buNone/>
+                        <a:tabLst/>
+                      </a:pPr>
+                      <a:r>
+                        <a:rPr kumimoji="0" lang="en-US" sz="1600" u="none" strike="noStrike" cap="none" normalizeH="0" baseline="0" smtClean="0">
+                          <a:ln>
+                            <a:noFill/>
+                          </a:ln>
+                          <a:effectLst/>
+                        </a:rPr>
+                        <a:t>true</a:t>
+                      </a:r>
+                      <a:endParaRPr kumimoji="0" lang="ru-RU" sz="1600" b="1" i="0" u="none" strike="noStrike" cap="none" normalizeH="0" baseline="0" smtClean="0">
+                        <a:ln>
+                          <a:noFill/>
+                        </a:ln>
+                        <a:solidFill>
+                          <a:srgbClr val="004080"/>
+                        </a:solidFill>
+                        <a:effectLst/>
+                        <a:latin typeface="Tahoma" pitchFamily="34" charset="0"/>
+                      </a:endParaRPr>
+                    </a:p>
+                  </a:txBody>
+                  <a:tcPr horzOverflow="overflow"/>
+                </a:tc>
+              </a:tr>
+              <a:tr h="370840">
+                <a:tc>
+                  <a:txBody>
+                    <a:bodyPr/>
+                    <a:lstStyle/>
+                    <a:p>
+                      <a:pPr marL="0" marR="0" lvl="0" indent="0" algn="l" defTabSz="914400" rtl="0" eaLnBrk="1" fontAlgn="base" latinLnBrk="0" hangingPunct="1">
+                        <a:lnSpc>
+                          <a:spcPct val="100000"/>
+                        </a:lnSpc>
+                        <a:spcBef>
+                          <a:spcPct val="20000"/>
+                        </a:spcBef>
+                        <a:spcAft>
+                          <a:spcPct val="0"/>
+                        </a:spcAft>
+                        <a:buClr>
+                          <a:srgbClr val="FF8000"/>
+                        </a:buClr>
+                        <a:buSzTx/>
+                        <a:buFont typeface="Wingdings" pitchFamily="2" charset="2"/>
+                        <a:buNone/>
+                        <a:tabLst/>
+                      </a:pPr>
+                      <a:r>
+                        <a:rPr kumimoji="0" lang="en-US" sz="1600" u="none" strike="noStrike" cap="none" normalizeH="0" baseline="0" smtClean="0">
+                          <a:ln>
+                            <a:noFill/>
+                          </a:ln>
+                          <a:effectLst/>
+                        </a:rPr>
+                        <a:t>Path 3</a:t>
+                      </a:r>
+                      <a:endParaRPr kumimoji="0" lang="ru-RU" sz="1600" b="1" i="0" u="none" strike="noStrike" cap="none" normalizeH="0" baseline="0" smtClean="0">
+                        <a:ln>
+                          <a:noFill/>
+                        </a:ln>
+                        <a:solidFill>
+                          <a:srgbClr val="004080"/>
+                        </a:solidFill>
+                        <a:effectLst/>
+                        <a:latin typeface="Tahoma" pitchFamily="34" charset="0"/>
+                      </a:endParaRPr>
+                    </a:p>
+                  </a:txBody>
+                  <a:tcPr horzOverflow="overflow"/>
+                </a:tc>
+                <a:tc>
+                  <a:txBody>
+                    <a:bodyPr/>
+                    <a:lstStyle/>
+                    <a:p>
+                      <a:pPr marL="0" marR="0" lvl="0" indent="0" algn="ctr" defTabSz="914400" rtl="0" eaLnBrk="1" fontAlgn="base" latinLnBrk="0" hangingPunct="1">
+                        <a:lnSpc>
+                          <a:spcPct val="100000"/>
+                        </a:lnSpc>
+                        <a:spcBef>
+                          <a:spcPct val="20000"/>
+                        </a:spcBef>
+                        <a:spcAft>
+                          <a:spcPct val="0"/>
+                        </a:spcAft>
+                        <a:buClr>
+                          <a:srgbClr val="FF8000"/>
+                        </a:buClr>
+                        <a:buSzTx/>
+                        <a:buFont typeface="Wingdings" pitchFamily="2" charset="2"/>
+                        <a:buNone/>
+                        <a:tabLst/>
+                      </a:pPr>
+                      <a:r>
+                        <a:rPr kumimoji="0" lang="en-US" sz="1600" u="none" strike="noStrike" cap="none" normalizeH="0" baseline="0" smtClean="0">
+                          <a:ln>
+                            <a:noFill/>
+                          </a:ln>
+                          <a:effectLst/>
+                        </a:rPr>
+                        <a:t>true</a:t>
+                      </a:r>
+                      <a:endParaRPr kumimoji="0" lang="ru-RU" sz="1600" b="1" i="0" u="none" strike="noStrike" cap="none" normalizeH="0" baseline="0" smtClean="0">
+                        <a:ln>
+                          <a:noFill/>
+                        </a:ln>
+                        <a:solidFill>
+                          <a:srgbClr val="004080"/>
+                        </a:solidFill>
+                        <a:effectLst/>
+                        <a:latin typeface="Tahoma" pitchFamily="34" charset="0"/>
+                      </a:endParaRPr>
+                    </a:p>
+                  </a:txBody>
+                  <a:tcPr horzOverflow="overflow"/>
+                </a:tc>
+                <a:tc>
+                  <a:txBody>
+                    <a:bodyPr/>
+                    <a:lstStyle/>
+                    <a:p>
+                      <a:pPr marL="0" marR="0" lvl="0" indent="0" algn="ctr" defTabSz="914400" rtl="0" eaLnBrk="1" fontAlgn="base" latinLnBrk="0" hangingPunct="1">
+                        <a:lnSpc>
+                          <a:spcPct val="100000"/>
+                        </a:lnSpc>
+                        <a:spcBef>
+                          <a:spcPct val="20000"/>
+                        </a:spcBef>
+                        <a:spcAft>
+                          <a:spcPct val="0"/>
+                        </a:spcAft>
+                        <a:buClr>
+                          <a:srgbClr val="FF8000"/>
+                        </a:buClr>
+                        <a:buSzTx/>
+                        <a:buFont typeface="Wingdings" pitchFamily="2" charset="2"/>
+                        <a:buNone/>
+                        <a:tabLst/>
+                      </a:pPr>
+                      <a:r>
+                        <a:rPr kumimoji="0" lang="en-US" sz="1600" u="none" strike="noStrike" cap="none" normalizeH="0" baseline="0" smtClean="0">
+                          <a:ln>
+                            <a:noFill/>
+                          </a:ln>
+                          <a:effectLst/>
+                        </a:rPr>
+                        <a:t>false</a:t>
+                      </a:r>
+                      <a:endParaRPr kumimoji="0" lang="ru-RU" sz="1600" b="1" i="0" u="none" strike="noStrike" cap="none" normalizeH="0" baseline="0" smtClean="0">
+                        <a:ln>
+                          <a:noFill/>
+                        </a:ln>
+                        <a:solidFill>
+                          <a:srgbClr val="004080"/>
+                        </a:solidFill>
+                        <a:effectLst/>
+                        <a:latin typeface="Tahoma" pitchFamily="34" charset="0"/>
+                      </a:endParaRPr>
+                    </a:p>
+                  </a:txBody>
+                  <a:tcPr horzOverflow="overflow"/>
+                </a:tc>
+                <a:tc>
+                  <a:txBody>
+                    <a:bodyPr/>
+                    <a:lstStyle/>
+                    <a:p>
+                      <a:pPr marL="0" marR="0" lvl="0" indent="0" algn="ctr" defTabSz="914400" rtl="0" eaLnBrk="1" fontAlgn="base" latinLnBrk="0" hangingPunct="1">
+                        <a:lnSpc>
+                          <a:spcPct val="100000"/>
+                        </a:lnSpc>
+                        <a:spcBef>
+                          <a:spcPct val="20000"/>
+                        </a:spcBef>
+                        <a:spcAft>
+                          <a:spcPct val="0"/>
+                        </a:spcAft>
+                        <a:buClr>
+                          <a:srgbClr val="FF8000"/>
+                        </a:buClr>
+                        <a:buSzTx/>
+                        <a:buFont typeface="Wingdings" pitchFamily="2" charset="2"/>
+                        <a:buNone/>
+                        <a:tabLst/>
+                      </a:pPr>
+                      <a:r>
+                        <a:rPr kumimoji="0" lang="en-US" sz="1600" u="none" strike="noStrike" cap="none" normalizeH="0" baseline="0" smtClean="0">
+                          <a:ln>
+                            <a:noFill/>
+                          </a:ln>
+                          <a:effectLst/>
+                        </a:rPr>
+                        <a:t>true</a:t>
+                      </a:r>
+                      <a:endParaRPr kumimoji="0" lang="ru-RU" sz="1600" b="1" i="0" u="none" strike="noStrike" cap="none" normalizeH="0" baseline="0" smtClean="0">
+                        <a:ln>
+                          <a:noFill/>
+                        </a:ln>
+                        <a:solidFill>
+                          <a:srgbClr val="004080"/>
+                        </a:solidFill>
+                        <a:effectLst/>
+                        <a:latin typeface="Tahoma" pitchFamily="34" charset="0"/>
+                      </a:endParaRPr>
+                    </a:p>
+                  </a:txBody>
+                  <a:tcPr horzOverflow="overflow"/>
+                </a:tc>
+              </a:tr>
+              <a:tr h="370840">
+                <a:tc>
+                  <a:txBody>
+                    <a:bodyPr/>
+                    <a:lstStyle/>
+                    <a:p>
+                      <a:pPr marL="0" marR="0" lvl="0" indent="0" algn="l" defTabSz="914400" rtl="0" eaLnBrk="1" fontAlgn="base" latinLnBrk="0" hangingPunct="1">
+                        <a:lnSpc>
+                          <a:spcPct val="100000"/>
+                        </a:lnSpc>
+                        <a:spcBef>
+                          <a:spcPct val="20000"/>
+                        </a:spcBef>
+                        <a:spcAft>
+                          <a:spcPct val="0"/>
+                        </a:spcAft>
+                        <a:buClr>
+                          <a:srgbClr val="FF8000"/>
+                        </a:buClr>
+                        <a:buSzTx/>
+                        <a:buFont typeface="Wingdings" pitchFamily="2" charset="2"/>
+                        <a:buNone/>
+                        <a:tabLst/>
+                      </a:pPr>
+                      <a:r>
+                        <a:rPr kumimoji="0" lang="en-US" sz="1600" u="none" strike="noStrike" cap="none" normalizeH="0" baseline="0" smtClean="0">
+                          <a:ln>
+                            <a:noFill/>
+                          </a:ln>
+                          <a:effectLst/>
+                        </a:rPr>
+                        <a:t>Path 4</a:t>
+                      </a:r>
+                      <a:endParaRPr kumimoji="0" lang="ru-RU" sz="1600" b="1" i="0" u="none" strike="noStrike" cap="none" normalizeH="0" baseline="0" smtClean="0">
+                        <a:ln>
+                          <a:noFill/>
+                        </a:ln>
+                        <a:solidFill>
+                          <a:srgbClr val="004080"/>
+                        </a:solidFill>
+                        <a:effectLst/>
+                        <a:latin typeface="Tahoma" pitchFamily="34" charset="0"/>
+                      </a:endParaRPr>
+                    </a:p>
+                  </a:txBody>
+                  <a:tcPr horzOverflow="overflow"/>
+                </a:tc>
+                <a:tc>
+                  <a:txBody>
+                    <a:bodyPr/>
+                    <a:lstStyle/>
+                    <a:p>
+                      <a:pPr marL="0" marR="0" lvl="0" indent="0" algn="ctr" defTabSz="914400" rtl="0" eaLnBrk="1" fontAlgn="base" latinLnBrk="0" hangingPunct="1">
+                        <a:lnSpc>
+                          <a:spcPct val="100000"/>
+                        </a:lnSpc>
+                        <a:spcBef>
+                          <a:spcPct val="20000"/>
+                        </a:spcBef>
+                        <a:spcAft>
+                          <a:spcPct val="0"/>
+                        </a:spcAft>
+                        <a:buClr>
+                          <a:srgbClr val="FF8000"/>
+                        </a:buClr>
+                        <a:buSzTx/>
+                        <a:buFont typeface="Wingdings" pitchFamily="2" charset="2"/>
+                        <a:buNone/>
+                        <a:tabLst/>
+                      </a:pPr>
+                      <a:r>
+                        <a:rPr kumimoji="0" lang="en-US" sz="1600" u="none" strike="noStrike" cap="none" normalizeH="0" baseline="0" smtClean="0">
+                          <a:ln>
+                            <a:noFill/>
+                          </a:ln>
+                          <a:effectLst/>
+                        </a:rPr>
+                        <a:t>true</a:t>
+                      </a:r>
+                      <a:endParaRPr kumimoji="0" lang="ru-RU" sz="1600" b="1" i="0" u="none" strike="noStrike" cap="none" normalizeH="0" baseline="0" smtClean="0">
+                        <a:ln>
+                          <a:noFill/>
+                        </a:ln>
+                        <a:solidFill>
+                          <a:srgbClr val="004080"/>
+                        </a:solidFill>
+                        <a:effectLst/>
+                        <a:latin typeface="Tahoma" pitchFamily="34" charset="0"/>
+                      </a:endParaRPr>
+                    </a:p>
+                  </a:txBody>
+                  <a:tcPr horzOverflow="overflow"/>
+                </a:tc>
+                <a:tc>
+                  <a:txBody>
+                    <a:bodyPr/>
+                    <a:lstStyle/>
+                    <a:p>
+                      <a:pPr marL="0" marR="0" lvl="0" indent="0" algn="ctr" defTabSz="914400" rtl="0" eaLnBrk="1" fontAlgn="base" latinLnBrk="0" hangingPunct="1">
+                        <a:lnSpc>
+                          <a:spcPct val="100000"/>
+                        </a:lnSpc>
+                        <a:spcBef>
+                          <a:spcPct val="20000"/>
+                        </a:spcBef>
+                        <a:spcAft>
+                          <a:spcPct val="0"/>
+                        </a:spcAft>
+                        <a:buClr>
+                          <a:srgbClr val="FF8000"/>
+                        </a:buClr>
+                        <a:buSzTx/>
+                        <a:buFont typeface="Wingdings" pitchFamily="2" charset="2"/>
+                        <a:buNone/>
+                        <a:tabLst/>
+                      </a:pPr>
+                      <a:r>
+                        <a:rPr kumimoji="0" lang="en-US" sz="1600" u="none" strike="noStrike" cap="none" normalizeH="0" baseline="0" smtClean="0">
+                          <a:ln>
+                            <a:noFill/>
+                          </a:ln>
+                          <a:effectLst/>
+                        </a:rPr>
+                        <a:t>true</a:t>
+                      </a:r>
+                      <a:endParaRPr kumimoji="0" lang="ru-RU" sz="1600" b="1" i="0" u="none" strike="noStrike" cap="none" normalizeH="0" baseline="0" smtClean="0">
+                        <a:ln>
+                          <a:noFill/>
+                        </a:ln>
+                        <a:solidFill>
+                          <a:srgbClr val="004080"/>
+                        </a:solidFill>
+                        <a:effectLst/>
+                        <a:latin typeface="Tahoma" pitchFamily="34" charset="0"/>
+                      </a:endParaRPr>
+                    </a:p>
+                  </a:txBody>
+                  <a:tcPr horzOverflow="overflow"/>
+                </a:tc>
+                <a:tc>
+                  <a:txBody>
+                    <a:bodyPr/>
+                    <a:lstStyle/>
+                    <a:p>
+                      <a:pPr marL="0" marR="0" lvl="0" indent="0" algn="ctr" defTabSz="914400" rtl="0" eaLnBrk="1" fontAlgn="base" latinLnBrk="0" hangingPunct="1">
+                        <a:lnSpc>
+                          <a:spcPct val="100000"/>
+                        </a:lnSpc>
+                        <a:spcBef>
+                          <a:spcPct val="20000"/>
+                        </a:spcBef>
+                        <a:spcAft>
+                          <a:spcPct val="0"/>
+                        </a:spcAft>
+                        <a:buClr>
+                          <a:srgbClr val="FF8000"/>
+                        </a:buClr>
+                        <a:buSzTx/>
+                        <a:buFont typeface="Wingdings" pitchFamily="2" charset="2"/>
+                        <a:buNone/>
+                        <a:tabLst/>
+                      </a:pPr>
+                      <a:r>
+                        <a:rPr kumimoji="0" lang="en-US" sz="1600" u="none" strike="noStrike" cap="none" normalizeH="0" baseline="0" dirty="0" smtClean="0">
+                          <a:ln>
+                            <a:noFill/>
+                          </a:ln>
+                          <a:effectLst/>
+                        </a:rPr>
+                        <a:t>false</a:t>
+                      </a:r>
+                      <a:endParaRPr kumimoji="0" lang="ru-RU" sz="1600" b="1" i="0" u="none" strike="noStrike" cap="none" normalizeH="0" baseline="0" dirty="0" smtClean="0">
+                        <a:ln>
+                          <a:noFill/>
+                        </a:ln>
+                        <a:solidFill>
+                          <a:srgbClr val="004080"/>
+                        </a:solidFill>
+                        <a:effectLst/>
+                        <a:latin typeface="Tahoma" pitchFamily="34" charset="0"/>
+                      </a:endParaRPr>
+                    </a:p>
+                  </a:txBody>
+                  <a:tcPr horzOverflow="overflow"/>
+                </a:tc>
+              </a:tr>
+            </a:tbl>
+          </a:graphicData>
+        </a:graphic>
+      </p:graphicFrame>
     </p:spTree>
     <p:extLst>
       <p:ext uri="{BB962C8B-B14F-4D97-AF65-F5344CB8AC3E}">
@@ -25262,7 +27960,7 @@
   <p:timing>
     <p:tnLst>
       <p:par>
-        <p:cTn id="1" dur="indefinite" restart="never" nodeType="tmRoot"/>
+        <p:cTn xmlns:p14="http://schemas.microsoft.com/office/powerpoint/2010/main" id="1" dur="indefinite" restart="never" nodeType="tmRoot"/>
       </p:par>
     </p:tnLst>
   </p:timing>
@@ -25323,8 +28021,8 @@
         </p:nvSpPr>
         <p:spPr bwMode="auto">
           <a:xfrm>
-            <a:off x="2000878" y="1924199"/>
-            <a:ext cx="5023841" cy="3563600"/>
+            <a:off x="1116013" y="1924199"/>
+            <a:ext cx="6911975" cy="3286602"/>
           </a:xfrm>
           <a:prstGeom prst="rect">
             <a:avLst/>
@@ -25354,6 +28052,8 @@
                 <a:solidFill>
                   <a:schemeClr val="accent4"/>
                 </a:solidFill>
+                <a:latin typeface="Arial"/>
+                <a:cs typeface="Arial"/>
               </a:rPr>
               <a:t>В случае наличия циклов, может использоваться следующий подход</a:t>
             </a:r>
@@ -25362,6 +28062,8 @@
                 <a:solidFill>
                   <a:schemeClr val="accent4"/>
                 </a:solidFill>
+                <a:latin typeface="Arial"/>
+                <a:cs typeface="Arial"/>
               </a:rPr>
               <a:t>:</a:t>
             </a:r>
@@ -25369,6 +28071,8 @@
               <a:solidFill>
                 <a:schemeClr val="accent4"/>
               </a:solidFill>
+              <a:latin typeface="Arial"/>
+              <a:cs typeface="Arial"/>
             </a:endParaRPr>
           </a:p>
           <a:p>
@@ -25382,6 +28086,8 @@
               <a:solidFill>
                 <a:schemeClr val="accent4"/>
               </a:solidFill>
+              <a:latin typeface="Arial"/>
+              <a:cs typeface="Arial"/>
             </a:endParaRPr>
           </a:p>
           <a:p>
@@ -25398,6 +28104,8 @@
                 <a:solidFill>
                   <a:schemeClr val="accent4"/>
                 </a:solidFill>
+                <a:latin typeface="Arial"/>
+                <a:cs typeface="Arial"/>
               </a:rPr>
               <a:t>Выделяем </a:t>
             </a:r>
@@ -25406,6 +28114,8 @@
                 <a:solidFill>
                   <a:schemeClr val="accent4"/>
                 </a:solidFill>
+                <a:latin typeface="Arial"/>
+                <a:cs typeface="Arial"/>
               </a:rPr>
               <a:t>классы путей (к одному классу можно отнести пути, отличающиеся количеством итераций в конкретном цикле</a:t>
             </a:r>
@@ -25414,6 +28124,8 @@
                 <a:solidFill>
                   <a:schemeClr val="accent4"/>
                 </a:solidFill>
+                <a:latin typeface="Arial"/>
+                <a:cs typeface="Arial"/>
               </a:rPr>
               <a:t>)</a:t>
             </a:r>
@@ -25421,6 +28133,8 @@
               <a:solidFill>
                 <a:schemeClr val="accent4"/>
               </a:solidFill>
+              <a:latin typeface="Arial"/>
+              <a:cs typeface="Arial"/>
             </a:endParaRPr>
           </a:p>
           <a:p>
@@ -25436,6 +28150,8 @@
               <a:solidFill>
                 <a:schemeClr val="accent4"/>
               </a:solidFill>
+              <a:latin typeface="Arial"/>
+              <a:cs typeface="Arial"/>
             </a:endParaRPr>
           </a:p>
           <a:p>
@@ -25452,6 +28168,8 @@
                 <a:solidFill>
                   <a:schemeClr val="accent4"/>
                 </a:solidFill>
+                <a:latin typeface="Arial"/>
+                <a:cs typeface="Arial"/>
               </a:rPr>
               <a:t>Класс </a:t>
             </a:r>
@@ -25460,6 +28178,8 @@
                 <a:solidFill>
                   <a:schemeClr val="accent4"/>
                 </a:solidFill>
+                <a:latin typeface="Arial"/>
+                <a:cs typeface="Arial"/>
               </a:rPr>
               <a:t>считается покрытым, если покрыт хотя бы один путь из </a:t>
             </a:r>
@@ -25468,6 +28188,8 @@
                 <a:solidFill>
                   <a:schemeClr val="accent4"/>
                 </a:solidFill>
+                <a:latin typeface="Arial"/>
+                <a:cs typeface="Arial"/>
               </a:rPr>
               <a:t>него</a:t>
             </a:r>
@@ -25475,6 +28197,8 @@
               <a:solidFill>
                 <a:schemeClr val="accent4"/>
               </a:solidFill>
+              <a:latin typeface="Arial"/>
+              <a:cs typeface="Arial"/>
             </a:endParaRPr>
           </a:p>
           <a:p>
@@ -25490,6 +28214,8 @@
               <a:solidFill>
                 <a:schemeClr val="accent4"/>
               </a:solidFill>
+              <a:latin typeface="Arial"/>
+              <a:cs typeface="Arial"/>
             </a:endParaRPr>
           </a:p>
           <a:p>
@@ -25506,6 +28232,8 @@
                 <a:solidFill>
                   <a:schemeClr val="accent4"/>
                 </a:solidFill>
+                <a:latin typeface="Arial"/>
+                <a:cs typeface="Arial"/>
               </a:rPr>
               <a:t>100% покрытие достигнуто, если покрыты все классы путей</a:t>
             </a:r>
@@ -25525,7 +28253,7 @@
   <p:timing>
     <p:tnLst>
       <p:par>
-        <p:cTn id="1" dur="indefinite" restart="never" nodeType="tmRoot"/>
+        <p:cTn xmlns:p14="http://schemas.microsoft.com/office/powerpoint/2010/main" id="1" dur="indefinite" restart="never" nodeType="tmRoot"/>
       </p:par>
     </p:tnLst>
   </p:timing>
@@ -25586,8 +28314,8 @@
         </p:nvSpPr>
         <p:spPr bwMode="auto">
           <a:xfrm>
-            <a:off x="2000878" y="1924199"/>
-            <a:ext cx="5023841" cy="3563600"/>
+            <a:off x="990600" y="2062698"/>
+            <a:ext cx="7162800" cy="2732604"/>
           </a:xfrm>
           <a:prstGeom prst="rect">
             <a:avLst/>
@@ -25619,6 +28347,8 @@
                 <a:solidFill>
                   <a:schemeClr val="accent4"/>
                 </a:solidFill>
+                <a:latin typeface="Arial"/>
+                <a:cs typeface="Arial"/>
               </a:rPr>
               <a:t>Покрытие </a:t>
             </a:r>
@@ -25627,6 +28357,8 @@
                 <a:solidFill>
                   <a:schemeClr val="accent4"/>
                 </a:solidFill>
+                <a:latin typeface="Arial"/>
+                <a:cs typeface="Arial"/>
               </a:rPr>
               <a:t>функций – каждая ли функция тестируемого модуля является выполненной хотя бы один </a:t>
             </a:r>
@@ -25635,6 +28367,8 @@
                 <a:solidFill>
                   <a:schemeClr val="accent4"/>
                 </a:solidFill>
+                <a:latin typeface="Arial"/>
+                <a:cs typeface="Arial"/>
               </a:rPr>
               <a:t>раз</a:t>
             </a:r>
@@ -25652,6 +28386,8 @@
               <a:solidFill>
                 <a:schemeClr val="accent4"/>
               </a:solidFill>
+              <a:latin typeface="Arial"/>
+              <a:cs typeface="Arial"/>
             </a:endParaRPr>
           </a:p>
           <a:p>
@@ -25668,6 +28404,8 @@
                 <a:solidFill>
                   <a:schemeClr val="accent4"/>
                 </a:solidFill>
+                <a:latin typeface="Arial"/>
+                <a:cs typeface="Arial"/>
               </a:rPr>
               <a:t>Является одним из самых простых методов расчета покрытия, и дает довольно общее представление о качестве тестируемого </a:t>
             </a:r>
@@ -25676,6 +28414,8 @@
                 <a:solidFill>
                   <a:schemeClr val="accent4"/>
                 </a:solidFill>
+                <a:latin typeface="Arial"/>
+                <a:cs typeface="Arial"/>
               </a:rPr>
               <a:t>модуля</a:t>
             </a:r>
@@ -25693,6 +28433,8 @@
               <a:solidFill>
                 <a:schemeClr val="accent4"/>
               </a:solidFill>
+              <a:latin typeface="Arial"/>
+              <a:cs typeface="Arial"/>
             </a:endParaRPr>
           </a:p>
           <a:p>
@@ -25709,6 +28451,8 @@
                 <a:solidFill>
                   <a:schemeClr val="accent4"/>
                 </a:solidFill>
+                <a:latin typeface="Arial"/>
+                <a:cs typeface="Arial"/>
               </a:rPr>
               <a:t>С одной стороны, данное покрытие говорит нам о том, что тестами покрыт весь реализованный функционал модуля</a:t>
             </a:r>
@@ -25728,7 +28472,7 @@
   <p:timing>
     <p:tnLst>
       <p:par>
-        <p:cTn id="1" dur="indefinite" restart="never" nodeType="tmRoot"/>
+        <p:cTn xmlns:p14="http://schemas.microsoft.com/office/powerpoint/2010/main" id="1" dur="indefinite" restart="never" nodeType="tmRoot"/>
       </p:par>
     </p:tnLst>
   </p:timing>
@@ -25789,8 +28533,8 @@
         </p:nvSpPr>
         <p:spPr bwMode="auto">
           <a:xfrm>
-            <a:off x="2000878" y="1924199"/>
-            <a:ext cx="5023841" cy="2732604"/>
+            <a:off x="1066800" y="2201198"/>
+            <a:ext cx="7445375" cy="2455605"/>
           </a:xfrm>
           <a:prstGeom prst="rect">
             <a:avLst/>
@@ -25820,6 +28564,8 @@
                 <a:solidFill>
                   <a:schemeClr val="accent4"/>
                 </a:solidFill>
+                <a:latin typeface="Arial"/>
+                <a:cs typeface="Arial"/>
               </a:rPr>
               <a:t>С другой стороны, оно не гарантирует нам адекватное поведение модуля, поскольку: </a:t>
             </a:r>
@@ -25827,6 +28573,8 @@
               <a:solidFill>
                 <a:schemeClr val="accent4"/>
               </a:solidFill>
+              <a:latin typeface="Arial"/>
+              <a:cs typeface="Arial"/>
             </a:endParaRPr>
           </a:p>
           <a:p>
@@ -25842,6 +28590,8 @@
               <a:solidFill>
                 <a:schemeClr val="accent4"/>
               </a:solidFill>
+              <a:latin typeface="Arial"/>
+              <a:cs typeface="Arial"/>
             </a:endParaRPr>
           </a:p>
           <a:p>
@@ -25858,6 +28608,8 @@
                 <a:solidFill>
                   <a:schemeClr val="accent4"/>
                 </a:solidFill>
+                <a:latin typeface="Arial"/>
+                <a:cs typeface="Arial"/>
               </a:rPr>
               <a:t>Не </a:t>
             </a:r>
@@ -25866,6 +28618,8 @@
                 <a:solidFill>
                   <a:schemeClr val="accent4"/>
                 </a:solidFill>
+                <a:latin typeface="Arial"/>
+                <a:cs typeface="Arial"/>
               </a:rPr>
               <a:t>проверяется реакция функций на все возможные входные </a:t>
             </a:r>
@@ -25874,6 +28628,8 @@
                 <a:solidFill>
                   <a:schemeClr val="accent4"/>
                 </a:solidFill>
+                <a:latin typeface="Arial"/>
+                <a:cs typeface="Arial"/>
               </a:rPr>
               <a:t>параметры</a:t>
             </a:r>
@@ -25891,6 +28647,8 @@
               <a:solidFill>
                 <a:schemeClr val="accent4"/>
               </a:solidFill>
+              <a:latin typeface="Arial"/>
+              <a:cs typeface="Arial"/>
             </a:endParaRPr>
           </a:p>
           <a:p>
@@ -25907,6 +28665,8 @@
                 <a:solidFill>
                   <a:schemeClr val="accent4"/>
                 </a:solidFill>
+                <a:latin typeface="Arial"/>
+                <a:cs typeface="Arial"/>
               </a:rPr>
               <a:t>Не </a:t>
             </a:r>
@@ -25915,6 +28675,8 @@
                 <a:solidFill>
                   <a:schemeClr val="accent4"/>
                 </a:solidFill>
+                <a:latin typeface="Arial"/>
+                <a:cs typeface="Arial"/>
               </a:rPr>
               <a:t>проверяется реакция системы на все возможные возвращаемые функцией значения</a:t>
             </a:r>
@@ -25934,7 +28696,7 @@
   <p:timing>
     <p:tnLst>
       <p:par>
-        <p:cTn id="1" dur="indefinite" restart="never" nodeType="tmRoot"/>
+        <p:cTn xmlns:p14="http://schemas.microsoft.com/office/powerpoint/2010/main" id="1" dur="indefinite" restart="never" nodeType="tmRoot"/>
       </p:par>
     </p:tnLst>
   </p:timing>
@@ -25995,8 +28757,8 @@
         </p:nvSpPr>
         <p:spPr bwMode="auto">
           <a:xfrm>
-            <a:off x="2000878" y="2062698"/>
-            <a:ext cx="5023841" cy="2732604"/>
+            <a:off x="1066800" y="2339697"/>
+            <a:ext cx="7010400" cy="2178606"/>
           </a:xfrm>
           <a:prstGeom prst="rect">
             <a:avLst/>
@@ -26028,6 +28790,8 @@
                 <a:solidFill>
                   <a:schemeClr val="accent4"/>
                 </a:solidFill>
+                <a:latin typeface="Arial"/>
+                <a:cs typeface="Arial"/>
               </a:rPr>
               <a:t>Покрытие </a:t>
             </a:r>
@@ -26036,6 +28800,8 @@
                 <a:solidFill>
                   <a:schemeClr val="accent4"/>
                 </a:solidFill>
+                <a:latin typeface="Arial"/>
+                <a:cs typeface="Arial"/>
               </a:rPr>
               <a:t>вход/выход – все ли возможные варианты вызова функций и возврата из них были </a:t>
             </a:r>
@@ -26044,6 +28810,8 @@
                 <a:solidFill>
                   <a:schemeClr val="accent4"/>
                 </a:solidFill>
+                <a:latin typeface="Arial"/>
+                <a:cs typeface="Arial"/>
               </a:rPr>
               <a:t>выполнены</a:t>
             </a:r>
@@ -26061,6 +28829,8 @@
               <a:solidFill>
                 <a:schemeClr val="accent4"/>
               </a:solidFill>
+              <a:latin typeface="Arial"/>
+              <a:cs typeface="Arial"/>
             </a:endParaRPr>
           </a:p>
           <a:p>
@@ -26077,6 +28847,8 @@
                 <a:solidFill>
                   <a:schemeClr val="accent4"/>
                 </a:solidFill>
+                <a:latin typeface="Arial"/>
+                <a:cs typeface="Arial"/>
               </a:rPr>
               <a:t>На данном уровне обеспечивается тестирование как самих функций (все возможные варианты вызова), так и их взаимодействие в составе модуля (все возможные варианты возврата)</a:t>
             </a:r>
@@ -26096,7 +28868,7 @@
   <p:timing>
     <p:tnLst>
       <p:par>
-        <p:cTn id="1" dur="indefinite" restart="never" nodeType="tmRoot"/>
+        <p:cTn xmlns:p14="http://schemas.microsoft.com/office/powerpoint/2010/main" id="1" dur="indefinite" restart="never" nodeType="tmRoot"/>
       </p:par>
     </p:tnLst>
   </p:timing>
@@ -26157,8 +28929,8 @@
         </p:nvSpPr>
         <p:spPr bwMode="auto">
           <a:xfrm>
-            <a:off x="2000878" y="1785700"/>
-            <a:ext cx="5023841" cy="3286601"/>
+            <a:off x="838200" y="2201198"/>
+            <a:ext cx="7543800" cy="2455605"/>
           </a:xfrm>
           <a:prstGeom prst="rect">
             <a:avLst/>
@@ -26190,6 +28962,8 @@
                 <a:solidFill>
                   <a:schemeClr val="accent4"/>
                 </a:solidFill>
+                <a:latin typeface="Arial"/>
+                <a:cs typeface="Arial"/>
               </a:rPr>
               <a:t>К анализу покрытия программного кода можно приступать только после полного покрытия </a:t>
             </a:r>
@@ -26198,6 +28972,8 @@
                 <a:solidFill>
                   <a:schemeClr val="accent4"/>
                 </a:solidFill>
+                <a:latin typeface="Arial"/>
+                <a:cs typeface="Arial"/>
               </a:rPr>
               <a:t>требований</a:t>
             </a:r>
@@ -26215,6 +28991,8 @@
               <a:solidFill>
                 <a:schemeClr val="accent4"/>
               </a:solidFill>
+              <a:latin typeface="Arial"/>
+              <a:cs typeface="Arial"/>
             </a:endParaRPr>
           </a:p>
           <a:p>
@@ -26231,6 +29009,8 @@
                 <a:solidFill>
                   <a:schemeClr val="accent4"/>
                 </a:solidFill>
+                <a:latin typeface="Arial"/>
+                <a:cs typeface="Arial"/>
               </a:rPr>
               <a:t>Полное покрытие программного кода не гарантирует того, что тесты проверяют все требования к </a:t>
             </a:r>
@@ -26239,6 +29019,8 @@
                 <a:solidFill>
                   <a:schemeClr val="accent4"/>
                 </a:solidFill>
+                <a:latin typeface="Arial"/>
+                <a:cs typeface="Arial"/>
               </a:rPr>
               <a:t>системе</a:t>
             </a:r>
@@ -26256,6 +29038,8 @@
               <a:solidFill>
                 <a:schemeClr val="accent4"/>
               </a:solidFill>
+              <a:latin typeface="Arial"/>
+              <a:cs typeface="Arial"/>
             </a:endParaRPr>
           </a:p>
           <a:p>
@@ -26272,6 +29056,8 @@
                 <a:solidFill>
                   <a:schemeClr val="accent4"/>
                 </a:solidFill>
+                <a:latin typeface="Arial"/>
+                <a:cs typeface="Arial"/>
               </a:rPr>
               <a:t>Целью анализа полноты покрытия кода является выявление участков кода, которые не выполняются при выполнении тестов</a:t>
             </a:r>
@@ -26291,7 +29077,7 @@
   <p:timing>
     <p:tnLst>
       <p:par>
-        <p:cTn id="1" dur="indefinite" restart="never" nodeType="tmRoot"/>
+        <p:cTn xmlns:p14="http://schemas.microsoft.com/office/powerpoint/2010/main" id="1" dur="indefinite" restart="never" nodeType="tmRoot"/>
       </p:par>
     </p:tnLst>
   </p:timing>
@@ -26352,8 +29138,8 @@
         </p:nvSpPr>
         <p:spPr bwMode="auto">
           <a:xfrm>
-            <a:off x="2000878" y="2201198"/>
-            <a:ext cx="5023841" cy="2455605"/>
+            <a:off x="1371600" y="2339697"/>
+            <a:ext cx="6400800" cy="2178606"/>
           </a:xfrm>
           <a:prstGeom prst="rect">
             <a:avLst/>
@@ -26385,6 +29171,8 @@
                 <a:solidFill>
                   <a:schemeClr val="accent4"/>
                 </a:solidFill>
+                <a:latin typeface="Arial"/>
+                <a:cs typeface="Arial"/>
               </a:rPr>
               <a:t>Одной из оценок качества системы тестов является полнота – величина той части функциональности системы, которая проверяется </a:t>
             </a:r>
@@ -26393,6 +29181,8 @@
                 <a:solidFill>
                   <a:schemeClr val="accent4"/>
                 </a:solidFill>
+                <a:latin typeface="Arial"/>
+                <a:cs typeface="Arial"/>
               </a:rPr>
               <a:t>тестами</a:t>
             </a:r>
@@ -26400,6 +29190,8 @@
               <a:solidFill>
                 <a:schemeClr val="accent4"/>
               </a:solidFill>
+              <a:latin typeface="Arial"/>
+              <a:cs typeface="Arial"/>
             </a:endParaRPr>
           </a:p>
           <a:p>
@@ -26415,6 +29207,8 @@
               <a:solidFill>
                 <a:schemeClr val="accent4"/>
               </a:solidFill>
+              <a:latin typeface="Arial"/>
+              <a:cs typeface="Arial"/>
             </a:endParaRPr>
           </a:p>
           <a:p>
@@ -26431,6 +29225,8 @@
                 <a:solidFill>
                   <a:schemeClr val="accent4"/>
                 </a:solidFill>
+                <a:latin typeface="Arial"/>
+                <a:cs typeface="Arial"/>
               </a:rPr>
               <a:t>Полная система позволяет утверждать, что система реализует всю функциональность, указанную в требованиях</a:t>
             </a:r>
@@ -26450,7 +29246,7 @@
   <p:timing>
     <p:tnLst>
       <p:par>
-        <p:cTn id="1" dur="indefinite" restart="never" nodeType="tmRoot"/>
+        <p:cTn xmlns:p14="http://schemas.microsoft.com/office/powerpoint/2010/main" id="1" dur="indefinite" restart="never" nodeType="tmRoot"/>
       </p:par>
     </p:tnLst>
   </p:timing>
@@ -26511,8 +29307,8 @@
         </p:nvSpPr>
         <p:spPr bwMode="auto">
           <a:xfrm>
-            <a:off x="2000878" y="2062698"/>
-            <a:ext cx="5023841" cy="2732604"/>
+            <a:off x="1143000" y="2339697"/>
+            <a:ext cx="6934200" cy="2178606"/>
           </a:xfrm>
           <a:prstGeom prst="rect">
             <a:avLst/>
@@ -26544,6 +29340,8 @@
                 <a:solidFill>
                   <a:schemeClr val="accent4"/>
                 </a:solidFill>
+                <a:latin typeface="Arial"/>
+                <a:cs typeface="Arial"/>
               </a:rPr>
               <a:t>В идеальном случае при полном покрытии функциональных требований должно получаться 100% покрытие </a:t>
             </a:r>
@@ -26552,6 +29350,8 @@
                 <a:solidFill>
                   <a:schemeClr val="accent4"/>
                 </a:solidFill>
+                <a:latin typeface="Arial"/>
+                <a:cs typeface="Arial"/>
               </a:rPr>
               <a:t>кода</a:t>
             </a:r>
@@ -26569,6 +29369,8 @@
               <a:solidFill>
                 <a:schemeClr val="accent4"/>
               </a:solidFill>
+              <a:latin typeface="Arial"/>
+              <a:cs typeface="Arial"/>
             </a:endParaRPr>
           </a:p>
           <a:p>
@@ -26585,6 +29387,8 @@
                 <a:solidFill>
                   <a:schemeClr val="accent4"/>
                 </a:solidFill>
+                <a:latin typeface="Arial"/>
+                <a:cs typeface="Arial"/>
               </a:rPr>
               <a:t>Однако на практике такое происходит только в случае очень простого </a:t>
             </a:r>
@@ -26593,6 +29397,8 @@
                 <a:solidFill>
                   <a:schemeClr val="accent4"/>
                 </a:solidFill>
+                <a:latin typeface="Arial"/>
+                <a:cs typeface="Arial"/>
               </a:rPr>
               <a:t>кода</a:t>
             </a:r>
@@ -26610,6 +29416,8 @@
               <a:solidFill>
                 <a:schemeClr val="accent4"/>
               </a:solidFill>
+              <a:latin typeface="Arial"/>
+              <a:cs typeface="Arial"/>
             </a:endParaRPr>
           </a:p>
           <a:p>
@@ -26626,6 +29434,8 @@
                 <a:solidFill>
                   <a:schemeClr val="accent4"/>
                 </a:solidFill>
+                <a:latin typeface="Arial"/>
+                <a:cs typeface="Arial"/>
               </a:rPr>
               <a:t>Причины «недопокрытия» кода могут быть различными</a:t>
             </a:r>
@@ -26645,7 +29455,7 @@
   <p:timing>
     <p:tnLst>
       <p:par>
-        <p:cTn id="1" dur="indefinite" restart="never" nodeType="tmRoot"/>
+        <p:cTn xmlns:p14="http://schemas.microsoft.com/office/powerpoint/2010/main" id="1" dur="indefinite" restart="never" nodeType="tmRoot"/>
       </p:par>
     </p:tnLst>
   </p:timing>
@@ -26706,8 +29516,8 @@
         </p:nvSpPr>
         <p:spPr bwMode="auto">
           <a:xfrm>
-            <a:off x="2000878" y="2062698"/>
-            <a:ext cx="5023841" cy="3840599"/>
+            <a:off x="511175" y="1524000"/>
+            <a:ext cx="8001000" cy="2732604"/>
           </a:xfrm>
           <a:prstGeom prst="rect">
             <a:avLst/>
@@ -26923,7 +29733,7 @@
   <p:timing>
     <p:tnLst>
       <p:par>
-        <p:cTn id="1" dur="indefinite" restart="never" nodeType="tmRoot"/>
+        <p:cTn xmlns:p14="http://schemas.microsoft.com/office/powerpoint/2010/main" id="1" dur="indefinite" restart="never" nodeType="tmRoot"/>
       </p:par>
     </p:tnLst>
   </p:timing>
@@ -26984,8 +29794,8 @@
         </p:nvSpPr>
         <p:spPr bwMode="auto">
           <a:xfrm>
-            <a:off x="2000878" y="2062698"/>
-            <a:ext cx="5023841" cy="3009602"/>
+            <a:off x="381000" y="1371600"/>
+            <a:ext cx="7010400" cy="2455605"/>
           </a:xfrm>
           <a:prstGeom prst="rect">
             <a:avLst/>
@@ -27017,6 +29827,8 @@
                 <a:solidFill>
                   <a:schemeClr val="accent4"/>
                 </a:solidFill>
+                <a:latin typeface="Arial"/>
+                <a:cs typeface="Arial"/>
               </a:rPr>
               <a:t>«Мертвый код</a:t>
             </a:r>
@@ -27025,6 +29837,8 @@
                 <a:solidFill>
                   <a:schemeClr val="accent4"/>
                 </a:solidFill>
+                <a:latin typeface="Arial"/>
+                <a:cs typeface="Arial"/>
               </a:rPr>
               <a:t>»</a:t>
             </a:r>
@@ -27042,6 +29856,8 @@
               <a:solidFill>
                 <a:schemeClr val="accent4"/>
               </a:solidFill>
+              <a:latin typeface="Arial"/>
+              <a:cs typeface="Arial"/>
             </a:endParaRPr>
           </a:p>
           <a:p>
@@ -27058,6 +29874,8 @@
                 <a:solidFill>
                   <a:schemeClr val="accent4"/>
                 </a:solidFill>
+                <a:latin typeface="Arial"/>
+                <a:cs typeface="Arial"/>
               </a:rPr>
               <a:t>этот код должен быть удален, и проведен анализ для оценки эффекта удаления и необходимости </a:t>
             </a:r>
@@ -27066,6 +29884,8 @@
                 <a:solidFill>
                   <a:schemeClr val="accent4"/>
                 </a:solidFill>
+                <a:latin typeface="Arial"/>
+                <a:cs typeface="Arial"/>
               </a:rPr>
               <a:t>перепроверки</a:t>
             </a:r>
@@ -27083,6 +29903,8 @@
               <a:solidFill>
                 <a:schemeClr val="accent4"/>
               </a:solidFill>
+              <a:latin typeface="Arial"/>
+              <a:cs typeface="Arial"/>
             </a:endParaRPr>
           </a:p>
           <a:p>
@@ -27099,6 +29921,8 @@
                 <a:solidFill>
                   <a:schemeClr val="accent4"/>
                 </a:solidFill>
+                <a:latin typeface="Arial"/>
+                <a:cs typeface="Arial"/>
               </a:rPr>
               <a:t>Дезактивируемый код – код, работающий только в определенных конфигурациях окружения</a:t>
             </a:r>
@@ -27118,7 +29942,7 @@
   <p:timing>
     <p:tnLst>
       <p:par>
-        <p:cTn id="1" dur="indefinite" restart="never" nodeType="tmRoot"/>
+        <p:cTn xmlns:p14="http://schemas.microsoft.com/office/powerpoint/2010/main" id="1" dur="indefinite" restart="never" nodeType="tmRoot"/>
       </p:par>
     </p:tnLst>
   </p:timing>
@@ -27179,8 +30003,8 @@
         </p:nvSpPr>
         <p:spPr bwMode="auto">
           <a:xfrm>
-            <a:off x="2000878" y="2062698"/>
-            <a:ext cx="5023841" cy="3286601"/>
+            <a:off x="381000" y="1524000"/>
+            <a:ext cx="7696200" cy="2732604"/>
           </a:xfrm>
           <a:prstGeom prst="rect">
             <a:avLst/>
@@ -27210,6 +30034,8 @@
                 <a:solidFill>
                   <a:schemeClr val="accent4"/>
                 </a:solidFill>
+                <a:latin typeface="Arial"/>
+                <a:cs typeface="Arial"/>
               </a:rPr>
               <a:t>Дезактивируемый </a:t>
             </a:r>
@@ -27218,6 +30044,8 @@
                 <a:solidFill>
                   <a:schemeClr val="accent4"/>
                 </a:solidFill>
+                <a:latin typeface="Arial"/>
+                <a:cs typeface="Arial"/>
               </a:rPr>
               <a:t>код</a:t>
             </a:r>
@@ -27233,6 +30061,8 @@
               <a:solidFill>
                 <a:schemeClr val="accent4"/>
               </a:solidFill>
+              <a:latin typeface="Arial"/>
+              <a:cs typeface="Arial"/>
             </a:endParaRPr>
           </a:p>
           <a:p>
@@ -27249,6 +30079,8 @@
                 <a:solidFill>
                   <a:schemeClr val="accent4"/>
                 </a:solidFill>
+                <a:latin typeface="Arial"/>
+                <a:cs typeface="Arial"/>
               </a:rPr>
               <a:t>Д</a:t>
             </a:r>
@@ -27257,6 +30089,8 @@
                 <a:solidFill>
                   <a:schemeClr val="accent4"/>
                 </a:solidFill>
+                <a:latin typeface="Arial"/>
+                <a:cs typeface="Arial"/>
               </a:rPr>
               <a:t>ля </a:t>
             </a:r>
@@ -27265,6 +30099,8 @@
                 <a:solidFill>
                   <a:schemeClr val="accent4"/>
                 </a:solidFill>
+                <a:latin typeface="Arial"/>
+                <a:cs typeface="Arial"/>
               </a:rPr>
               <a:t>такого кода должна быть установлена нормальная эксплуатационная среда, в которой он </a:t>
             </a:r>
@@ -27273,6 +30109,8 @@
                 <a:solidFill>
                   <a:schemeClr val="accent4"/>
                 </a:solidFill>
+                <a:latin typeface="Arial"/>
+                <a:cs typeface="Arial"/>
               </a:rPr>
               <a:t>выполняется</a:t>
             </a:r>
@@ -27290,6 +30128,8 @@
               <a:solidFill>
                 <a:schemeClr val="accent4"/>
               </a:solidFill>
+              <a:latin typeface="Arial"/>
+              <a:cs typeface="Arial"/>
             </a:endParaRPr>
           </a:p>
           <a:p>
@@ -27306,6 +30146,8 @@
                 <a:solidFill>
                   <a:schemeClr val="accent4"/>
                 </a:solidFill>
+                <a:latin typeface="Arial"/>
+                <a:cs typeface="Arial"/>
               </a:rPr>
               <a:t>Написаны </a:t>
             </a:r>
@@ -27314,6 +30156,8 @@
                 <a:solidFill>
                   <a:schemeClr val="accent4"/>
                 </a:solidFill>
+                <a:latin typeface="Arial"/>
+                <a:cs typeface="Arial"/>
               </a:rPr>
               <a:t>тесты, покрывающие </a:t>
             </a:r>
@@ -27322,6 +30166,8 @@
                 <a:solidFill>
                   <a:schemeClr val="accent4"/>
                 </a:solidFill>
+                <a:latin typeface="Arial"/>
+                <a:cs typeface="Arial"/>
               </a:rPr>
               <a:t>его</a:t>
             </a:r>
@@ -27339,6 +30185,8 @@
               <a:solidFill>
                 <a:schemeClr val="accent4"/>
               </a:solidFill>
+              <a:latin typeface="Arial"/>
+              <a:cs typeface="Arial"/>
             </a:endParaRPr>
           </a:p>
           <a:p>
@@ -27355,6 +30203,8 @@
                 <a:solidFill>
                   <a:schemeClr val="accent4"/>
                 </a:solidFill>
+                <a:latin typeface="Arial"/>
+                <a:cs typeface="Arial"/>
               </a:rPr>
               <a:t>Написаны </a:t>
             </a:r>
@@ -27363,6 +30213,8 @@
                 <a:solidFill>
                   <a:schemeClr val="accent4"/>
                 </a:solidFill>
+                <a:latin typeface="Arial"/>
+                <a:cs typeface="Arial"/>
               </a:rPr>
               <a:t>тесты, проверяющие, что данный код не может быть преднамеренно выполнен в других конфигурациях</a:t>
             </a:r>
@@ -27382,7 +30234,7 @@
   <p:timing>
     <p:tnLst>
       <p:par>
-        <p:cTn id="1" dur="indefinite" restart="never" nodeType="tmRoot"/>
+        <p:cTn xmlns:p14="http://schemas.microsoft.com/office/powerpoint/2010/main" id="1" dur="indefinite" restart="never" nodeType="tmRoot"/>
       </p:par>
     </p:tnLst>
   </p:timing>
@@ -27443,8 +30295,8 @@
         </p:nvSpPr>
         <p:spPr bwMode="auto">
           <a:xfrm>
-            <a:off x="2000878" y="2339697"/>
-            <a:ext cx="5023841" cy="2178606"/>
+            <a:off x="1419539" y="2339697"/>
+            <a:ext cx="6304922" cy="2732604"/>
           </a:xfrm>
           <a:prstGeom prst="rect">
             <a:avLst/>
@@ -27476,17 +30328,45 @@
                 <a:solidFill>
                   <a:schemeClr val="accent4"/>
                 </a:solidFill>
+                <a:latin typeface="Arial"/>
+                <a:cs typeface="Arial"/>
               </a:rPr>
               <a:t>Избыточные </a:t>
             </a:r>
             <a:r>
-              <a:rPr lang="ru-RU" dirty="0">
+              <a:rPr lang="ru-RU" dirty="0" smtClean="0">
                 <a:solidFill>
                   <a:schemeClr val="accent4"/>
                 </a:solidFill>
+                <a:latin typeface="Arial"/>
+                <a:cs typeface="Arial"/>
               </a:rPr>
               <a:t>условия</a:t>
             </a:r>
+            <a:endParaRPr lang="en-US" dirty="0" smtClean="0">
+              <a:solidFill>
+                <a:schemeClr val="accent4"/>
+              </a:solidFill>
+              <a:latin typeface="Arial"/>
+              <a:cs typeface="Arial"/>
+            </a:endParaRPr>
+          </a:p>
+          <a:p>
+            <a:pPr marL="287338" indent="-287338" defTabSz="803275">
+              <a:buClr>
+                <a:srgbClr val="FF6600"/>
+              </a:buClr>
+              <a:buSzPct val="125000"/>
+              <a:buFont typeface="Wingdings" charset="0"/>
+              <a:buChar char="§"/>
+            </a:pPr>
+            <a:endParaRPr lang="ru-RU" dirty="0">
+              <a:solidFill>
+                <a:schemeClr val="accent4"/>
+              </a:solidFill>
+              <a:latin typeface="Arial"/>
+              <a:cs typeface="Arial"/>
+            </a:endParaRPr>
           </a:p>
           <a:p>
             <a:pPr marL="744538" lvl="1" indent="-287338" defTabSz="803275">
@@ -27502,6 +30382,8 @@
                 <a:solidFill>
                   <a:schemeClr val="accent4"/>
                 </a:solidFill>
+                <a:latin typeface="Arial"/>
+                <a:cs typeface="Arial"/>
               </a:rPr>
               <a:t>пример такого условия – </a:t>
             </a:r>
@@ -27510,6 +30392,8 @@
                 <a:solidFill>
                   <a:schemeClr val="accent4"/>
                 </a:solidFill>
+                <a:latin typeface="Arial"/>
+                <a:cs typeface="Arial"/>
               </a:rPr>
               <a:t>выражение !b </a:t>
             </a:r>
@@ -27518,9 +30402,38 @@
                 <a:solidFill>
                   <a:schemeClr val="accent4"/>
                 </a:solidFill>
+                <a:latin typeface="Arial"/>
+                <a:cs typeface="Arial"/>
               </a:rPr>
-              <a:t>|| (a &amp;&amp; b)</a:t>
-            </a:r>
+              <a:t>|| (a &amp;&amp; </a:t>
+            </a:r>
+            <a:r>
+              <a:rPr lang="ru-RU" dirty="0" err="1">
+                <a:solidFill>
+                  <a:schemeClr val="accent4"/>
+                </a:solidFill>
+                <a:latin typeface="Arial"/>
+                <a:cs typeface="Arial"/>
+              </a:rPr>
+              <a:t>b</a:t>
+            </a:r>
+            <a:r>
+              <a:rPr lang="ru-RU" dirty="0" smtClean="0">
+                <a:solidFill>
+                  <a:schemeClr val="accent4"/>
+                </a:solidFill>
+                <a:latin typeface="Arial"/>
+                <a:cs typeface="Arial"/>
+              </a:rPr>
+              <a:t>)</a:t>
+            </a:r>
+            <a:endParaRPr lang="en-US" dirty="0" smtClean="0">
+              <a:solidFill>
+                <a:schemeClr val="accent4"/>
+              </a:solidFill>
+              <a:latin typeface="Arial"/>
+              <a:cs typeface="Arial"/>
+            </a:endParaRPr>
           </a:p>
           <a:p>
             <a:pPr marL="744538" lvl="1" indent="-287338" defTabSz="803275">
@@ -27531,14 +30444,67 @@
               <a:buFont typeface="Wingdings" charset="0"/>
               <a:buChar char="§"/>
             </a:pPr>
+            <a:endParaRPr lang="ru-RU" dirty="0">
+              <a:solidFill>
+                <a:schemeClr val="accent4"/>
+              </a:solidFill>
+              <a:latin typeface="Arial"/>
+              <a:cs typeface="Arial"/>
+            </a:endParaRPr>
+          </a:p>
+          <a:p>
+            <a:pPr marL="744538" lvl="1" indent="-287338" defTabSz="803275">
+              <a:buClr>
+                <a:srgbClr val="FF6600"/>
+              </a:buClr>
+              <a:buSzPct val="125000"/>
+              <a:buFont typeface="Wingdings" charset="0"/>
+              <a:buChar char="§"/>
+            </a:pPr>
             <a:r>
               <a:rPr lang="ru-RU" dirty="0">
                 <a:solidFill>
                   <a:schemeClr val="accent4"/>
                 </a:solidFill>
+                <a:latin typeface="Arial"/>
+                <a:cs typeface="Arial"/>
               </a:rPr>
-              <a:t>при b = false, значение переменной a не имеет значения, т.е. условие избыточно и вторая его часть не будет проверяться</a:t>
-            </a:r>
+              <a:t>при b = false, значение переменной a не имеет значения, т.е. условие избыточно и вторая его часть не будет </a:t>
+            </a:r>
+            <a:r>
+              <a:rPr lang="ru-RU" dirty="0" smtClean="0">
+                <a:solidFill>
+                  <a:schemeClr val="accent4"/>
+                </a:solidFill>
+                <a:latin typeface="Arial"/>
+                <a:cs typeface="Arial"/>
+              </a:rPr>
+              <a:t>проверяться</a:t>
+            </a:r>
+            <a:endParaRPr lang="en-US" dirty="0" smtClean="0">
+              <a:solidFill>
+                <a:schemeClr val="accent4"/>
+              </a:solidFill>
+              <a:latin typeface="Arial"/>
+              <a:cs typeface="Arial"/>
+            </a:endParaRPr>
+          </a:p>
+          <a:p>
+            <a:pPr marL="744538" lvl="1" indent="-287338" defTabSz="803275">
+              <a:buClr>
+                <a:srgbClr val="FF6600"/>
+              </a:buClr>
+              <a:buSzPct val="125000"/>
+              <a:buFont typeface="Wingdings" charset="0"/>
+              <a:buChar char="§"/>
+            </a:pPr>
+            <a:endParaRPr lang="ru-RU" dirty="0">
+              <a:solidFill>
+                <a:schemeClr val="accent4"/>
+              </a:solidFill>
+              <a:latin typeface="Arial"/>
+              <a:cs typeface="Arial"/>
+            </a:endParaRPr>
           </a:p>
           <a:p>
             <a:pPr marL="287338" indent="-287338" defTabSz="803275">
@@ -27554,6 +30520,8 @@
                 <a:solidFill>
                   <a:schemeClr val="accent4"/>
                 </a:solidFill>
+                <a:latin typeface="Arial"/>
+                <a:cs typeface="Arial"/>
               </a:rPr>
               <a:t>Защитный код</a:t>
             </a:r>
@@ -27573,7 +30541,7 @@
   <p:timing>
     <p:tnLst>
       <p:par>
-        <p:cTn id="1" dur="indefinite" restart="never" nodeType="tmRoot"/>
+        <p:cTn xmlns:p14="http://schemas.microsoft.com/office/powerpoint/2010/main" id="1" dur="indefinite" restart="never" nodeType="tmRoot"/>
       </p:par>
     </p:tnLst>
   </p:timing>
@@ -27638,8 +30606,8 @@
         </p:nvSpPr>
         <p:spPr bwMode="auto">
           <a:xfrm>
-            <a:off x="2000878" y="2339697"/>
-            <a:ext cx="5023841" cy="2178606"/>
+            <a:off x="723900" y="2755196"/>
+            <a:ext cx="7696200" cy="1347609"/>
           </a:xfrm>
           <a:prstGeom prst="rect">
             <a:avLst/>
@@ -27669,6 +30637,8 @@
                 <a:solidFill>
                   <a:schemeClr val="accent4"/>
                 </a:solidFill>
+                <a:latin typeface="Arial"/>
+                <a:cs typeface="Arial"/>
               </a:rPr>
               <a:t>Защитное программирование - это метод организации программного кода таким образом, чтобы при работе системы последствия проявления дефектов в ней не приводили к сбоям, отказам и авариям (проверка входных данных, обработка исключений и т.д.)</a:t>
             </a:r>
@@ -27688,7 +30658,7 @@
   <p:timing>
     <p:tnLst>
       <p:par>
-        <p:cTn id="1" dur="indefinite" restart="never" nodeType="tmRoot"/>
+        <p:cTn xmlns:p14="http://schemas.microsoft.com/office/powerpoint/2010/main" id="1" dur="indefinite" restart="never" nodeType="tmRoot"/>
       </p:par>
     </p:tnLst>
   </p:timing>
@@ -27753,8 +30723,8 @@
         </p:nvSpPr>
         <p:spPr bwMode="auto">
           <a:xfrm>
-            <a:off x="2000878" y="2339697"/>
-            <a:ext cx="5023841" cy="2455605"/>
+            <a:off x="1533839" y="2339697"/>
+            <a:ext cx="6076322" cy="2455605"/>
           </a:xfrm>
           <a:prstGeom prst="rect">
             <a:avLst/>
@@ -27786,6 +30756,8 @@
                 <a:solidFill>
                   <a:schemeClr val="accent4"/>
                 </a:solidFill>
+                <a:latin typeface="Arial"/>
+                <a:cs typeface="Arial"/>
               </a:rPr>
               <a:t>Например, это может быть ветка default в операторе выбора </a:t>
             </a:r>
@@ -27794,6 +30766,8 @@
                 <a:solidFill>
                   <a:schemeClr val="accent4"/>
                 </a:solidFill>
+                <a:latin typeface="Arial"/>
+                <a:cs typeface="Arial"/>
               </a:rPr>
               <a:t>switch</a:t>
             </a:r>
@@ -27811,6 +30785,8 @@
               <a:solidFill>
                 <a:schemeClr val="accent4"/>
               </a:solidFill>
+              <a:latin typeface="Arial"/>
+              <a:cs typeface="Arial"/>
             </a:endParaRPr>
           </a:p>
           <a:p>
@@ -27827,6 +30803,8 @@
                 <a:solidFill>
                   <a:schemeClr val="accent4"/>
                 </a:solidFill>
+                <a:latin typeface="Arial"/>
+                <a:cs typeface="Arial"/>
               </a:rPr>
               <a:t>Входное условие оператора switch может принимать определенные </a:t>
             </a:r>
@@ -27835,6 +30813,8 @@
                 <a:solidFill>
                   <a:schemeClr val="accent4"/>
                 </a:solidFill>
+                <a:latin typeface="Arial"/>
+                <a:cs typeface="Arial"/>
               </a:rPr>
               <a:t>значения</a:t>
             </a:r>
@@ -27852,6 +30832,8 @@
               <a:solidFill>
                 <a:schemeClr val="accent4"/>
               </a:solidFill>
+              <a:latin typeface="Arial"/>
+              <a:cs typeface="Arial"/>
             </a:endParaRPr>
           </a:p>
           <a:p>
@@ -27868,6 +30850,8 @@
                 <a:solidFill>
                   <a:schemeClr val="accent4"/>
                 </a:solidFill>
+                <a:latin typeface="Arial"/>
+                <a:cs typeface="Arial"/>
               </a:rPr>
               <a:t>Как следствие, ветка default, возможно никогда не будет выполнена</a:t>
             </a:r>
@@ -27887,7 +30871,7 @@
   <p:timing>
     <p:tnLst>
       <p:par>
-        <p:cTn id="1" dur="indefinite" restart="never" nodeType="tmRoot"/>
+        <p:cTn xmlns:p14="http://schemas.microsoft.com/office/powerpoint/2010/main" id="1" dur="indefinite" restart="never" nodeType="tmRoot"/>
       </p:par>
     </p:tnLst>
   </p:timing>
@@ -27948,8 +30932,8 @@
         </p:nvSpPr>
         <p:spPr bwMode="auto">
           <a:xfrm>
-            <a:off x="2000878" y="2062698"/>
-            <a:ext cx="5023841" cy="2732604"/>
+            <a:off x="1257300" y="2201198"/>
+            <a:ext cx="6629400" cy="2455605"/>
           </a:xfrm>
           <a:prstGeom prst="rect">
             <a:avLst/>
@@ -27979,6 +30963,8 @@
                 <a:solidFill>
                   <a:schemeClr val="accent4"/>
                 </a:solidFill>
+                <a:latin typeface="Arial"/>
+                <a:cs typeface="Arial"/>
               </a:rPr>
               <a:t>Также существуют случаи, когда модульное тестирование кода сильно затруднено, либо вообще невозможно</a:t>
             </a:r>
@@ -27987,6 +30973,8 @@
                 <a:solidFill>
                   <a:schemeClr val="accent4"/>
                 </a:solidFill>
+                <a:latin typeface="Arial"/>
+                <a:cs typeface="Arial"/>
               </a:rPr>
               <a:t>:</a:t>
             </a:r>
@@ -28002,6 +30990,8 @@
               <a:solidFill>
                 <a:schemeClr val="accent4"/>
               </a:solidFill>
+              <a:latin typeface="Arial"/>
+              <a:cs typeface="Arial"/>
             </a:endParaRPr>
           </a:p>
           <a:p>
@@ -28018,6 +31008,8 @@
                 <a:solidFill>
                   <a:schemeClr val="accent4"/>
                 </a:solidFill>
+                <a:latin typeface="Arial"/>
+                <a:cs typeface="Arial"/>
               </a:rPr>
               <a:t>генерация случайных </a:t>
             </a:r>
@@ -28026,6 +31018,8 @@
                 <a:solidFill>
                   <a:schemeClr val="accent4"/>
                 </a:solidFill>
+                <a:latin typeface="Arial"/>
+                <a:cs typeface="Arial"/>
               </a:rPr>
               <a:t>чисел</a:t>
             </a:r>
@@ -28043,6 +31037,8 @@
               <a:solidFill>
                 <a:schemeClr val="accent4"/>
               </a:solidFill>
+              <a:latin typeface="Arial"/>
+              <a:cs typeface="Arial"/>
             </a:endParaRPr>
           </a:p>
           <a:p>
@@ -28059,6 +31055,8 @@
                 <a:solidFill>
                   <a:schemeClr val="accent4"/>
                 </a:solidFill>
+                <a:latin typeface="Arial"/>
+                <a:cs typeface="Arial"/>
               </a:rPr>
               <a:t>сложные математические </a:t>
             </a:r>
@@ -28067,6 +31065,8 @@
                 <a:solidFill>
                   <a:schemeClr val="accent4"/>
                 </a:solidFill>
+                <a:latin typeface="Arial"/>
+                <a:cs typeface="Arial"/>
               </a:rPr>
               <a:t>алгоритмы</a:t>
             </a:r>
@@ -28084,6 +31084,8 @@
               <a:solidFill>
                 <a:schemeClr val="accent4"/>
               </a:solidFill>
+              <a:latin typeface="Arial"/>
+              <a:cs typeface="Arial"/>
             </a:endParaRPr>
           </a:p>
           <a:p>
@@ -28100,6 +31102,8 @@
                 <a:solidFill>
                   <a:schemeClr val="accent4"/>
                 </a:solidFill>
+                <a:latin typeface="Arial"/>
+                <a:cs typeface="Arial"/>
               </a:rPr>
               <a:t>параллельные алгоритмы</a:t>
             </a:r>
@@ -28119,7 +31123,7 @@
   <p:timing>
     <p:tnLst>
       <p:par>
-        <p:cTn id="1" dur="indefinite" restart="never" nodeType="tmRoot"/>
+        <p:cTn xmlns:p14="http://schemas.microsoft.com/office/powerpoint/2010/main" id="1" dur="indefinite" restart="never" nodeType="tmRoot"/>
       </p:par>
     </p:tnLst>
   </p:timing>
@@ -28180,8 +31184,8 @@
         </p:nvSpPr>
         <p:spPr bwMode="auto">
           <a:xfrm>
-            <a:off x="2000878" y="2893695"/>
-            <a:ext cx="5023841" cy="1070610"/>
+            <a:off x="1143000" y="2893695"/>
+            <a:ext cx="6858000" cy="1070610"/>
           </a:xfrm>
           <a:prstGeom prst="rect">
             <a:avLst/>
@@ -28200,7 +31204,7 @@
           </a:bodyPr>
           <a:lstStyle/>
           <a:p>
-            <a:pPr defTabSz="803275">
+            <a:pPr algn="ctr" defTabSz="803275">
               <a:buClr>
                 <a:srgbClr val="FF6600"/>
               </a:buClr>
@@ -28211,6 +31215,8 @@
                 <a:solidFill>
                   <a:schemeClr val="accent4"/>
                 </a:solidFill>
+                <a:latin typeface="Arial"/>
+                <a:cs typeface="Arial"/>
               </a:rPr>
               <a:t>Помните, что тесты пишутся для повышения качества кода и лучшего его понимания, а не для повышения показателей метрик!</a:t>
             </a:r>
@@ -28230,7 +31236,7 @@
   <p:timing>
     <p:tnLst>
       <p:par>
-        <p:cTn id="1" dur="indefinite" restart="never" nodeType="tmRoot"/>
+        <p:cTn xmlns:p14="http://schemas.microsoft.com/office/powerpoint/2010/main" id="1" dur="indefinite" restart="never" nodeType="tmRoot"/>
       </p:par>
     </p:tnLst>
   </p:timing>
@@ -28292,13 +31298,13 @@
   <p:clrMapOvr>
     <a:masterClrMapping/>
   </p:clrMapOvr>
-  <p:transition>
+  <p:transition xmlns:p14="http://schemas.microsoft.com/office/powerpoint/2010/main">
     <p:zoom/>
   </p:transition>
   <p:timing>
     <p:tnLst>
       <p:par>
-        <p:cTn id="1" dur="indefinite" restart="never" nodeType="tmRoot"/>
+        <p:cTn xmlns:p14="http://schemas.microsoft.com/office/powerpoint/2010/main" id="1" dur="indefinite" restart="never" nodeType="tmRoot"/>
       </p:par>
     </p:tnLst>
   </p:timing>
@@ -28359,8 +31365,8 @@
         </p:nvSpPr>
         <p:spPr bwMode="auto">
           <a:xfrm>
-            <a:off x="2000878" y="2201198"/>
-            <a:ext cx="5023841" cy="2732604"/>
+            <a:off x="1440641" y="2339697"/>
+            <a:ext cx="6262719" cy="2178606"/>
           </a:xfrm>
           <a:prstGeom prst="rect">
             <a:avLst/>
@@ -28392,6 +31398,8 @@
                 <a:solidFill>
                   <a:schemeClr val="accent4"/>
                 </a:solidFill>
+                <a:latin typeface="Arial"/>
+                <a:cs typeface="Arial"/>
               </a:rPr>
               <a:t>Кроме того, это позволяет утверждать, что система не реализует никакой другой </a:t>
             </a:r>
@@ -28400,6 +31408,8 @@
                 <a:solidFill>
                   <a:schemeClr val="accent4"/>
                 </a:solidFill>
+                <a:latin typeface="Arial"/>
+                <a:cs typeface="Arial"/>
               </a:rPr>
               <a:t>функциональности</a:t>
             </a:r>
@@ -28407,6 +31417,8 @@
               <a:solidFill>
                 <a:schemeClr val="accent4"/>
               </a:solidFill>
+              <a:latin typeface="Arial"/>
+              <a:cs typeface="Arial"/>
             </a:endParaRPr>
           </a:p>
           <a:p>
@@ -28422,6 +31434,8 @@
               <a:solidFill>
                 <a:schemeClr val="accent4"/>
               </a:solidFill>
+              <a:latin typeface="Arial"/>
+              <a:cs typeface="Arial"/>
             </a:endParaRPr>
           </a:p>
           <a:p>
@@ -28438,6 +31452,8 @@
                 <a:solidFill>
                   <a:schemeClr val="accent4"/>
                 </a:solidFill>
+                <a:latin typeface="Arial"/>
+                <a:cs typeface="Arial"/>
               </a:rPr>
               <a:t>Степень покрытия программного кода тестами – важный количественный показатель, позволяющий оценить качество как системы тестов, так и тестируемой системы</a:t>
             </a:r>
@@ -28457,7 +31473,7 @@
   <p:timing>
     <p:tnLst>
       <p:par>
-        <p:cTn id="1" dur="indefinite" restart="never" nodeType="tmRoot"/>
+        <p:cTn xmlns:p14="http://schemas.microsoft.com/office/powerpoint/2010/main" id="1" dur="indefinite" restart="never" nodeType="tmRoot"/>
       </p:par>
     </p:tnLst>
   </p:timing>
@@ -28675,7 +31691,7 @@
   <p:clrMapOvr>
     <a:masterClrMapping/>
   </p:clrMapOvr>
-  <p:transition>
+  <p:transition xmlns:p14="http://schemas.microsoft.com/office/powerpoint/2010/main">
     <p:zoom/>
   </p:transition>
 </p:sld>
@@ -28735,8 +31751,8 @@
         </p:nvSpPr>
         <p:spPr bwMode="auto">
           <a:xfrm>
-            <a:off x="2000878" y="2201198"/>
-            <a:ext cx="5023841" cy="2732604"/>
+            <a:off x="647700" y="2478197"/>
+            <a:ext cx="7848600" cy="1901607"/>
           </a:xfrm>
           <a:prstGeom prst="rect">
             <a:avLst/>
@@ -28768,6 +31784,8 @@
                 <a:solidFill>
                   <a:schemeClr val="accent4"/>
                 </a:solidFill>
+                <a:latin typeface="Arial"/>
+                <a:cs typeface="Arial"/>
               </a:rPr>
               <a:t>Одним из наиболее часто используемых методов определения полноты системы тестов является определение отношения количества тест-требований, для которых существуют тесты, к общему количеству </a:t>
             </a:r>
@@ -28776,6 +31794,8 @@
                 <a:solidFill>
                   <a:schemeClr val="accent4"/>
                 </a:solidFill>
+                <a:latin typeface="Arial"/>
+                <a:cs typeface="Arial"/>
               </a:rPr>
               <a:t>тест-требований</a:t>
             </a:r>
@@ -28783,6 +31803,8 @@
               <a:solidFill>
                 <a:schemeClr val="accent4"/>
               </a:solidFill>
+              <a:latin typeface="Arial"/>
+              <a:cs typeface="Arial"/>
             </a:endParaRPr>
           </a:p>
           <a:p>
@@ -28798,6 +31820,8 @@
               <a:solidFill>
                 <a:schemeClr val="accent4"/>
               </a:solidFill>
+              <a:latin typeface="Arial"/>
+              <a:cs typeface="Arial"/>
             </a:endParaRPr>
           </a:p>
           <a:p>
@@ -28814,6 +31838,8 @@
                 <a:solidFill>
                   <a:schemeClr val="accent4"/>
                 </a:solidFill>
+                <a:latin typeface="Arial"/>
+                <a:cs typeface="Arial"/>
               </a:rPr>
               <a:t>В данном случае речь идет о покрытии тестовами тест-требований</a:t>
             </a:r>
@@ -28833,7 +31859,7 @@
   <p:timing>
     <p:tnLst>
       <p:par>
-        <p:cTn id="1" dur="indefinite" restart="never" nodeType="tmRoot"/>
+        <p:cTn xmlns:p14="http://schemas.microsoft.com/office/powerpoint/2010/main" id="1" dur="indefinite" restart="never" nodeType="tmRoot"/>
       </p:par>
     </p:tnLst>
   </p:timing>
@@ -28894,8 +31920,8 @@
         </p:nvSpPr>
         <p:spPr bwMode="auto">
           <a:xfrm>
-            <a:off x="2000878" y="2201198"/>
-            <a:ext cx="5023841" cy="2732604"/>
+            <a:off x="1229039" y="2201198"/>
+            <a:ext cx="6685922" cy="2455605"/>
           </a:xfrm>
           <a:prstGeom prst="rect">
             <a:avLst/>
@@ -28927,6 +31953,8 @@
                 <a:solidFill>
                   <a:schemeClr val="accent4"/>
                 </a:solidFill>
+                <a:latin typeface="Arial"/>
+                <a:cs typeface="Arial"/>
               </a:rPr>
               <a:t>В качестве единицы измерения степени покрытия здесь выступает процент тест-требований, для которых существуют </a:t>
             </a:r>
@@ -28935,6 +31963,8 @@
                 <a:solidFill>
                   <a:schemeClr val="accent4"/>
                 </a:solidFill>
+                <a:latin typeface="Arial"/>
+                <a:cs typeface="Arial"/>
               </a:rPr>
               <a:t>тесты</a:t>
             </a:r>
@@ -28942,6 +31972,8 @@
               <a:solidFill>
                 <a:schemeClr val="accent4"/>
               </a:solidFill>
+              <a:latin typeface="Arial"/>
+              <a:cs typeface="Arial"/>
             </a:endParaRPr>
           </a:p>
           <a:p>
@@ -28957,6 +31989,8 @@
               <a:solidFill>
                 <a:schemeClr val="accent4"/>
               </a:solidFill>
+              <a:latin typeface="Arial"/>
+              <a:cs typeface="Arial"/>
             </a:endParaRPr>
           </a:p>
           <a:p>
@@ -28973,6 +32007,8 @@
                 <a:solidFill>
                   <a:schemeClr val="accent4"/>
                 </a:solidFill>
+                <a:latin typeface="Arial"/>
+                <a:cs typeface="Arial"/>
               </a:rPr>
               <a:t>Покрытие требований позволяет оценить степень полноты системы тестов по отношению к функциональности системы, но не позволяет оценить полноту по отношению к ее программной реализации</a:t>
             </a:r>
@@ -28992,7 +32028,7 @@
   <p:timing>
     <p:tnLst>
       <p:par>
-        <p:cTn id="1" dur="indefinite" restart="never" nodeType="tmRoot"/>
+        <p:cTn xmlns:p14="http://schemas.microsoft.com/office/powerpoint/2010/main" id="1" dur="indefinite" restart="never" nodeType="tmRoot"/>
       </p:par>
     </p:tnLst>
   </p:timing>
@@ -29053,8 +32089,8 @@
         </p:nvSpPr>
         <p:spPr bwMode="auto">
           <a:xfrm>
-            <a:off x="2000878" y="2201198"/>
-            <a:ext cx="5023841" cy="2732604"/>
+            <a:off x="1143000" y="2339697"/>
+            <a:ext cx="6858000" cy="2178606"/>
           </a:xfrm>
           <a:prstGeom prst="rect">
             <a:avLst/>
@@ -29086,6 +32122,8 @@
                 <a:solidFill>
                   <a:schemeClr val="accent4"/>
                 </a:solidFill>
+                <a:latin typeface="Arial"/>
+                <a:cs typeface="Arial"/>
               </a:rPr>
               <a:t>Одна и та же функция может быть реализована при помощи совершенно различных алгоритмов, требующих разного подхода к организации </a:t>
             </a:r>
@@ -29094,6 +32132,8 @@
                 <a:solidFill>
                   <a:schemeClr val="accent4"/>
                 </a:solidFill>
+                <a:latin typeface="Arial"/>
+                <a:cs typeface="Arial"/>
               </a:rPr>
               <a:t>тестирования</a:t>
             </a:r>
@@ -29101,6 +32141,8 @@
               <a:solidFill>
                 <a:schemeClr val="accent4"/>
               </a:solidFill>
+              <a:latin typeface="Arial"/>
+              <a:cs typeface="Arial"/>
             </a:endParaRPr>
           </a:p>
           <a:p>
@@ -29116,6 +32158,8 @@
               <a:solidFill>
                 <a:schemeClr val="accent4"/>
               </a:solidFill>
+              <a:latin typeface="Arial"/>
+              <a:cs typeface="Arial"/>
             </a:endParaRPr>
           </a:p>
           <a:p>
@@ -29132,6 +32176,8 @@
                 <a:solidFill>
                   <a:schemeClr val="accent4"/>
                 </a:solidFill>
+                <a:latin typeface="Arial"/>
+                <a:cs typeface="Arial"/>
               </a:rPr>
               <a:t>Для более детальной оценки полноты системы тестов анализируется покрытие программного кода, называемое также структурным покрытием</a:t>
             </a:r>
@@ -29151,7 +32197,7 @@
   <p:timing>
     <p:tnLst>
       <p:par>
-        <p:cTn id="1" dur="indefinite" restart="never" nodeType="tmRoot"/>
+        <p:cTn xmlns:p14="http://schemas.microsoft.com/office/powerpoint/2010/main" id="1" dur="indefinite" restart="never" nodeType="tmRoot"/>
       </p:par>
     </p:tnLst>
   </p:timing>
@@ -29212,8 +32258,8 @@
         </p:nvSpPr>
         <p:spPr bwMode="auto">
           <a:xfrm>
-            <a:off x="2000877" y="1676400"/>
-            <a:ext cx="5023841" cy="793611"/>
+            <a:off x="381000" y="1279594"/>
+            <a:ext cx="7543800" cy="793611"/>
           </a:xfrm>
           <a:prstGeom prst="rect">
             <a:avLst/>
@@ -29243,6 +32289,8 @@
                 <a:solidFill>
                   <a:schemeClr val="accent4"/>
                 </a:solidFill>
+                <a:latin typeface="Arial"/>
+                <a:cs typeface="Arial"/>
               </a:rPr>
               <a:t>Существует несколько различных способов измерения покрытия, основные из них:</a:t>
             </a:r>
@@ -29263,8 +32311,8 @@
         </p:nvSpPr>
         <p:spPr bwMode="auto">
           <a:xfrm>
-            <a:off x="2142392" y="2750403"/>
-            <a:ext cx="5023841" cy="2732604"/>
+            <a:off x="522515" y="2353597"/>
+            <a:ext cx="7543800" cy="2732604"/>
           </a:xfrm>
           <a:prstGeom prst="rect">
             <a:avLst/>
@@ -29296,6 +32344,8 @@
                 <a:solidFill>
                   <a:schemeClr val="accent4"/>
                 </a:solidFill>
+                <a:latin typeface="Arial"/>
+                <a:cs typeface="Arial"/>
               </a:rPr>
               <a:t>покрытие </a:t>
             </a:r>
@@ -29304,6 +32354,8 @@
                 <a:solidFill>
                   <a:schemeClr val="accent4"/>
                 </a:solidFill>
+                <a:latin typeface="Arial"/>
+                <a:cs typeface="Arial"/>
               </a:rPr>
               <a:t>операторов</a:t>
             </a:r>
@@ -29311,6 +32363,8 @@
               <a:solidFill>
                 <a:schemeClr val="accent4"/>
               </a:solidFill>
+              <a:latin typeface="Arial"/>
+              <a:cs typeface="Arial"/>
             </a:endParaRPr>
           </a:p>
           <a:p>
@@ -29326,6 +32380,8 @@
               <a:solidFill>
                 <a:schemeClr val="accent4"/>
               </a:solidFill>
+              <a:latin typeface="Arial"/>
+              <a:cs typeface="Arial"/>
             </a:endParaRPr>
           </a:p>
           <a:p>
@@ -29342,6 +32398,8 @@
                 <a:solidFill>
                   <a:schemeClr val="accent4"/>
                 </a:solidFill>
+                <a:latin typeface="Arial"/>
+                <a:cs typeface="Arial"/>
               </a:rPr>
               <a:t>покрытие </a:t>
             </a:r>
@@ -29350,6 +32408,8 @@
                 <a:solidFill>
                   <a:schemeClr val="accent4"/>
                 </a:solidFill>
+                <a:latin typeface="Arial"/>
+                <a:cs typeface="Arial"/>
               </a:rPr>
               <a:t>условий</a:t>
             </a:r>
@@ -29357,6 +32417,8 @@
               <a:solidFill>
                 <a:schemeClr val="accent4"/>
               </a:solidFill>
+              <a:latin typeface="Arial"/>
+              <a:cs typeface="Arial"/>
             </a:endParaRPr>
           </a:p>
           <a:p>
@@ -29372,6 +32434,8 @@
               <a:solidFill>
                 <a:schemeClr val="accent4"/>
               </a:solidFill>
+              <a:latin typeface="Arial"/>
+              <a:cs typeface="Arial"/>
             </a:endParaRPr>
           </a:p>
           <a:p>
@@ -29388,6 +32452,8 @@
                 <a:solidFill>
                   <a:schemeClr val="accent4"/>
                 </a:solidFill>
+                <a:latin typeface="Arial"/>
+                <a:cs typeface="Arial"/>
               </a:rPr>
               <a:t>покрытие </a:t>
             </a:r>
@@ -29396,6 +32462,8 @@
                 <a:solidFill>
                   <a:schemeClr val="accent4"/>
                 </a:solidFill>
+                <a:latin typeface="Arial"/>
+                <a:cs typeface="Arial"/>
               </a:rPr>
               <a:t>путей</a:t>
             </a:r>
@@ -29403,6 +32471,8 @@
               <a:solidFill>
                 <a:schemeClr val="accent4"/>
               </a:solidFill>
+              <a:latin typeface="Arial"/>
+              <a:cs typeface="Arial"/>
             </a:endParaRPr>
           </a:p>
           <a:p>
@@ -29418,6 +32488,8 @@
               <a:solidFill>
                 <a:schemeClr val="accent4"/>
               </a:solidFill>
+              <a:latin typeface="Arial"/>
+              <a:cs typeface="Arial"/>
             </a:endParaRPr>
           </a:p>
           <a:p>
@@ -29434,6 +32506,8 @@
                 <a:solidFill>
                   <a:schemeClr val="accent4"/>
                 </a:solidFill>
+                <a:latin typeface="Arial"/>
+                <a:cs typeface="Arial"/>
               </a:rPr>
               <a:t>покрытие </a:t>
             </a:r>
@@ -29442,6 +32516,8 @@
                 <a:solidFill>
                   <a:schemeClr val="accent4"/>
                 </a:solidFill>
+                <a:latin typeface="Arial"/>
+                <a:cs typeface="Arial"/>
               </a:rPr>
               <a:t>функций</a:t>
             </a:r>
@@ -29449,6 +32525,8 @@
               <a:solidFill>
                 <a:schemeClr val="accent4"/>
               </a:solidFill>
+              <a:latin typeface="Arial"/>
+              <a:cs typeface="Arial"/>
             </a:endParaRPr>
           </a:p>
           <a:p>
@@ -29464,6 +32542,8 @@
               <a:solidFill>
                 <a:schemeClr val="accent4"/>
               </a:solidFill>
+              <a:latin typeface="Arial"/>
+              <a:cs typeface="Arial"/>
             </a:endParaRPr>
           </a:p>
           <a:p>
@@ -29480,6 +32560,8 @@
                 <a:solidFill>
                   <a:schemeClr val="accent4"/>
                 </a:solidFill>
+                <a:latin typeface="Arial"/>
+                <a:cs typeface="Arial"/>
               </a:rPr>
               <a:t>покрытие вход/выход</a:t>
             </a:r>
@@ -29499,7 +32581,7 @@
   <p:timing>
     <p:tnLst>
       <p:par>
-        <p:cTn id="1" dur="indefinite" restart="never" nodeType="tmRoot"/>
+        <p:cTn xmlns:p14="http://schemas.microsoft.com/office/powerpoint/2010/main" id="1" dur="indefinite" restart="never" nodeType="tmRoot"/>
       </p:par>
     </p:tnLst>
   </p:timing>
@@ -29560,8 +32642,8 @@
         </p:nvSpPr>
         <p:spPr bwMode="auto">
           <a:xfrm>
-            <a:off x="2000878" y="1785700"/>
-            <a:ext cx="5023841" cy="3286601"/>
+            <a:off x="369888" y="2339697"/>
+            <a:ext cx="8404224" cy="2178606"/>
           </a:xfrm>
           <a:prstGeom prst="rect">
             <a:avLst/>
@@ -29593,6 +32675,8 @@
                 <a:solidFill>
                   <a:schemeClr val="accent4"/>
                 </a:solidFill>
+                <a:latin typeface="Arial"/>
+                <a:cs typeface="Arial"/>
               </a:rPr>
               <a:t>Для обеспечения полного покрытия программного кода на уровне операторов необходимо, чтобы в результате выполнения тестов каждый оператор был выполнен хотя бы один </a:t>
             </a:r>
@@ -29601,6 +32685,8 @@
                 <a:solidFill>
                   <a:schemeClr val="accent4"/>
                 </a:solidFill>
+                <a:latin typeface="Arial"/>
+                <a:cs typeface="Arial"/>
               </a:rPr>
               <a:t>раз</a:t>
             </a:r>
@@ -29608,6 +32694,8 @@
               <a:solidFill>
                 <a:schemeClr val="accent4"/>
               </a:solidFill>
+              <a:latin typeface="Arial"/>
+              <a:cs typeface="Arial"/>
             </a:endParaRPr>
           </a:p>
           <a:p>
@@ -29623,6 +32711,8 @@
               <a:solidFill>
                 <a:schemeClr val="accent4"/>
               </a:solidFill>
+              <a:latin typeface="Arial"/>
+              <a:cs typeface="Arial"/>
             </a:endParaRPr>
           </a:p>
           <a:p>
@@ -29639,6 +32729,8 @@
                 <a:solidFill>
                   <a:schemeClr val="accent4"/>
                 </a:solidFill>
+                <a:latin typeface="Arial"/>
+                <a:cs typeface="Arial"/>
               </a:rPr>
               <a:t>Перед началом тестирования необходимо выделить переменные, от которых зависит выполнение различных ветвей условий и циклов в коде – управляющие входные переменные</a:t>
             </a:r>
@@ -29658,7 +32750,7 @@
   <p:timing>
     <p:tnLst>
       <p:par>
-        <p:cTn id="1" dur="indefinite" restart="never" nodeType="tmRoot"/>
+        <p:cTn xmlns:p14="http://schemas.microsoft.com/office/powerpoint/2010/main" id="1" dur="indefinite" restart="never" nodeType="tmRoot"/>
       </p:par>
     </p:tnLst>
   </p:timing>
@@ -29862,20 +32954,6 @@
 </file>
 
 <file path=ppt/tags/tag35.xml><?xml version="1.0" encoding="utf-8"?>
-<p:tagLst xmlns:a="http://schemas.openxmlformats.org/drawingml/2006/main" xmlns:r="http://schemas.openxmlformats.org/officeDocument/2006/relationships" xmlns:p="http://schemas.openxmlformats.org/presentationml/2006/main">
-  <p:tag name="LTOP" val=" 238.25"/>
-  <p:tag name="LLEFT" val=" 144.125"/>
-</p:tagLst>
-</file>
-
-<file path=ppt/tags/tag36.xml><?xml version="1.0" encoding="utf-8"?>
-<p:tagLst xmlns:a="http://schemas.openxmlformats.org/drawingml/2006/main" xmlns:r="http://schemas.openxmlformats.org/officeDocument/2006/relationships" xmlns:p="http://schemas.openxmlformats.org/presentationml/2006/main">
-  <p:tag name="LTOP" val=" 238.25"/>
-  <p:tag name="LLEFT" val=" 144.125"/>
-</p:tagLst>
-</file>
-
-<file path=ppt/tags/tag37.xml><?xml version="1.0" encoding="utf-8"?>
 <p:tagLst xmlns:a="http://schemas.openxmlformats.org/drawingml/2006/main" xmlns:r="http://schemas.openxmlformats.org/officeDocument/2006/relationships" xmlns:p="http://schemas.openxmlformats.org/presentationml/2006/main">
   <p:tag name="LTOP" val=" 238.25"/>
   <p:tag name="LLEFT" val=" 144.125"/>

--- a/Test Driven Development/materials/pptx/3. TDD-Code-Coverage.pptx
+++ b/Test Driven Development/materials/pptx/3. TDD-Code-Coverage.pptx
@@ -20448,9 +20448,14 @@
   <p:clrMapOvr>
     <a:masterClrMapping/>
   </p:clrMapOvr>
-  <p:transition xmlns:p14="http://schemas.microsoft.com/office/powerpoint/2010/main">
-    <p:zoom/>
-  </p:transition>
+  <mc:AlternateContent xmlns:mc="http://schemas.openxmlformats.org/markup-compatibility/2006">
+    <mc:Choice xmlns:p14="http://schemas.microsoft.com/office/powerpoint/2010/main" Requires="p14">
+      <p:transition p14:dur="0"/>
+    </mc:Choice>
+    <mc:Fallback>
+      <p:transition xmlns:p14="http://schemas.microsoft.com/office/powerpoint/2010/main"/>
+    </mc:Fallback>
+  </mc:AlternateContent>
   <p:timing>
     <p:tnLst>
       <p:par>
@@ -21020,6 +21025,14 @@
   <p:clrMapOvr>
     <a:masterClrMapping/>
   </p:clrMapOvr>
+  <mc:AlternateContent xmlns:mc="http://schemas.openxmlformats.org/markup-compatibility/2006">
+    <mc:Choice xmlns:p14="http://schemas.microsoft.com/office/powerpoint/2010/main" Requires="p14">
+      <p:transition p14:dur="0"/>
+    </mc:Choice>
+    <mc:Fallback>
+      <p:transition xmlns:p14="http://schemas.microsoft.com/office/powerpoint/2010/main"/>
+    </mc:Fallback>
+  </mc:AlternateContent>
   <p:timing>
     <p:tnLst>
       <p:par>
@@ -21303,6 +21316,14 @@
   <p:clrMapOvr>
     <a:masterClrMapping/>
   </p:clrMapOvr>
+  <mc:AlternateContent xmlns:mc="http://schemas.openxmlformats.org/markup-compatibility/2006">
+    <mc:Choice xmlns:p14="http://schemas.microsoft.com/office/powerpoint/2010/main" Requires="p14">
+      <p:transition p14:dur="0"/>
+    </mc:Choice>
+    <mc:Fallback>
+      <p:transition xmlns:p14="http://schemas.microsoft.com/office/powerpoint/2010/main"/>
+    </mc:Fallback>
+  </mc:AlternateContent>
   <p:timing>
     <p:tnLst>
       <p:par>
@@ -21472,6 +21493,14 @@
   <p:clrMapOvr>
     <a:masterClrMapping/>
   </p:clrMapOvr>
+  <mc:AlternateContent xmlns:mc="http://schemas.openxmlformats.org/markup-compatibility/2006">
+    <mc:Choice xmlns:p14="http://schemas.microsoft.com/office/powerpoint/2010/main" Requires="p14">
+      <p:transition p14:dur="0"/>
+    </mc:Choice>
+    <mc:Fallback>
+      <p:transition xmlns:p14="http://schemas.microsoft.com/office/powerpoint/2010/main"/>
+    </mc:Fallback>
+  </mc:AlternateContent>
   <p:timing>
     <p:tnLst>
       <p:par>
@@ -21814,6 +21843,14 @@
   <p:clrMapOvr>
     <a:masterClrMapping/>
   </p:clrMapOvr>
+  <mc:AlternateContent xmlns:mc="http://schemas.openxmlformats.org/markup-compatibility/2006">
+    <mc:Choice xmlns:p14="http://schemas.microsoft.com/office/powerpoint/2010/main" Requires="p14">
+      <p:transition p14:dur="0"/>
+    </mc:Choice>
+    <mc:Fallback>
+      <p:transition xmlns:p14="http://schemas.microsoft.com/office/powerpoint/2010/main"/>
+    </mc:Fallback>
+  </mc:AlternateContent>
   <p:timing>
     <p:tnLst>
       <p:par>
@@ -21983,6 +22020,14 @@
   <p:clrMapOvr>
     <a:masterClrMapping/>
   </p:clrMapOvr>
+  <mc:AlternateContent xmlns:mc="http://schemas.openxmlformats.org/markup-compatibility/2006">
+    <mc:Choice xmlns:p14="http://schemas.microsoft.com/office/powerpoint/2010/main" Requires="p14">
+      <p:transition p14:dur="0"/>
+    </mc:Choice>
+    <mc:Fallback>
+      <p:transition xmlns:p14="http://schemas.microsoft.com/office/powerpoint/2010/main"/>
+    </mc:Fallback>
+  </mc:AlternateContent>
   <p:timing>
     <p:tnLst>
       <p:par>
@@ -22260,6 +22305,14 @@
   <p:clrMapOvr>
     <a:masterClrMapping/>
   </p:clrMapOvr>
+  <mc:AlternateContent xmlns:mc="http://schemas.openxmlformats.org/markup-compatibility/2006">
+    <mc:Choice xmlns:p14="http://schemas.microsoft.com/office/powerpoint/2010/main" Requires="p14">
+      <p:transition p14:dur="0"/>
+    </mc:Choice>
+    <mc:Fallback>
+      <p:transition xmlns:p14="http://schemas.microsoft.com/office/powerpoint/2010/main"/>
+    </mc:Fallback>
+  </mc:AlternateContent>
   <p:timing>
     <p:tnLst>
       <p:par>
@@ -22829,6 +22882,14 @@
   <p:clrMapOvr>
     <a:masterClrMapping/>
   </p:clrMapOvr>
+  <mc:AlternateContent xmlns:mc="http://schemas.openxmlformats.org/markup-compatibility/2006">
+    <mc:Choice xmlns:p14="http://schemas.microsoft.com/office/powerpoint/2010/main" Requires="p14">
+      <p:transition p14:dur="0"/>
+    </mc:Choice>
+    <mc:Fallback>
+      <p:transition xmlns:p14="http://schemas.microsoft.com/office/powerpoint/2010/main"/>
+    </mc:Fallback>
+  </mc:AlternateContent>
   <p:timing>
     <p:tnLst>
       <p:par>
@@ -23052,6 +23113,14 @@
   <p:clrMapOvr>
     <a:masterClrMapping/>
   </p:clrMapOvr>
+  <mc:AlternateContent xmlns:mc="http://schemas.openxmlformats.org/markup-compatibility/2006">
+    <mc:Choice xmlns:p14="http://schemas.microsoft.com/office/powerpoint/2010/main" Requires="p14">
+      <p:transition p14:dur="0"/>
+    </mc:Choice>
+    <mc:Fallback>
+      <p:transition xmlns:p14="http://schemas.microsoft.com/office/powerpoint/2010/main"/>
+    </mc:Fallback>
+  </mc:AlternateContent>
   <p:timing>
     <p:tnLst>
       <p:par>
@@ -23382,6 +23451,14 @@
   <p:clrMapOvr>
     <a:masterClrMapping/>
   </p:clrMapOvr>
+  <mc:AlternateContent xmlns:mc="http://schemas.openxmlformats.org/markup-compatibility/2006">
+    <mc:Choice xmlns:p14="http://schemas.microsoft.com/office/powerpoint/2010/main" Requires="p14">
+      <p:transition p14:dur="0"/>
+    </mc:Choice>
+    <mc:Fallback>
+      <p:transition xmlns:p14="http://schemas.microsoft.com/office/powerpoint/2010/main"/>
+    </mc:Fallback>
+  </mc:AlternateContent>
   <p:timing>
     <p:tnLst>
       <p:par>
@@ -23746,6 +23823,14 @@
   <p:clrMapOvr>
     <a:masterClrMapping/>
   </p:clrMapOvr>
+  <mc:AlternateContent xmlns:mc="http://schemas.openxmlformats.org/markup-compatibility/2006">
+    <mc:Choice xmlns:p14="http://schemas.microsoft.com/office/powerpoint/2010/main" Requires="p14">
+      <p:transition p14:dur="0"/>
+    </mc:Choice>
+    <mc:Fallback>
+      <p:transition xmlns:p14="http://schemas.microsoft.com/office/powerpoint/2010/main"/>
+    </mc:Fallback>
+  </mc:AlternateContent>
   <p:timing>
     <p:tnLst>
       <p:par>
@@ -25805,9 +25890,14 @@
   <p:clrMapOvr>
     <a:masterClrMapping/>
   </p:clrMapOvr>
-  <p:transition xmlns:p14="http://schemas.microsoft.com/office/powerpoint/2010/main" spd="slow">
-    <p:fade/>
-  </p:transition>
+  <mc:AlternateContent xmlns:mc="http://schemas.openxmlformats.org/markup-compatibility/2006">
+    <mc:Choice xmlns:p14="http://schemas.microsoft.com/office/powerpoint/2010/main" Requires="p14">
+      <p:transition p14:dur="0"/>
+    </mc:Choice>
+    <mc:Fallback>
+      <p:transition xmlns:p14="http://schemas.microsoft.com/office/powerpoint/2010/main"/>
+    </mc:Fallback>
+  </mc:AlternateContent>
   <p:timing>
     <p:tnLst>
       <p:par>
@@ -26085,6 +26175,14 @@
   <p:clrMapOvr>
     <a:masterClrMapping/>
   </p:clrMapOvr>
+  <mc:AlternateContent xmlns:mc="http://schemas.openxmlformats.org/markup-compatibility/2006">
+    <mc:Choice xmlns:p14="http://schemas.microsoft.com/office/powerpoint/2010/main" Requires="p14">
+      <p:transition p14:dur="0"/>
+    </mc:Choice>
+    <mc:Fallback>
+      <p:transition xmlns:p14="http://schemas.microsoft.com/office/powerpoint/2010/main"/>
+    </mc:Fallback>
+  </mc:AlternateContent>
   <p:timing>
     <p:tnLst>
       <p:par>
@@ -26308,6 +26406,14 @@
   <p:clrMapOvr>
     <a:masterClrMapping/>
   </p:clrMapOvr>
+  <mc:AlternateContent xmlns:mc="http://schemas.openxmlformats.org/markup-compatibility/2006">
+    <mc:Choice xmlns:p14="http://schemas.microsoft.com/office/powerpoint/2010/main" Requires="p14">
+      <p:transition p14:dur="0"/>
+    </mc:Choice>
+    <mc:Fallback>
+      <p:transition xmlns:p14="http://schemas.microsoft.com/office/powerpoint/2010/main"/>
+    </mc:Fallback>
+  </mc:AlternateContent>
   <p:timing>
     <p:tnLst>
       <p:par>
@@ -26666,6 +26772,14 @@
   <p:clrMapOvr>
     <a:masterClrMapping/>
   </p:clrMapOvr>
+  <mc:AlternateContent xmlns:mc="http://schemas.openxmlformats.org/markup-compatibility/2006">
+    <mc:Choice xmlns:p14="http://schemas.microsoft.com/office/powerpoint/2010/main" Requires="p14">
+      <p:transition p14:dur="0"/>
+    </mc:Choice>
+    <mc:Fallback>
+      <p:transition xmlns:p14="http://schemas.microsoft.com/office/powerpoint/2010/main"/>
+    </mc:Fallback>
+  </mc:AlternateContent>
   <p:timing>
     <p:tnLst>
       <p:par>
@@ -26889,6 +27003,14 @@
   <p:clrMapOvr>
     <a:masterClrMapping/>
   </p:clrMapOvr>
+  <mc:AlternateContent xmlns:mc="http://schemas.openxmlformats.org/markup-compatibility/2006">
+    <mc:Choice xmlns:p14="http://schemas.microsoft.com/office/powerpoint/2010/main" Requires="p14">
+      <p:transition p14:dur="0"/>
+    </mc:Choice>
+    <mc:Fallback>
+      <p:transition xmlns:p14="http://schemas.microsoft.com/office/powerpoint/2010/main"/>
+    </mc:Fallback>
+  </mc:AlternateContent>
   <p:timing>
     <p:tnLst>
       <p:par>
@@ -27957,6 +28079,14 @@
   <p:clrMapOvr>
     <a:masterClrMapping/>
   </p:clrMapOvr>
+  <mc:AlternateContent xmlns:mc="http://schemas.openxmlformats.org/markup-compatibility/2006">
+    <mc:Choice xmlns:p14="http://schemas.microsoft.com/office/powerpoint/2010/main" Requires="p14">
+      <p:transition p14:dur="0"/>
+    </mc:Choice>
+    <mc:Fallback>
+      <p:transition xmlns:p14="http://schemas.microsoft.com/office/powerpoint/2010/main"/>
+    </mc:Fallback>
+  </mc:AlternateContent>
   <p:timing>
     <p:tnLst>
       <p:par>
@@ -28250,6 +28380,14 @@
   <p:clrMapOvr>
     <a:masterClrMapping/>
   </p:clrMapOvr>
+  <mc:AlternateContent xmlns:mc="http://schemas.openxmlformats.org/markup-compatibility/2006">
+    <mc:Choice xmlns:p14="http://schemas.microsoft.com/office/powerpoint/2010/main" Requires="p14">
+      <p:transition p14:dur="0"/>
+    </mc:Choice>
+    <mc:Fallback>
+      <p:transition xmlns:p14="http://schemas.microsoft.com/office/powerpoint/2010/main"/>
+    </mc:Fallback>
+  </mc:AlternateContent>
   <p:timing>
     <p:tnLst>
       <p:par>
@@ -28469,6 +28607,14 @@
   <p:clrMapOvr>
     <a:masterClrMapping/>
   </p:clrMapOvr>
+  <mc:AlternateContent xmlns:mc="http://schemas.openxmlformats.org/markup-compatibility/2006">
+    <mc:Choice xmlns:p14="http://schemas.microsoft.com/office/powerpoint/2010/main" Requires="p14">
+      <p:transition p14:dur="0"/>
+    </mc:Choice>
+    <mc:Fallback>
+      <p:transition xmlns:p14="http://schemas.microsoft.com/office/powerpoint/2010/main"/>
+    </mc:Fallback>
+  </mc:AlternateContent>
   <p:timing>
     <p:tnLst>
       <p:par>
@@ -28693,6 +28839,14 @@
   <p:clrMapOvr>
     <a:masterClrMapping/>
   </p:clrMapOvr>
+  <mc:AlternateContent xmlns:mc="http://schemas.openxmlformats.org/markup-compatibility/2006">
+    <mc:Choice xmlns:p14="http://schemas.microsoft.com/office/powerpoint/2010/main" Requires="p14">
+      <p:transition p14:dur="0"/>
+    </mc:Choice>
+    <mc:Fallback>
+      <p:transition xmlns:p14="http://schemas.microsoft.com/office/powerpoint/2010/main"/>
+    </mc:Fallback>
+  </mc:AlternateContent>
   <p:timing>
     <p:tnLst>
       <p:par>
@@ -28865,6 +29019,14 @@
   <p:clrMapOvr>
     <a:masterClrMapping/>
   </p:clrMapOvr>
+  <mc:AlternateContent xmlns:mc="http://schemas.openxmlformats.org/markup-compatibility/2006">
+    <mc:Choice xmlns:p14="http://schemas.microsoft.com/office/powerpoint/2010/main" Requires="p14">
+      <p:transition p14:dur="0"/>
+    </mc:Choice>
+    <mc:Fallback>
+      <p:transition xmlns:p14="http://schemas.microsoft.com/office/powerpoint/2010/main"/>
+    </mc:Fallback>
+  </mc:AlternateContent>
   <p:timing>
     <p:tnLst>
       <p:par>
@@ -29074,6 +29236,14 @@
   <p:clrMapOvr>
     <a:masterClrMapping/>
   </p:clrMapOvr>
+  <mc:AlternateContent xmlns:mc="http://schemas.openxmlformats.org/markup-compatibility/2006">
+    <mc:Choice xmlns:p14="http://schemas.microsoft.com/office/powerpoint/2010/main" Requires="p14">
+      <p:transition p14:dur="0"/>
+    </mc:Choice>
+    <mc:Fallback>
+      <p:transition xmlns:p14="http://schemas.microsoft.com/office/powerpoint/2010/main"/>
+    </mc:Fallback>
+  </mc:AlternateContent>
   <p:timing>
     <p:tnLst>
       <p:par>
@@ -29243,6 +29413,14 @@
   <p:clrMapOvr>
     <a:masterClrMapping/>
   </p:clrMapOvr>
+  <mc:AlternateContent xmlns:mc="http://schemas.openxmlformats.org/markup-compatibility/2006">
+    <mc:Choice xmlns:p14="http://schemas.microsoft.com/office/powerpoint/2010/main" Requires="p14">
+      <p:transition p14:dur="0"/>
+    </mc:Choice>
+    <mc:Fallback>
+      <p:transition xmlns:p14="http://schemas.microsoft.com/office/powerpoint/2010/main"/>
+    </mc:Fallback>
+  </mc:AlternateContent>
   <p:timing>
     <p:tnLst>
       <p:par>
@@ -29452,6 +29630,14 @@
   <p:clrMapOvr>
     <a:masterClrMapping/>
   </p:clrMapOvr>
+  <mc:AlternateContent xmlns:mc="http://schemas.openxmlformats.org/markup-compatibility/2006">
+    <mc:Choice xmlns:p14="http://schemas.microsoft.com/office/powerpoint/2010/main" Requires="p14">
+      <p:transition p14:dur="0"/>
+    </mc:Choice>
+    <mc:Fallback>
+      <p:transition xmlns:p14="http://schemas.microsoft.com/office/powerpoint/2010/main"/>
+    </mc:Fallback>
+  </mc:AlternateContent>
   <p:timing>
     <p:tnLst>
       <p:par>
@@ -29730,6 +29916,14 @@
   <p:clrMapOvr>
     <a:masterClrMapping/>
   </p:clrMapOvr>
+  <mc:AlternateContent xmlns:mc="http://schemas.openxmlformats.org/markup-compatibility/2006">
+    <mc:Choice xmlns:p14="http://schemas.microsoft.com/office/powerpoint/2010/main" Requires="p14">
+      <p:transition p14:dur="0"/>
+    </mc:Choice>
+    <mc:Fallback>
+      <p:transition xmlns:p14="http://schemas.microsoft.com/office/powerpoint/2010/main"/>
+    </mc:Fallback>
+  </mc:AlternateContent>
   <p:timing>
     <p:tnLst>
       <p:par>
@@ -29939,6 +30133,14 @@
   <p:clrMapOvr>
     <a:masterClrMapping/>
   </p:clrMapOvr>
+  <mc:AlternateContent xmlns:mc="http://schemas.openxmlformats.org/markup-compatibility/2006">
+    <mc:Choice xmlns:p14="http://schemas.microsoft.com/office/powerpoint/2010/main" Requires="p14">
+      <p:transition p14:dur="0"/>
+    </mc:Choice>
+    <mc:Fallback>
+      <p:transition xmlns:p14="http://schemas.microsoft.com/office/powerpoint/2010/main"/>
+    </mc:Fallback>
+  </mc:AlternateContent>
   <p:timing>
     <p:tnLst>
       <p:par>
@@ -30231,6 +30433,14 @@
   <p:clrMapOvr>
     <a:masterClrMapping/>
   </p:clrMapOvr>
+  <mc:AlternateContent xmlns:mc="http://schemas.openxmlformats.org/markup-compatibility/2006">
+    <mc:Choice xmlns:p14="http://schemas.microsoft.com/office/powerpoint/2010/main" Requires="p14">
+      <p:transition p14:dur="0"/>
+    </mc:Choice>
+    <mc:Fallback>
+      <p:transition xmlns:p14="http://schemas.microsoft.com/office/powerpoint/2010/main"/>
+    </mc:Fallback>
+  </mc:AlternateContent>
   <p:timing>
     <p:tnLst>
       <p:par>
@@ -30331,17 +30541,7 @@
                 <a:latin typeface="Arial"/>
                 <a:cs typeface="Arial"/>
               </a:rPr>
-              <a:t>Избыточные </a:t>
-            </a:r>
-            <a:r>
-              <a:rPr lang="ru-RU" dirty="0" smtClean="0">
-                <a:solidFill>
-                  <a:schemeClr val="accent4"/>
-                </a:solidFill>
-                <a:latin typeface="Arial"/>
-                <a:cs typeface="Arial"/>
-              </a:rPr>
-              <a:t>условия</a:t>
+              <a:t>Избыточные условия</a:t>
             </a:r>
             <a:endParaRPr lang="en-US" dirty="0" smtClean="0">
               <a:solidFill>
@@ -30538,6 +30738,14 @@
   <p:clrMapOvr>
     <a:masterClrMapping/>
   </p:clrMapOvr>
+  <mc:AlternateContent xmlns:mc="http://schemas.openxmlformats.org/markup-compatibility/2006">
+    <mc:Choice xmlns:p14="http://schemas.microsoft.com/office/powerpoint/2010/main" Requires="p14">
+      <p:transition p14:dur="0"/>
+    </mc:Choice>
+    <mc:Fallback>
+      <p:transition xmlns:p14="http://schemas.microsoft.com/office/powerpoint/2010/main"/>
+    </mc:Fallback>
+  </mc:AlternateContent>
   <p:timing>
     <p:tnLst>
       <p:par>
@@ -30655,6 +30863,14 @@
   <p:clrMapOvr>
     <a:masterClrMapping/>
   </p:clrMapOvr>
+  <mc:AlternateContent xmlns:mc="http://schemas.openxmlformats.org/markup-compatibility/2006">
+    <mc:Choice xmlns:p14="http://schemas.microsoft.com/office/powerpoint/2010/main" Requires="p14">
+      <p:transition p14:dur="0"/>
+    </mc:Choice>
+    <mc:Fallback>
+      <p:transition xmlns:p14="http://schemas.microsoft.com/office/powerpoint/2010/main"/>
+    </mc:Fallback>
+  </mc:AlternateContent>
   <p:timing>
     <p:tnLst>
       <p:par>
@@ -30868,6 +31084,14 @@
   <p:clrMapOvr>
     <a:masterClrMapping/>
   </p:clrMapOvr>
+  <mc:AlternateContent xmlns:mc="http://schemas.openxmlformats.org/markup-compatibility/2006">
+    <mc:Choice xmlns:p14="http://schemas.microsoft.com/office/powerpoint/2010/main" Requires="p14">
+      <p:transition p14:dur="0"/>
+    </mc:Choice>
+    <mc:Fallback>
+      <p:transition xmlns:p14="http://schemas.microsoft.com/office/powerpoint/2010/main"/>
+    </mc:Fallback>
+  </mc:AlternateContent>
   <p:timing>
     <p:tnLst>
       <p:par>
@@ -31120,6 +31344,14 @@
   <p:clrMapOvr>
     <a:masterClrMapping/>
   </p:clrMapOvr>
+  <mc:AlternateContent xmlns:mc="http://schemas.openxmlformats.org/markup-compatibility/2006">
+    <mc:Choice xmlns:p14="http://schemas.microsoft.com/office/powerpoint/2010/main" Requires="p14">
+      <p:transition p14:dur="0"/>
+    </mc:Choice>
+    <mc:Fallback>
+      <p:transition xmlns:p14="http://schemas.microsoft.com/office/powerpoint/2010/main"/>
+    </mc:Fallback>
+  </mc:AlternateContent>
   <p:timing>
     <p:tnLst>
       <p:par>
@@ -31233,6 +31465,14 @@
   <p:clrMapOvr>
     <a:masterClrMapping/>
   </p:clrMapOvr>
+  <mc:AlternateContent xmlns:mc="http://schemas.openxmlformats.org/markup-compatibility/2006">
+    <mc:Choice xmlns:p14="http://schemas.microsoft.com/office/powerpoint/2010/main" Requires="p14">
+      <p:transition p14:dur="0"/>
+    </mc:Choice>
+    <mc:Fallback>
+      <p:transition xmlns:p14="http://schemas.microsoft.com/office/powerpoint/2010/main"/>
+    </mc:Fallback>
+  </mc:AlternateContent>
   <p:timing>
     <p:tnLst>
       <p:par>
@@ -31298,9 +31538,14 @@
   <p:clrMapOvr>
     <a:masterClrMapping/>
   </p:clrMapOvr>
-  <p:transition xmlns:p14="http://schemas.microsoft.com/office/powerpoint/2010/main">
-    <p:zoom/>
-  </p:transition>
+  <mc:AlternateContent xmlns:mc="http://schemas.openxmlformats.org/markup-compatibility/2006">
+    <mc:Choice xmlns:p14="http://schemas.microsoft.com/office/powerpoint/2010/main" Requires="p14">
+      <p:transition p14:dur="0"/>
+    </mc:Choice>
+    <mc:Fallback>
+      <p:transition xmlns:p14="http://schemas.microsoft.com/office/powerpoint/2010/main"/>
+    </mc:Fallback>
+  </mc:AlternateContent>
   <p:timing>
     <p:tnLst>
       <p:par>
@@ -31470,6 +31715,14 @@
   <p:clrMapOvr>
     <a:masterClrMapping/>
   </p:clrMapOvr>
+  <mc:AlternateContent xmlns:mc="http://schemas.openxmlformats.org/markup-compatibility/2006">
+    <mc:Choice xmlns:p14="http://schemas.microsoft.com/office/powerpoint/2010/main" Requires="p14">
+      <p:transition p14:dur="0"/>
+    </mc:Choice>
+    <mc:Fallback>
+      <p:transition xmlns:p14="http://schemas.microsoft.com/office/powerpoint/2010/main"/>
+    </mc:Fallback>
+  </mc:AlternateContent>
   <p:timing>
     <p:tnLst>
       <p:par>
@@ -31691,9 +31944,14 @@
   <p:clrMapOvr>
     <a:masterClrMapping/>
   </p:clrMapOvr>
-  <p:transition xmlns:p14="http://schemas.microsoft.com/office/powerpoint/2010/main">
-    <p:zoom/>
-  </p:transition>
+  <mc:AlternateContent xmlns:mc="http://schemas.openxmlformats.org/markup-compatibility/2006">
+    <mc:Choice xmlns:p14="http://schemas.microsoft.com/office/powerpoint/2010/main" Requires="p14">
+      <p:transition p14:dur="0"/>
+    </mc:Choice>
+    <mc:Fallback>
+      <p:transition xmlns:p14="http://schemas.microsoft.com/office/powerpoint/2010/main"/>
+    </mc:Fallback>
+  </mc:AlternateContent>
 </p:sld>
 </file>
 
@@ -31856,6 +32114,14 @@
   <p:clrMapOvr>
     <a:masterClrMapping/>
   </p:clrMapOvr>
+  <mc:AlternateContent xmlns:mc="http://schemas.openxmlformats.org/markup-compatibility/2006">
+    <mc:Choice xmlns:p14="http://schemas.microsoft.com/office/powerpoint/2010/main" Requires="p14">
+      <p:transition p14:dur="0"/>
+    </mc:Choice>
+    <mc:Fallback>
+      <p:transition xmlns:p14="http://schemas.microsoft.com/office/powerpoint/2010/main"/>
+    </mc:Fallback>
+  </mc:AlternateContent>
   <p:timing>
     <p:tnLst>
       <p:par>
@@ -32025,6 +32291,14 @@
   <p:clrMapOvr>
     <a:masterClrMapping/>
   </p:clrMapOvr>
+  <mc:AlternateContent xmlns:mc="http://schemas.openxmlformats.org/markup-compatibility/2006">
+    <mc:Choice xmlns:p14="http://schemas.microsoft.com/office/powerpoint/2010/main" Requires="p14">
+      <p:transition p14:dur="0"/>
+    </mc:Choice>
+    <mc:Fallback>
+      <p:transition xmlns:p14="http://schemas.microsoft.com/office/powerpoint/2010/main"/>
+    </mc:Fallback>
+  </mc:AlternateContent>
   <p:timing>
     <p:tnLst>
       <p:par>
@@ -32194,6 +32468,14 @@
   <p:clrMapOvr>
     <a:masterClrMapping/>
   </p:clrMapOvr>
+  <mc:AlternateContent xmlns:mc="http://schemas.openxmlformats.org/markup-compatibility/2006">
+    <mc:Choice xmlns:p14="http://schemas.microsoft.com/office/powerpoint/2010/main" Requires="p14">
+      <p:transition p14:dur="0"/>
+    </mc:Choice>
+    <mc:Fallback>
+      <p:transition xmlns:p14="http://schemas.microsoft.com/office/powerpoint/2010/main"/>
+    </mc:Fallback>
+  </mc:AlternateContent>
   <p:timing>
     <p:tnLst>
       <p:par>
@@ -32578,6 +32860,14 @@
   <p:clrMapOvr>
     <a:masterClrMapping/>
   </p:clrMapOvr>
+  <mc:AlternateContent xmlns:mc="http://schemas.openxmlformats.org/markup-compatibility/2006">
+    <mc:Choice xmlns:p14="http://schemas.microsoft.com/office/powerpoint/2010/main" Requires="p14">
+      <p:transition p14:dur="0"/>
+    </mc:Choice>
+    <mc:Fallback>
+      <p:transition xmlns:p14="http://schemas.microsoft.com/office/powerpoint/2010/main"/>
+    </mc:Fallback>
+  </mc:AlternateContent>
   <p:timing>
     <p:tnLst>
       <p:par>
@@ -32747,6 +33037,14 @@
   <p:clrMapOvr>
     <a:masterClrMapping/>
   </p:clrMapOvr>
+  <mc:AlternateContent xmlns:mc="http://schemas.openxmlformats.org/markup-compatibility/2006">
+    <mc:Choice xmlns:p14="http://schemas.microsoft.com/office/powerpoint/2010/main" Requires="p14">
+      <p:transition p14:dur="0"/>
+    </mc:Choice>
+    <mc:Fallback>
+      <p:transition xmlns:p14="http://schemas.microsoft.com/office/powerpoint/2010/main"/>
+    </mc:Fallback>
+  </mc:AlternateContent>
   <p:timing>
     <p:tnLst>
       <p:par>
